--- a/data/nyt_summarizer_10_09_1.pptx
+++ b/data/nyt_summarizer_10_09_1.pptx
@@ -2,26 +2,26 @@
 <file path=ppt/presentation.xml><?xml version="1.0" encoding="utf-8"?>
 <p:presentation xmlns:a="http://schemas.openxmlformats.org/drawingml/2006/main" xmlns:r="http://schemas.openxmlformats.org/officeDocument/2006/relationships" xmlns:p="http://schemas.openxmlformats.org/presentationml/2006/main">
   <p:sldMasterIdLst>
-    <p:sldMasterId id="2147483648" r:id="rId5"/>
+    <p:sldMasterId id="2147483648" r:id="rId1"/>
   </p:sldMasterIdLst>
   <p:notesMasterIdLst>
-    <p:notesMasterId r:id="rId7"/>
+    <p:notesMasterId r:id="rId16"/>
   </p:notesMasterIdLst>
   <p:sldIdLst>
-    <p:sldId id="256" r:id="rId8"/>
-    <p:sldId id="257" r:id="rId9"/>
-    <p:sldId id="258" r:id="rId10"/>
-    <p:sldId id="259" r:id="rId11"/>
-    <p:sldId id="260" r:id="rId12"/>
-    <p:sldId id="261" r:id="rId13"/>
-    <p:sldId id="262" r:id="rId14"/>
-    <p:sldId id="263" r:id="rId15"/>
-    <p:sldId id="264" r:id="rId16"/>
-    <p:sldId id="265" r:id="rId17"/>
-    <p:sldId id="266" r:id="rId18"/>
-    <p:sldId id="267" r:id="rId19"/>
-    <p:sldId id="268" r:id="rId20"/>
-    <p:sldId id="269" r:id="rId21"/>
+    <p:sldId id="256" r:id="rId2"/>
+    <p:sldId id="257" r:id="rId3"/>
+    <p:sldId id="258" r:id="rId4"/>
+    <p:sldId id="259" r:id="rId5"/>
+    <p:sldId id="260" r:id="rId6"/>
+    <p:sldId id="261" r:id="rId7"/>
+    <p:sldId id="262" r:id="rId8"/>
+    <p:sldId id="263" r:id="rId9"/>
+    <p:sldId id="264" r:id="rId10"/>
+    <p:sldId id="265" r:id="rId11"/>
+    <p:sldId id="266" r:id="rId12"/>
+    <p:sldId id="267" r:id="rId13"/>
+    <p:sldId id="268" r:id="rId14"/>
+    <p:sldId id="269" r:id="rId15"/>
   </p:sldIdLst>
   <p:sldSz cx="13004800" cy="9753600"/>
   <p:notesSz cx="6858000" cy="9144000"/>
@@ -32,7 +32,7 @@
           <a:srgbClr val="EBEBEB"/>
         </a:solidFill>
         <a:effectLst>
-          <a:outerShdw sx="100000" sy="100000" kx="0" ky="0" algn="b" rotWithShape="0" blurRad="50800" dist="25400" dir="5400000">
+          <a:outerShdw blurRad="50800" dist="25400" dir="5400000" rotWithShape="0">
             <a:srgbClr val="000000"/>
           </a:outerShdw>
         </a:effectLst>
@@ -48,7 +48,7 @@
           <a:srgbClr val="EBEBEB"/>
         </a:solidFill>
         <a:effectLst>
-          <a:outerShdw sx="100000" sy="100000" kx="0" ky="0" algn="b" rotWithShape="0" blurRad="50800" dist="25400" dir="5400000">
+          <a:outerShdw blurRad="50800" dist="25400" dir="5400000" rotWithShape="0">
             <a:srgbClr val="000000"/>
           </a:outerShdw>
         </a:effectLst>
@@ -64,7 +64,7 @@
           <a:srgbClr val="EBEBEB"/>
         </a:solidFill>
         <a:effectLst>
-          <a:outerShdw sx="100000" sy="100000" kx="0" ky="0" algn="b" rotWithShape="0" blurRad="50800" dist="25400" dir="5400000">
+          <a:outerShdw blurRad="50800" dist="25400" dir="5400000" rotWithShape="0">
             <a:srgbClr val="000000"/>
           </a:outerShdw>
         </a:effectLst>
@@ -80,7 +80,7 @@
           <a:srgbClr val="EBEBEB"/>
         </a:solidFill>
         <a:effectLst>
-          <a:outerShdw sx="100000" sy="100000" kx="0" ky="0" algn="b" rotWithShape="0" blurRad="50800" dist="25400" dir="5400000">
+          <a:outerShdw blurRad="50800" dist="25400" dir="5400000" rotWithShape="0">
             <a:srgbClr val="000000"/>
           </a:outerShdw>
         </a:effectLst>
@@ -96,7 +96,7 @@
           <a:srgbClr val="EBEBEB"/>
         </a:solidFill>
         <a:effectLst>
-          <a:outerShdw sx="100000" sy="100000" kx="0" ky="0" algn="b" rotWithShape="0" blurRad="50800" dist="25400" dir="5400000">
+          <a:outerShdw blurRad="50800" dist="25400" dir="5400000" rotWithShape="0">
             <a:srgbClr val="000000"/>
           </a:outerShdw>
         </a:effectLst>
@@ -112,7 +112,7 @@
           <a:srgbClr val="EBEBEB"/>
         </a:solidFill>
         <a:effectLst>
-          <a:outerShdw sx="100000" sy="100000" kx="0" ky="0" algn="b" rotWithShape="0" blurRad="50800" dist="25400" dir="5400000">
+          <a:outerShdw blurRad="50800" dist="25400" dir="5400000" rotWithShape="0">
             <a:srgbClr val="000000"/>
           </a:outerShdw>
         </a:effectLst>
@@ -128,7 +128,7 @@
           <a:srgbClr val="EBEBEB"/>
         </a:solidFill>
         <a:effectLst>
-          <a:outerShdw sx="100000" sy="100000" kx="0" ky="0" algn="b" rotWithShape="0" blurRad="50800" dist="25400" dir="5400000">
+          <a:outerShdw blurRad="50800" dist="25400" dir="5400000" rotWithShape="0">
             <a:srgbClr val="000000"/>
           </a:outerShdw>
         </a:effectLst>
@@ -144,7 +144,7 @@
           <a:srgbClr val="EBEBEB"/>
         </a:solidFill>
         <a:effectLst>
-          <a:outerShdw sx="100000" sy="100000" kx="0" ky="0" algn="b" rotWithShape="0" blurRad="50800" dist="25400" dir="5400000">
+          <a:outerShdw blurRad="50800" dist="25400" dir="5400000" rotWithShape="0">
             <a:srgbClr val="000000"/>
           </a:outerShdw>
         </a:effectLst>
@@ -160,7 +160,7 @@
           <a:srgbClr val="EBEBEB"/>
         </a:solidFill>
         <a:effectLst>
-          <a:outerShdw sx="100000" sy="100000" kx="0" ky="0" algn="b" rotWithShape="0" blurRad="50800" dist="25400" dir="5400000">
+          <a:outerShdw blurRad="50800" dist="25400" dir="5400000" rotWithShape="0">
             <a:srgbClr val="000000"/>
           </a:outerShdw>
         </a:effectLst>
@@ -174,13 +174,14 @@
 </p:presentation>
 </file>
 
-<file path=ppt/commentAuthors.xml><?xml version="1.0" encoding="utf-8"?>
-<p:cmAuthorLst xmlns:a="http://schemas.openxmlformats.org/drawingml/2006/main" xmlns:r="http://schemas.openxmlformats.org/officeDocument/2006/relationships" xmlns:p="http://schemas.openxmlformats.org/presentationml/2006/main"/>
-</file>
-
 <file path=ppt/notesMasters/notesMaster1.xml><?xml version="1.0" encoding="utf-8"?>
 <p:notesMaster xmlns:a="http://schemas.openxmlformats.org/drawingml/2006/main" xmlns:r="http://schemas.openxmlformats.org/officeDocument/2006/relationships" xmlns:p="http://schemas.openxmlformats.org/presentationml/2006/main">
   <p:cSld>
+    <p:bg>
+      <p:bgRef idx="1001">
+        <a:schemeClr val="bg1"/>
+      </p:bgRef>
+    </p:bg>
     <p:spTree>
       <p:nvGrpSpPr>
         <p:cNvPr id="1" name=""/>
@@ -198,7 +199,9 @@
       <p:sp>
         <p:nvSpPr>
           <p:cNvPr id="28" name="Shape 28"/>
-          <p:cNvSpPr/>
+          <p:cNvSpPr>
+            <a:spLocks noGrp="1" noRot="1" noChangeAspect="1"/>
+          </p:cNvSpPr>
           <p:nvPr>
             <p:ph type="sldImg"/>
           </p:nvPr>
@@ -217,13 +220,16 @@
           <a:lstStyle/>
           <a:p>
             <a:pPr lvl="0"/>
+            <a:endParaRPr/>
           </a:p>
         </p:txBody>
       </p:sp>
       <p:sp>
         <p:nvSpPr>
           <p:cNvPr id="29" name="Shape 29"/>
-          <p:cNvSpPr/>
+          <p:cNvSpPr>
+            <a:spLocks noGrp="1"/>
+          </p:cNvSpPr>
           <p:nvPr>
             <p:ph type="body" sz="quarter" idx="1"/>
           </p:nvPr>
@@ -242,10 +248,16 @@
           <a:lstStyle/>
           <a:p>
             <a:pPr lvl="0"/>
+            <a:endParaRPr/>
           </a:p>
         </p:txBody>
       </p:sp>
     </p:spTree>
+    <p:extLst>
+      <p:ext uri="{BB962C8B-B14F-4D97-AF65-F5344CB8AC3E}">
+        <p14:creationId xmlns:p14="http://schemas.microsoft.com/office/powerpoint/2010/main" val="1571226755"/>
+      </p:ext>
+    </p:extLst>
   </p:cSld>
   <p:clrMap bg1="lt1" tx1="dk1" bg2="lt2" tx2="dk2" accent1="accent1" accent2="accent2" accent3="accent3" accent4="accent4" accent5="accent5" accent6="accent6" hlink="hlink" folHlink="folHlink"/>
   <p:notesStyle>
@@ -353,7 +365,7 @@
 </file>
 
 <file path=ppt/notesSlides/notesSlide1.xml><?xml version="1.0" encoding="utf-8"?>
-<p:notes xmlns:a="http://schemas.openxmlformats.org/drawingml/2006/main" xmlns:r="http://schemas.openxmlformats.org/officeDocument/2006/relationships" xmlns:p="http://schemas.openxmlformats.org/presentationml/2006/main" showMasterSp="1" showMasterPhAnim="1">
+<p:notes xmlns:a="http://schemas.openxmlformats.org/drawingml/2006/main" xmlns:r="http://schemas.openxmlformats.org/officeDocument/2006/relationships" xmlns:p="http://schemas.openxmlformats.org/presentationml/2006/main">
   <p:cSld>
     <p:spTree>
       <p:nvGrpSpPr>
@@ -372,7 +384,9 @@
       <p:sp>
         <p:nvSpPr>
           <p:cNvPr id="92" name="Shape 92"/>
-          <p:cNvSpPr/>
+          <p:cNvSpPr>
+            <a:spLocks noGrp="1" noRot="1" noChangeAspect="1"/>
+          </p:cNvSpPr>
           <p:nvPr>
             <p:ph type="sldImg"/>
           </p:nvPr>
@@ -387,13 +401,16 @@
           <a:lstStyle/>
           <a:p>
             <a:pPr lvl="0"/>
+            <a:endParaRPr/>
           </a:p>
         </p:txBody>
       </p:sp>
       <p:sp>
         <p:nvSpPr>
           <p:cNvPr id="93" name="Shape 93"/>
-          <p:cNvSpPr/>
+          <p:cNvSpPr>
+            <a:spLocks noGrp="1"/>
+          </p:cNvSpPr>
           <p:nvPr>
             <p:ph type="body" sz="quarter" idx="1"/>
           </p:nvPr>
@@ -432,7 +449,7 @@
 </file>
 
 <file path=ppt/notesSlides/notesSlide2.xml><?xml version="1.0" encoding="utf-8"?>
-<p:notes xmlns:a="http://schemas.openxmlformats.org/drawingml/2006/main" xmlns:r="http://schemas.openxmlformats.org/officeDocument/2006/relationships" xmlns:p="http://schemas.openxmlformats.org/presentationml/2006/main" showMasterSp="1" showMasterPhAnim="1">
+<p:notes xmlns:a="http://schemas.openxmlformats.org/drawingml/2006/main" xmlns:r="http://schemas.openxmlformats.org/officeDocument/2006/relationships" xmlns:p="http://schemas.openxmlformats.org/presentationml/2006/main">
   <p:cSld>
     <p:spTree>
       <p:nvGrpSpPr>
@@ -451,7 +468,9 @@
       <p:sp>
         <p:nvSpPr>
           <p:cNvPr id="97" name="Shape 97"/>
-          <p:cNvSpPr/>
+          <p:cNvSpPr>
+            <a:spLocks noGrp="1" noRot="1" noChangeAspect="1"/>
+          </p:cNvSpPr>
           <p:nvPr>
             <p:ph type="sldImg"/>
           </p:nvPr>
@@ -466,13 +485,16 @@
           <a:lstStyle/>
           <a:p>
             <a:pPr lvl="0"/>
+            <a:endParaRPr/>
           </a:p>
         </p:txBody>
       </p:sp>
       <p:sp>
         <p:nvSpPr>
           <p:cNvPr id="98" name="Shape 98"/>
-          <p:cNvSpPr/>
+          <p:cNvSpPr>
+            <a:spLocks noGrp="1"/>
+          </p:cNvSpPr>
           <p:nvPr>
             <p:ph type="body" sz="quarter" idx="1"/>
           </p:nvPr>
@@ -511,7 +533,7 @@
 </file>
 
 <file path=ppt/slideLayouts/slideLayout1.xml><?xml version="1.0" encoding="utf-8"?>
-<p:sldLayout xmlns:a="http://schemas.openxmlformats.org/drawingml/2006/main" xmlns:r="http://schemas.openxmlformats.org/officeDocument/2006/relationships" xmlns:p="http://schemas.openxmlformats.org/presentationml/2006/main" type="tx" showMasterSp="0" showMasterPhAnim="1">
+<p:sldLayout xmlns:a="http://schemas.openxmlformats.org/drawingml/2006/main" xmlns:r="http://schemas.openxmlformats.org/officeDocument/2006/relationships" xmlns:p="http://schemas.openxmlformats.org/presentationml/2006/main" showMasterSp="0" type="tx">
   <p:cSld name="Title &amp; Subtitle">
     <p:spTree>
       <p:nvGrpSpPr>
@@ -530,7 +552,9 @@
       <p:sp>
         <p:nvSpPr>
           <p:cNvPr id="6" name="Shape 6"/>
-          <p:cNvSpPr/>
+          <p:cNvSpPr>
+            <a:spLocks noGrp="1"/>
+          </p:cNvSpPr>
           <p:nvPr>
             <p:ph type="title"/>
           </p:nvPr>
@@ -549,7 +573,7 @@
           <a:lstStyle/>
           <a:p>
             <a:pPr lvl="0">
-              <a:defRPr b="0" sz="1800">
+              <a:defRPr sz="1800" b="0">
                 <a:solidFill>
                   <a:srgbClr val="000000"/>
                 </a:solidFill>
@@ -557,12 +581,12 @@
               </a:defRPr>
             </a:pPr>
             <a:r>
-              <a:rPr b="1" sz="6400">
+              <a:rPr sz="6400" b="1">
                 <a:solidFill>
                   <a:srgbClr val="FFFFFF"/>
                 </a:solidFill>
                 <a:effectLst>
-                  <a:outerShdw sx="100000" sy="100000" kx="0" ky="0" algn="b" rotWithShape="0" blurRad="50800" dist="25400" dir="5400000">
+                  <a:outerShdw blurRad="50800" dist="25400" dir="5400000" rotWithShape="0">
                     <a:srgbClr val="000000"/>
                   </a:outerShdw>
                 </a:effectLst>
@@ -575,7 +599,9 @@
       <p:sp>
         <p:nvSpPr>
           <p:cNvPr id="7" name="Shape 7"/>
-          <p:cNvSpPr/>
+          <p:cNvSpPr>
+            <a:spLocks noGrp="1"/>
+          </p:cNvSpPr>
           <p:nvPr>
             <p:ph type="body" idx="1"/>
           </p:nvPr>
@@ -668,23 +694,13 @@
                   <a:srgbClr val="FFFFFF"/>
                 </a:solidFill>
                 <a:effectLst>
-                  <a:outerShdw sx="100000" sy="100000" kx="0" ky="0" algn="b" rotWithShape="0" blurRad="50800" dist="25400" dir="5400000">
+                  <a:outerShdw blurRad="50800" dist="25400" dir="5400000" rotWithShape="0">
                     <a:srgbClr val="000000"/>
                   </a:outerShdw>
                 </a:effectLst>
               </a:rPr>
               <a:t>Body Level One</a:t>
             </a:r>
-            <a:endParaRPr sz="2400">
-              <a:solidFill>
-                <a:srgbClr val="FFFFFF"/>
-              </a:solidFill>
-              <a:effectLst>
-                <a:outerShdw sx="100000" sy="100000" kx="0" ky="0" algn="b" rotWithShape="0" blurRad="50800" dist="25400" dir="5400000">
-                  <a:srgbClr val="000000"/>
-                </a:outerShdw>
-              </a:effectLst>
-            </a:endParaRPr>
           </a:p>
           <a:p>
             <a:pPr lvl="1">
@@ -701,23 +717,13 @@
                   <a:srgbClr val="FFFFFF"/>
                 </a:solidFill>
                 <a:effectLst>
-                  <a:outerShdw sx="100000" sy="100000" kx="0" ky="0" algn="b" rotWithShape="0" blurRad="50800" dist="25400" dir="5400000">
+                  <a:outerShdw blurRad="50800" dist="25400" dir="5400000" rotWithShape="0">
                     <a:srgbClr val="000000"/>
                   </a:outerShdw>
                 </a:effectLst>
               </a:rPr>
               <a:t>Body Level Two</a:t>
             </a:r>
-            <a:endParaRPr sz="2400">
-              <a:solidFill>
-                <a:srgbClr val="FFFFFF"/>
-              </a:solidFill>
-              <a:effectLst>
-                <a:outerShdw sx="100000" sy="100000" kx="0" ky="0" algn="b" rotWithShape="0" blurRad="50800" dist="25400" dir="5400000">
-                  <a:srgbClr val="000000"/>
-                </a:outerShdw>
-              </a:effectLst>
-            </a:endParaRPr>
           </a:p>
           <a:p>
             <a:pPr lvl="2">
@@ -734,23 +740,13 @@
                   <a:srgbClr val="FFFFFF"/>
                 </a:solidFill>
                 <a:effectLst>
-                  <a:outerShdw sx="100000" sy="100000" kx="0" ky="0" algn="b" rotWithShape="0" blurRad="50800" dist="25400" dir="5400000">
+                  <a:outerShdw blurRad="50800" dist="25400" dir="5400000" rotWithShape="0">
                     <a:srgbClr val="000000"/>
                   </a:outerShdw>
                 </a:effectLst>
               </a:rPr>
               <a:t>Body Level Three</a:t>
             </a:r>
-            <a:endParaRPr sz="2400">
-              <a:solidFill>
-                <a:srgbClr val="FFFFFF"/>
-              </a:solidFill>
-              <a:effectLst>
-                <a:outerShdw sx="100000" sy="100000" kx="0" ky="0" algn="b" rotWithShape="0" blurRad="50800" dist="25400" dir="5400000">
-                  <a:srgbClr val="000000"/>
-                </a:outerShdw>
-              </a:effectLst>
-            </a:endParaRPr>
           </a:p>
           <a:p>
             <a:pPr lvl="3">
@@ -767,23 +763,13 @@
                   <a:srgbClr val="FFFFFF"/>
                 </a:solidFill>
                 <a:effectLst>
-                  <a:outerShdw sx="100000" sy="100000" kx="0" ky="0" algn="b" rotWithShape="0" blurRad="50800" dist="25400" dir="5400000">
+                  <a:outerShdw blurRad="50800" dist="25400" dir="5400000" rotWithShape="0">
                     <a:srgbClr val="000000"/>
                   </a:outerShdw>
                 </a:effectLst>
               </a:rPr>
               <a:t>Body Level Four</a:t>
             </a:r>
-            <a:endParaRPr sz="2400">
-              <a:solidFill>
-                <a:srgbClr val="FFFFFF"/>
-              </a:solidFill>
-              <a:effectLst>
-                <a:outerShdw sx="100000" sy="100000" kx="0" ky="0" algn="b" rotWithShape="0" blurRad="50800" dist="25400" dir="5400000">
-                  <a:srgbClr val="000000"/>
-                </a:outerShdw>
-              </a:effectLst>
-            </a:endParaRPr>
           </a:p>
           <a:p>
             <a:pPr lvl="4">
@@ -800,7 +786,7 @@
                   <a:srgbClr val="FFFFFF"/>
                 </a:solidFill>
                 <a:effectLst>
-                  <a:outerShdw sx="100000" sy="100000" kx="0" ky="0" algn="b" rotWithShape="0" blurRad="50800" dist="25400" dir="5400000">
+                  <a:outerShdw blurRad="50800" dist="25400" dir="5400000" rotWithShape="0">
                     <a:srgbClr val="000000"/>
                   </a:outerShdw>
                 </a:effectLst>
@@ -842,12 +828,12 @@
   <p:clrMapOvr>
     <a:masterClrMapping/>
   </p:clrMapOvr>
-  <p:transition spd="med" advClick="1"/>
+  <p:transition xmlns:p14="http://schemas.microsoft.com/office/powerpoint/2010/main" spd="med"/>
 </p:sldLayout>
 </file>
 
 <file path=ppt/slideLayouts/slideLayout10.xml><?xml version="1.0" encoding="utf-8"?>
-<p:sldLayout xmlns:a="http://schemas.openxmlformats.org/drawingml/2006/main" xmlns:r="http://schemas.openxmlformats.org/officeDocument/2006/relationships" xmlns:p="http://schemas.openxmlformats.org/presentationml/2006/main" type="tx" showMasterSp="0" showMasterPhAnim="1">
+<p:sldLayout xmlns:a="http://schemas.openxmlformats.org/drawingml/2006/main" xmlns:r="http://schemas.openxmlformats.org/officeDocument/2006/relationships" xmlns:p="http://schemas.openxmlformats.org/presentationml/2006/main" showMasterSp="0" type="tx">
   <p:cSld name="Photo">
     <p:spTree>
       <p:nvGrpSpPr>
@@ -868,12 +854,12 @@
   <p:clrMapOvr>
     <a:masterClrMapping/>
   </p:clrMapOvr>
-  <p:transition spd="med" advClick="1"/>
+  <p:transition xmlns:p14="http://schemas.microsoft.com/office/powerpoint/2010/main" spd="med"/>
 </p:sldLayout>
 </file>
 
 <file path=ppt/slideLayouts/slideLayout11.xml><?xml version="1.0" encoding="utf-8"?>
-<p:sldLayout xmlns:a="http://schemas.openxmlformats.org/drawingml/2006/main" xmlns:r="http://schemas.openxmlformats.org/officeDocument/2006/relationships" xmlns:p="http://schemas.openxmlformats.org/presentationml/2006/main" type="tx" showMasterSp="0" showMasterPhAnim="1">
+<p:sldLayout xmlns:a="http://schemas.openxmlformats.org/drawingml/2006/main" xmlns:r="http://schemas.openxmlformats.org/officeDocument/2006/relationships" xmlns:p="http://schemas.openxmlformats.org/presentationml/2006/main" showMasterSp="0" type="tx">
   <p:cSld name="Blank">
     <p:spTree>
       <p:nvGrpSpPr>
@@ -894,12 +880,12 @@
   <p:clrMapOvr>
     <a:masterClrMapping/>
   </p:clrMapOvr>
-  <p:transition spd="med" advClick="1"/>
+  <p:transition xmlns:p14="http://schemas.microsoft.com/office/powerpoint/2010/main" spd="med"/>
 </p:sldLayout>
 </file>
 
 <file path=ppt/slideLayouts/slideLayout2.xml><?xml version="1.0" encoding="utf-8"?>
-<p:sldLayout xmlns:a="http://schemas.openxmlformats.org/drawingml/2006/main" xmlns:r="http://schemas.openxmlformats.org/officeDocument/2006/relationships" xmlns:p="http://schemas.openxmlformats.org/presentationml/2006/main" type="tx" showMasterSp="0" showMasterPhAnim="1">
+<p:sldLayout xmlns:a="http://schemas.openxmlformats.org/drawingml/2006/main" xmlns:r="http://schemas.openxmlformats.org/officeDocument/2006/relationships" xmlns:p="http://schemas.openxmlformats.org/presentationml/2006/main" showMasterSp="0" type="tx">
   <p:cSld name="Title - Center">
     <p:spTree>
       <p:nvGrpSpPr>
@@ -918,7 +904,9 @@
       <p:sp>
         <p:nvSpPr>
           <p:cNvPr id="10" name="Shape 10"/>
-          <p:cNvSpPr/>
+          <p:cNvSpPr>
+            <a:spLocks noGrp="1"/>
+          </p:cNvSpPr>
           <p:nvPr>
             <p:ph type="title"/>
           </p:nvPr>
@@ -937,7 +925,7 @@
           <a:lstStyle/>
           <a:p>
             <a:pPr lvl="0">
-              <a:defRPr b="0" sz="1800">
+              <a:defRPr sz="1800" b="0">
                 <a:solidFill>
                   <a:srgbClr val="000000"/>
                 </a:solidFill>
@@ -945,12 +933,12 @@
               </a:defRPr>
             </a:pPr>
             <a:r>
-              <a:rPr b="1" sz="6400">
+              <a:rPr sz="6400" b="1">
                 <a:solidFill>
                   <a:srgbClr val="FFFFFF"/>
                 </a:solidFill>
                 <a:effectLst>
-                  <a:outerShdw sx="100000" sy="100000" kx="0" ky="0" algn="b" rotWithShape="0" blurRad="50800" dist="25400" dir="5400000">
+                  <a:outerShdw blurRad="50800" dist="25400" dir="5400000" rotWithShape="0">
                     <a:srgbClr val="000000"/>
                   </a:outerShdw>
                 </a:effectLst>
@@ -965,12 +953,12 @@
   <p:clrMapOvr>
     <a:masterClrMapping/>
   </p:clrMapOvr>
-  <p:transition spd="med" advClick="1"/>
+  <p:transition xmlns:p14="http://schemas.microsoft.com/office/powerpoint/2010/main" spd="med"/>
 </p:sldLayout>
 </file>
 
 <file path=ppt/slideLayouts/slideLayout3.xml><?xml version="1.0" encoding="utf-8"?>
-<p:sldLayout xmlns:a="http://schemas.openxmlformats.org/drawingml/2006/main" xmlns:r="http://schemas.openxmlformats.org/officeDocument/2006/relationships" xmlns:p="http://schemas.openxmlformats.org/presentationml/2006/main" type="tx" showMasterSp="0" showMasterPhAnim="1">
+<p:sldLayout xmlns:a="http://schemas.openxmlformats.org/drawingml/2006/main" xmlns:r="http://schemas.openxmlformats.org/officeDocument/2006/relationships" xmlns:p="http://schemas.openxmlformats.org/presentationml/2006/main" showMasterSp="0" type="tx">
   <p:cSld name="Photo - Vertical">
     <p:spTree>
       <p:nvGrpSpPr>
@@ -989,7 +977,9 @@
       <p:sp>
         <p:nvSpPr>
           <p:cNvPr id="12" name="Shape 12"/>
-          <p:cNvSpPr/>
+          <p:cNvSpPr>
+            <a:spLocks noGrp="1"/>
+          </p:cNvSpPr>
           <p:nvPr>
             <p:ph type="title"/>
           </p:nvPr>
@@ -1012,7 +1002,7 @@
           </a:lstStyle>
           <a:p>
             <a:pPr lvl="0">
-              <a:defRPr b="0" sz="1800">
+              <a:defRPr sz="1800" b="0">
                 <a:solidFill>
                   <a:srgbClr val="000000"/>
                 </a:solidFill>
@@ -1020,12 +1010,12 @@
               </a:defRPr>
             </a:pPr>
             <a:r>
-              <a:rPr b="1" sz="5200">
+              <a:rPr sz="5200" b="1">
                 <a:solidFill>
                   <a:srgbClr val="FFFFFF"/>
                 </a:solidFill>
                 <a:effectLst>
-                  <a:outerShdw sx="100000" sy="100000" kx="0" ky="0" algn="b" rotWithShape="0" blurRad="50800" dist="25400" dir="5400000">
+                  <a:outerShdw blurRad="50800" dist="25400" dir="5400000" rotWithShape="0">
                     <a:srgbClr val="000000"/>
                   </a:outerShdw>
                 </a:effectLst>
@@ -1038,7 +1028,9 @@
       <p:sp>
         <p:nvSpPr>
           <p:cNvPr id="13" name="Shape 13"/>
-          <p:cNvSpPr/>
+          <p:cNvSpPr>
+            <a:spLocks noGrp="1"/>
+          </p:cNvSpPr>
           <p:nvPr>
             <p:ph type="body" idx="1"/>
           </p:nvPr>
@@ -1131,23 +1123,13 @@
                   <a:srgbClr val="FFFFFF"/>
                 </a:solidFill>
                 <a:effectLst>
-                  <a:outerShdw sx="100000" sy="100000" kx="0" ky="0" algn="b" rotWithShape="0" blurRad="50800" dist="25400" dir="5400000">
+                  <a:outerShdw blurRad="50800" dist="25400" dir="5400000" rotWithShape="0">
                     <a:srgbClr val="000000"/>
                   </a:outerShdw>
                 </a:effectLst>
               </a:rPr>
               <a:t>Body Level One</a:t>
             </a:r>
-            <a:endParaRPr sz="2400">
-              <a:solidFill>
-                <a:srgbClr val="FFFFFF"/>
-              </a:solidFill>
-              <a:effectLst>
-                <a:outerShdw sx="100000" sy="100000" kx="0" ky="0" algn="b" rotWithShape="0" blurRad="50800" dist="25400" dir="5400000">
-                  <a:srgbClr val="000000"/>
-                </a:outerShdw>
-              </a:effectLst>
-            </a:endParaRPr>
           </a:p>
           <a:p>
             <a:pPr lvl="1">
@@ -1164,23 +1146,13 @@
                   <a:srgbClr val="FFFFFF"/>
                 </a:solidFill>
                 <a:effectLst>
-                  <a:outerShdw sx="100000" sy="100000" kx="0" ky="0" algn="b" rotWithShape="0" blurRad="50800" dist="25400" dir="5400000">
+                  <a:outerShdw blurRad="50800" dist="25400" dir="5400000" rotWithShape="0">
                     <a:srgbClr val="000000"/>
                   </a:outerShdw>
                 </a:effectLst>
               </a:rPr>
               <a:t>Body Level Two</a:t>
             </a:r>
-            <a:endParaRPr sz="2400">
-              <a:solidFill>
-                <a:srgbClr val="FFFFFF"/>
-              </a:solidFill>
-              <a:effectLst>
-                <a:outerShdw sx="100000" sy="100000" kx="0" ky="0" algn="b" rotWithShape="0" blurRad="50800" dist="25400" dir="5400000">
-                  <a:srgbClr val="000000"/>
-                </a:outerShdw>
-              </a:effectLst>
-            </a:endParaRPr>
           </a:p>
           <a:p>
             <a:pPr lvl="2">
@@ -1197,23 +1169,13 @@
                   <a:srgbClr val="FFFFFF"/>
                 </a:solidFill>
                 <a:effectLst>
-                  <a:outerShdw sx="100000" sy="100000" kx="0" ky="0" algn="b" rotWithShape="0" blurRad="50800" dist="25400" dir="5400000">
+                  <a:outerShdw blurRad="50800" dist="25400" dir="5400000" rotWithShape="0">
                     <a:srgbClr val="000000"/>
                   </a:outerShdw>
                 </a:effectLst>
               </a:rPr>
               <a:t>Body Level Three</a:t>
             </a:r>
-            <a:endParaRPr sz="2400">
-              <a:solidFill>
-                <a:srgbClr val="FFFFFF"/>
-              </a:solidFill>
-              <a:effectLst>
-                <a:outerShdw sx="100000" sy="100000" kx="0" ky="0" algn="b" rotWithShape="0" blurRad="50800" dist="25400" dir="5400000">
-                  <a:srgbClr val="000000"/>
-                </a:outerShdw>
-              </a:effectLst>
-            </a:endParaRPr>
           </a:p>
           <a:p>
             <a:pPr lvl="3">
@@ -1230,23 +1192,13 @@
                   <a:srgbClr val="FFFFFF"/>
                 </a:solidFill>
                 <a:effectLst>
-                  <a:outerShdw sx="100000" sy="100000" kx="0" ky="0" algn="b" rotWithShape="0" blurRad="50800" dist="25400" dir="5400000">
+                  <a:outerShdw blurRad="50800" dist="25400" dir="5400000" rotWithShape="0">
                     <a:srgbClr val="000000"/>
                   </a:outerShdw>
                 </a:effectLst>
               </a:rPr>
               <a:t>Body Level Four</a:t>
             </a:r>
-            <a:endParaRPr sz="2400">
-              <a:solidFill>
-                <a:srgbClr val="FFFFFF"/>
-              </a:solidFill>
-              <a:effectLst>
-                <a:outerShdw sx="100000" sy="100000" kx="0" ky="0" algn="b" rotWithShape="0" blurRad="50800" dist="25400" dir="5400000">
-                  <a:srgbClr val="000000"/>
-                </a:outerShdw>
-              </a:effectLst>
-            </a:endParaRPr>
           </a:p>
           <a:p>
             <a:pPr lvl="4">
@@ -1263,7 +1215,7 @@
                   <a:srgbClr val="FFFFFF"/>
                 </a:solidFill>
                 <a:effectLst>
-                  <a:outerShdw sx="100000" sy="100000" kx="0" ky="0" algn="b" rotWithShape="0" blurRad="50800" dist="25400" dir="5400000">
+                  <a:outerShdw blurRad="50800" dist="25400" dir="5400000" rotWithShape="0">
                     <a:srgbClr val="000000"/>
                   </a:outerShdw>
                 </a:effectLst>
@@ -1278,12 +1230,12 @@
   <p:clrMapOvr>
     <a:masterClrMapping/>
   </p:clrMapOvr>
-  <p:transition spd="med" advClick="1"/>
+  <p:transition xmlns:p14="http://schemas.microsoft.com/office/powerpoint/2010/main" spd="med"/>
 </p:sldLayout>
 </file>
 
 <file path=ppt/slideLayouts/slideLayout4.xml><?xml version="1.0" encoding="utf-8"?>
-<p:sldLayout xmlns:a="http://schemas.openxmlformats.org/drawingml/2006/main" xmlns:r="http://schemas.openxmlformats.org/officeDocument/2006/relationships" xmlns:p="http://schemas.openxmlformats.org/presentationml/2006/main" type="tx" showMasterSp="0" showMasterPhAnim="1">
+<p:sldLayout xmlns:a="http://schemas.openxmlformats.org/drawingml/2006/main" xmlns:r="http://schemas.openxmlformats.org/officeDocument/2006/relationships" xmlns:p="http://schemas.openxmlformats.org/presentationml/2006/main" showMasterSp="0" type="tx">
   <p:cSld name="Title - Top">
     <p:spTree>
       <p:nvGrpSpPr>
@@ -1302,7 +1254,9 @@
       <p:sp>
         <p:nvSpPr>
           <p:cNvPr id="15" name="Shape 15"/>
-          <p:cNvSpPr/>
+          <p:cNvSpPr>
+            <a:spLocks noGrp="1"/>
+          </p:cNvSpPr>
           <p:nvPr>
             <p:ph type="title"/>
           </p:nvPr>
@@ -1321,7 +1275,7 @@
           <a:lstStyle/>
           <a:p>
             <a:pPr lvl="0">
-              <a:defRPr b="0" sz="1800">
+              <a:defRPr sz="1800" b="0">
                 <a:solidFill>
                   <a:srgbClr val="000000"/>
                 </a:solidFill>
@@ -1329,12 +1283,12 @@
               </a:defRPr>
             </a:pPr>
             <a:r>
-              <a:rPr b="1" sz="6400">
+              <a:rPr sz="6400" b="1">
                 <a:solidFill>
                   <a:srgbClr val="FFFFFF"/>
                 </a:solidFill>
                 <a:effectLst>
-                  <a:outerShdw sx="100000" sy="100000" kx="0" ky="0" algn="b" rotWithShape="0" blurRad="50800" dist="25400" dir="5400000">
+                  <a:outerShdw blurRad="50800" dist="25400" dir="5400000" rotWithShape="0">
                     <a:srgbClr val="000000"/>
                   </a:outerShdw>
                 </a:effectLst>
@@ -1349,12 +1303,12 @@
   <p:clrMapOvr>
     <a:masterClrMapping/>
   </p:clrMapOvr>
-  <p:transition spd="med" advClick="1"/>
+  <p:transition xmlns:p14="http://schemas.microsoft.com/office/powerpoint/2010/main" spd="med"/>
 </p:sldLayout>
 </file>
 
 <file path=ppt/slideLayouts/slideLayout5.xml><?xml version="1.0" encoding="utf-8"?>
-<p:sldLayout xmlns:a="http://schemas.openxmlformats.org/drawingml/2006/main" xmlns:r="http://schemas.openxmlformats.org/officeDocument/2006/relationships" xmlns:p="http://schemas.openxmlformats.org/presentationml/2006/main" type="tx" showMasterSp="1" showMasterPhAnim="1">
+<p:sldLayout xmlns:a="http://schemas.openxmlformats.org/drawingml/2006/main" xmlns:r="http://schemas.openxmlformats.org/officeDocument/2006/relationships" xmlns:p="http://schemas.openxmlformats.org/presentationml/2006/main" type="tx">
   <p:cSld name="Title &amp; Bullets">
     <p:spTree>
       <p:nvGrpSpPr>
@@ -1373,7 +1327,9 @@
       <p:sp>
         <p:nvSpPr>
           <p:cNvPr id="17" name="Shape 17"/>
-          <p:cNvSpPr/>
+          <p:cNvSpPr>
+            <a:spLocks noGrp="1"/>
+          </p:cNvSpPr>
           <p:nvPr>
             <p:ph type="title"/>
           </p:nvPr>
@@ -1388,7 +1344,7 @@
           <a:lstStyle/>
           <a:p>
             <a:pPr lvl="0">
-              <a:defRPr b="0" sz="1800">
+              <a:defRPr sz="1800" b="0">
                 <a:solidFill>
                   <a:srgbClr val="000000"/>
                 </a:solidFill>
@@ -1396,12 +1352,12 @@
               </a:defRPr>
             </a:pPr>
             <a:r>
-              <a:rPr b="1" sz="6400">
+              <a:rPr sz="6400" b="1">
                 <a:solidFill>
                   <a:srgbClr val="FFFFFF"/>
                 </a:solidFill>
                 <a:effectLst>
-                  <a:outerShdw sx="100000" sy="100000" kx="0" ky="0" algn="b" rotWithShape="0" blurRad="50800" dist="25400" dir="5400000">
+                  <a:outerShdw blurRad="50800" dist="25400" dir="5400000" rotWithShape="0">
                     <a:srgbClr val="000000"/>
                   </a:outerShdw>
                 </a:effectLst>
@@ -1414,7 +1370,9 @@
       <p:sp>
         <p:nvSpPr>
           <p:cNvPr id="18" name="Shape 18"/>
-          <p:cNvSpPr/>
+          <p:cNvSpPr>
+            <a:spLocks noGrp="1"/>
+          </p:cNvSpPr>
           <p:nvPr>
             <p:ph type="body" idx="1"/>
           </p:nvPr>
@@ -1442,23 +1400,13 @@
                   <a:srgbClr val="EBEBEB"/>
                 </a:solidFill>
                 <a:effectLst>
-                  <a:outerShdw sx="100000" sy="100000" kx="0" ky="0" algn="b" rotWithShape="0" blurRad="50800" dist="25400" dir="5400000">
+                  <a:outerShdw blurRad="50800" dist="25400" dir="5400000" rotWithShape="0">
                     <a:srgbClr val="000000"/>
                   </a:outerShdw>
                 </a:effectLst>
               </a:rPr>
               <a:t>Body Level One</a:t>
             </a:r>
-            <a:endParaRPr sz="3400">
-              <a:solidFill>
-                <a:srgbClr val="EBEBEB"/>
-              </a:solidFill>
-              <a:effectLst>
-                <a:outerShdw sx="100000" sy="100000" kx="0" ky="0" algn="b" rotWithShape="0" blurRad="50800" dist="25400" dir="5400000">
-                  <a:srgbClr val="000000"/>
-                </a:outerShdw>
-              </a:effectLst>
-            </a:endParaRPr>
           </a:p>
           <a:p>
             <a:pPr lvl="1">
@@ -1475,23 +1423,13 @@
                   <a:srgbClr val="EBEBEB"/>
                 </a:solidFill>
                 <a:effectLst>
-                  <a:outerShdw sx="100000" sy="100000" kx="0" ky="0" algn="b" rotWithShape="0" blurRad="50800" dist="25400" dir="5400000">
+                  <a:outerShdw blurRad="50800" dist="25400" dir="5400000" rotWithShape="0">
                     <a:srgbClr val="000000"/>
                   </a:outerShdw>
                 </a:effectLst>
               </a:rPr>
               <a:t>Body Level Two</a:t>
             </a:r>
-            <a:endParaRPr sz="3400">
-              <a:solidFill>
-                <a:srgbClr val="EBEBEB"/>
-              </a:solidFill>
-              <a:effectLst>
-                <a:outerShdw sx="100000" sy="100000" kx="0" ky="0" algn="b" rotWithShape="0" blurRad="50800" dist="25400" dir="5400000">
-                  <a:srgbClr val="000000"/>
-                </a:outerShdw>
-              </a:effectLst>
-            </a:endParaRPr>
           </a:p>
           <a:p>
             <a:pPr lvl="2">
@@ -1508,23 +1446,13 @@
                   <a:srgbClr val="EBEBEB"/>
                 </a:solidFill>
                 <a:effectLst>
-                  <a:outerShdw sx="100000" sy="100000" kx="0" ky="0" algn="b" rotWithShape="0" blurRad="50800" dist="25400" dir="5400000">
+                  <a:outerShdw blurRad="50800" dist="25400" dir="5400000" rotWithShape="0">
                     <a:srgbClr val="000000"/>
                   </a:outerShdw>
                 </a:effectLst>
               </a:rPr>
               <a:t>Body Level Three</a:t>
             </a:r>
-            <a:endParaRPr sz="3400">
-              <a:solidFill>
-                <a:srgbClr val="EBEBEB"/>
-              </a:solidFill>
-              <a:effectLst>
-                <a:outerShdw sx="100000" sy="100000" kx="0" ky="0" algn="b" rotWithShape="0" blurRad="50800" dist="25400" dir="5400000">
-                  <a:srgbClr val="000000"/>
-                </a:outerShdw>
-              </a:effectLst>
-            </a:endParaRPr>
           </a:p>
           <a:p>
             <a:pPr lvl="3">
@@ -1541,23 +1469,13 @@
                   <a:srgbClr val="EBEBEB"/>
                 </a:solidFill>
                 <a:effectLst>
-                  <a:outerShdw sx="100000" sy="100000" kx="0" ky="0" algn="b" rotWithShape="0" blurRad="50800" dist="25400" dir="5400000">
+                  <a:outerShdw blurRad="50800" dist="25400" dir="5400000" rotWithShape="0">
                     <a:srgbClr val="000000"/>
                   </a:outerShdw>
                 </a:effectLst>
               </a:rPr>
               <a:t>Body Level Four</a:t>
             </a:r>
-            <a:endParaRPr sz="3400">
-              <a:solidFill>
-                <a:srgbClr val="EBEBEB"/>
-              </a:solidFill>
-              <a:effectLst>
-                <a:outerShdw sx="100000" sy="100000" kx="0" ky="0" algn="b" rotWithShape="0" blurRad="50800" dist="25400" dir="5400000">
-                  <a:srgbClr val="000000"/>
-                </a:outerShdw>
-              </a:effectLst>
-            </a:endParaRPr>
           </a:p>
           <a:p>
             <a:pPr lvl="4">
@@ -1574,7 +1492,7 @@
                   <a:srgbClr val="EBEBEB"/>
                 </a:solidFill>
                 <a:effectLst>
-                  <a:outerShdw sx="100000" sy="100000" kx="0" ky="0" algn="b" rotWithShape="0" blurRad="50800" dist="25400" dir="5400000">
+                  <a:outerShdw blurRad="50800" dist="25400" dir="5400000" rotWithShape="0">
                     <a:srgbClr val="000000"/>
                   </a:outerShdw>
                 </a:effectLst>
@@ -1589,12 +1507,12 @@
   <p:clrMapOvr>
     <a:masterClrMapping/>
   </p:clrMapOvr>
-  <p:transition spd="med" advClick="1"/>
+  <p:transition xmlns:p14="http://schemas.microsoft.com/office/powerpoint/2010/main" spd="med"/>
 </p:sldLayout>
 </file>
 
 <file path=ppt/slideLayouts/slideLayout6.xml><?xml version="1.0" encoding="utf-8"?>
-<p:sldLayout xmlns:a="http://schemas.openxmlformats.org/drawingml/2006/main" xmlns:r="http://schemas.openxmlformats.org/officeDocument/2006/relationships" xmlns:p="http://schemas.openxmlformats.org/presentationml/2006/main" type="tx" showMasterSp="0" showMasterPhAnim="1">
+<p:sldLayout xmlns:a="http://schemas.openxmlformats.org/drawingml/2006/main" xmlns:r="http://schemas.openxmlformats.org/officeDocument/2006/relationships" xmlns:p="http://schemas.openxmlformats.org/presentationml/2006/main" showMasterSp="0" type="tx">
   <p:cSld name="Title, Bullets &amp; Photo">
     <p:spTree>
       <p:nvGrpSpPr>
@@ -1613,7 +1531,9 @@
       <p:sp>
         <p:nvSpPr>
           <p:cNvPr id="20" name="Shape 20"/>
-          <p:cNvSpPr/>
+          <p:cNvSpPr>
+            <a:spLocks noGrp="1"/>
+          </p:cNvSpPr>
           <p:nvPr>
             <p:ph type="title"/>
           </p:nvPr>
@@ -1632,7 +1552,7 @@
           <a:lstStyle/>
           <a:p>
             <a:pPr lvl="0">
-              <a:defRPr b="0" sz="1800">
+              <a:defRPr sz="1800" b="0">
                 <a:solidFill>
                   <a:srgbClr val="000000"/>
                 </a:solidFill>
@@ -1640,12 +1560,12 @@
               </a:defRPr>
             </a:pPr>
             <a:r>
-              <a:rPr b="1" sz="6400">
+              <a:rPr sz="6400" b="1">
                 <a:solidFill>
                   <a:srgbClr val="FFFFFF"/>
                 </a:solidFill>
                 <a:effectLst>
-                  <a:outerShdw sx="100000" sy="100000" kx="0" ky="0" algn="b" rotWithShape="0" blurRad="50800" dist="25400" dir="5400000">
+                  <a:outerShdw blurRad="50800" dist="25400" dir="5400000" rotWithShape="0">
                     <a:srgbClr val="000000"/>
                   </a:outerShdw>
                 </a:effectLst>
@@ -1658,7 +1578,9 @@
       <p:sp>
         <p:nvSpPr>
           <p:cNvPr id="21" name="Shape 21"/>
-          <p:cNvSpPr/>
+          <p:cNvSpPr>
+            <a:spLocks noGrp="1"/>
+          </p:cNvSpPr>
           <p:nvPr>
             <p:ph type="body" idx="1"/>
           </p:nvPr>
@@ -1736,23 +1658,13 @@
                   <a:srgbClr val="EBEBEB"/>
                 </a:solidFill>
                 <a:effectLst>
-                  <a:outerShdw sx="100000" sy="100000" kx="0" ky="0" algn="b" rotWithShape="0" blurRad="50800" dist="25400" dir="5400000">
+                  <a:outerShdw blurRad="50800" dist="25400" dir="5400000" rotWithShape="0">
                     <a:srgbClr val="000000"/>
                   </a:outerShdw>
                 </a:effectLst>
               </a:rPr>
               <a:t>Body Level One</a:t>
             </a:r>
-            <a:endParaRPr sz="2800">
-              <a:solidFill>
-                <a:srgbClr val="EBEBEB"/>
-              </a:solidFill>
-              <a:effectLst>
-                <a:outerShdw sx="100000" sy="100000" kx="0" ky="0" algn="b" rotWithShape="0" blurRad="50800" dist="25400" dir="5400000">
-                  <a:srgbClr val="000000"/>
-                </a:outerShdw>
-              </a:effectLst>
-            </a:endParaRPr>
           </a:p>
           <a:p>
             <a:pPr lvl="1">
@@ -1769,23 +1681,13 @@
                   <a:srgbClr val="EBEBEB"/>
                 </a:solidFill>
                 <a:effectLst>
-                  <a:outerShdw sx="100000" sy="100000" kx="0" ky="0" algn="b" rotWithShape="0" blurRad="50800" dist="25400" dir="5400000">
+                  <a:outerShdw blurRad="50800" dist="25400" dir="5400000" rotWithShape="0">
                     <a:srgbClr val="000000"/>
                   </a:outerShdw>
                 </a:effectLst>
               </a:rPr>
               <a:t>Body Level Two</a:t>
             </a:r>
-            <a:endParaRPr sz="2800">
-              <a:solidFill>
-                <a:srgbClr val="EBEBEB"/>
-              </a:solidFill>
-              <a:effectLst>
-                <a:outerShdw sx="100000" sy="100000" kx="0" ky="0" algn="b" rotWithShape="0" blurRad="50800" dist="25400" dir="5400000">
-                  <a:srgbClr val="000000"/>
-                </a:outerShdw>
-              </a:effectLst>
-            </a:endParaRPr>
           </a:p>
           <a:p>
             <a:pPr lvl="2">
@@ -1802,23 +1704,13 @@
                   <a:srgbClr val="EBEBEB"/>
                 </a:solidFill>
                 <a:effectLst>
-                  <a:outerShdw sx="100000" sy="100000" kx="0" ky="0" algn="b" rotWithShape="0" blurRad="50800" dist="25400" dir="5400000">
+                  <a:outerShdw blurRad="50800" dist="25400" dir="5400000" rotWithShape="0">
                     <a:srgbClr val="000000"/>
                   </a:outerShdw>
                 </a:effectLst>
               </a:rPr>
               <a:t>Body Level Three</a:t>
             </a:r>
-            <a:endParaRPr sz="2800">
-              <a:solidFill>
-                <a:srgbClr val="EBEBEB"/>
-              </a:solidFill>
-              <a:effectLst>
-                <a:outerShdw sx="100000" sy="100000" kx="0" ky="0" algn="b" rotWithShape="0" blurRad="50800" dist="25400" dir="5400000">
-                  <a:srgbClr val="000000"/>
-                </a:outerShdw>
-              </a:effectLst>
-            </a:endParaRPr>
           </a:p>
           <a:p>
             <a:pPr lvl="3">
@@ -1835,23 +1727,13 @@
                   <a:srgbClr val="EBEBEB"/>
                 </a:solidFill>
                 <a:effectLst>
-                  <a:outerShdw sx="100000" sy="100000" kx="0" ky="0" algn="b" rotWithShape="0" blurRad="50800" dist="25400" dir="5400000">
+                  <a:outerShdw blurRad="50800" dist="25400" dir="5400000" rotWithShape="0">
                     <a:srgbClr val="000000"/>
                   </a:outerShdw>
                 </a:effectLst>
               </a:rPr>
               <a:t>Body Level Four</a:t>
             </a:r>
-            <a:endParaRPr sz="2800">
-              <a:solidFill>
-                <a:srgbClr val="EBEBEB"/>
-              </a:solidFill>
-              <a:effectLst>
-                <a:outerShdw sx="100000" sy="100000" kx="0" ky="0" algn="b" rotWithShape="0" blurRad="50800" dist="25400" dir="5400000">
-                  <a:srgbClr val="000000"/>
-                </a:outerShdw>
-              </a:effectLst>
-            </a:endParaRPr>
           </a:p>
           <a:p>
             <a:pPr lvl="4">
@@ -1868,7 +1750,7 @@
                   <a:srgbClr val="EBEBEB"/>
                 </a:solidFill>
                 <a:effectLst>
-                  <a:outerShdw sx="100000" sy="100000" kx="0" ky="0" algn="b" rotWithShape="0" blurRad="50800" dist="25400" dir="5400000">
+                  <a:outerShdw blurRad="50800" dist="25400" dir="5400000" rotWithShape="0">
                     <a:srgbClr val="000000"/>
                   </a:outerShdw>
                 </a:effectLst>
@@ -1883,12 +1765,12 @@
   <p:clrMapOvr>
     <a:masterClrMapping/>
   </p:clrMapOvr>
-  <p:transition spd="med" advClick="1"/>
+  <p:transition xmlns:p14="http://schemas.microsoft.com/office/powerpoint/2010/main" spd="med"/>
 </p:sldLayout>
 </file>
 
 <file path=ppt/slideLayouts/slideLayout7.xml><?xml version="1.0" encoding="utf-8"?>
-<p:sldLayout xmlns:a="http://schemas.openxmlformats.org/drawingml/2006/main" xmlns:r="http://schemas.openxmlformats.org/officeDocument/2006/relationships" xmlns:p="http://schemas.openxmlformats.org/presentationml/2006/main" type="tx" showMasterSp="0" showMasterPhAnim="1">
+<p:sldLayout xmlns:a="http://schemas.openxmlformats.org/drawingml/2006/main" xmlns:r="http://schemas.openxmlformats.org/officeDocument/2006/relationships" xmlns:p="http://schemas.openxmlformats.org/presentationml/2006/main" showMasterSp="0" type="tx">
   <p:cSld name="Bullets">
     <p:spTree>
       <p:nvGrpSpPr>
@@ -1907,7 +1789,9 @@
       <p:sp>
         <p:nvSpPr>
           <p:cNvPr id="23" name="Shape 23"/>
-          <p:cNvSpPr/>
+          <p:cNvSpPr>
+            <a:spLocks noGrp="1"/>
+          </p:cNvSpPr>
           <p:nvPr>
             <p:ph type="body" idx="1"/>
           </p:nvPr>
@@ -1939,23 +1823,13 @@
                   <a:srgbClr val="EBEBEB"/>
                 </a:solidFill>
                 <a:effectLst>
-                  <a:outerShdw sx="100000" sy="100000" kx="0" ky="0" algn="b" rotWithShape="0" blurRad="50800" dist="25400" dir="5400000">
+                  <a:outerShdw blurRad="50800" dist="25400" dir="5400000" rotWithShape="0">
                     <a:srgbClr val="000000"/>
                   </a:outerShdw>
                 </a:effectLst>
               </a:rPr>
               <a:t>Body Level One</a:t>
             </a:r>
-            <a:endParaRPr sz="3400">
-              <a:solidFill>
-                <a:srgbClr val="EBEBEB"/>
-              </a:solidFill>
-              <a:effectLst>
-                <a:outerShdw sx="100000" sy="100000" kx="0" ky="0" algn="b" rotWithShape="0" blurRad="50800" dist="25400" dir="5400000">
-                  <a:srgbClr val="000000"/>
-                </a:outerShdw>
-              </a:effectLst>
-            </a:endParaRPr>
           </a:p>
           <a:p>
             <a:pPr lvl="1">
@@ -1972,23 +1846,13 @@
                   <a:srgbClr val="EBEBEB"/>
                 </a:solidFill>
                 <a:effectLst>
-                  <a:outerShdw sx="100000" sy="100000" kx="0" ky="0" algn="b" rotWithShape="0" blurRad="50800" dist="25400" dir="5400000">
+                  <a:outerShdw blurRad="50800" dist="25400" dir="5400000" rotWithShape="0">
                     <a:srgbClr val="000000"/>
                   </a:outerShdw>
                 </a:effectLst>
               </a:rPr>
               <a:t>Body Level Two</a:t>
             </a:r>
-            <a:endParaRPr sz="3400">
-              <a:solidFill>
-                <a:srgbClr val="EBEBEB"/>
-              </a:solidFill>
-              <a:effectLst>
-                <a:outerShdw sx="100000" sy="100000" kx="0" ky="0" algn="b" rotWithShape="0" blurRad="50800" dist="25400" dir="5400000">
-                  <a:srgbClr val="000000"/>
-                </a:outerShdw>
-              </a:effectLst>
-            </a:endParaRPr>
           </a:p>
           <a:p>
             <a:pPr lvl="2">
@@ -2005,23 +1869,13 @@
                   <a:srgbClr val="EBEBEB"/>
                 </a:solidFill>
                 <a:effectLst>
-                  <a:outerShdw sx="100000" sy="100000" kx="0" ky="0" algn="b" rotWithShape="0" blurRad="50800" dist="25400" dir="5400000">
+                  <a:outerShdw blurRad="50800" dist="25400" dir="5400000" rotWithShape="0">
                     <a:srgbClr val="000000"/>
                   </a:outerShdw>
                 </a:effectLst>
               </a:rPr>
               <a:t>Body Level Three</a:t>
             </a:r>
-            <a:endParaRPr sz="3400">
-              <a:solidFill>
-                <a:srgbClr val="EBEBEB"/>
-              </a:solidFill>
-              <a:effectLst>
-                <a:outerShdw sx="100000" sy="100000" kx="0" ky="0" algn="b" rotWithShape="0" blurRad="50800" dist="25400" dir="5400000">
-                  <a:srgbClr val="000000"/>
-                </a:outerShdw>
-              </a:effectLst>
-            </a:endParaRPr>
           </a:p>
           <a:p>
             <a:pPr lvl="3">
@@ -2038,23 +1892,13 @@
                   <a:srgbClr val="EBEBEB"/>
                 </a:solidFill>
                 <a:effectLst>
-                  <a:outerShdw sx="100000" sy="100000" kx="0" ky="0" algn="b" rotWithShape="0" blurRad="50800" dist="25400" dir="5400000">
+                  <a:outerShdw blurRad="50800" dist="25400" dir="5400000" rotWithShape="0">
                     <a:srgbClr val="000000"/>
                   </a:outerShdw>
                 </a:effectLst>
               </a:rPr>
               <a:t>Body Level Four</a:t>
             </a:r>
-            <a:endParaRPr sz="3400">
-              <a:solidFill>
-                <a:srgbClr val="EBEBEB"/>
-              </a:solidFill>
-              <a:effectLst>
-                <a:outerShdw sx="100000" sy="100000" kx="0" ky="0" algn="b" rotWithShape="0" blurRad="50800" dist="25400" dir="5400000">
-                  <a:srgbClr val="000000"/>
-                </a:outerShdw>
-              </a:effectLst>
-            </a:endParaRPr>
           </a:p>
           <a:p>
             <a:pPr lvl="4">
@@ -2071,7 +1915,7 @@
                   <a:srgbClr val="EBEBEB"/>
                 </a:solidFill>
                 <a:effectLst>
-                  <a:outerShdw sx="100000" sy="100000" kx="0" ky="0" algn="b" rotWithShape="0" blurRad="50800" dist="25400" dir="5400000">
+                  <a:outerShdw blurRad="50800" dist="25400" dir="5400000" rotWithShape="0">
                     <a:srgbClr val="000000"/>
                   </a:outerShdw>
                 </a:effectLst>
@@ -2086,12 +1930,12 @@
   <p:clrMapOvr>
     <a:masterClrMapping/>
   </p:clrMapOvr>
-  <p:transition spd="med" advClick="1"/>
+  <p:transition xmlns:p14="http://schemas.microsoft.com/office/powerpoint/2010/main" spd="med"/>
 </p:sldLayout>
 </file>
 
 <file path=ppt/slideLayouts/slideLayout8.xml><?xml version="1.0" encoding="utf-8"?>
-<p:sldLayout xmlns:a="http://schemas.openxmlformats.org/drawingml/2006/main" xmlns:r="http://schemas.openxmlformats.org/officeDocument/2006/relationships" xmlns:p="http://schemas.openxmlformats.org/presentationml/2006/main" type="tx" showMasterSp="0" showMasterPhAnim="1">
+<p:sldLayout xmlns:a="http://schemas.openxmlformats.org/drawingml/2006/main" xmlns:r="http://schemas.openxmlformats.org/officeDocument/2006/relationships" xmlns:p="http://schemas.openxmlformats.org/presentationml/2006/main" showMasterSp="0" type="tx">
   <p:cSld name="Photo - 3 Up">
     <p:spTree>
       <p:nvGrpSpPr>
@@ -2112,12 +1956,12 @@
   <p:clrMapOvr>
     <a:masterClrMapping/>
   </p:clrMapOvr>
-  <p:transition spd="med" advClick="1"/>
+  <p:transition xmlns:p14="http://schemas.microsoft.com/office/powerpoint/2010/main" spd="med"/>
 </p:sldLayout>
 </file>
 
 <file path=ppt/slideLayouts/slideLayout9.xml><?xml version="1.0" encoding="utf-8"?>
-<p:sldLayout xmlns:a="http://schemas.openxmlformats.org/drawingml/2006/main" xmlns:r="http://schemas.openxmlformats.org/officeDocument/2006/relationships" xmlns:p="http://schemas.openxmlformats.org/presentationml/2006/main" type="tx" showMasterSp="0" showMasterPhAnim="1">
+<p:sldLayout xmlns:a="http://schemas.openxmlformats.org/drawingml/2006/main" xmlns:r="http://schemas.openxmlformats.org/officeDocument/2006/relationships" xmlns:p="http://schemas.openxmlformats.org/presentationml/2006/main" showMasterSp="0" type="tx">
   <p:cSld name="Quote">
     <p:spTree>
       <p:nvGrpSpPr>
@@ -2138,7 +1982,7 @@
   <p:clrMapOvr>
     <a:masterClrMapping/>
   </p:clrMapOvr>
-  <p:transition spd="med" advClick="1"/>
+  <p:transition xmlns:p14="http://schemas.microsoft.com/office/powerpoint/2010/main" spd="med"/>
 </p:sldLayout>
 </file>
 
@@ -2148,12 +1992,13 @@
     <p:bg>
       <p:bgPr>
         <a:blipFill rotWithShape="1">
-          <a:blip r:embed="rId2"/>
-          <a:srcRect l="0" t="0" r="0" b="0"/>
+          <a:blip r:embed="rId13"/>
+          <a:srcRect/>
           <a:stretch>
             <a:fillRect/>
           </a:stretch>
         </a:blipFill>
+        <a:effectLst/>
       </p:bgPr>
     </p:bg>
     <p:spTree>
@@ -2177,7 +2022,7 @@
           <p:nvPr/>
         </p:nvPicPr>
         <p:blipFill>
-          <a:blip r:embed="rId3">
+          <a:blip r:embed="rId14">
             <a:extLst/>
           </a:blip>
           <a:stretch>
@@ -2200,7 +2045,9 @@
       <p:sp>
         <p:nvSpPr>
           <p:cNvPr id="3" name="Shape 3"/>
-          <p:cNvSpPr/>
+          <p:cNvSpPr>
+            <a:spLocks noGrp="1"/>
+          </p:cNvSpPr>
           <p:nvPr>
             <p:ph type="title"/>
           </p:nvPr>
@@ -2224,12 +2071,12 @@
         </p:spPr>
         <p:txBody>
           <a:bodyPr lIns="0" tIns="0" rIns="0" bIns="0" anchor="ctr">
-            <a:normAutofit fontScale="100000" lnSpcReduction="0"/>
+            <a:normAutofit/>
           </a:bodyPr>
           <a:lstStyle/>
           <a:p>
             <a:pPr lvl="0">
-              <a:defRPr b="0" sz="1800">
+              <a:defRPr sz="1800" b="0">
                 <a:solidFill>
                   <a:srgbClr val="000000"/>
                 </a:solidFill>
@@ -2237,12 +2084,12 @@
               </a:defRPr>
             </a:pPr>
             <a:r>
-              <a:rPr b="1" sz="6400">
+              <a:rPr sz="6400" b="1">
                 <a:solidFill>
                   <a:srgbClr val="FFFFFF"/>
                 </a:solidFill>
                 <a:effectLst>
-                  <a:outerShdw sx="100000" sy="100000" kx="0" ky="0" algn="b" rotWithShape="0" blurRad="50800" dist="25400" dir="5400000">
+                  <a:outerShdw blurRad="50800" dist="25400" dir="5400000" rotWithShape="0">
                     <a:srgbClr val="000000"/>
                   </a:outerShdw>
                 </a:effectLst>
@@ -2255,7 +2102,9 @@
       <p:sp>
         <p:nvSpPr>
           <p:cNvPr id="4" name="Shape 4"/>
-          <p:cNvSpPr/>
+          <p:cNvSpPr>
+            <a:spLocks noGrp="1"/>
+          </p:cNvSpPr>
           <p:nvPr>
             <p:ph type="body" idx="1"/>
           </p:nvPr>
@@ -2279,7 +2128,7 @@
         </p:spPr>
         <p:txBody>
           <a:bodyPr lIns="0" tIns="0" rIns="0" bIns="0" anchor="ctr">
-            <a:normAutofit fontScale="100000" lnSpcReduction="0"/>
+            <a:normAutofit/>
           </a:bodyPr>
           <a:lstStyle/>
           <a:p>
@@ -2297,23 +2146,13 @@
                   <a:srgbClr val="EBEBEB"/>
                 </a:solidFill>
                 <a:effectLst>
-                  <a:outerShdw sx="100000" sy="100000" kx="0" ky="0" algn="b" rotWithShape="0" blurRad="50800" dist="25400" dir="5400000">
+                  <a:outerShdw blurRad="50800" dist="25400" dir="5400000" rotWithShape="0">
                     <a:srgbClr val="000000"/>
                   </a:outerShdw>
                 </a:effectLst>
               </a:rPr>
               <a:t>Body Level One</a:t>
             </a:r>
-            <a:endParaRPr sz="3400">
-              <a:solidFill>
-                <a:srgbClr val="EBEBEB"/>
-              </a:solidFill>
-              <a:effectLst>
-                <a:outerShdw sx="100000" sy="100000" kx="0" ky="0" algn="b" rotWithShape="0" blurRad="50800" dist="25400" dir="5400000">
-                  <a:srgbClr val="000000"/>
-                </a:outerShdw>
-              </a:effectLst>
-            </a:endParaRPr>
           </a:p>
           <a:p>
             <a:pPr lvl="1">
@@ -2330,23 +2169,13 @@
                   <a:srgbClr val="EBEBEB"/>
                 </a:solidFill>
                 <a:effectLst>
-                  <a:outerShdw sx="100000" sy="100000" kx="0" ky="0" algn="b" rotWithShape="0" blurRad="50800" dist="25400" dir="5400000">
+                  <a:outerShdw blurRad="50800" dist="25400" dir="5400000" rotWithShape="0">
                     <a:srgbClr val="000000"/>
                   </a:outerShdw>
                 </a:effectLst>
               </a:rPr>
               <a:t>Body Level Two</a:t>
             </a:r>
-            <a:endParaRPr sz="3400">
-              <a:solidFill>
-                <a:srgbClr val="EBEBEB"/>
-              </a:solidFill>
-              <a:effectLst>
-                <a:outerShdw sx="100000" sy="100000" kx="0" ky="0" algn="b" rotWithShape="0" blurRad="50800" dist="25400" dir="5400000">
-                  <a:srgbClr val="000000"/>
-                </a:outerShdw>
-              </a:effectLst>
-            </a:endParaRPr>
           </a:p>
           <a:p>
             <a:pPr lvl="2">
@@ -2363,23 +2192,13 @@
                   <a:srgbClr val="EBEBEB"/>
                 </a:solidFill>
                 <a:effectLst>
-                  <a:outerShdw sx="100000" sy="100000" kx="0" ky="0" algn="b" rotWithShape="0" blurRad="50800" dist="25400" dir="5400000">
+                  <a:outerShdw blurRad="50800" dist="25400" dir="5400000" rotWithShape="0">
                     <a:srgbClr val="000000"/>
                   </a:outerShdw>
                 </a:effectLst>
               </a:rPr>
               <a:t>Body Level Three</a:t>
             </a:r>
-            <a:endParaRPr sz="3400">
-              <a:solidFill>
-                <a:srgbClr val="EBEBEB"/>
-              </a:solidFill>
-              <a:effectLst>
-                <a:outerShdw sx="100000" sy="100000" kx="0" ky="0" algn="b" rotWithShape="0" blurRad="50800" dist="25400" dir="5400000">
-                  <a:srgbClr val="000000"/>
-                </a:outerShdw>
-              </a:effectLst>
-            </a:endParaRPr>
           </a:p>
           <a:p>
             <a:pPr lvl="3">
@@ -2396,23 +2215,13 @@
                   <a:srgbClr val="EBEBEB"/>
                 </a:solidFill>
                 <a:effectLst>
-                  <a:outerShdw sx="100000" sy="100000" kx="0" ky="0" algn="b" rotWithShape="0" blurRad="50800" dist="25400" dir="5400000">
+                  <a:outerShdw blurRad="50800" dist="25400" dir="5400000" rotWithShape="0">
                     <a:srgbClr val="000000"/>
                   </a:outerShdw>
                 </a:effectLst>
               </a:rPr>
               <a:t>Body Level Four</a:t>
             </a:r>
-            <a:endParaRPr sz="3400">
-              <a:solidFill>
-                <a:srgbClr val="EBEBEB"/>
-              </a:solidFill>
-              <a:effectLst>
-                <a:outerShdw sx="100000" sy="100000" kx="0" ky="0" algn="b" rotWithShape="0" blurRad="50800" dist="25400" dir="5400000">
-                  <a:srgbClr val="000000"/>
-                </a:outerShdw>
-              </a:effectLst>
-            </a:endParaRPr>
           </a:p>
           <a:p>
             <a:pPr lvl="4">
@@ -2429,7 +2238,7 @@
                   <a:srgbClr val="EBEBEB"/>
                 </a:solidFill>
                 <a:effectLst>
-                  <a:outerShdw sx="100000" sy="100000" kx="0" ky="0" algn="b" rotWithShape="0" blurRad="50800" dist="25400" dir="5400000">
+                  <a:outerShdw blurRad="50800" dist="25400" dir="5400000" rotWithShape="0">
                     <a:srgbClr val="000000"/>
                   </a:outerShdw>
                 </a:effectLst>
@@ -2443,28 +2252,28 @@
   </p:cSld>
   <p:clrMap bg1="dk1" tx1="lt1" bg2="dk2" tx2="lt2" accent1="accent1" accent2="accent2" accent3="accent3" accent4="accent4" accent5="accent5" accent6="accent6" hlink="hlink" folHlink="folHlink"/>
   <p:sldLayoutIdLst>
-    <p:sldLayoutId id="2147483649" r:id="rId4"/>
-    <p:sldLayoutId id="2147483650" r:id="rId5"/>
-    <p:sldLayoutId id="2147483651" r:id="rId6"/>
-    <p:sldLayoutId id="2147483652" r:id="rId7"/>
-    <p:sldLayoutId id="2147483653" r:id="rId8"/>
-    <p:sldLayoutId id="2147483654" r:id="rId9"/>
-    <p:sldLayoutId id="2147483655" r:id="rId10"/>
-    <p:sldLayoutId id="2147483656" r:id="rId11"/>
-    <p:sldLayoutId id="2147483657" r:id="rId12"/>
-    <p:sldLayoutId id="2147483658" r:id="rId13"/>
-    <p:sldLayoutId id="2147483659" r:id="rId14"/>
+    <p:sldLayoutId id="2147483649" r:id="rId1"/>
+    <p:sldLayoutId id="2147483650" r:id="rId2"/>
+    <p:sldLayoutId id="2147483651" r:id="rId3"/>
+    <p:sldLayoutId id="2147483652" r:id="rId4"/>
+    <p:sldLayoutId id="2147483653" r:id="rId5"/>
+    <p:sldLayoutId id="2147483654" r:id="rId6"/>
+    <p:sldLayoutId id="2147483655" r:id="rId7"/>
+    <p:sldLayoutId id="2147483656" r:id="rId8"/>
+    <p:sldLayoutId id="2147483657" r:id="rId9"/>
+    <p:sldLayoutId id="2147483658" r:id="rId10"/>
+    <p:sldLayoutId id="2147483659" r:id="rId11"/>
   </p:sldLayoutIdLst>
-  <p:transition spd="med" advClick="1"/>
+  <p:transition xmlns:p14="http://schemas.microsoft.com/office/powerpoint/2010/main" spd="med"/>
   <p:txStyles>
     <p:titleStyle>
       <a:lvl1pPr algn="ctr" defTabSz="584200">
-        <a:defRPr b="1" sz="6400">
+        <a:defRPr sz="6400" b="1">
           <a:solidFill>
             <a:srgbClr val="FFFFFF"/>
           </a:solidFill>
           <a:effectLst>
-            <a:outerShdw sx="100000" sy="100000" kx="0" ky="0" algn="b" rotWithShape="0" blurRad="50800" dist="25400" dir="5400000">
+            <a:outerShdw blurRad="50800" dist="25400" dir="5400000" rotWithShape="0">
               <a:srgbClr val="000000"/>
             </a:outerShdw>
           </a:effectLst>
@@ -2475,12 +2284,12 @@
         </a:defRPr>
       </a:lvl1pPr>
       <a:lvl2pPr algn="ctr" defTabSz="584200">
-        <a:defRPr b="1" sz="6400">
+        <a:defRPr sz="6400" b="1">
           <a:solidFill>
             <a:srgbClr val="FFFFFF"/>
           </a:solidFill>
           <a:effectLst>
-            <a:outerShdw sx="100000" sy="100000" kx="0" ky="0" algn="b" rotWithShape="0" blurRad="50800" dist="25400" dir="5400000">
+            <a:outerShdw blurRad="50800" dist="25400" dir="5400000" rotWithShape="0">
               <a:srgbClr val="000000"/>
             </a:outerShdw>
           </a:effectLst>
@@ -2491,12 +2300,12 @@
         </a:defRPr>
       </a:lvl2pPr>
       <a:lvl3pPr algn="ctr" defTabSz="584200">
-        <a:defRPr b="1" sz="6400">
+        <a:defRPr sz="6400" b="1">
           <a:solidFill>
             <a:srgbClr val="FFFFFF"/>
           </a:solidFill>
           <a:effectLst>
-            <a:outerShdw sx="100000" sy="100000" kx="0" ky="0" algn="b" rotWithShape="0" blurRad="50800" dist="25400" dir="5400000">
+            <a:outerShdw blurRad="50800" dist="25400" dir="5400000" rotWithShape="0">
               <a:srgbClr val="000000"/>
             </a:outerShdw>
           </a:effectLst>
@@ -2507,12 +2316,12 @@
         </a:defRPr>
       </a:lvl3pPr>
       <a:lvl4pPr algn="ctr" defTabSz="584200">
-        <a:defRPr b="1" sz="6400">
+        <a:defRPr sz="6400" b="1">
           <a:solidFill>
             <a:srgbClr val="FFFFFF"/>
           </a:solidFill>
           <a:effectLst>
-            <a:outerShdw sx="100000" sy="100000" kx="0" ky="0" algn="b" rotWithShape="0" blurRad="50800" dist="25400" dir="5400000">
+            <a:outerShdw blurRad="50800" dist="25400" dir="5400000" rotWithShape="0">
               <a:srgbClr val="000000"/>
             </a:outerShdw>
           </a:effectLst>
@@ -2523,12 +2332,12 @@
         </a:defRPr>
       </a:lvl4pPr>
       <a:lvl5pPr algn="ctr" defTabSz="584200">
-        <a:defRPr b="1" sz="6400">
+        <a:defRPr sz="6400" b="1">
           <a:solidFill>
             <a:srgbClr val="FFFFFF"/>
           </a:solidFill>
           <a:effectLst>
-            <a:outerShdw sx="100000" sy="100000" kx="0" ky="0" algn="b" rotWithShape="0" blurRad="50800" dist="25400" dir="5400000">
+            <a:outerShdw blurRad="50800" dist="25400" dir="5400000" rotWithShape="0">
               <a:srgbClr val="000000"/>
             </a:outerShdw>
           </a:effectLst>
@@ -2539,12 +2348,12 @@
         </a:defRPr>
       </a:lvl5pPr>
       <a:lvl6pPr algn="ctr" defTabSz="584200">
-        <a:defRPr b="1" sz="6400">
+        <a:defRPr sz="6400" b="1">
           <a:solidFill>
             <a:srgbClr val="FFFFFF"/>
           </a:solidFill>
           <a:effectLst>
-            <a:outerShdw sx="100000" sy="100000" kx="0" ky="0" algn="b" rotWithShape="0" blurRad="50800" dist="25400" dir="5400000">
+            <a:outerShdw blurRad="50800" dist="25400" dir="5400000" rotWithShape="0">
               <a:srgbClr val="000000"/>
             </a:outerShdw>
           </a:effectLst>
@@ -2555,12 +2364,12 @@
         </a:defRPr>
       </a:lvl6pPr>
       <a:lvl7pPr algn="ctr" defTabSz="584200">
-        <a:defRPr b="1" sz="6400">
+        <a:defRPr sz="6400" b="1">
           <a:solidFill>
             <a:srgbClr val="FFFFFF"/>
           </a:solidFill>
           <a:effectLst>
-            <a:outerShdw sx="100000" sy="100000" kx="0" ky="0" algn="b" rotWithShape="0" blurRad="50800" dist="25400" dir="5400000">
+            <a:outerShdw blurRad="50800" dist="25400" dir="5400000" rotWithShape="0">
               <a:srgbClr val="000000"/>
             </a:outerShdw>
           </a:effectLst>
@@ -2571,12 +2380,12 @@
         </a:defRPr>
       </a:lvl7pPr>
       <a:lvl8pPr algn="ctr" defTabSz="584200">
-        <a:defRPr b="1" sz="6400">
+        <a:defRPr sz="6400" b="1">
           <a:solidFill>
             <a:srgbClr val="FFFFFF"/>
           </a:solidFill>
           <a:effectLst>
-            <a:outerShdw sx="100000" sy="100000" kx="0" ky="0" algn="b" rotWithShape="0" blurRad="50800" dist="25400" dir="5400000">
+            <a:outerShdw blurRad="50800" dist="25400" dir="5400000" rotWithShape="0">
               <a:srgbClr val="000000"/>
             </a:outerShdw>
           </a:effectLst>
@@ -2587,12 +2396,12 @@
         </a:defRPr>
       </a:lvl8pPr>
       <a:lvl9pPr algn="ctr" defTabSz="584200">
-        <a:defRPr b="1" sz="6400">
+        <a:defRPr sz="6400" b="1">
           <a:solidFill>
             <a:srgbClr val="FFFFFF"/>
           </a:solidFill>
           <a:effectLst>
-            <a:outerShdw sx="100000" sy="100000" kx="0" ky="0" algn="b" rotWithShape="0" blurRad="50800" dist="25400" dir="5400000">
+            <a:outerShdw blurRad="50800" dist="25400" dir="5400000" rotWithShape="0">
               <a:srgbClr val="000000"/>
             </a:outerShdw>
           </a:effectLst>
@@ -2615,7 +2424,7 @@
             <a:srgbClr val="EBEBEB"/>
           </a:solidFill>
           <a:effectLst>
-            <a:outerShdw sx="100000" sy="100000" kx="0" ky="0" algn="b" rotWithShape="0" blurRad="50800" dist="25400" dir="5400000">
+            <a:outerShdw blurRad="50800" dist="25400" dir="5400000" rotWithShape="0">
               <a:srgbClr val="000000"/>
             </a:outerShdw>
           </a:effectLst>
@@ -2636,7 +2445,7 @@
             <a:srgbClr val="EBEBEB"/>
           </a:solidFill>
           <a:effectLst>
-            <a:outerShdw sx="100000" sy="100000" kx="0" ky="0" algn="b" rotWithShape="0" blurRad="50800" dist="25400" dir="5400000">
+            <a:outerShdw blurRad="50800" dist="25400" dir="5400000" rotWithShape="0">
               <a:srgbClr val="000000"/>
             </a:outerShdw>
           </a:effectLst>
@@ -2657,7 +2466,7 @@
             <a:srgbClr val="EBEBEB"/>
           </a:solidFill>
           <a:effectLst>
-            <a:outerShdw sx="100000" sy="100000" kx="0" ky="0" algn="b" rotWithShape="0" blurRad="50800" dist="25400" dir="5400000">
+            <a:outerShdw blurRad="50800" dist="25400" dir="5400000" rotWithShape="0">
               <a:srgbClr val="000000"/>
             </a:outerShdw>
           </a:effectLst>
@@ -2678,7 +2487,7 @@
             <a:srgbClr val="EBEBEB"/>
           </a:solidFill>
           <a:effectLst>
-            <a:outerShdw sx="100000" sy="100000" kx="0" ky="0" algn="b" rotWithShape="0" blurRad="50800" dist="25400" dir="5400000">
+            <a:outerShdw blurRad="50800" dist="25400" dir="5400000" rotWithShape="0">
               <a:srgbClr val="000000"/>
             </a:outerShdw>
           </a:effectLst>
@@ -2699,7 +2508,7 @@
             <a:srgbClr val="EBEBEB"/>
           </a:solidFill>
           <a:effectLst>
-            <a:outerShdw sx="100000" sy="100000" kx="0" ky="0" algn="b" rotWithShape="0" blurRad="50800" dist="25400" dir="5400000">
+            <a:outerShdw blurRad="50800" dist="25400" dir="5400000" rotWithShape="0">
               <a:srgbClr val="000000"/>
             </a:outerShdw>
           </a:effectLst>
@@ -2720,7 +2529,7 @@
             <a:srgbClr val="EBEBEB"/>
           </a:solidFill>
           <a:effectLst>
-            <a:outerShdw sx="100000" sy="100000" kx="0" ky="0" algn="b" rotWithShape="0" blurRad="50800" dist="25400" dir="5400000">
+            <a:outerShdw blurRad="50800" dist="25400" dir="5400000" rotWithShape="0">
               <a:srgbClr val="000000"/>
             </a:outerShdw>
           </a:effectLst>
@@ -2741,7 +2550,7 @@
             <a:srgbClr val="EBEBEB"/>
           </a:solidFill>
           <a:effectLst>
-            <a:outerShdw sx="100000" sy="100000" kx="0" ky="0" algn="b" rotWithShape="0" blurRad="50800" dist="25400" dir="5400000">
+            <a:outerShdw blurRad="50800" dist="25400" dir="5400000" rotWithShape="0">
               <a:srgbClr val="000000"/>
             </a:outerShdw>
           </a:effectLst>
@@ -2762,7 +2571,7 @@
             <a:srgbClr val="EBEBEB"/>
           </a:solidFill>
           <a:effectLst>
-            <a:outerShdw sx="100000" sy="100000" kx="0" ky="0" algn="b" rotWithShape="0" blurRad="50800" dist="25400" dir="5400000">
+            <a:outerShdw blurRad="50800" dist="25400" dir="5400000" rotWithShape="0">
               <a:srgbClr val="000000"/>
             </a:outerShdw>
           </a:effectLst>
@@ -2783,7 +2592,7 @@
             <a:srgbClr val="EBEBEB"/>
           </a:solidFill>
           <a:effectLst>
-            <a:outerShdw sx="100000" sy="100000" kx="0" ky="0" algn="b" rotWithShape="0" blurRad="50800" dist="25400" dir="5400000">
+            <a:outerShdw blurRad="50800" dist="25400" dir="5400000" rotWithShape="0">
               <a:srgbClr val="000000"/>
             </a:outerShdw>
           </a:effectLst>
@@ -2801,7 +2610,7 @@
             <a:schemeClr val="tx1"/>
           </a:solidFill>
           <a:effectLst>
-            <a:outerShdw sx="100000" sy="100000" kx="0" ky="0" algn="b" rotWithShape="0" blurRad="50800" dist="25400" dir="5400000">
+            <a:outerShdw blurRad="50800" dist="25400" dir="5400000" rotWithShape="0">
               <a:srgbClr val="000000"/>
             </a:outerShdw>
           </a:effectLst>
@@ -2817,7 +2626,7 @@
             <a:schemeClr val="tx1"/>
           </a:solidFill>
           <a:effectLst>
-            <a:outerShdw sx="100000" sy="100000" kx="0" ky="0" algn="b" rotWithShape="0" blurRad="50800" dist="25400" dir="5400000">
+            <a:outerShdw blurRad="50800" dist="25400" dir="5400000" rotWithShape="0">
               <a:srgbClr val="000000"/>
             </a:outerShdw>
           </a:effectLst>
@@ -2833,7 +2642,7 @@
             <a:schemeClr val="tx1"/>
           </a:solidFill>
           <a:effectLst>
-            <a:outerShdw sx="100000" sy="100000" kx="0" ky="0" algn="b" rotWithShape="0" blurRad="50800" dist="25400" dir="5400000">
+            <a:outerShdw blurRad="50800" dist="25400" dir="5400000" rotWithShape="0">
               <a:srgbClr val="000000"/>
             </a:outerShdw>
           </a:effectLst>
@@ -2849,7 +2658,7 @@
             <a:schemeClr val="tx1"/>
           </a:solidFill>
           <a:effectLst>
-            <a:outerShdw sx="100000" sy="100000" kx="0" ky="0" algn="b" rotWithShape="0" blurRad="50800" dist="25400" dir="5400000">
+            <a:outerShdw blurRad="50800" dist="25400" dir="5400000" rotWithShape="0">
               <a:srgbClr val="000000"/>
             </a:outerShdw>
           </a:effectLst>
@@ -2865,7 +2674,7 @@
             <a:schemeClr val="tx1"/>
           </a:solidFill>
           <a:effectLst>
-            <a:outerShdw sx="100000" sy="100000" kx="0" ky="0" algn="b" rotWithShape="0" blurRad="50800" dist="25400" dir="5400000">
+            <a:outerShdw blurRad="50800" dist="25400" dir="5400000" rotWithShape="0">
               <a:srgbClr val="000000"/>
             </a:outerShdw>
           </a:effectLst>
@@ -2881,7 +2690,7 @@
             <a:schemeClr val="tx1"/>
           </a:solidFill>
           <a:effectLst>
-            <a:outerShdw sx="100000" sy="100000" kx="0" ky="0" algn="b" rotWithShape="0" blurRad="50800" dist="25400" dir="5400000">
+            <a:outerShdw blurRad="50800" dist="25400" dir="5400000" rotWithShape="0">
               <a:srgbClr val="000000"/>
             </a:outerShdw>
           </a:effectLst>
@@ -2897,7 +2706,7 @@
             <a:schemeClr val="tx1"/>
           </a:solidFill>
           <a:effectLst>
-            <a:outerShdw sx="100000" sy="100000" kx="0" ky="0" algn="b" rotWithShape="0" blurRad="50800" dist="25400" dir="5400000">
+            <a:outerShdw blurRad="50800" dist="25400" dir="5400000" rotWithShape="0">
               <a:srgbClr val="000000"/>
             </a:outerShdw>
           </a:effectLst>
@@ -2913,7 +2722,7 @@
             <a:schemeClr val="tx1"/>
           </a:solidFill>
           <a:effectLst>
-            <a:outerShdw sx="100000" sy="100000" kx="0" ky="0" algn="b" rotWithShape="0" blurRad="50800" dist="25400" dir="5400000">
+            <a:outerShdw blurRad="50800" dist="25400" dir="5400000" rotWithShape="0">
               <a:srgbClr val="000000"/>
             </a:outerShdw>
           </a:effectLst>
@@ -2929,7 +2738,7 @@
             <a:schemeClr val="tx1"/>
           </a:solidFill>
           <a:effectLst>
-            <a:outerShdw sx="100000" sy="100000" kx="0" ky="0" algn="b" rotWithShape="0" blurRad="50800" dist="25400" dir="5400000">
+            <a:outerShdw blurRad="50800" dist="25400" dir="5400000" rotWithShape="0">
               <a:srgbClr val="000000"/>
             </a:outerShdw>
           </a:effectLst>
@@ -2945,7 +2754,7 @@
 </file>
 
 <file path=ppt/slides/slide1.xml><?xml version="1.0" encoding="utf-8"?>
-<p:sld xmlns:a="http://schemas.openxmlformats.org/drawingml/2006/main" xmlns:r="http://schemas.openxmlformats.org/officeDocument/2006/relationships" xmlns:p="http://schemas.openxmlformats.org/presentationml/2006/main" showMasterSp="1" showMasterPhAnim="1">
+<p:sld xmlns:a="http://schemas.openxmlformats.org/drawingml/2006/main" xmlns:r="http://schemas.openxmlformats.org/officeDocument/2006/relationships" xmlns:p="http://schemas.openxmlformats.org/presentationml/2006/main">
   <p:cSld>
     <p:spTree>
       <p:nvGrpSpPr>
@@ -2964,7 +2773,9 @@
       <p:sp>
         <p:nvSpPr>
           <p:cNvPr id="31" name="Shape 31"/>
-          <p:cNvSpPr/>
+          <p:cNvSpPr>
+            <a:spLocks noGrp="1"/>
+          </p:cNvSpPr>
           <p:nvPr>
             <p:ph type="title"/>
           </p:nvPr>
@@ -2984,7 +2795,7 @@
             <a:lvl1pPr defTabSz="479044">
               <a:defRPr sz="3900">
                 <a:effectLst>
-                  <a:outerShdw sx="100000" sy="100000" kx="0" ky="0" algn="b" rotWithShape="0" blurRad="38100" dist="20828" dir="5400000">
+                  <a:outerShdw blurRad="38100" dist="20828" dir="5400000" rotWithShape="0">
                     <a:srgbClr val="000000"/>
                   </a:outerShdw>
                 </a:effectLst>
@@ -2993,7 +2804,7 @@
           </a:lstStyle>
           <a:p>
             <a:pPr lvl="0">
-              <a:defRPr b="0" sz="1800">
+              <a:defRPr sz="1800" b="0">
                 <a:solidFill>
                   <a:srgbClr val="000000"/>
                 </a:solidFill>
@@ -3001,12 +2812,12 @@
               </a:defRPr>
             </a:pPr>
             <a:r>
-              <a:rPr b="1" sz="3900">
+              <a:rPr sz="3900" b="1">
                 <a:solidFill>
                   <a:srgbClr val="FFFFFF"/>
                 </a:solidFill>
                 <a:effectLst>
-                  <a:outerShdw sx="100000" sy="100000" kx="0" ky="0" algn="b" rotWithShape="0" blurRad="38100" dist="20828" dir="5400000">
+                  <a:outerShdw blurRad="38100" dist="20828" dir="5400000" rotWithShape="0">
                     <a:srgbClr val="000000"/>
                   </a:outerShdw>
                 </a:effectLst>
@@ -3019,7 +2830,9 @@
       <p:sp>
         <p:nvSpPr>
           <p:cNvPr id="32" name="Shape 32"/>
-          <p:cNvSpPr/>
+          <p:cNvSpPr>
+            <a:spLocks noGrp="1"/>
+          </p:cNvSpPr>
           <p:nvPr>
             <p:ph type="body" idx="1"/>
           </p:nvPr>
@@ -3051,7 +2864,7 @@
                   <a:srgbClr val="FFFFFF"/>
                 </a:solidFill>
                 <a:effectLst>
-                  <a:outerShdw sx="100000" sy="100000" kx="0" ky="0" algn="b" rotWithShape="0" blurRad="50800" dist="25400" dir="5400000">
+                  <a:outerShdw blurRad="50800" dist="25400" dir="5400000" rotWithShape="0">
                     <a:srgbClr val="000000"/>
                   </a:outerShdw>
                 </a:effectLst>
@@ -3153,12 +2966,19 @@
   <p:clrMapOvr>
     <a:masterClrMapping/>
   </p:clrMapOvr>
-  <p:transition spd="med" advClick="1"/>
+  <p:transition xmlns:p14="http://schemas.microsoft.com/office/powerpoint/2010/main" spd="med"/>
+  <p:timing>
+    <p:tnLst>
+      <p:par>
+        <p:cTn xmlns:p14="http://schemas.microsoft.com/office/powerpoint/2010/main" id="1" dur="indefinite" restart="never" nodeType="tmRoot"/>
+      </p:par>
+    </p:tnLst>
+  </p:timing>
 </p:sld>
 </file>
 
 <file path=ppt/slides/slide10.xml><?xml version="1.0" encoding="utf-8"?>
-<p:sld xmlns:a="http://schemas.openxmlformats.org/drawingml/2006/main" xmlns:r="http://schemas.openxmlformats.org/officeDocument/2006/relationships" xmlns:p="http://schemas.openxmlformats.org/presentationml/2006/main" showMasterSp="1" showMasterPhAnim="1">
+<p:sld xmlns:a="http://schemas.openxmlformats.org/drawingml/2006/main" xmlns:r="http://schemas.openxmlformats.org/officeDocument/2006/relationships" xmlns:p="http://schemas.openxmlformats.org/presentationml/2006/main">
   <p:cSld>
     <p:spTree>
       <p:nvGrpSpPr>
@@ -3177,7 +2997,9 @@
       <p:sp>
         <p:nvSpPr>
           <p:cNvPr id="90" name="Shape 90"/>
-          <p:cNvSpPr/>
+          <p:cNvSpPr>
+            <a:spLocks noGrp="1"/>
+          </p:cNvSpPr>
           <p:nvPr>
             <p:ph type="title"/>
           </p:nvPr>
@@ -3200,7 +3022,7 @@
           </a:lstStyle>
           <a:p>
             <a:pPr lvl="0">
-              <a:defRPr b="0" sz="1800">
+              <a:defRPr sz="1800" b="0">
                 <a:solidFill>
                   <a:srgbClr val="000000"/>
                 </a:solidFill>
@@ -3208,12 +3030,12 @@
               </a:defRPr>
             </a:pPr>
             <a:r>
-              <a:rPr b="1" sz="5800">
+              <a:rPr sz="5800" b="1">
                 <a:solidFill>
                   <a:srgbClr val="FFFFFF"/>
                 </a:solidFill>
                 <a:effectLst>
-                  <a:outerShdw sx="100000" sy="100000" kx="0" ky="0" algn="b" rotWithShape="0" blurRad="50800" dist="25400" dir="5400000">
+                  <a:outerShdw blurRad="50800" dist="25400" dir="5400000" rotWithShape="0">
                     <a:srgbClr val="000000"/>
                   </a:outerShdw>
                 </a:effectLst>
@@ -3226,7 +3048,9 @@
       <p:sp>
         <p:nvSpPr>
           <p:cNvPr id="91" name="Shape 91"/>
-          <p:cNvSpPr/>
+          <p:cNvSpPr>
+            <a:spLocks noGrp="1"/>
+          </p:cNvSpPr>
           <p:nvPr>
             <p:ph type="body" idx="1"/>
           </p:nvPr>
@@ -3241,10 +3065,12 @@
           </a:prstGeom>
         </p:spPr>
         <p:txBody>
-          <a:bodyPr/>
+          <a:bodyPr>
+            <a:normAutofit/>
+          </a:bodyPr>
           <a:lstStyle/>
           <a:p>
-            <a:pPr lvl="0" marL="903111" indent="-903111">
+            <a:pPr marL="903111" lvl="0" indent="-903111">
               <a:buClr>
                 <a:srgbClr val="EBEBEB"/>
               </a:buClr>
@@ -3256,22 +3082,35 @@
               </a:defRPr>
             </a:pPr>
             <a:r>
-              <a:rPr sz="4000">
+              <a:rPr sz="4400" dirty="0">
                 <a:solidFill>
                   <a:srgbClr val="EBEBEB"/>
                 </a:solidFill>
                 <a:effectLst>
-                  <a:outerShdw sx="100000" sy="100000" kx="0" ky="0" algn="b" rotWithShape="0" blurRad="50800" dist="25400" dir="5400000">
+                  <a:outerShdw blurRad="50800" dist="25400" dir="5400000" rotWithShape="0">
                     <a:srgbClr val="000000"/>
                   </a:outerShdw>
                 </a:effectLst>
               </a:rPr>
               <a:t>Topics in recent news detected. </a:t>
             </a:r>
-            <a:endParaRPr sz="4000"/>
-          </a:p>
-          <a:p>
-            <a:pPr lvl="0" marL="903111" indent="-903111">
+            <a:r>
+              <a:rPr lang="en-US" sz="4400" dirty="0" smtClean="0">
+                <a:solidFill>
+                  <a:srgbClr val="EBEBEB"/>
+                </a:solidFill>
+                <a:effectLst>
+                  <a:outerShdw blurRad="50800" dist="25400" dir="5400000" rotWithShape="0">
+                    <a:srgbClr val="000000"/>
+                  </a:outerShdw>
+                </a:effectLst>
+              </a:rPr>
+              <a:t>                           </a:t>
+            </a:r>
+            <a:endParaRPr sz="4400" dirty="0"/>
+          </a:p>
+          <a:p>
+            <a:pPr marL="903111" lvl="0" indent="-903111">
               <a:buClr>
                 <a:srgbClr val="EBEBEB"/>
               </a:buClr>
@@ -3283,12 +3122,12 @@
               </a:defRPr>
             </a:pPr>
             <a:r>
-              <a:rPr sz="4000">
+              <a:rPr sz="4400" dirty="0">
                 <a:solidFill>
                   <a:srgbClr val="EBEBEB"/>
                 </a:solidFill>
                 <a:effectLst>
-                  <a:outerShdw sx="100000" sy="100000" kx="0" ky="0" algn="b" rotWithShape="0" blurRad="50800" dist="25400" dir="5400000">
+                  <a:outerShdw blurRad="50800" dist="25400" dir="5400000" rotWithShape="0">
                     <a:srgbClr val="000000"/>
                   </a:outerShdw>
                 </a:effectLst>
@@ -3303,12 +3142,19 @@
   <p:clrMapOvr>
     <a:masterClrMapping/>
   </p:clrMapOvr>
-  <p:transition spd="med" advClick="1"/>
+  <p:transition xmlns:p14="http://schemas.microsoft.com/office/powerpoint/2010/main" spd="med"/>
+  <p:timing>
+    <p:tnLst>
+      <p:par>
+        <p:cTn xmlns:p14="http://schemas.microsoft.com/office/powerpoint/2010/main" id="1" dur="indefinite" restart="never" nodeType="tmRoot"/>
+      </p:par>
+    </p:tnLst>
+  </p:timing>
 </p:sld>
 </file>
 
 <file path=ppt/slides/slide11.xml><?xml version="1.0" encoding="utf-8"?>
-<p:sld xmlns:a="http://schemas.openxmlformats.org/drawingml/2006/main" xmlns:r="http://schemas.openxmlformats.org/officeDocument/2006/relationships" xmlns:p="http://schemas.openxmlformats.org/presentationml/2006/main" showMasterSp="1" showMasterPhAnim="1">
+<p:sld xmlns:a="http://schemas.openxmlformats.org/drawingml/2006/main" xmlns:r="http://schemas.openxmlformats.org/officeDocument/2006/relationships" xmlns:p="http://schemas.openxmlformats.org/presentationml/2006/main">
   <p:cSld>
     <p:spTree>
       <p:nvGrpSpPr>
@@ -3327,7 +3173,9 @@
       <p:sp>
         <p:nvSpPr>
           <p:cNvPr id="95" name="Shape 95"/>
-          <p:cNvSpPr/>
+          <p:cNvSpPr>
+            <a:spLocks noGrp="1"/>
+          </p:cNvSpPr>
           <p:nvPr>
             <p:ph type="title"/>
           </p:nvPr>
@@ -3350,7 +3198,7 @@
           </a:lstStyle>
           <a:p>
             <a:pPr lvl="0">
-              <a:defRPr b="0" sz="1800">
+              <a:defRPr sz="1800" b="0">
                 <a:solidFill>
                   <a:srgbClr val="000000"/>
                 </a:solidFill>
@@ -3358,12 +3206,12 @@
               </a:defRPr>
             </a:pPr>
             <a:r>
-              <a:rPr b="1" sz="5800">
+              <a:rPr sz="5800" b="1" dirty="0">
                 <a:solidFill>
                   <a:srgbClr val="FFFFFF"/>
                 </a:solidFill>
                 <a:effectLst>
-                  <a:outerShdw sx="100000" sy="100000" kx="0" ky="0" algn="b" rotWithShape="0" blurRad="50800" dist="25400" dir="5400000">
+                  <a:outerShdw blurRad="50800" dist="25400" dir="5400000" rotWithShape="0">
                     <a:srgbClr val="000000"/>
                   </a:outerShdw>
                 </a:effectLst>
@@ -3376,14 +3224,16 @@
       <p:sp>
         <p:nvSpPr>
           <p:cNvPr id="96" name="Shape 96"/>
-          <p:cNvSpPr/>
+          <p:cNvSpPr>
+            <a:spLocks noGrp="1"/>
+          </p:cNvSpPr>
           <p:nvPr>
             <p:ph type="body" idx="1"/>
           </p:nvPr>
         </p:nvSpPr>
         <p:spPr>
           <a:xfrm>
-            <a:off x="754059" y="1697566"/>
+            <a:off x="556143" y="1712837"/>
             <a:ext cx="12242803" cy="7071784"/>
           </a:xfrm>
           <a:prstGeom prst="rect">
@@ -3391,10 +3241,12 @@
           </a:prstGeom>
         </p:spPr>
         <p:txBody>
-          <a:bodyPr/>
+          <a:bodyPr>
+            <a:normAutofit/>
+          </a:bodyPr>
           <a:lstStyle/>
           <a:p>
-            <a:pPr lvl="0" marL="903111" indent="-903111">
+            <a:pPr marL="903111" lvl="0" indent="-903111">
               <a:buClr>
                 <a:srgbClr val="EBEBEB"/>
               </a:buClr>
@@ -3406,44 +3258,21 @@
               </a:defRPr>
             </a:pPr>
             <a:r>
-              <a:rPr sz="4000">
+              <a:rPr sz="4400" dirty="0">
                 <a:solidFill>
                   <a:srgbClr val="EBEBEB"/>
                 </a:solidFill>
                 <a:effectLst>
-                  <a:outerShdw sx="100000" sy="100000" kx="0" ky="0" algn="b" rotWithShape="0" blurRad="50800" dist="25400" dir="5400000">
+                  <a:outerShdw blurRad="50800" dist="25400" dir="5400000" rotWithShape="0">
                     <a:srgbClr val="000000"/>
                   </a:outerShdw>
                 </a:effectLst>
               </a:rPr>
-              <a:t>Classify comments by candidates. </a:t>
+              <a:t>Classify comments by candidates. Use features such as distinct topics or other measures (subjectivity)</a:t>
             </a:r>
-            <a:r>
-              <a:rPr sz="4000">
-                <a:solidFill>
-                  <a:srgbClr val="EBEBEB"/>
-                </a:solidFill>
-                <a:effectLst>
-                  <a:outerShdw sx="100000" sy="100000" kx="0" ky="0" algn="b" rotWithShape="0" blurRad="50800" dist="25400" dir="5400000">
-                    <a:srgbClr val="000000"/>
-                  </a:outerShdw>
-                </a:effectLst>
-              </a:rPr>
-              <a:t>Use features such as distinct topics or other measures (subjectivity)</a:t>
-            </a:r>
-            <a:endParaRPr sz="4000">
-              <a:solidFill>
-                <a:srgbClr val="EBEBEB"/>
-              </a:solidFill>
-              <a:effectLst>
-                <a:outerShdw sx="100000" sy="100000" kx="0" ky="0" algn="b" rotWithShape="0" blurRad="50800" dist="25400" dir="5400000">
-                  <a:srgbClr val="000000"/>
-                </a:outerShdw>
-              </a:effectLst>
-            </a:endParaRPr>
-          </a:p>
-          <a:p>
-            <a:pPr lvl="0" marL="903111" indent="-903111">
+          </a:p>
+          <a:p>
+            <a:pPr marL="903111" lvl="0" indent="-903111">
               <a:buClr>
                 <a:srgbClr val="EBEBEB"/>
               </a:buClr>
@@ -3455,12 +3284,12 @@
               </a:defRPr>
             </a:pPr>
             <a:r>
-              <a:rPr sz="4000">
+              <a:rPr sz="4400" dirty="0">
                 <a:solidFill>
                   <a:srgbClr val="EBEBEB"/>
                 </a:solidFill>
                 <a:effectLst>
-                  <a:outerShdw sx="100000" sy="100000" kx="0" ky="0" algn="b" rotWithShape="0" blurRad="50800" dist="25400" dir="5400000">
+                  <a:outerShdw blurRad="50800" dist="25400" dir="5400000" rotWithShape="0">
                     <a:srgbClr val="000000"/>
                   </a:outerShdw>
                 </a:effectLst>
@@ -3475,12 +3304,19 @@
   <p:clrMapOvr>
     <a:masterClrMapping/>
   </p:clrMapOvr>
-  <p:transition spd="med" advClick="1"/>
+  <p:transition xmlns:p14="http://schemas.microsoft.com/office/powerpoint/2010/main" spd="med"/>
+  <p:timing>
+    <p:tnLst>
+      <p:par>
+        <p:cTn xmlns:p14="http://schemas.microsoft.com/office/powerpoint/2010/main" id="1" dur="indefinite" restart="never" nodeType="tmRoot"/>
+      </p:par>
+    </p:tnLst>
+  </p:timing>
 </p:sld>
 </file>
 
 <file path=ppt/slides/slide12.xml><?xml version="1.0" encoding="utf-8"?>
-<p:sld xmlns:a="http://schemas.openxmlformats.org/drawingml/2006/main" xmlns:r="http://schemas.openxmlformats.org/officeDocument/2006/relationships" xmlns:p="http://schemas.openxmlformats.org/presentationml/2006/main" showMasterSp="1" showMasterPhAnim="1">
+<p:sld xmlns:a="http://schemas.openxmlformats.org/drawingml/2006/main" xmlns:r="http://schemas.openxmlformats.org/officeDocument/2006/relationships" xmlns:p="http://schemas.openxmlformats.org/presentationml/2006/main">
   <p:cSld>
     <p:spTree>
       <p:nvGrpSpPr>
@@ -3499,7 +3335,9 @@
       <p:sp>
         <p:nvSpPr>
           <p:cNvPr id="100" name="Shape 100"/>
-          <p:cNvSpPr/>
+          <p:cNvSpPr>
+            <a:spLocks noGrp="1"/>
+          </p:cNvSpPr>
           <p:nvPr>
             <p:ph type="title"/>
           </p:nvPr>
@@ -3518,7 +3356,7 @@
           <a:lstStyle/>
           <a:p>
             <a:pPr lvl="0">
-              <a:defRPr b="0" sz="1800">
+              <a:defRPr sz="1800" b="0">
                 <a:solidFill>
                   <a:srgbClr val="000000"/>
                 </a:solidFill>
@@ -3526,12 +3364,12 @@
               </a:defRPr>
             </a:pPr>
             <a:r>
-              <a:rPr b="1" sz="6400">
+              <a:rPr sz="6400" b="1">
                 <a:solidFill>
                   <a:srgbClr val="FFFFFF"/>
                 </a:solidFill>
                 <a:effectLst>
-                  <a:outerShdw sx="100000" sy="100000" kx="0" ky="0" algn="b" rotWithShape="0" blurRad="50800" dist="25400" dir="5400000">
+                  <a:outerShdw blurRad="50800" dist="25400" dir="5400000" rotWithShape="0">
                     <a:srgbClr val="000000"/>
                   </a:outerShdw>
                 </a:effectLst>
@@ -3541,13 +3379,16 @@
           </a:p>
           <a:p>
             <a:pPr lvl="0">
-              <a:defRPr b="0" sz="1800">
+              <a:defRPr sz="1800" b="0">
                 <a:solidFill>
                   <a:srgbClr val="000000"/>
                 </a:solidFill>
                 <a:effectLst/>
               </a:defRPr>
             </a:pPr>
+            <a:r>
+              <a:t/>
+            </a:r>
             <a:br/>
             <a:r>
               <a:rPr sz="3600">
@@ -3563,7 +3404,9 @@
       <p:sp>
         <p:nvSpPr>
           <p:cNvPr id="101" name="Shape 101"/>
-          <p:cNvSpPr/>
+          <p:cNvSpPr>
+            <a:spLocks noGrp="1"/>
+          </p:cNvSpPr>
           <p:nvPr>
             <p:ph type="body" idx="1"/>
           </p:nvPr>
@@ -3606,7 +3449,7 @@
                   <a:srgbClr val="FFFFFF"/>
                 </a:solidFill>
                 <a:effectLst>
-                  <a:outerShdw sx="100000" sy="100000" kx="0" ky="0" algn="b" rotWithShape="0" blurRad="50800" dist="25400" dir="5400000">
+                  <a:outerShdw blurRad="50800" dist="25400" dir="5400000" rotWithShape="0">
                     <a:srgbClr val="000000"/>
                   </a:outerShdw>
                 </a:effectLst>
@@ -3652,7 +3495,7 @@
                   <a:srgbClr val="FFFFFF"/>
                 </a:solidFill>
                 <a:effectLst>
-                  <a:outerShdw sx="100000" sy="100000" kx="0" ky="0" algn="b" rotWithShape="0" blurRad="50800" dist="25400" dir="5400000">
+                  <a:outerShdw blurRad="50800" dist="25400" dir="5400000" rotWithShape="0">
                     <a:srgbClr val="000000"/>
                   </a:outerShdw>
                 </a:effectLst>
@@ -3721,12 +3564,19 @@
   <p:clrMapOvr>
     <a:masterClrMapping/>
   </p:clrMapOvr>
-  <p:transition spd="med" advClick="1"/>
+  <p:transition xmlns:p14="http://schemas.microsoft.com/office/powerpoint/2010/main" spd="med"/>
+  <p:timing>
+    <p:tnLst>
+      <p:par>
+        <p:cTn xmlns:p14="http://schemas.microsoft.com/office/powerpoint/2010/main" id="1" dur="indefinite" restart="never" nodeType="tmRoot"/>
+      </p:par>
+    </p:tnLst>
+  </p:timing>
 </p:sld>
 </file>
 
 <file path=ppt/slides/slide13.xml><?xml version="1.0" encoding="utf-8"?>
-<p:sld xmlns:a="http://schemas.openxmlformats.org/drawingml/2006/main" xmlns:r="http://schemas.openxmlformats.org/officeDocument/2006/relationships" xmlns:p="http://schemas.openxmlformats.org/presentationml/2006/main" showMasterSp="1" showMasterPhAnim="1">
+<p:sld xmlns:a="http://schemas.openxmlformats.org/drawingml/2006/main" xmlns:r="http://schemas.openxmlformats.org/officeDocument/2006/relationships" xmlns:p="http://schemas.openxmlformats.org/presentationml/2006/main">
   <p:cSld>
     <p:spTree>
       <p:nvGrpSpPr>
@@ -3745,7 +3595,9 @@
       <p:sp>
         <p:nvSpPr>
           <p:cNvPr id="105" name="Shape 105"/>
-          <p:cNvSpPr/>
+          <p:cNvSpPr>
+            <a:spLocks noGrp="1"/>
+          </p:cNvSpPr>
           <p:nvPr>
             <p:ph type="title"/>
           </p:nvPr>
@@ -3765,7 +3617,7 @@
             <a:lvl1pPr defTabSz="479044">
               <a:defRPr sz="4700">
                 <a:effectLst>
-                  <a:outerShdw sx="100000" sy="100000" kx="0" ky="0" algn="b" rotWithShape="0" blurRad="38100" dist="20828" dir="5400000">
+                  <a:outerShdw blurRad="38100" dist="20828" dir="5400000" rotWithShape="0">
                     <a:srgbClr val="000000"/>
                   </a:outerShdw>
                 </a:effectLst>
@@ -3774,7 +3626,7 @@
           </a:lstStyle>
           <a:p>
             <a:pPr lvl="0">
-              <a:defRPr b="0" sz="1800">
+              <a:defRPr sz="1800" b="0">
                 <a:solidFill>
                   <a:srgbClr val="000000"/>
                 </a:solidFill>
@@ -3782,12 +3634,12 @@
               </a:defRPr>
             </a:pPr>
             <a:r>
-              <a:rPr b="1" sz="4700">
+              <a:rPr sz="4700" b="1">
                 <a:solidFill>
                   <a:srgbClr val="FFFFFF"/>
                 </a:solidFill>
                 <a:effectLst>
-                  <a:outerShdw sx="100000" sy="100000" kx="0" ky="0" algn="b" rotWithShape="0" blurRad="38100" dist="20828" dir="5400000">
+                  <a:outerShdw blurRad="38100" dist="20828" dir="5400000" rotWithShape="0">
                     <a:srgbClr val="000000"/>
                   </a:outerShdw>
                 </a:effectLst>
@@ -3840,7 +3692,7 @@
                   <a:srgbClr val="EBEBEB"/>
                 </a:solidFill>
                 <a:effectLst>
-                  <a:outerShdw sx="100000" sy="100000" kx="0" ky="0" algn="b" rotWithShape="0" blurRad="50800" dist="25400" dir="5400000">
+                  <a:outerShdw blurRad="50800" dist="25400" dir="5400000" rotWithShape="0">
                     <a:srgbClr val="000000"/>
                   </a:outerShdw>
                 </a:effectLst>
@@ -3873,7 +3725,7 @@
                   <a:srgbClr val="EBEBEB"/>
                 </a:solidFill>
                 <a:effectLst>
-                  <a:outerShdw sx="100000" sy="100000" kx="0" ky="0" algn="b" rotWithShape="0" blurRad="50800" dist="25400" dir="5400000">
+                  <a:outerShdw blurRad="50800" dist="25400" dir="5400000" rotWithShape="0">
                     <a:srgbClr val="000000"/>
                   </a:outerShdw>
                 </a:effectLst>
@@ -3906,7 +3758,7 @@
                   <a:srgbClr val="EBEBEB"/>
                 </a:solidFill>
                 <a:effectLst>
-                  <a:outerShdw sx="100000" sy="100000" kx="0" ky="0" algn="b" rotWithShape="0" blurRad="50800" dist="25400" dir="5400000">
+                  <a:outerShdw blurRad="50800" dist="25400" dir="5400000" rotWithShape="0">
                     <a:srgbClr val="000000"/>
                   </a:outerShdw>
                 </a:effectLst>
@@ -3939,7 +3791,7 @@
                   <a:srgbClr val="EBEBEB"/>
                 </a:solidFill>
                 <a:effectLst>
-                  <a:outerShdw sx="100000" sy="100000" kx="0" ky="0" algn="b" rotWithShape="0" blurRad="50800" dist="25400" dir="5400000">
+                  <a:outerShdw blurRad="50800" dist="25400" dir="5400000" rotWithShape="0">
                     <a:srgbClr val="000000"/>
                   </a:outerShdw>
                 </a:effectLst>
@@ -3985,12 +3837,19 @@
   <p:clrMapOvr>
     <a:masterClrMapping/>
   </p:clrMapOvr>
-  <p:transition spd="med" advClick="1"/>
+  <p:transition xmlns:p14="http://schemas.microsoft.com/office/powerpoint/2010/main" spd="med"/>
+  <p:timing>
+    <p:tnLst>
+      <p:par>
+        <p:cTn xmlns:p14="http://schemas.microsoft.com/office/powerpoint/2010/main" id="1" dur="indefinite" restart="never" nodeType="tmRoot"/>
+      </p:par>
+    </p:tnLst>
+  </p:timing>
 </p:sld>
 </file>
 
 <file path=ppt/slides/slide14.xml><?xml version="1.0" encoding="utf-8"?>
-<p:sld xmlns:a="http://schemas.openxmlformats.org/drawingml/2006/main" xmlns:r="http://schemas.openxmlformats.org/officeDocument/2006/relationships" xmlns:p="http://schemas.openxmlformats.org/presentationml/2006/main" showMasterSp="1" showMasterPhAnim="1">
+<p:sld xmlns:a="http://schemas.openxmlformats.org/drawingml/2006/main" xmlns:r="http://schemas.openxmlformats.org/officeDocument/2006/relationships" xmlns:p="http://schemas.openxmlformats.org/presentationml/2006/main">
   <p:cSld>
     <p:spTree>
       <p:nvGrpSpPr>
@@ -4009,7 +3868,9 @@
       <p:sp>
         <p:nvSpPr>
           <p:cNvPr id="109" name="Shape 109"/>
-          <p:cNvSpPr/>
+          <p:cNvSpPr>
+            <a:spLocks noGrp="1"/>
+          </p:cNvSpPr>
           <p:nvPr>
             <p:ph type="title"/>
           </p:nvPr>
@@ -4029,7 +3890,7 @@
             <a:lvl1pPr defTabSz="508254">
               <a:defRPr sz="5000">
                 <a:effectLst>
-                  <a:outerShdw sx="100000" sy="100000" kx="0" ky="0" algn="b" rotWithShape="0" blurRad="38100" dist="22098" dir="5400000">
+                  <a:outerShdw blurRad="38100" dist="22098" dir="5400000" rotWithShape="0">
                     <a:srgbClr val="000000"/>
                   </a:outerShdw>
                 </a:effectLst>
@@ -4038,7 +3899,7 @@
           </a:lstStyle>
           <a:p>
             <a:pPr lvl="0">
-              <a:defRPr b="0" sz="1800">
+              <a:defRPr sz="1800" b="0">
                 <a:solidFill>
                   <a:srgbClr val="000000"/>
                 </a:solidFill>
@@ -4046,12 +3907,12 @@
               </a:defRPr>
             </a:pPr>
             <a:r>
-              <a:rPr b="1" sz="5000">
+              <a:rPr sz="5000" b="1">
                 <a:solidFill>
                   <a:srgbClr val="FFFFFF"/>
                 </a:solidFill>
                 <a:effectLst>
-                  <a:outerShdw sx="100000" sy="100000" kx="0" ky="0" algn="b" rotWithShape="0" blurRad="38100" dist="22098" dir="5400000">
+                  <a:outerShdw blurRad="38100" dist="22098" dir="5400000" rotWithShape="0">
                     <a:srgbClr val="000000"/>
                   </a:outerShdw>
                 </a:effectLst>
@@ -4064,7 +3925,9 @@
       <p:sp>
         <p:nvSpPr>
           <p:cNvPr id="110" name="Shape 110"/>
-          <p:cNvSpPr/>
+          <p:cNvSpPr>
+            <a:spLocks noGrp="1"/>
+          </p:cNvSpPr>
           <p:nvPr>
             <p:ph type="body" idx="1"/>
           </p:nvPr>
@@ -4111,7 +3974,7 @@
                   <a:srgbClr val="EBEBEB"/>
                 </a:solidFill>
                 <a:effectLst>
-                  <a:outerShdw sx="100000" sy="100000" kx="0" ky="0" algn="b" rotWithShape="0" blurRad="50800" dist="25400" dir="5400000">
+                  <a:outerShdw blurRad="50800" dist="25400" dir="5400000" rotWithShape="0">
                     <a:srgbClr val="000000"/>
                   </a:outerShdw>
                 </a:effectLst>
@@ -4149,7 +4012,7 @@
                   <a:srgbClr val="EBEBEB"/>
                 </a:solidFill>
                 <a:effectLst>
-                  <a:outerShdw sx="100000" sy="100000" kx="0" ky="0" algn="b" rotWithShape="0" blurRad="50800" dist="25400" dir="5400000">
+                  <a:outerShdw blurRad="50800" dist="25400" dir="5400000" rotWithShape="0">
                     <a:srgbClr val="000000"/>
                   </a:outerShdw>
                 </a:effectLst>
@@ -4172,7 +4035,7 @@
                   <a:srgbClr val="EBEBEB"/>
                 </a:solidFill>
                 <a:effectLst>
-                  <a:outerShdw sx="100000" sy="100000" kx="0" ky="0" algn="b" rotWithShape="0" blurRad="50800" dist="25400" dir="5400000">
+                  <a:outerShdw blurRad="50800" dist="25400" dir="5400000" rotWithShape="0">
                     <a:srgbClr val="000000"/>
                   </a:outerShdw>
                 </a:effectLst>
@@ -4210,7 +4073,7 @@
                   <a:srgbClr val="EBEBEB"/>
                 </a:solidFill>
                 <a:effectLst>
-                  <a:outerShdw sx="100000" sy="100000" kx="0" ky="0" algn="b" rotWithShape="0" blurRad="50800" dist="25400" dir="5400000">
+                  <a:outerShdw blurRad="50800" dist="25400" dir="5400000" rotWithShape="0">
                     <a:srgbClr val="000000"/>
                   </a:outerShdw>
                 </a:effectLst>
@@ -4248,7 +4111,7 @@
                   <a:srgbClr val="EBEBEB"/>
                 </a:solidFill>
                 <a:effectLst>
-                  <a:outerShdw sx="100000" sy="100000" kx="0" ky="0" algn="b" rotWithShape="0" blurRad="50800" dist="25400" dir="5400000">
+                  <a:outerShdw blurRad="50800" dist="25400" dir="5400000" rotWithShape="0">
                     <a:srgbClr val="000000"/>
                   </a:outerShdw>
                 </a:effectLst>
@@ -4271,7 +4134,7 @@
                   <a:srgbClr val="EBEBEB"/>
                 </a:solidFill>
                 <a:effectLst>
-                  <a:outerShdw sx="100000" sy="100000" kx="0" ky="0" algn="b" rotWithShape="0" blurRad="50800" dist="25400" dir="5400000">
+                  <a:outerShdw blurRad="50800" dist="25400" dir="5400000" rotWithShape="0">
                     <a:srgbClr val="000000"/>
                   </a:outerShdw>
                 </a:effectLst>
@@ -4286,12 +4149,12 @@
   <p:clrMapOvr>
     <a:masterClrMapping/>
   </p:clrMapOvr>
-  <p:transition spd="med" advClick="1"/>
+  <p:transition xmlns:p14="http://schemas.microsoft.com/office/powerpoint/2010/main" spd="med"/>
 </p:sld>
 </file>
 
 <file path=ppt/slides/slide2.xml><?xml version="1.0" encoding="utf-8"?>
-<p:sld xmlns:a="http://schemas.openxmlformats.org/drawingml/2006/main" xmlns:r="http://schemas.openxmlformats.org/officeDocument/2006/relationships" xmlns:p="http://schemas.openxmlformats.org/presentationml/2006/main" showMasterSp="1" showMasterPhAnim="1">
+<p:sld xmlns:a="http://schemas.openxmlformats.org/drawingml/2006/main" xmlns:r="http://schemas.openxmlformats.org/officeDocument/2006/relationships" xmlns:p="http://schemas.openxmlformats.org/presentationml/2006/main">
   <p:cSld>
     <p:spTree>
       <p:nvGrpSpPr>
@@ -4310,7 +4173,9 @@
       <p:sp>
         <p:nvSpPr>
           <p:cNvPr id="36" name="Shape 36"/>
-          <p:cNvSpPr/>
+          <p:cNvSpPr>
+            <a:spLocks noGrp="1"/>
+          </p:cNvSpPr>
           <p:nvPr>
             <p:ph type="title"/>
           </p:nvPr>
@@ -4333,7 +4198,7 @@
           </a:lstStyle>
           <a:p>
             <a:pPr lvl="0">
-              <a:defRPr b="0" sz="1800">
+              <a:defRPr sz="1800" b="0">
                 <a:solidFill>
                   <a:srgbClr val="000000"/>
                 </a:solidFill>
@@ -4341,12 +4206,12 @@
               </a:defRPr>
             </a:pPr>
             <a:r>
-              <a:rPr b="1" sz="5800">
+              <a:rPr sz="5800" b="1">
                 <a:solidFill>
                   <a:srgbClr val="FFFFFF"/>
                 </a:solidFill>
                 <a:effectLst>
-                  <a:outerShdw sx="100000" sy="100000" kx="0" ky="0" algn="b" rotWithShape="0" blurRad="50800" dist="25400" dir="5400000">
+                  <a:outerShdw blurRad="50800" dist="25400" dir="5400000" rotWithShape="0">
                     <a:srgbClr val="000000"/>
                   </a:outerShdw>
                 </a:effectLst>
@@ -4359,7 +4224,9 @@
       <p:sp>
         <p:nvSpPr>
           <p:cNvPr id="37" name="Shape 37"/>
-          <p:cNvSpPr/>
+          <p:cNvSpPr>
+            <a:spLocks noGrp="1"/>
+          </p:cNvSpPr>
           <p:nvPr>
             <p:ph type="body" idx="1"/>
           </p:nvPr>
@@ -4377,7 +4244,7 @@
           <a:bodyPr/>
           <a:lstStyle/>
           <a:p>
-            <a:pPr lvl="0" marL="1449994" indent="-1449994">
+            <a:pPr marL="1449994" lvl="0" indent="-1449994">
               <a:buClr>
                 <a:srgbClr val="EBEBEB"/>
               </a:buClr>
@@ -4394,7 +4261,7 @@
                   <a:srgbClr val="EBEBEB"/>
                 </a:solidFill>
                 <a:effectLst>
-                  <a:outerShdw sx="100000" sy="100000" kx="0" ky="0" algn="b" rotWithShape="0" blurRad="50800" dist="25400" dir="5400000">
+                  <a:outerShdw blurRad="50800" dist="25400" dir="5400000" rotWithShape="0">
                     <a:srgbClr val="000000"/>
                   </a:outerShdw>
                 </a:effectLst>
@@ -4403,7 +4270,7 @@
             </a:r>
           </a:p>
           <a:p>
-            <a:pPr lvl="0" marL="1449994" indent="-1449994">
+            <a:pPr marL="1449994" lvl="0" indent="-1449994">
               <a:buClr>
                 <a:srgbClr val="EBEBEB"/>
               </a:buClr>
@@ -4420,7 +4287,7 @@
                   <a:srgbClr val="EBEBEB"/>
                 </a:solidFill>
                 <a:effectLst>
-                  <a:outerShdw sx="100000" sy="100000" kx="0" ky="0" algn="b" rotWithShape="0" blurRad="50800" dist="25400" dir="5400000">
+                  <a:outerShdw blurRad="50800" dist="25400" dir="5400000" rotWithShape="0">
                     <a:srgbClr val="000000"/>
                   </a:outerShdw>
                 </a:effectLst>
@@ -4455,7 +4322,7 @@
         </p:spPr>
         <p:txBody>
           <a:bodyPr lIns="0" tIns="0" rIns="0" bIns="0" anchor="ctr">
-            <a:normAutofit fontScale="100000" lnSpcReduction="0"/>
+            <a:normAutofit/>
           </a:bodyPr>
           <a:lstStyle/>
           <a:p>
@@ -4468,12 +4335,12 @@
               </a:defRPr>
             </a:pPr>
             <a:r>
-              <a:rPr b="1" sz="5800">
+              <a:rPr sz="5800" b="1">
                 <a:solidFill>
                   <a:srgbClr val="FFFFFF"/>
                 </a:solidFill>
                 <a:effectLst>
-                  <a:outerShdw sx="100000" sy="100000" kx="0" ky="0" algn="b" rotWithShape="0" blurRad="50800" dist="25400" dir="5400000">
+                  <a:outerShdw blurRad="50800" dist="25400" dir="5400000" rotWithShape="0">
                     <a:srgbClr val="000000"/>
                   </a:outerShdw>
                 </a:effectLst>
@@ -4482,7 +4349,7 @@
             </a:r>
           </a:p>
           <a:p>
-            <a:pPr lvl="0" marL="1449994" indent="-1449994" algn="l">
+            <a:pPr marL="1449994" lvl="0" indent="-1449994" algn="l">
               <a:spcBef>
                 <a:spcPts val="4200"/>
               </a:spcBef>
@@ -4505,7 +4372,7 @@
                   <a:srgbClr val="EBEBEB"/>
                 </a:solidFill>
                 <a:effectLst>
-                  <a:outerShdw sx="100000" sy="100000" kx="0" ky="0" algn="b" rotWithShape="0" blurRad="50800" dist="25400" dir="5400000">
+                  <a:outerShdw blurRad="50800" dist="25400" dir="5400000" rotWithShape="0">
                     <a:srgbClr val="000000"/>
                   </a:outerShdw>
                 </a:effectLst>
@@ -4524,14 +4391,14 @@
   <p:clrMapOvr>
     <a:masterClrMapping/>
   </p:clrMapOvr>
-  <p:transition spd="med" advClick="1"/>
+  <p:transition xmlns:p14="http://schemas.microsoft.com/office/powerpoint/2010/main" spd="med"/>
   <p:timing>
     <p:tnLst>
       <p:par>
-        <p:cTn id="1" nodeType="tmRoot" restart="never" dur="indefinite" fill="hold">
+        <p:cTn xmlns:p14="http://schemas.microsoft.com/office/powerpoint/2010/main" id="1" dur="indefinite" restart="never" fill="hold" nodeType="tmRoot">
           <p:childTnLst>
             <p:seq concurrent="1" prevAc="none" nextAc="seek">
-              <p:cTn id="2" nodeType="mainSeq" dur="indefinite" fill="hold">
+              <p:cTn id="2" dur="indefinite" fill="hold" nodeType="mainSeq">
                 <p:childTnLst>
                   <p:par>
                     <p:cTn id="3" fill="hold">
@@ -4546,11 +4413,11 @@
                             </p:stCondLst>
                             <p:childTnLst>
                               <p:par>
-                                <p:cTn id="5" nodeType="clickEffect" presetClass="entr" presetSubtype="0" presetID="1" grpId="1" fill="hold">
+                                <p:cTn id="5" presetID="1" presetClass="entr" presetSubtype="0" fill="hold" grpId="1" nodeType="clickEffect">
                                   <p:stCondLst>
                                     <p:cond delay="0"/>
                                   </p:stCondLst>
-                                  <p:iterate type="el" backwards="0">
+                                  <p:iterate>
                                     <p:tmAbs val="0"/>
                                   </p:iterate>
                                   <p:childTnLst>
@@ -4580,14 +4447,14 @@
                 </p:childTnLst>
               </p:cTn>
               <p:prevCondLst>
-                <p:cond evt="onPrev">
+                <p:cond evt="onPrev" delay="0">
                   <p:tgtEl>
                     <p:sldTgt/>
                   </p:tgtEl>
                 </p:cond>
               </p:prevCondLst>
               <p:nextCondLst>
-                <p:cond evt="onNext">
+                <p:cond evt="onNext" delay="0">
                   <p:tgtEl>
                     <p:sldTgt/>
                   </p:tgtEl>
@@ -4599,14 +4466,14 @@
       </p:par>
     </p:tnLst>
     <p:bldLst>
-      <p:bldP build="whole" bldLvl="1" animBg="1" rev="0" advAuto="0" spid="38" grpId="1"/>
+      <p:bldP spid="38" grpId="1" animBg="1" advAuto="0"/>
     </p:bldLst>
   </p:timing>
 </p:sld>
 </file>
 
 <file path=ppt/slides/slide3.xml><?xml version="1.0" encoding="utf-8"?>
-<p:sld xmlns:a="http://schemas.openxmlformats.org/drawingml/2006/main" xmlns:r="http://schemas.openxmlformats.org/officeDocument/2006/relationships" xmlns:p="http://schemas.openxmlformats.org/presentationml/2006/main" showMasterSp="1" showMasterPhAnim="1">
+<p:sld xmlns:a="http://schemas.openxmlformats.org/drawingml/2006/main" xmlns:r="http://schemas.openxmlformats.org/officeDocument/2006/relationships" xmlns:p="http://schemas.openxmlformats.org/presentationml/2006/main">
   <p:cSld>
     <p:spTree>
       <p:nvGrpSpPr>
@@ -4625,7 +4492,9 @@
       <p:sp>
         <p:nvSpPr>
           <p:cNvPr id="40" name="Shape 40"/>
-          <p:cNvSpPr/>
+          <p:cNvSpPr>
+            <a:spLocks noGrp="1"/>
+          </p:cNvSpPr>
           <p:nvPr>
             <p:ph type="title"/>
           </p:nvPr>
@@ -4644,13 +4513,16 @@
           <a:lstStyle/>
           <a:p>
             <a:pPr lvl="0"/>
+            <a:endParaRPr/>
           </a:p>
         </p:txBody>
       </p:sp>
       <p:sp>
         <p:nvSpPr>
           <p:cNvPr id="41" name="Shape 41"/>
-          <p:cNvSpPr/>
+          <p:cNvSpPr>
+            <a:spLocks noGrp="1"/>
+          </p:cNvSpPr>
           <p:nvPr>
             <p:ph type="body" idx="1"/>
           </p:nvPr>
@@ -4669,6 +4541,7 @@
           <a:lstStyle/>
           <a:p>
             <a:pPr lvl="0"/>
+            <a:endParaRPr/>
           </a:p>
         </p:txBody>
       </p:sp>
@@ -4698,7 +4571,7 @@
             <a:miter lim="400000"/>
           </a:ln>
           <a:effectLst>
-            <a:reflection blurRad="0" stA="50000" stPos="0" endA="0" endPos="40000" dist="0" dir="5400000" fadeDir="5400000" sx="100000" sy="-100000" kx="0" ky="0" algn="bl" rotWithShape="0"/>
+            <a:reflection stA="50000" endPos="40000" dir="5400000" sy="-100000" algn="bl" rotWithShape="0"/>
           </a:effectLst>
         </p:spPr>
       </p:pic>
@@ -4707,12 +4580,19 @@
   <p:clrMapOvr>
     <a:masterClrMapping/>
   </p:clrMapOvr>
-  <p:transition spd="med" advClick="1"/>
+  <p:transition xmlns:p14="http://schemas.microsoft.com/office/powerpoint/2010/main" spd="med"/>
+  <p:timing>
+    <p:tnLst>
+      <p:par>
+        <p:cTn xmlns:p14="http://schemas.microsoft.com/office/powerpoint/2010/main" id="1" dur="indefinite" restart="never" nodeType="tmRoot"/>
+      </p:par>
+    </p:tnLst>
+  </p:timing>
 </p:sld>
 </file>
 
 <file path=ppt/slides/slide4.xml><?xml version="1.0" encoding="utf-8"?>
-<p:sld xmlns:a="http://schemas.openxmlformats.org/drawingml/2006/main" xmlns:r="http://schemas.openxmlformats.org/officeDocument/2006/relationships" xmlns:p="http://schemas.openxmlformats.org/presentationml/2006/main" showMasterSp="1" showMasterPhAnim="1">
+<p:sld xmlns:a="http://schemas.openxmlformats.org/drawingml/2006/main" xmlns:r="http://schemas.openxmlformats.org/officeDocument/2006/relationships" xmlns:p="http://schemas.openxmlformats.org/presentationml/2006/main">
   <p:cSld>
     <p:spTree>
       <p:nvGrpSpPr>
@@ -4731,7 +4611,9 @@
       <p:sp>
         <p:nvSpPr>
           <p:cNvPr id="44" name="Shape 44"/>
-          <p:cNvSpPr/>
+          <p:cNvSpPr>
+            <a:spLocks noGrp="1"/>
+          </p:cNvSpPr>
           <p:nvPr>
             <p:ph type="title"/>
           </p:nvPr>
@@ -4751,7 +4633,7 @@
             <a:lvl1pPr defTabSz="549148">
               <a:defRPr sz="5400">
                 <a:effectLst>
-                  <a:outerShdw sx="100000" sy="100000" kx="0" ky="0" algn="b" rotWithShape="0" blurRad="50800" dist="23876" dir="5400000">
+                  <a:outerShdw blurRad="50800" dist="23876" dir="5400000" rotWithShape="0">
                     <a:srgbClr val="000000"/>
                   </a:outerShdw>
                 </a:effectLst>
@@ -4760,7 +4642,7 @@
           </a:lstStyle>
           <a:p>
             <a:pPr lvl="0">
-              <a:defRPr b="0" sz="1800">
+              <a:defRPr sz="1800" b="0">
                 <a:solidFill>
                   <a:srgbClr val="000000"/>
                 </a:solidFill>
@@ -4768,12 +4650,12 @@
               </a:defRPr>
             </a:pPr>
             <a:r>
-              <a:rPr b="1" sz="5400">
+              <a:rPr sz="5400" b="1">
                 <a:solidFill>
                   <a:srgbClr val="FFFFFF"/>
                 </a:solidFill>
                 <a:effectLst>
-                  <a:outerShdw sx="100000" sy="100000" kx="0" ky="0" algn="b" rotWithShape="0" blurRad="50800" dist="23876" dir="5400000">
+                  <a:outerShdw blurRad="50800" dist="23876" dir="5400000" rotWithShape="0">
                     <a:srgbClr val="000000"/>
                   </a:outerShdw>
                 </a:effectLst>
@@ -4815,12 +4697,19 @@
   <p:clrMapOvr>
     <a:masterClrMapping/>
   </p:clrMapOvr>
-  <p:transition spd="med" advClick="1"/>
+  <p:transition xmlns:p14="http://schemas.microsoft.com/office/powerpoint/2010/main" spd="med"/>
+  <p:timing>
+    <p:tnLst>
+      <p:par>
+        <p:cTn xmlns:p14="http://schemas.microsoft.com/office/powerpoint/2010/main" id="1" dur="indefinite" restart="never" nodeType="tmRoot"/>
+      </p:par>
+    </p:tnLst>
+  </p:timing>
 </p:sld>
 </file>
 
 <file path=ppt/slides/slide5.xml><?xml version="1.0" encoding="utf-8"?>
-<p:sld xmlns:a="http://schemas.openxmlformats.org/drawingml/2006/main" xmlns:r="http://schemas.openxmlformats.org/officeDocument/2006/relationships" xmlns:p="http://schemas.openxmlformats.org/presentationml/2006/main" showMasterSp="1" showMasterPhAnim="1">
+<p:sld xmlns:a="http://schemas.openxmlformats.org/drawingml/2006/main" xmlns:r="http://schemas.openxmlformats.org/officeDocument/2006/relationships" xmlns:p="http://schemas.openxmlformats.org/presentationml/2006/main">
   <p:cSld>
     <p:spTree>
       <p:nvGrpSpPr>
@@ -4839,7 +4728,9 @@
       <p:sp>
         <p:nvSpPr>
           <p:cNvPr id="47" name="Shape 47"/>
-          <p:cNvSpPr/>
+          <p:cNvSpPr>
+            <a:spLocks noGrp="1"/>
+          </p:cNvSpPr>
           <p:nvPr>
             <p:ph type="title"/>
           </p:nvPr>
@@ -4859,7 +4750,7 @@
             <a:lvl1pPr defTabSz="549148">
               <a:defRPr sz="5400">
                 <a:effectLst>
-                  <a:outerShdw sx="100000" sy="100000" kx="0" ky="0" algn="b" rotWithShape="0" blurRad="50800" dist="23876" dir="5400000">
+                  <a:outerShdw blurRad="50800" dist="23876" dir="5400000" rotWithShape="0">
                     <a:srgbClr val="000000"/>
                   </a:outerShdw>
                 </a:effectLst>
@@ -4868,7 +4759,7 @@
           </a:lstStyle>
           <a:p>
             <a:pPr lvl="0">
-              <a:defRPr b="0" sz="1800">
+              <a:defRPr sz="1800" b="0">
                 <a:solidFill>
                   <a:srgbClr val="000000"/>
                 </a:solidFill>
@@ -4876,12 +4767,12 @@
               </a:defRPr>
             </a:pPr>
             <a:r>
-              <a:rPr b="1" sz="5400">
+              <a:rPr sz="5400" b="1">
                 <a:solidFill>
                   <a:srgbClr val="FFFFFF"/>
                 </a:solidFill>
                 <a:effectLst>
-                  <a:outerShdw sx="100000" sy="100000" kx="0" ky="0" algn="b" rotWithShape="0" blurRad="50800" dist="23876" dir="5400000">
+                  <a:outerShdw blurRad="50800" dist="23876" dir="5400000" rotWithShape="0">
                     <a:srgbClr val="000000"/>
                   </a:outerShdw>
                 </a:effectLst>
@@ -4923,12 +4814,19 @@
   <p:clrMapOvr>
     <a:masterClrMapping/>
   </p:clrMapOvr>
-  <p:transition spd="med" advClick="1"/>
+  <p:transition xmlns:p14="http://schemas.microsoft.com/office/powerpoint/2010/main" spd="med"/>
+  <p:timing>
+    <p:tnLst>
+      <p:par>
+        <p:cTn xmlns:p14="http://schemas.microsoft.com/office/powerpoint/2010/main" id="1" dur="indefinite" restart="never" nodeType="tmRoot"/>
+      </p:par>
+    </p:tnLst>
+  </p:timing>
 </p:sld>
 </file>
 
 <file path=ppt/slides/slide6.xml><?xml version="1.0" encoding="utf-8"?>
-<p:sld xmlns:a="http://schemas.openxmlformats.org/drawingml/2006/main" xmlns:r="http://schemas.openxmlformats.org/officeDocument/2006/relationships" xmlns:p="http://schemas.openxmlformats.org/presentationml/2006/main" showMasterSp="1" showMasterPhAnim="1">
+<p:sld xmlns:a="http://schemas.openxmlformats.org/drawingml/2006/main" xmlns:r="http://schemas.openxmlformats.org/officeDocument/2006/relationships" xmlns:p="http://schemas.openxmlformats.org/presentationml/2006/main">
   <p:cSld>
     <p:spTree>
       <p:nvGrpSpPr>
@@ -4947,7 +4845,9 @@
       <p:sp>
         <p:nvSpPr>
           <p:cNvPr id="50" name="Shape 50"/>
-          <p:cNvSpPr/>
+          <p:cNvSpPr>
+            <a:spLocks noGrp="1"/>
+          </p:cNvSpPr>
           <p:nvPr>
             <p:ph type="title"/>
           </p:nvPr>
@@ -4967,7 +4867,7 @@
             <a:lvl1pPr defTabSz="549148">
               <a:defRPr sz="5400">
                 <a:effectLst>
-                  <a:outerShdw sx="100000" sy="100000" kx="0" ky="0" algn="b" rotWithShape="0" blurRad="50800" dist="23876" dir="5400000">
+                  <a:outerShdw blurRad="50800" dist="23876" dir="5400000" rotWithShape="0">
                     <a:srgbClr val="000000"/>
                   </a:outerShdw>
                 </a:effectLst>
@@ -4976,7 +4876,7 @@
           </a:lstStyle>
           <a:p>
             <a:pPr lvl="0">
-              <a:defRPr b="0" sz="1800">
+              <a:defRPr sz="1800" b="0">
                 <a:solidFill>
                   <a:srgbClr val="000000"/>
                 </a:solidFill>
@@ -4984,12 +4884,12 @@
               </a:defRPr>
             </a:pPr>
             <a:r>
-              <a:rPr b="1" sz="5400">
+              <a:rPr sz="5400" b="1">
                 <a:solidFill>
                   <a:srgbClr val="FFFFFF"/>
                 </a:solidFill>
                 <a:effectLst>
-                  <a:outerShdw sx="100000" sy="100000" kx="0" ky="0" algn="b" rotWithShape="0" blurRad="50800" dist="23876" dir="5400000">
+                  <a:outerShdw blurRad="50800" dist="23876" dir="5400000" rotWithShape="0">
                     <a:srgbClr val="000000"/>
                   </a:outerShdw>
                 </a:effectLst>
@@ -5031,12 +4931,19 @@
   <p:clrMapOvr>
     <a:masterClrMapping/>
   </p:clrMapOvr>
-  <p:transition spd="med" advClick="1"/>
+  <p:transition xmlns:p14="http://schemas.microsoft.com/office/powerpoint/2010/main" spd="med"/>
+  <p:timing>
+    <p:tnLst>
+      <p:par>
+        <p:cTn xmlns:p14="http://schemas.microsoft.com/office/powerpoint/2010/main" id="1" dur="indefinite" restart="never" nodeType="tmRoot"/>
+      </p:par>
+    </p:tnLst>
+  </p:timing>
 </p:sld>
 </file>
 
 <file path=ppt/slides/slide7.xml><?xml version="1.0" encoding="utf-8"?>
-<p:sld xmlns:a="http://schemas.openxmlformats.org/drawingml/2006/main" xmlns:r="http://schemas.openxmlformats.org/officeDocument/2006/relationships" xmlns:p="http://schemas.openxmlformats.org/presentationml/2006/main" showMasterSp="1" showMasterPhAnim="1">
+<p:sld xmlns:a="http://schemas.openxmlformats.org/drawingml/2006/main" xmlns:r="http://schemas.openxmlformats.org/officeDocument/2006/relationships" xmlns:p="http://schemas.openxmlformats.org/presentationml/2006/main">
   <p:cSld>
     <p:spTree>
       <p:nvGrpSpPr>
@@ -5055,7 +4962,9 @@
       <p:sp>
         <p:nvSpPr>
           <p:cNvPr id="53" name="Shape 53"/>
-          <p:cNvSpPr/>
+          <p:cNvSpPr>
+            <a:spLocks noGrp="1"/>
+          </p:cNvSpPr>
           <p:nvPr>
             <p:ph type="title"/>
           </p:nvPr>
@@ -5075,7 +4984,7 @@
             <a:lvl1pPr defTabSz="549148">
               <a:defRPr sz="5400">
                 <a:effectLst>
-                  <a:outerShdw sx="100000" sy="100000" kx="0" ky="0" algn="b" rotWithShape="0" blurRad="50800" dist="23876" dir="5400000">
+                  <a:outerShdw blurRad="50800" dist="23876" dir="5400000" rotWithShape="0">
                     <a:srgbClr val="000000"/>
                   </a:outerShdw>
                 </a:effectLst>
@@ -5084,7 +4993,7 @@
           </a:lstStyle>
           <a:p>
             <a:pPr lvl="0">
-              <a:defRPr b="0" sz="1800">
+              <a:defRPr sz="1800" b="0">
                 <a:solidFill>
                   <a:srgbClr val="000000"/>
                 </a:solidFill>
@@ -5092,12 +5001,12 @@
               </a:defRPr>
             </a:pPr>
             <a:r>
-              <a:rPr b="1" sz="5400">
+              <a:rPr sz="5400" b="1">
                 <a:solidFill>
                   <a:srgbClr val="FFFFFF"/>
                 </a:solidFill>
                 <a:effectLst>
-                  <a:outerShdw sx="100000" sy="100000" kx="0" ky="0" algn="b" rotWithShape="0" blurRad="50800" dist="23876" dir="5400000">
+                  <a:outerShdw blurRad="50800" dist="23876" dir="5400000" rotWithShape="0">
                     <a:srgbClr val="000000"/>
                   </a:outerShdw>
                 </a:effectLst>
@@ -5139,12 +5048,19 @@
   <p:clrMapOvr>
     <a:masterClrMapping/>
   </p:clrMapOvr>
-  <p:transition spd="med" advClick="1"/>
+  <p:transition xmlns:p14="http://schemas.microsoft.com/office/powerpoint/2010/main" spd="med"/>
+  <p:timing>
+    <p:tnLst>
+      <p:par>
+        <p:cTn xmlns:p14="http://schemas.microsoft.com/office/powerpoint/2010/main" id="1" dur="indefinite" restart="never" nodeType="tmRoot"/>
+      </p:par>
+    </p:tnLst>
+  </p:timing>
 </p:sld>
 </file>
 
 <file path=ppt/slides/slide8.xml><?xml version="1.0" encoding="utf-8"?>
-<p:sld xmlns:a="http://schemas.openxmlformats.org/drawingml/2006/main" xmlns:r="http://schemas.openxmlformats.org/officeDocument/2006/relationships" xmlns:p="http://schemas.openxmlformats.org/presentationml/2006/main" showMasterSp="1" showMasterPhAnim="1">
+<p:sld xmlns:a="http://schemas.openxmlformats.org/drawingml/2006/main" xmlns:r="http://schemas.openxmlformats.org/officeDocument/2006/relationships" xmlns:p="http://schemas.openxmlformats.org/presentationml/2006/main">
   <p:cSld>
     <p:spTree>
       <p:nvGrpSpPr>
@@ -5192,12 +5108,19 @@
   <p:clrMapOvr>
     <a:masterClrMapping/>
   </p:clrMapOvr>
-  <p:transition spd="med" advClick="1"/>
+  <p:transition xmlns:p14="http://schemas.microsoft.com/office/powerpoint/2010/main" spd="med"/>
+  <p:timing>
+    <p:tnLst>
+      <p:par>
+        <p:cTn xmlns:p14="http://schemas.microsoft.com/office/powerpoint/2010/main" id="1" dur="indefinite" restart="never" nodeType="tmRoot"/>
+      </p:par>
+    </p:tnLst>
+  </p:timing>
 </p:sld>
 </file>
 
 <file path=ppt/slides/slide9.xml><?xml version="1.0" encoding="utf-8"?>
-<p:sld xmlns:a="http://schemas.openxmlformats.org/drawingml/2006/main" xmlns:r="http://schemas.openxmlformats.org/officeDocument/2006/relationships" xmlns:p="http://schemas.openxmlformats.org/presentationml/2006/main" showMasterSp="1" showMasterPhAnim="1">
+<p:sld xmlns:a="http://schemas.openxmlformats.org/drawingml/2006/main" xmlns:r="http://schemas.openxmlformats.org/officeDocument/2006/relationships" xmlns:p="http://schemas.openxmlformats.org/presentationml/2006/main">
   <p:cSld>
     <p:spTree>
       <p:nvGrpSpPr>
@@ -5216,7 +5139,9 @@
       <p:sp>
         <p:nvSpPr>
           <p:cNvPr id="58" name="Shape 58"/>
-          <p:cNvSpPr/>
+          <p:cNvSpPr>
+            <a:spLocks noGrp="1"/>
+          </p:cNvSpPr>
           <p:nvPr>
             <p:ph type="title"/>
           </p:nvPr>
@@ -5236,7 +5161,7 @@
             <a:lvl1pPr defTabSz="543305">
               <a:defRPr sz="5900">
                 <a:effectLst>
-                  <a:outerShdw sx="100000" sy="100000" kx="0" ky="0" algn="b" rotWithShape="0" blurRad="50800" dist="23622" dir="5400000">
+                  <a:outerShdw blurRad="50800" dist="23622" dir="5400000" rotWithShape="0">
                     <a:srgbClr val="000000"/>
                   </a:outerShdw>
                 </a:effectLst>
@@ -5245,7 +5170,7 @@
           </a:lstStyle>
           <a:p>
             <a:pPr lvl="0">
-              <a:defRPr b="0" sz="1800">
+              <a:defRPr sz="1800" b="0">
                 <a:solidFill>
                   <a:srgbClr val="000000"/>
                 </a:solidFill>
@@ -5253,12 +5178,12 @@
               </a:defRPr>
             </a:pPr>
             <a:r>
-              <a:rPr b="1" sz="5900">
+              <a:rPr sz="5900" b="1">
                 <a:solidFill>
                   <a:srgbClr val="FFFFFF"/>
                 </a:solidFill>
                 <a:effectLst>
-                  <a:outerShdw sx="100000" sy="100000" kx="0" ky="0" algn="b" rotWithShape="0" blurRad="50800" dist="23622" dir="5400000">
+                  <a:outerShdw blurRad="50800" dist="23622" dir="5400000" rotWithShape="0">
                     <a:srgbClr val="000000"/>
                   </a:outerShdw>
                 </a:effectLst>
@@ -5306,7 +5231,7 @@
               <a:miter lim="400000"/>
             </a:ln>
             <a:effectLst>
-              <a:outerShdw sx="100000" sy="100000" kx="0" ky="0" algn="b" rotWithShape="0" blurRad="50800" dist="25400" dir="5400000">
+              <a:outerShdw blurRad="50800" dist="25400" dir="5400000" rotWithShape="0">
                 <a:srgbClr val="000000">
                   <a:alpha val="50000"/>
                 </a:srgbClr>
@@ -5327,6 +5252,7 @@
                   <a:effectLst/>
                 </a:defRPr>
               </a:pPr>
+              <a:endParaRPr/>
             </a:p>
           </p:txBody>
         </p:sp>
@@ -5367,7 +5293,7 @@
                     <a:srgbClr val="525252"/>
                   </a:solidFill>
                   <a:effectLst>
-                    <a:outerShdw sx="100000" sy="100000" kx="0" ky="0" algn="b" rotWithShape="0" blurRad="38100" dist="12700" dir="5400000">
+                    <a:outerShdw blurRad="38100" dist="12700" dir="5400000" rotWithShape="0">
                       <a:srgbClr val="000000">
                         <a:alpha val="80000"/>
                       </a:srgbClr>
@@ -5391,7 +5317,7 @@
                     <a:srgbClr val="525252"/>
                   </a:solidFill>
                   <a:effectLst>
-                    <a:outerShdw sx="100000" sy="100000" kx="0" ky="0" algn="b" rotWithShape="0" blurRad="38100" dist="12700" dir="5400000">
+                    <a:outerShdw blurRad="38100" dist="12700" dir="5400000" rotWithShape="0">
                       <a:srgbClr val="000000">
                         <a:alpha val="80000"/>
                       </a:srgbClr>
@@ -5442,7 +5368,7 @@
               <a:miter lim="400000"/>
             </a:ln>
             <a:effectLst>
-              <a:outerShdw sx="100000" sy="100000" kx="0" ky="0" algn="b" rotWithShape="0" blurRad="50800" dist="25400" dir="5400000">
+              <a:outerShdw blurRad="50800" dist="25400" dir="5400000" rotWithShape="0">
                 <a:srgbClr val="000000">
                   <a:alpha val="50000"/>
                 </a:srgbClr>
@@ -5463,6 +5389,7 @@
                   <a:effectLst/>
                 </a:defRPr>
               </a:pPr>
+              <a:endParaRPr/>
             </a:p>
           </p:txBody>
         </p:sp>
@@ -5503,7 +5430,7 @@
                     <a:srgbClr val="525252"/>
                   </a:solidFill>
                   <a:effectLst>
-                    <a:outerShdw sx="100000" sy="100000" kx="0" ky="0" algn="b" rotWithShape="0" blurRad="38100" dist="12700" dir="5400000">
+                    <a:outerShdw blurRad="38100" dist="12700" dir="5400000" rotWithShape="0">
                       <a:srgbClr val="000000">
                         <a:alpha val="80000"/>
                       </a:srgbClr>
@@ -5527,7 +5454,7 @@
                     <a:srgbClr val="525252"/>
                   </a:solidFill>
                   <a:effectLst>
-                    <a:outerShdw sx="100000" sy="100000" kx="0" ky="0" algn="b" rotWithShape="0" blurRad="38100" dist="12700" dir="5400000">
+                    <a:outerShdw blurRad="38100" dist="12700" dir="5400000" rotWithShape="0">
                       <a:srgbClr val="000000">
                         <a:alpha val="80000"/>
                       </a:srgbClr>
@@ -5578,7 +5505,7 @@
               <a:miter lim="400000"/>
             </a:ln>
             <a:effectLst>
-              <a:outerShdw sx="100000" sy="100000" kx="0" ky="0" algn="b" rotWithShape="0" blurRad="50800" dist="25400" dir="5400000">
+              <a:outerShdw blurRad="50800" dist="25400" dir="5400000" rotWithShape="0">
                 <a:srgbClr val="000000">
                   <a:alpha val="50000"/>
                 </a:srgbClr>
@@ -5603,6 +5530,7 @@
                   <a:sym typeface="Helvetica Neue Medium"/>
                 </a:defRPr>
               </a:pPr>
+              <a:endParaRPr/>
             </a:p>
           </p:txBody>
         </p:sp>
@@ -5643,7 +5571,7 @@
                     <a:srgbClr val="525252"/>
                   </a:solidFill>
                   <a:effectLst>
-                    <a:outerShdw sx="100000" sy="100000" kx="0" ky="0" algn="b" rotWithShape="0" blurRad="38100" dist="12700" dir="5400000">
+                    <a:outerShdw blurRad="38100" dist="12700" dir="5400000" rotWithShape="0">
                       <a:srgbClr val="000000">
                         <a:alpha val="80000"/>
                       </a:srgbClr>
@@ -5671,7 +5599,7 @@
                     <a:srgbClr val="525252"/>
                   </a:solidFill>
                   <a:effectLst>
-                    <a:outerShdw sx="100000" sy="100000" kx="0" ky="0" algn="b" rotWithShape="0" blurRad="38100" dist="12700" dir="5400000">
+                    <a:outerShdw blurRad="38100" dist="12700" dir="5400000" rotWithShape="0">
                       <a:srgbClr val="000000">
                         <a:alpha val="80000"/>
                       </a:srgbClr>
@@ -5749,7 +5677,7 @@
               <a:miter lim="400000"/>
             </a:ln>
             <a:effectLst>
-              <a:outerShdw sx="100000" sy="100000" kx="0" ky="0" algn="b" rotWithShape="0" blurRad="50800" dist="25400" dir="5400000">
+              <a:outerShdw blurRad="50800" dist="25400" dir="5400000" rotWithShape="0">
                 <a:srgbClr val="000000">
                   <a:alpha val="50000"/>
                 </a:srgbClr>
@@ -5768,7 +5696,7 @@
                     <a:srgbClr val="525252"/>
                   </a:solidFill>
                   <a:effectLst>
-                    <a:outerShdw sx="100000" sy="100000" kx="0" ky="0" algn="b" rotWithShape="0" blurRad="38100" dist="12700" dir="5400000">
+                    <a:outerShdw blurRad="38100" dist="12700" dir="5400000" rotWithShape="0">
                       <a:srgbClr val="000000">
                         <a:alpha val="80000"/>
                       </a:srgbClr>
@@ -5780,6 +5708,7 @@
                   <a:sym typeface="Helvetica Neue Medium"/>
                 </a:defRPr>
               </a:pPr>
+              <a:endParaRPr/>
             </a:p>
           </p:txBody>
         </p:sp>
@@ -5820,7 +5749,7 @@
                     <a:srgbClr val="525252"/>
                   </a:solidFill>
                   <a:effectLst>
-                    <a:outerShdw sx="100000" sy="100000" kx="0" ky="0" algn="b" rotWithShape="0" blurRad="38100" dist="12700" dir="5400000">
+                    <a:outerShdw blurRad="38100" dist="12700" dir="5400000" rotWithShape="0">
                       <a:srgbClr val="000000">
                         <a:alpha val="80000"/>
                       </a:srgbClr>
@@ -5848,7 +5777,7 @@
                     <a:srgbClr val="525252"/>
                   </a:solidFill>
                   <a:effectLst>
-                    <a:outerShdw sx="100000" sy="100000" kx="0" ky="0" algn="b" rotWithShape="0" blurRad="38100" dist="12700" dir="5400000">
+                    <a:outerShdw blurRad="38100" dist="12700" dir="5400000" rotWithShape="0">
                       <a:srgbClr val="000000">
                         <a:alpha val="80000"/>
                       </a:srgbClr>
@@ -5899,7 +5828,7 @@
               <a:miter lim="400000"/>
             </a:ln>
             <a:effectLst>
-              <a:outerShdw sx="100000" sy="100000" kx="0" ky="0" algn="b" rotWithShape="0" blurRad="50800" dist="25400" dir="5400000">
+              <a:outerShdw blurRad="50800" dist="25400" dir="5400000" rotWithShape="0">
                 <a:srgbClr val="000000">
                   <a:alpha val="50000"/>
                 </a:srgbClr>
@@ -5924,6 +5853,7 @@
                   <a:sym typeface="Helvetica Neue Medium"/>
                 </a:defRPr>
               </a:pPr>
+              <a:endParaRPr/>
             </a:p>
           </p:txBody>
         </p:sp>
@@ -5964,7 +5894,7 @@
                     <a:srgbClr val="525252"/>
                   </a:solidFill>
                   <a:effectLst>
-                    <a:outerShdw sx="100000" sy="100000" kx="0" ky="0" algn="b" rotWithShape="0" blurRad="38100" dist="12700" dir="5400000">
+                    <a:outerShdw blurRad="38100" dist="12700" dir="5400000" rotWithShape="0">
                       <a:srgbClr val="000000">
                         <a:alpha val="80000"/>
                       </a:srgbClr>
@@ -5992,7 +5922,7 @@
                     <a:srgbClr val="525252"/>
                   </a:solidFill>
                   <a:effectLst>
-                    <a:outerShdw sx="100000" sy="100000" kx="0" ky="0" algn="b" rotWithShape="0" blurRad="38100" dist="12700" dir="5400000">
+                    <a:outerShdw blurRad="38100" dist="12700" dir="5400000" rotWithShape="0">
                       <a:srgbClr val="000000">
                         <a:alpha val="80000"/>
                       </a:srgbClr>
@@ -6043,7 +5973,7 @@
               <a:miter lim="400000"/>
             </a:ln>
             <a:effectLst>
-              <a:outerShdw sx="100000" sy="100000" kx="0" ky="0" algn="b" rotWithShape="0" blurRad="50800" dist="25400" dir="5400000">
+              <a:outerShdw blurRad="50800" dist="25400" dir="5400000" rotWithShape="0">
                 <a:srgbClr val="000000">
                   <a:alpha val="50000"/>
                 </a:srgbClr>
@@ -6068,6 +5998,7 @@
                   <a:sym typeface="Helvetica Neue Medium"/>
                 </a:defRPr>
               </a:pPr>
+              <a:endParaRPr/>
             </a:p>
           </p:txBody>
         </p:sp>
@@ -6108,7 +6039,7 @@
                     <a:srgbClr val="525252"/>
                   </a:solidFill>
                   <a:effectLst>
-                    <a:outerShdw sx="100000" sy="100000" kx="0" ky="0" algn="b" rotWithShape="0" blurRad="38100" dist="12700" dir="5400000">
+                    <a:outerShdw blurRad="38100" dist="12700" dir="5400000" rotWithShape="0">
                       <a:srgbClr val="000000">
                         <a:alpha val="80000"/>
                       </a:srgbClr>
@@ -6136,7 +6067,7 @@
                     <a:srgbClr val="525252"/>
                   </a:solidFill>
                   <a:effectLst>
-                    <a:outerShdw sx="100000" sy="100000" kx="0" ky="0" algn="b" rotWithShape="0" blurRad="38100" dist="12700" dir="5400000">
+                    <a:outerShdw blurRad="38100" dist="12700" dir="5400000" rotWithShape="0">
                       <a:srgbClr val="000000">
                         <a:alpha val="80000"/>
                       </a:srgbClr>
@@ -6187,6 +6118,7 @@
                 <a:sym typeface="Helvetica"/>
               </a:defRPr>
             </a:pPr>
+            <a:endParaRPr/>
           </a:p>
         </p:txBody>
       </p:sp>
@@ -6228,6 +6160,7 @@
                 <a:sym typeface="Helvetica"/>
               </a:defRPr>
             </a:pPr>
+            <a:endParaRPr/>
           </a:p>
         </p:txBody>
       </p:sp>
@@ -6269,6 +6202,7 @@
                 <a:sym typeface="Helvetica"/>
               </a:defRPr>
             </a:pPr>
+            <a:endParaRPr/>
           </a:p>
         </p:txBody>
       </p:sp>
@@ -6310,6 +6244,7 @@
                 <a:sym typeface="Helvetica"/>
               </a:defRPr>
             </a:pPr>
+            <a:endParaRPr/>
           </a:p>
         </p:txBody>
       </p:sp>
@@ -6351,6 +6286,7 @@
                 <a:sym typeface="Helvetica"/>
               </a:defRPr>
             </a:pPr>
+            <a:endParaRPr/>
           </a:p>
         </p:txBody>
       </p:sp>
@@ -6392,6 +6328,7 @@
                 <a:sym typeface="Helvetica"/>
               </a:defRPr>
             </a:pPr>
+            <a:endParaRPr/>
           </a:p>
         </p:txBody>
       </p:sp>
@@ -6433,6 +6370,7 @@
                 <a:sym typeface="Helvetica"/>
               </a:defRPr>
             </a:pPr>
+            <a:endParaRPr/>
           </a:p>
         </p:txBody>
       </p:sp>
@@ -6501,6 +6439,7 @@
                 <a:sym typeface="Helvetica"/>
               </a:defRPr>
             </a:pPr>
+            <a:endParaRPr/>
           </a:p>
         </p:txBody>
       </p:sp>
@@ -6563,12 +6502,19 @@
   <p:clrMapOvr>
     <a:masterClrMapping/>
   </p:clrMapOvr>
-  <p:transition spd="med" advClick="1"/>
+  <p:transition xmlns:p14="http://schemas.microsoft.com/office/powerpoint/2010/main" spd="med"/>
+  <p:timing>
+    <p:tnLst>
+      <p:par>
+        <p:cTn xmlns:p14="http://schemas.microsoft.com/office/powerpoint/2010/main" id="1" dur="indefinite" restart="never" nodeType="tmRoot"/>
+      </p:par>
+    </p:tnLst>
+  </p:timing>
 </p:sld>
 </file>
 
 <file path=ppt/theme/theme1.xml><?xml version="1.0" encoding="utf-8"?>
-<a:theme xmlns:a="http://schemas.openxmlformats.org/drawingml/2006/main" xmlns:r="http://schemas.openxmlformats.org/officeDocument/2006/relationships" name="Default">
+<a:theme xmlns:a="http://schemas.openxmlformats.org/drawingml/2006/main" name="Default">
   <a:themeElements>
     <a:clrScheme name="Default">
       <a:dk1>
@@ -6694,7 +6640,7 @@
       <a:effectStyleLst>
         <a:effectStyle>
           <a:effectLst>
-            <a:outerShdw sx="100000" sy="100000" kx="0" ky="0" algn="b" rotWithShape="0" blurRad="50800" dist="25400" dir="5400000">
+            <a:outerShdw blurRad="50800" dist="25400" dir="5400000" rotWithShape="0">
               <a:srgbClr val="000000">
                 <a:alpha val="50000"/>
               </a:srgbClr>
@@ -6703,7 +6649,7 @@
         </a:effectStyle>
         <a:effectStyle>
           <a:effectLst>
-            <a:outerShdw sx="100000" sy="100000" kx="0" ky="0" algn="b" rotWithShape="0" blurRad="50800" dist="25400" dir="5400000">
+            <a:outerShdw blurRad="50800" dist="25400" dir="5400000" rotWithShape="0">
               <a:srgbClr val="000000">
                 <a:alpha val="50000"/>
               </a:srgbClr>
@@ -6712,7 +6658,7 @@
         </a:effectStyle>
         <a:effectStyle>
           <a:effectLst>
-            <a:outerShdw sx="100000" sy="100000" kx="0" ky="0" algn="b" rotWithShape="0" blurRad="50800" dist="25400" dir="5400000">
+            <a:outerShdw blurRad="50800" dist="25400" dir="5400000" rotWithShape="0">
               <a:srgbClr val="000000">
                 <a:alpha val="50000"/>
               </a:srgbClr>
@@ -6786,14 +6732,14 @@
           <a:bevel/>
         </a:ln>
         <a:effectLst>
-          <a:outerShdw sx="100000" sy="100000" kx="0" ky="0" algn="b" rotWithShape="0" blurRad="50800" dist="25400" dir="5400000">
+          <a:outerShdw blurRad="50800" dist="25400" dir="5400000" rotWithShape="0">
             <a:srgbClr val="000000">
               <a:alpha val="50000"/>
             </a:srgbClr>
           </a:outerShdw>
         </a:effectLst>
       </a:spPr>
-      <a:bodyPr rot="0" spcFirstLastPara="1" vertOverflow="overflow" horzOverflow="overflow" vert="horz" wrap="square" lIns="50800" tIns="50800" rIns="50800" bIns="50800" numCol="1" spcCol="38100" rtlCol="0" anchor="ctr" upright="0">
+      <a:bodyPr rot="0" spcFirstLastPara="1" vertOverflow="overflow" horzOverflow="overflow" vert="horz" wrap="square" lIns="50800" tIns="50800" rIns="50800" bIns="50800" numCol="1" spcCol="38100" rtlCol="0" anchor="ctr">
         <a:spAutoFit/>
       </a:bodyPr>
       <a:lstStyle>
@@ -6812,7 +6758,7 @@
           <a:buFontTx/>
           <a:buNone/>
           <a:tabLst/>
-          <a:defRPr b="0" baseline="0" cap="none" i="0" spc="0" strike="noStrike" sz="3800" u="none" kumimoji="0" normalizeH="0">
+          <a:defRPr kumimoji="0" sz="3800" b="0" i="0" u="none" strike="noStrike" cap="none" spc="0" normalizeH="0" baseline="0">
             <a:ln>
               <a:noFill/>
             </a:ln>
@@ -6820,7 +6766,7 @@
               <a:srgbClr val="EBEBEB"/>
             </a:solidFill>
             <a:effectLst>
-              <a:outerShdw sx="100000" sy="100000" kx="0" ky="0" algn="b" rotWithShape="0" blurRad="50800" dist="25400" dir="5400000">
+              <a:outerShdw blurRad="50800" dist="25400" dir="5400000" rotWithShape="0">
                 <a:srgbClr val="000000"/>
               </a:outerShdw>
             </a:effectLst>
@@ -6846,7 +6792,7 @@
           <a:buFontTx/>
           <a:buNone/>
           <a:tabLst/>
-          <a:defRPr b="0" baseline="0" cap="none" i="0" spc="0" strike="noStrike" sz="1800" u="none" kumimoji="0" normalizeH="0">
+          <a:defRPr kumimoji="0" sz="1800" b="0" i="0" u="none" strike="noStrike" cap="none" spc="0" normalizeH="0" baseline="0">
             <a:ln>
               <a:noFill/>
             </a:ln>
@@ -6872,7 +6818,7 @@
           <a:buFontTx/>
           <a:buNone/>
           <a:tabLst/>
-          <a:defRPr b="0" baseline="0" cap="none" i="0" spc="0" strike="noStrike" sz="1800" u="none" kumimoji="0" normalizeH="0">
+          <a:defRPr kumimoji="0" sz="1800" b="0" i="0" u="none" strike="noStrike" cap="none" spc="0" normalizeH="0" baseline="0">
             <a:ln>
               <a:noFill/>
             </a:ln>
@@ -6898,7 +6844,7 @@
           <a:buFontTx/>
           <a:buNone/>
           <a:tabLst/>
-          <a:defRPr b="0" baseline="0" cap="none" i="0" spc="0" strike="noStrike" sz="1800" u="none" kumimoji="0" normalizeH="0">
+          <a:defRPr kumimoji="0" sz="1800" b="0" i="0" u="none" strike="noStrike" cap="none" spc="0" normalizeH="0" baseline="0">
             <a:ln>
               <a:noFill/>
             </a:ln>
@@ -6924,7 +6870,7 @@
           <a:buFontTx/>
           <a:buNone/>
           <a:tabLst/>
-          <a:defRPr b="0" baseline="0" cap="none" i="0" spc="0" strike="noStrike" sz="1800" u="none" kumimoji="0" normalizeH="0">
+          <a:defRPr kumimoji="0" sz="1800" b="0" i="0" u="none" strike="noStrike" cap="none" spc="0" normalizeH="0" baseline="0">
             <a:ln>
               <a:noFill/>
             </a:ln>
@@ -6950,7 +6896,7 @@
           <a:buFontTx/>
           <a:buNone/>
           <a:tabLst/>
-          <a:defRPr b="0" baseline="0" cap="none" i="0" spc="0" strike="noStrike" sz="1800" u="none" kumimoji="0" normalizeH="0">
+          <a:defRPr kumimoji="0" sz="1800" b="0" i="0" u="none" strike="noStrike" cap="none" spc="0" normalizeH="0" baseline="0">
             <a:ln>
               <a:noFill/>
             </a:ln>
@@ -6976,7 +6922,7 @@
           <a:buFontTx/>
           <a:buNone/>
           <a:tabLst/>
-          <a:defRPr b="0" baseline="0" cap="none" i="0" spc="0" strike="noStrike" sz="1800" u="none" kumimoji="0" normalizeH="0">
+          <a:defRPr kumimoji="0" sz="1800" b="0" i="0" u="none" strike="noStrike" cap="none" spc="0" normalizeH="0" baseline="0">
             <a:ln>
               <a:noFill/>
             </a:ln>
@@ -7002,7 +6948,7 @@
           <a:buFontTx/>
           <a:buNone/>
           <a:tabLst/>
-          <a:defRPr b="0" baseline="0" cap="none" i="0" spc="0" strike="noStrike" sz="1800" u="none" kumimoji="0" normalizeH="0">
+          <a:defRPr kumimoji="0" sz="1800" b="0" i="0" u="none" strike="noStrike" cap="none" spc="0" normalizeH="0" baseline="0">
             <a:ln>
               <a:noFill/>
             </a:ln>
@@ -7028,7 +6974,7 @@
           <a:buFontTx/>
           <a:buNone/>
           <a:tabLst/>
-          <a:defRPr b="0" baseline="0" cap="none" i="0" spc="0" strike="noStrike" sz="1800" u="none" kumimoji="0" normalizeH="0">
+          <a:defRPr kumimoji="0" sz="1800" b="0" i="0" u="none" strike="noStrike" cap="none" spc="0" normalizeH="0" baseline="0">
             <a:ln>
               <a:noFill/>
             </a:ln>
@@ -7054,7 +7000,7 @@
           <a:buFontTx/>
           <a:buNone/>
           <a:tabLst/>
-          <a:defRPr b="0" baseline="0" cap="none" i="0" spc="0" strike="noStrike" sz="1800" u="none" kumimoji="0" normalizeH="0">
+          <a:defRPr kumimoji="0" sz="1800" b="0" i="0" u="none" strike="noStrike" cap="none" spc="0" normalizeH="0" baseline="0">
             <a:ln>
               <a:noFill/>
             </a:ln>
@@ -7067,9 +7013,15 @@
         </a:lvl9pPr>
       </a:lstStyle>
       <a:style>
-        <a:lnRef idx="0"/>
-        <a:fillRef idx="0"/>
-        <a:effectRef idx="0"/>
+        <a:lnRef idx="0">
+          <a:scrgbClr r="0" g="0" b="0"/>
+        </a:lnRef>
+        <a:fillRef idx="0">
+          <a:scrgbClr r="0" g="0" b="0"/>
+        </a:fillRef>
+        <a:effectRef idx="0">
+          <a:scrgbClr r="0" g="0" b="0"/>
+        </a:effectRef>
         <a:fontRef idx="none"/>
       </a:style>
     </a:spDef>
@@ -7084,14 +7036,14 @@
           <a:bevel/>
         </a:ln>
         <a:effectLst>
-          <a:outerShdw sx="100000" sy="100000" kx="0" ky="0" algn="b" rotWithShape="0" blurRad="50800" dist="25400" dir="5400000">
+          <a:outerShdw blurRad="50800" dist="25400" dir="5400000" rotWithShape="0">
             <a:srgbClr val="000000">
               <a:alpha val="50000"/>
             </a:srgbClr>
           </a:outerShdw>
         </a:effectLst>
       </a:spPr>
-      <a:bodyPr rot="0" spcFirstLastPara="1" vertOverflow="overflow" horzOverflow="overflow" vert="horz" wrap="square" lIns="91439" tIns="45719" rIns="91439" bIns="45719" numCol="1" spcCol="38100" rtlCol="0" anchor="t" upright="0">
+      <a:bodyPr rot="0" spcFirstLastPara="1" vertOverflow="overflow" horzOverflow="overflow" vert="horz" wrap="square" lIns="91439" tIns="45719" rIns="91439" bIns="45719" numCol="1" spcCol="38100" rtlCol="0" anchor="t">
         <a:noAutofit/>
       </a:bodyPr>
       <a:lstStyle>
@@ -7110,7 +7062,7 @@
           <a:buFontTx/>
           <a:buNone/>
           <a:tabLst/>
-          <a:defRPr b="0" baseline="0" cap="none" i="0" spc="0" strike="noStrike" sz="1800" u="none" kumimoji="0" normalizeH="0">
+          <a:defRPr kumimoji="0" sz="1800" b="0" i="0" u="none" strike="noStrike" cap="none" spc="0" normalizeH="0" baseline="0">
             <a:ln>
               <a:noFill/>
             </a:ln>
@@ -7136,7 +7088,7 @@
           <a:buFontTx/>
           <a:buNone/>
           <a:tabLst/>
-          <a:defRPr b="0" baseline="0" cap="none" i="0" spc="0" strike="noStrike" sz="1800" u="none" kumimoji="0" normalizeH="0">
+          <a:defRPr kumimoji="0" sz="1800" b="0" i="0" u="none" strike="noStrike" cap="none" spc="0" normalizeH="0" baseline="0">
             <a:ln>
               <a:noFill/>
             </a:ln>
@@ -7162,7 +7114,7 @@
           <a:buFontTx/>
           <a:buNone/>
           <a:tabLst/>
-          <a:defRPr b="0" baseline="0" cap="none" i="0" spc="0" strike="noStrike" sz="1800" u="none" kumimoji="0" normalizeH="0">
+          <a:defRPr kumimoji="0" sz="1800" b="0" i="0" u="none" strike="noStrike" cap="none" spc="0" normalizeH="0" baseline="0">
             <a:ln>
               <a:noFill/>
             </a:ln>
@@ -7188,7 +7140,7 @@
           <a:buFontTx/>
           <a:buNone/>
           <a:tabLst/>
-          <a:defRPr b="0" baseline="0" cap="none" i="0" spc="0" strike="noStrike" sz="1800" u="none" kumimoji="0" normalizeH="0">
+          <a:defRPr kumimoji="0" sz="1800" b="0" i="0" u="none" strike="noStrike" cap="none" spc="0" normalizeH="0" baseline="0">
             <a:ln>
               <a:noFill/>
             </a:ln>
@@ -7214,7 +7166,7 @@
           <a:buFontTx/>
           <a:buNone/>
           <a:tabLst/>
-          <a:defRPr b="0" baseline="0" cap="none" i="0" spc="0" strike="noStrike" sz="1800" u="none" kumimoji="0" normalizeH="0">
+          <a:defRPr kumimoji="0" sz="1800" b="0" i="0" u="none" strike="noStrike" cap="none" spc="0" normalizeH="0" baseline="0">
             <a:ln>
               <a:noFill/>
             </a:ln>
@@ -7240,7 +7192,7 @@
           <a:buFontTx/>
           <a:buNone/>
           <a:tabLst/>
-          <a:defRPr b="0" baseline="0" cap="none" i="0" spc="0" strike="noStrike" sz="1800" u="none" kumimoji="0" normalizeH="0">
+          <a:defRPr kumimoji="0" sz="1800" b="0" i="0" u="none" strike="noStrike" cap="none" spc="0" normalizeH="0" baseline="0">
             <a:ln>
               <a:noFill/>
             </a:ln>
@@ -7266,7 +7218,7 @@
           <a:buFontTx/>
           <a:buNone/>
           <a:tabLst/>
-          <a:defRPr b="0" baseline="0" cap="none" i="0" spc="0" strike="noStrike" sz="1800" u="none" kumimoji="0" normalizeH="0">
+          <a:defRPr kumimoji="0" sz="1800" b="0" i="0" u="none" strike="noStrike" cap="none" spc="0" normalizeH="0" baseline="0">
             <a:ln>
               <a:noFill/>
             </a:ln>
@@ -7292,7 +7244,7 @@
           <a:buFontTx/>
           <a:buNone/>
           <a:tabLst/>
-          <a:defRPr b="0" baseline="0" cap="none" i="0" spc="0" strike="noStrike" sz="1800" u="none" kumimoji="0" normalizeH="0">
+          <a:defRPr kumimoji="0" sz="1800" b="0" i="0" u="none" strike="noStrike" cap="none" spc="0" normalizeH="0" baseline="0">
             <a:ln>
               <a:noFill/>
             </a:ln>
@@ -7318,7 +7270,7 @@
           <a:buFontTx/>
           <a:buNone/>
           <a:tabLst/>
-          <a:defRPr b="0" baseline="0" cap="none" i="0" spc="0" strike="noStrike" sz="1800" u="none" kumimoji="0" normalizeH="0">
+          <a:defRPr kumimoji="0" sz="1800" b="0" i="0" u="none" strike="noStrike" cap="none" spc="0" normalizeH="0" baseline="0">
             <a:ln>
               <a:noFill/>
             </a:ln>
@@ -7344,7 +7296,7 @@
           <a:buFontTx/>
           <a:buNone/>
           <a:tabLst/>
-          <a:defRPr b="0" baseline="0" cap="none" i="0" spc="0" strike="noStrike" sz="1800" u="none" kumimoji="0" normalizeH="0">
+          <a:defRPr kumimoji="0" sz="1800" b="0" i="0" u="none" strike="noStrike" cap="none" spc="0" normalizeH="0" baseline="0">
             <a:ln>
               <a:noFill/>
             </a:ln>
@@ -7357,9 +7309,15 @@
         </a:lvl9pPr>
       </a:lstStyle>
       <a:style>
-        <a:lnRef idx="0"/>
-        <a:fillRef idx="0"/>
-        <a:effectRef idx="0"/>
+        <a:lnRef idx="0">
+          <a:scrgbClr r="0" g="0" b="0"/>
+        </a:lnRef>
+        <a:fillRef idx="0">
+          <a:scrgbClr r="0" g="0" b="0"/>
+        </a:fillRef>
+        <a:effectRef idx="0">
+          <a:scrgbClr r="0" g="0" b="0"/>
+        </a:effectRef>
         <a:fontRef idx="none"/>
       </a:style>
     </a:lnDef>
@@ -7372,7 +7330,7 @@
         </a:ln>
         <a:effectLst/>
       </a:spPr>
-      <a:bodyPr rot="0" spcFirstLastPara="1" vertOverflow="overflow" horzOverflow="overflow" vert="horz" wrap="square" lIns="50800" tIns="50800" rIns="50800" bIns="50800" numCol="1" spcCol="38100" rtlCol="0" anchor="ctr" upright="0">
+      <a:bodyPr rot="0" spcFirstLastPara="1" vertOverflow="overflow" horzOverflow="overflow" vert="horz" wrap="square" lIns="50800" tIns="50800" rIns="50800" bIns="50800" numCol="1" spcCol="38100" rtlCol="0" anchor="ctr">
         <a:spAutoFit/>
       </a:bodyPr>
       <a:lstStyle>
@@ -7391,7 +7349,7 @@
           <a:buFontTx/>
           <a:buNone/>
           <a:tabLst/>
-          <a:defRPr b="0" baseline="0" cap="none" i="0" spc="0" strike="noStrike" sz="3800" u="none" kumimoji="0" normalizeH="0">
+          <a:defRPr kumimoji="0" sz="3800" b="0" i="0" u="none" strike="noStrike" cap="none" spc="0" normalizeH="0" baseline="0">
             <a:ln>
               <a:noFill/>
             </a:ln>
@@ -7399,7 +7357,7 @@
               <a:srgbClr val="EBEBEB"/>
             </a:solidFill>
             <a:effectLst>
-              <a:outerShdw sx="100000" sy="100000" kx="0" ky="0" algn="b" rotWithShape="0" blurRad="50800" dist="25400" dir="5400000">
+              <a:outerShdw blurRad="50800" dist="25400" dir="5400000" rotWithShape="0">
                 <a:srgbClr val="000000"/>
               </a:outerShdw>
             </a:effectLst>
@@ -7425,7 +7383,7 @@
           <a:buFontTx/>
           <a:buNone/>
           <a:tabLst/>
-          <a:defRPr b="0" baseline="0" cap="none" i="0" spc="0" strike="noStrike" sz="1800" u="none" kumimoji="0" normalizeH="0">
+          <a:defRPr kumimoji="0" sz="1800" b="0" i="0" u="none" strike="noStrike" cap="none" spc="0" normalizeH="0" baseline="0">
             <a:ln>
               <a:noFill/>
             </a:ln>
@@ -7451,7 +7409,7 @@
           <a:buFontTx/>
           <a:buNone/>
           <a:tabLst/>
-          <a:defRPr b="0" baseline="0" cap="none" i="0" spc="0" strike="noStrike" sz="1800" u="none" kumimoji="0" normalizeH="0">
+          <a:defRPr kumimoji="0" sz="1800" b="0" i="0" u="none" strike="noStrike" cap="none" spc="0" normalizeH="0" baseline="0">
             <a:ln>
               <a:noFill/>
             </a:ln>
@@ -7477,7 +7435,7 @@
           <a:buFontTx/>
           <a:buNone/>
           <a:tabLst/>
-          <a:defRPr b="0" baseline="0" cap="none" i="0" spc="0" strike="noStrike" sz="1800" u="none" kumimoji="0" normalizeH="0">
+          <a:defRPr kumimoji="0" sz="1800" b="0" i="0" u="none" strike="noStrike" cap="none" spc="0" normalizeH="0" baseline="0">
             <a:ln>
               <a:noFill/>
             </a:ln>
@@ -7503,7 +7461,7 @@
           <a:buFontTx/>
           <a:buNone/>
           <a:tabLst/>
-          <a:defRPr b="0" baseline="0" cap="none" i="0" spc="0" strike="noStrike" sz="1800" u="none" kumimoji="0" normalizeH="0">
+          <a:defRPr kumimoji="0" sz="1800" b="0" i="0" u="none" strike="noStrike" cap="none" spc="0" normalizeH="0" baseline="0">
             <a:ln>
               <a:noFill/>
             </a:ln>
@@ -7529,7 +7487,7 @@
           <a:buFontTx/>
           <a:buNone/>
           <a:tabLst/>
-          <a:defRPr b="0" baseline="0" cap="none" i="0" spc="0" strike="noStrike" sz="1800" u="none" kumimoji="0" normalizeH="0">
+          <a:defRPr kumimoji="0" sz="1800" b="0" i="0" u="none" strike="noStrike" cap="none" spc="0" normalizeH="0" baseline="0">
             <a:ln>
               <a:noFill/>
             </a:ln>
@@ -7555,7 +7513,7 @@
           <a:buFontTx/>
           <a:buNone/>
           <a:tabLst/>
-          <a:defRPr b="0" baseline="0" cap="none" i="0" spc="0" strike="noStrike" sz="1800" u="none" kumimoji="0" normalizeH="0">
+          <a:defRPr kumimoji="0" sz="1800" b="0" i="0" u="none" strike="noStrike" cap="none" spc="0" normalizeH="0" baseline="0">
             <a:ln>
               <a:noFill/>
             </a:ln>
@@ -7581,7 +7539,7 @@
           <a:buFontTx/>
           <a:buNone/>
           <a:tabLst/>
-          <a:defRPr b="0" baseline="0" cap="none" i="0" spc="0" strike="noStrike" sz="1800" u="none" kumimoji="0" normalizeH="0">
+          <a:defRPr kumimoji="0" sz="1800" b="0" i="0" u="none" strike="noStrike" cap="none" spc="0" normalizeH="0" baseline="0">
             <a:ln>
               <a:noFill/>
             </a:ln>
@@ -7607,7 +7565,7 @@
           <a:buFontTx/>
           <a:buNone/>
           <a:tabLst/>
-          <a:defRPr b="0" baseline="0" cap="none" i="0" spc="0" strike="noStrike" sz="1800" u="none" kumimoji="0" normalizeH="0">
+          <a:defRPr kumimoji="0" sz="1800" b="0" i="0" u="none" strike="noStrike" cap="none" spc="0" normalizeH="0" baseline="0">
             <a:ln>
               <a:noFill/>
             </a:ln>
@@ -7633,7 +7591,7 @@
           <a:buFontTx/>
           <a:buNone/>
           <a:tabLst/>
-          <a:defRPr b="0" baseline="0" cap="none" i="0" spc="0" strike="noStrike" sz="1800" u="none" kumimoji="0" normalizeH="0">
+          <a:defRPr kumimoji="0" sz="1800" b="0" i="0" u="none" strike="noStrike" cap="none" spc="0" normalizeH="0" baseline="0">
             <a:ln>
               <a:noFill/>
             </a:ln>
@@ -7646,18 +7604,25 @@
         </a:lvl9pPr>
       </a:lstStyle>
       <a:style>
-        <a:lnRef idx="0"/>
-        <a:fillRef idx="0"/>
-        <a:effectRef idx="0"/>
+        <a:lnRef idx="0">
+          <a:scrgbClr r="0" g="0" b="0"/>
+        </a:lnRef>
+        <a:fillRef idx="0">
+          <a:scrgbClr r="0" g="0" b="0"/>
+        </a:fillRef>
+        <a:effectRef idx="0">
+          <a:scrgbClr r="0" g="0" b="0"/>
+        </a:effectRef>
         <a:fontRef idx="none"/>
       </a:style>
     </a:txDef>
   </a:objectDefaults>
+  <a:extraClrSchemeLst/>
 </a:theme>
 </file>
 
 <file path=ppt/theme/theme2.xml><?xml version="1.0" encoding="utf-8"?>
-<a:theme xmlns:a="http://schemas.openxmlformats.org/drawingml/2006/main" xmlns:r="http://schemas.openxmlformats.org/officeDocument/2006/relationships" name="Default">
+<a:theme xmlns:a="http://schemas.openxmlformats.org/drawingml/2006/main" name="Default">
   <a:themeElements>
     <a:clrScheme name="Default">
       <a:dk1>
@@ -7783,7 +7748,7 @@
       <a:effectStyleLst>
         <a:effectStyle>
           <a:effectLst>
-            <a:outerShdw sx="100000" sy="100000" kx="0" ky="0" algn="b" rotWithShape="0" blurRad="50800" dist="25400" dir="5400000">
+            <a:outerShdw blurRad="50800" dist="25400" dir="5400000" rotWithShape="0">
               <a:srgbClr val="000000">
                 <a:alpha val="50000"/>
               </a:srgbClr>
@@ -7792,7 +7757,7 @@
         </a:effectStyle>
         <a:effectStyle>
           <a:effectLst>
-            <a:outerShdw sx="100000" sy="100000" kx="0" ky="0" algn="b" rotWithShape="0" blurRad="50800" dist="25400" dir="5400000">
+            <a:outerShdw blurRad="50800" dist="25400" dir="5400000" rotWithShape="0">
               <a:srgbClr val="000000">
                 <a:alpha val="50000"/>
               </a:srgbClr>
@@ -7801,7 +7766,7 @@
         </a:effectStyle>
         <a:effectStyle>
           <a:effectLst>
-            <a:outerShdw sx="100000" sy="100000" kx="0" ky="0" algn="b" rotWithShape="0" blurRad="50800" dist="25400" dir="5400000">
+            <a:outerShdw blurRad="50800" dist="25400" dir="5400000" rotWithShape="0">
               <a:srgbClr val="000000">
                 <a:alpha val="50000"/>
               </a:srgbClr>
@@ -7875,14 +7840,14 @@
           <a:bevel/>
         </a:ln>
         <a:effectLst>
-          <a:outerShdw sx="100000" sy="100000" kx="0" ky="0" algn="b" rotWithShape="0" blurRad="50800" dist="25400" dir="5400000">
+          <a:outerShdw blurRad="50800" dist="25400" dir="5400000" rotWithShape="0">
             <a:srgbClr val="000000">
               <a:alpha val="50000"/>
             </a:srgbClr>
           </a:outerShdw>
         </a:effectLst>
       </a:spPr>
-      <a:bodyPr rot="0" spcFirstLastPara="1" vertOverflow="overflow" horzOverflow="overflow" vert="horz" wrap="square" lIns="50800" tIns="50800" rIns="50800" bIns="50800" numCol="1" spcCol="38100" rtlCol="0" anchor="ctr" upright="0">
+      <a:bodyPr rot="0" spcFirstLastPara="1" vertOverflow="overflow" horzOverflow="overflow" vert="horz" wrap="square" lIns="50800" tIns="50800" rIns="50800" bIns="50800" numCol="1" spcCol="38100" rtlCol="0" anchor="ctr">
         <a:spAutoFit/>
       </a:bodyPr>
       <a:lstStyle>
@@ -7901,7 +7866,7 @@
           <a:buFontTx/>
           <a:buNone/>
           <a:tabLst/>
-          <a:defRPr b="0" baseline="0" cap="none" i="0" spc="0" strike="noStrike" sz="3800" u="none" kumimoji="0" normalizeH="0">
+          <a:defRPr kumimoji="0" sz="3800" b="0" i="0" u="none" strike="noStrike" cap="none" spc="0" normalizeH="0" baseline="0">
             <a:ln>
               <a:noFill/>
             </a:ln>
@@ -7909,7 +7874,7 @@
               <a:srgbClr val="EBEBEB"/>
             </a:solidFill>
             <a:effectLst>
-              <a:outerShdw sx="100000" sy="100000" kx="0" ky="0" algn="b" rotWithShape="0" blurRad="50800" dist="25400" dir="5400000">
+              <a:outerShdw blurRad="50800" dist="25400" dir="5400000" rotWithShape="0">
                 <a:srgbClr val="000000"/>
               </a:outerShdw>
             </a:effectLst>
@@ -7935,7 +7900,7 @@
           <a:buFontTx/>
           <a:buNone/>
           <a:tabLst/>
-          <a:defRPr b="0" baseline="0" cap="none" i="0" spc="0" strike="noStrike" sz="1800" u="none" kumimoji="0" normalizeH="0">
+          <a:defRPr kumimoji="0" sz="1800" b="0" i="0" u="none" strike="noStrike" cap="none" spc="0" normalizeH="0" baseline="0">
             <a:ln>
               <a:noFill/>
             </a:ln>
@@ -7961,7 +7926,7 @@
           <a:buFontTx/>
           <a:buNone/>
           <a:tabLst/>
-          <a:defRPr b="0" baseline="0" cap="none" i="0" spc="0" strike="noStrike" sz="1800" u="none" kumimoji="0" normalizeH="0">
+          <a:defRPr kumimoji="0" sz="1800" b="0" i="0" u="none" strike="noStrike" cap="none" spc="0" normalizeH="0" baseline="0">
             <a:ln>
               <a:noFill/>
             </a:ln>
@@ -7987,7 +7952,7 @@
           <a:buFontTx/>
           <a:buNone/>
           <a:tabLst/>
-          <a:defRPr b="0" baseline="0" cap="none" i="0" spc="0" strike="noStrike" sz="1800" u="none" kumimoji="0" normalizeH="0">
+          <a:defRPr kumimoji="0" sz="1800" b="0" i="0" u="none" strike="noStrike" cap="none" spc="0" normalizeH="0" baseline="0">
             <a:ln>
               <a:noFill/>
             </a:ln>
@@ -8013,7 +7978,7 @@
           <a:buFontTx/>
           <a:buNone/>
           <a:tabLst/>
-          <a:defRPr b="0" baseline="0" cap="none" i="0" spc="0" strike="noStrike" sz="1800" u="none" kumimoji="0" normalizeH="0">
+          <a:defRPr kumimoji="0" sz="1800" b="0" i="0" u="none" strike="noStrike" cap="none" spc="0" normalizeH="0" baseline="0">
             <a:ln>
               <a:noFill/>
             </a:ln>
@@ -8039,7 +8004,7 @@
           <a:buFontTx/>
           <a:buNone/>
           <a:tabLst/>
-          <a:defRPr b="0" baseline="0" cap="none" i="0" spc="0" strike="noStrike" sz="1800" u="none" kumimoji="0" normalizeH="0">
+          <a:defRPr kumimoji="0" sz="1800" b="0" i="0" u="none" strike="noStrike" cap="none" spc="0" normalizeH="0" baseline="0">
             <a:ln>
               <a:noFill/>
             </a:ln>
@@ -8065,7 +8030,7 @@
           <a:buFontTx/>
           <a:buNone/>
           <a:tabLst/>
-          <a:defRPr b="0" baseline="0" cap="none" i="0" spc="0" strike="noStrike" sz="1800" u="none" kumimoji="0" normalizeH="0">
+          <a:defRPr kumimoji="0" sz="1800" b="0" i="0" u="none" strike="noStrike" cap="none" spc="0" normalizeH="0" baseline="0">
             <a:ln>
               <a:noFill/>
             </a:ln>
@@ -8091,7 +8056,7 @@
           <a:buFontTx/>
           <a:buNone/>
           <a:tabLst/>
-          <a:defRPr b="0" baseline="0" cap="none" i="0" spc="0" strike="noStrike" sz="1800" u="none" kumimoji="0" normalizeH="0">
+          <a:defRPr kumimoji="0" sz="1800" b="0" i="0" u="none" strike="noStrike" cap="none" spc="0" normalizeH="0" baseline="0">
             <a:ln>
               <a:noFill/>
             </a:ln>
@@ -8117,7 +8082,7 @@
           <a:buFontTx/>
           <a:buNone/>
           <a:tabLst/>
-          <a:defRPr b="0" baseline="0" cap="none" i="0" spc="0" strike="noStrike" sz="1800" u="none" kumimoji="0" normalizeH="0">
+          <a:defRPr kumimoji="0" sz="1800" b="0" i="0" u="none" strike="noStrike" cap="none" spc="0" normalizeH="0" baseline="0">
             <a:ln>
               <a:noFill/>
             </a:ln>
@@ -8143,7 +8108,7 @@
           <a:buFontTx/>
           <a:buNone/>
           <a:tabLst/>
-          <a:defRPr b="0" baseline="0" cap="none" i="0" spc="0" strike="noStrike" sz="1800" u="none" kumimoji="0" normalizeH="0">
+          <a:defRPr kumimoji="0" sz="1800" b="0" i="0" u="none" strike="noStrike" cap="none" spc="0" normalizeH="0" baseline="0">
             <a:ln>
               <a:noFill/>
             </a:ln>
@@ -8156,9 +8121,15 @@
         </a:lvl9pPr>
       </a:lstStyle>
       <a:style>
-        <a:lnRef idx="0"/>
-        <a:fillRef idx="0"/>
-        <a:effectRef idx="0"/>
+        <a:lnRef idx="0">
+          <a:scrgbClr r="0" g="0" b="0"/>
+        </a:lnRef>
+        <a:fillRef idx="0">
+          <a:scrgbClr r="0" g="0" b="0"/>
+        </a:fillRef>
+        <a:effectRef idx="0">
+          <a:scrgbClr r="0" g="0" b="0"/>
+        </a:effectRef>
         <a:fontRef idx="none"/>
       </a:style>
     </a:spDef>
@@ -8173,14 +8144,14 @@
           <a:bevel/>
         </a:ln>
         <a:effectLst>
-          <a:outerShdw sx="100000" sy="100000" kx="0" ky="0" algn="b" rotWithShape="0" blurRad="50800" dist="25400" dir="5400000">
+          <a:outerShdw blurRad="50800" dist="25400" dir="5400000" rotWithShape="0">
             <a:srgbClr val="000000">
               <a:alpha val="50000"/>
             </a:srgbClr>
           </a:outerShdw>
         </a:effectLst>
       </a:spPr>
-      <a:bodyPr rot="0" spcFirstLastPara="1" vertOverflow="overflow" horzOverflow="overflow" vert="horz" wrap="square" lIns="91439" tIns="45719" rIns="91439" bIns="45719" numCol="1" spcCol="38100" rtlCol="0" anchor="t" upright="0">
+      <a:bodyPr rot="0" spcFirstLastPara="1" vertOverflow="overflow" horzOverflow="overflow" vert="horz" wrap="square" lIns="91439" tIns="45719" rIns="91439" bIns="45719" numCol="1" spcCol="38100" rtlCol="0" anchor="t">
         <a:noAutofit/>
       </a:bodyPr>
       <a:lstStyle>
@@ -8199,7 +8170,7 @@
           <a:buFontTx/>
           <a:buNone/>
           <a:tabLst/>
-          <a:defRPr b="0" baseline="0" cap="none" i="0" spc="0" strike="noStrike" sz="1800" u="none" kumimoji="0" normalizeH="0">
+          <a:defRPr kumimoji="0" sz="1800" b="0" i="0" u="none" strike="noStrike" cap="none" spc="0" normalizeH="0" baseline="0">
             <a:ln>
               <a:noFill/>
             </a:ln>
@@ -8225,7 +8196,7 @@
           <a:buFontTx/>
           <a:buNone/>
           <a:tabLst/>
-          <a:defRPr b="0" baseline="0" cap="none" i="0" spc="0" strike="noStrike" sz="1800" u="none" kumimoji="0" normalizeH="0">
+          <a:defRPr kumimoji="0" sz="1800" b="0" i="0" u="none" strike="noStrike" cap="none" spc="0" normalizeH="0" baseline="0">
             <a:ln>
               <a:noFill/>
             </a:ln>
@@ -8251,7 +8222,7 @@
           <a:buFontTx/>
           <a:buNone/>
           <a:tabLst/>
-          <a:defRPr b="0" baseline="0" cap="none" i="0" spc="0" strike="noStrike" sz="1800" u="none" kumimoji="0" normalizeH="0">
+          <a:defRPr kumimoji="0" sz="1800" b="0" i="0" u="none" strike="noStrike" cap="none" spc="0" normalizeH="0" baseline="0">
             <a:ln>
               <a:noFill/>
             </a:ln>
@@ -8277,7 +8248,7 @@
           <a:buFontTx/>
           <a:buNone/>
           <a:tabLst/>
-          <a:defRPr b="0" baseline="0" cap="none" i="0" spc="0" strike="noStrike" sz="1800" u="none" kumimoji="0" normalizeH="0">
+          <a:defRPr kumimoji="0" sz="1800" b="0" i="0" u="none" strike="noStrike" cap="none" spc="0" normalizeH="0" baseline="0">
             <a:ln>
               <a:noFill/>
             </a:ln>
@@ -8303,7 +8274,7 @@
           <a:buFontTx/>
           <a:buNone/>
           <a:tabLst/>
-          <a:defRPr b="0" baseline="0" cap="none" i="0" spc="0" strike="noStrike" sz="1800" u="none" kumimoji="0" normalizeH="0">
+          <a:defRPr kumimoji="0" sz="1800" b="0" i="0" u="none" strike="noStrike" cap="none" spc="0" normalizeH="0" baseline="0">
             <a:ln>
               <a:noFill/>
             </a:ln>
@@ -8329,7 +8300,7 @@
           <a:buFontTx/>
           <a:buNone/>
           <a:tabLst/>
-          <a:defRPr b="0" baseline="0" cap="none" i="0" spc="0" strike="noStrike" sz="1800" u="none" kumimoji="0" normalizeH="0">
+          <a:defRPr kumimoji="0" sz="1800" b="0" i="0" u="none" strike="noStrike" cap="none" spc="0" normalizeH="0" baseline="0">
             <a:ln>
               <a:noFill/>
             </a:ln>
@@ -8355,7 +8326,7 @@
           <a:buFontTx/>
           <a:buNone/>
           <a:tabLst/>
-          <a:defRPr b="0" baseline="0" cap="none" i="0" spc="0" strike="noStrike" sz="1800" u="none" kumimoji="0" normalizeH="0">
+          <a:defRPr kumimoji="0" sz="1800" b="0" i="0" u="none" strike="noStrike" cap="none" spc="0" normalizeH="0" baseline="0">
             <a:ln>
               <a:noFill/>
             </a:ln>
@@ -8381,7 +8352,7 @@
           <a:buFontTx/>
           <a:buNone/>
           <a:tabLst/>
-          <a:defRPr b="0" baseline="0" cap="none" i="0" spc="0" strike="noStrike" sz="1800" u="none" kumimoji="0" normalizeH="0">
+          <a:defRPr kumimoji="0" sz="1800" b="0" i="0" u="none" strike="noStrike" cap="none" spc="0" normalizeH="0" baseline="0">
             <a:ln>
               <a:noFill/>
             </a:ln>
@@ -8407,7 +8378,7 @@
           <a:buFontTx/>
           <a:buNone/>
           <a:tabLst/>
-          <a:defRPr b="0" baseline="0" cap="none" i="0" spc="0" strike="noStrike" sz="1800" u="none" kumimoji="0" normalizeH="0">
+          <a:defRPr kumimoji="0" sz="1800" b="0" i="0" u="none" strike="noStrike" cap="none" spc="0" normalizeH="0" baseline="0">
             <a:ln>
               <a:noFill/>
             </a:ln>
@@ -8433,7 +8404,7 @@
           <a:buFontTx/>
           <a:buNone/>
           <a:tabLst/>
-          <a:defRPr b="0" baseline="0" cap="none" i="0" spc="0" strike="noStrike" sz="1800" u="none" kumimoji="0" normalizeH="0">
+          <a:defRPr kumimoji="0" sz="1800" b="0" i="0" u="none" strike="noStrike" cap="none" spc="0" normalizeH="0" baseline="0">
             <a:ln>
               <a:noFill/>
             </a:ln>
@@ -8446,9 +8417,15 @@
         </a:lvl9pPr>
       </a:lstStyle>
       <a:style>
-        <a:lnRef idx="0"/>
-        <a:fillRef idx="0"/>
-        <a:effectRef idx="0"/>
+        <a:lnRef idx="0">
+          <a:scrgbClr r="0" g="0" b="0"/>
+        </a:lnRef>
+        <a:fillRef idx="0">
+          <a:scrgbClr r="0" g="0" b="0"/>
+        </a:fillRef>
+        <a:effectRef idx="0">
+          <a:scrgbClr r="0" g="0" b="0"/>
+        </a:effectRef>
         <a:fontRef idx="none"/>
       </a:style>
     </a:lnDef>
@@ -8461,7 +8438,7 @@
         </a:ln>
         <a:effectLst/>
       </a:spPr>
-      <a:bodyPr rot="0" spcFirstLastPara="1" vertOverflow="overflow" horzOverflow="overflow" vert="horz" wrap="square" lIns="50800" tIns="50800" rIns="50800" bIns="50800" numCol="1" spcCol="38100" rtlCol="0" anchor="ctr" upright="0">
+      <a:bodyPr rot="0" spcFirstLastPara="1" vertOverflow="overflow" horzOverflow="overflow" vert="horz" wrap="square" lIns="50800" tIns="50800" rIns="50800" bIns="50800" numCol="1" spcCol="38100" rtlCol="0" anchor="ctr">
         <a:spAutoFit/>
       </a:bodyPr>
       <a:lstStyle>
@@ -8480,7 +8457,7 @@
           <a:buFontTx/>
           <a:buNone/>
           <a:tabLst/>
-          <a:defRPr b="0" baseline="0" cap="none" i="0" spc="0" strike="noStrike" sz="3800" u="none" kumimoji="0" normalizeH="0">
+          <a:defRPr kumimoji="0" sz="3800" b="0" i="0" u="none" strike="noStrike" cap="none" spc="0" normalizeH="0" baseline="0">
             <a:ln>
               <a:noFill/>
             </a:ln>
@@ -8488,7 +8465,7 @@
               <a:srgbClr val="EBEBEB"/>
             </a:solidFill>
             <a:effectLst>
-              <a:outerShdw sx="100000" sy="100000" kx="0" ky="0" algn="b" rotWithShape="0" blurRad="50800" dist="25400" dir="5400000">
+              <a:outerShdw blurRad="50800" dist="25400" dir="5400000" rotWithShape="0">
                 <a:srgbClr val="000000"/>
               </a:outerShdw>
             </a:effectLst>
@@ -8514,7 +8491,7 @@
           <a:buFontTx/>
           <a:buNone/>
           <a:tabLst/>
-          <a:defRPr b="0" baseline="0" cap="none" i="0" spc="0" strike="noStrike" sz="1800" u="none" kumimoji="0" normalizeH="0">
+          <a:defRPr kumimoji="0" sz="1800" b="0" i="0" u="none" strike="noStrike" cap="none" spc="0" normalizeH="0" baseline="0">
             <a:ln>
               <a:noFill/>
             </a:ln>
@@ -8540,7 +8517,7 @@
           <a:buFontTx/>
           <a:buNone/>
           <a:tabLst/>
-          <a:defRPr b="0" baseline="0" cap="none" i="0" spc="0" strike="noStrike" sz="1800" u="none" kumimoji="0" normalizeH="0">
+          <a:defRPr kumimoji="0" sz="1800" b="0" i="0" u="none" strike="noStrike" cap="none" spc="0" normalizeH="0" baseline="0">
             <a:ln>
               <a:noFill/>
             </a:ln>
@@ -8566,7 +8543,7 @@
           <a:buFontTx/>
           <a:buNone/>
           <a:tabLst/>
-          <a:defRPr b="0" baseline="0" cap="none" i="0" spc="0" strike="noStrike" sz="1800" u="none" kumimoji="0" normalizeH="0">
+          <a:defRPr kumimoji="0" sz="1800" b="0" i="0" u="none" strike="noStrike" cap="none" spc="0" normalizeH="0" baseline="0">
             <a:ln>
               <a:noFill/>
             </a:ln>
@@ -8592,7 +8569,7 @@
           <a:buFontTx/>
           <a:buNone/>
           <a:tabLst/>
-          <a:defRPr b="0" baseline="0" cap="none" i="0" spc="0" strike="noStrike" sz="1800" u="none" kumimoji="0" normalizeH="0">
+          <a:defRPr kumimoji="0" sz="1800" b="0" i="0" u="none" strike="noStrike" cap="none" spc="0" normalizeH="0" baseline="0">
             <a:ln>
               <a:noFill/>
             </a:ln>
@@ -8618,7 +8595,7 @@
           <a:buFontTx/>
           <a:buNone/>
           <a:tabLst/>
-          <a:defRPr b="0" baseline="0" cap="none" i="0" spc="0" strike="noStrike" sz="1800" u="none" kumimoji="0" normalizeH="0">
+          <a:defRPr kumimoji="0" sz="1800" b="0" i="0" u="none" strike="noStrike" cap="none" spc="0" normalizeH="0" baseline="0">
             <a:ln>
               <a:noFill/>
             </a:ln>
@@ -8644,7 +8621,7 @@
           <a:buFontTx/>
           <a:buNone/>
           <a:tabLst/>
-          <a:defRPr b="0" baseline="0" cap="none" i="0" spc="0" strike="noStrike" sz="1800" u="none" kumimoji="0" normalizeH="0">
+          <a:defRPr kumimoji="0" sz="1800" b="0" i="0" u="none" strike="noStrike" cap="none" spc="0" normalizeH="0" baseline="0">
             <a:ln>
               <a:noFill/>
             </a:ln>
@@ -8670,7 +8647,7 @@
           <a:buFontTx/>
           <a:buNone/>
           <a:tabLst/>
-          <a:defRPr b="0" baseline="0" cap="none" i="0" spc="0" strike="noStrike" sz="1800" u="none" kumimoji="0" normalizeH="0">
+          <a:defRPr kumimoji="0" sz="1800" b="0" i="0" u="none" strike="noStrike" cap="none" spc="0" normalizeH="0" baseline="0">
             <a:ln>
               <a:noFill/>
             </a:ln>
@@ -8696,7 +8673,7 @@
           <a:buFontTx/>
           <a:buNone/>
           <a:tabLst/>
-          <a:defRPr b="0" baseline="0" cap="none" i="0" spc="0" strike="noStrike" sz="1800" u="none" kumimoji="0" normalizeH="0">
+          <a:defRPr kumimoji="0" sz="1800" b="0" i="0" u="none" strike="noStrike" cap="none" spc="0" normalizeH="0" baseline="0">
             <a:ln>
               <a:noFill/>
             </a:ln>
@@ -8722,7 +8699,7 @@
           <a:buFontTx/>
           <a:buNone/>
           <a:tabLst/>
-          <a:defRPr b="0" baseline="0" cap="none" i="0" spc="0" strike="noStrike" sz="1800" u="none" kumimoji="0" normalizeH="0">
+          <a:defRPr kumimoji="0" sz="1800" b="0" i="0" u="none" strike="noStrike" cap="none" spc="0" normalizeH="0" baseline="0">
             <a:ln>
               <a:noFill/>
             </a:ln>
@@ -8735,12 +8712,19 @@
         </a:lvl9pPr>
       </a:lstStyle>
       <a:style>
-        <a:lnRef idx="0"/>
-        <a:fillRef idx="0"/>
-        <a:effectRef idx="0"/>
+        <a:lnRef idx="0">
+          <a:scrgbClr r="0" g="0" b="0"/>
+        </a:lnRef>
+        <a:fillRef idx="0">
+          <a:scrgbClr r="0" g="0" b="0"/>
+        </a:fillRef>
+        <a:effectRef idx="0">
+          <a:scrgbClr r="0" g="0" b="0"/>
+        </a:effectRef>
         <a:fontRef idx="none"/>
       </a:style>
     </a:txDef>
   </a:objectDefaults>
+  <a:extraClrSchemeLst/>
 </a:theme>
 </file>
--- a/data/nyt_summarizer_10_09_1.pptx
+++ b/data/nyt_summarizer_10_09_1.pptx
@@ -9,8 +9,8 @@
   </p:notesMasterIdLst>
   <p:sldIdLst>
     <p:sldId id="256" r:id="rId2"/>
-    <p:sldId id="257" r:id="rId3"/>
-    <p:sldId id="258" r:id="rId4"/>
+    <p:sldId id="258" r:id="rId3"/>
+    <p:sldId id="257" r:id="rId4"/>
     <p:sldId id="259" r:id="rId5"/>
     <p:sldId id="260" r:id="rId6"/>
     <p:sldId id="261" r:id="rId7"/>
@@ -3132,7 +3132,59 @@
                   </a:outerShdw>
                 </a:effectLst>
               </a:rPr>
-              <a:t>Identify representative comment that captures     the topic’s idea.</a:t>
+              <a:t>Identify representative comment that </a:t>
+            </a:r>
+            <a:r>
+              <a:rPr sz="4400" dirty="0" smtClean="0">
+                <a:solidFill>
+                  <a:srgbClr val="EBEBEB"/>
+                </a:solidFill>
+                <a:effectLst>
+                  <a:outerShdw blurRad="50800" dist="25400" dir="5400000" rotWithShape="0">
+                    <a:srgbClr val="000000"/>
+                  </a:outerShdw>
+                </a:effectLst>
+              </a:rPr>
+              <a:t>captures</a:t>
+            </a:r>
+            <a:r>
+              <a:rPr lang="en-US" sz="4400" dirty="0" smtClean="0">
+                <a:solidFill>
+                  <a:srgbClr val="EBEBEB"/>
+                </a:solidFill>
+                <a:effectLst>
+                  <a:outerShdw blurRad="50800" dist="25400" dir="5400000" rotWithShape="0">
+                    <a:srgbClr val="000000"/>
+                  </a:outerShdw>
+                </a:effectLst>
+              </a:rPr>
+              <a:t> each</a:t>
+            </a:r>
+            <a:r>
+              <a:rPr sz="4400" dirty="0" smtClean="0">
+                <a:solidFill>
+                  <a:srgbClr val="EBEBEB"/>
+                </a:solidFill>
+                <a:effectLst>
+                  <a:outerShdw blurRad="50800" dist="25400" dir="5400000" rotWithShape="0">
+                    <a:srgbClr val="000000"/>
+                  </a:outerShdw>
+                </a:effectLst>
+              </a:rPr>
+              <a:t> </a:t>
+            </a:r>
+            <a:r>
+              <a:rPr sz="4400" dirty="0">
+                <a:solidFill>
+                  <a:srgbClr val="EBEBEB"/>
+                </a:solidFill>
+                <a:effectLst>
+                  <a:outerShdw blurRad="50800" dist="25400" dir="5400000" rotWithShape="0">
+                    <a:srgbClr val="000000"/>
+                  </a:outerShdw>
+                </a:effectLst>
+              </a:rPr>
+              <a:t>topic’s idea.</a:t>
             </a:r>
           </a:p>
         </p:txBody>
@@ -3268,8 +3320,96 @@
                   </a:outerShdw>
                 </a:effectLst>
               </a:rPr>
-              <a:t>Classify comments by candidates. Use features such as distinct topics or other measures (subjectivity)</a:t>
-            </a:r>
+              <a:t>Classify comments by </a:t>
+            </a:r>
+            <a:r>
+              <a:rPr sz="4400" dirty="0" smtClean="0">
+                <a:solidFill>
+                  <a:srgbClr val="EBEBEB"/>
+                </a:solidFill>
+                <a:effectLst>
+                  <a:outerShdw blurRad="50800" dist="25400" dir="5400000" rotWithShape="0">
+                    <a:srgbClr val="000000"/>
+                  </a:outerShdw>
+                </a:effectLst>
+              </a:rPr>
+              <a:t>candidates. Use features such as distinct </a:t>
+            </a:r>
+            <a:r>
+              <a:rPr sz="4400" dirty="0">
+                <a:solidFill>
+                  <a:srgbClr val="EBEBEB"/>
+                </a:solidFill>
+                <a:effectLst>
+                  <a:outerShdw blurRad="50800" dist="25400" dir="5400000" rotWithShape="0">
+                    <a:srgbClr val="000000"/>
+                  </a:outerShdw>
+                </a:effectLst>
+              </a:rPr>
+              <a:t>topics or </a:t>
+            </a:r>
+            <a:r>
+              <a:rPr sz="4400" dirty="0" smtClean="0">
+                <a:solidFill>
+                  <a:srgbClr val="EBEBEB"/>
+                </a:solidFill>
+                <a:effectLst>
+                  <a:outerShdw blurRad="50800" dist="25400" dir="5400000" rotWithShape="0">
+                    <a:srgbClr val="000000"/>
+                  </a:outerShdw>
+                </a:effectLst>
+              </a:rPr>
+              <a:t>other</a:t>
+            </a:r>
+            <a:r>
+              <a:rPr lang="en-US" sz="4400" dirty="0" smtClean="0">
+                <a:solidFill>
+                  <a:srgbClr val="EBEBEB"/>
+                </a:solidFill>
+                <a:effectLst>
+                  <a:outerShdw blurRad="50800" dist="25400" dir="5400000" rotWithShape="0">
+                    <a:srgbClr val="000000"/>
+                  </a:outerShdw>
+                </a:effectLst>
+              </a:rPr>
+              <a:t> semantic</a:t>
+            </a:r>
+            <a:r>
+              <a:rPr sz="4400" dirty="0" smtClean="0">
+                <a:solidFill>
+                  <a:srgbClr val="EBEBEB"/>
+                </a:solidFill>
+                <a:effectLst>
+                  <a:outerShdw blurRad="50800" dist="25400" dir="5400000" rotWithShape="0">
+                    <a:srgbClr val="000000"/>
+                  </a:outerShdw>
+                </a:effectLst>
+              </a:rPr>
+              <a:t> </a:t>
+            </a:r>
+            <a:r>
+              <a:rPr lang="en-US" sz="4400" dirty="0" smtClean="0">
+                <a:solidFill>
+                  <a:srgbClr val="EBEBEB"/>
+                </a:solidFill>
+                <a:effectLst>
+                  <a:outerShdw blurRad="50800" dist="25400" dir="5400000" rotWithShape="0">
+                    <a:srgbClr val="000000"/>
+                  </a:outerShdw>
+                </a:effectLst>
+              </a:rPr>
+              <a:t>measures</a:t>
+            </a:r>
+            <a:endParaRPr sz="4400" dirty="0">
+              <a:solidFill>
+                <a:srgbClr val="EBEBEB"/>
+              </a:solidFill>
+              <a:effectLst>
+                <a:outerShdw blurRad="50800" dist="25400" dir="5400000" rotWithShape="0">
+                  <a:srgbClr val="000000"/>
+                </a:outerShdw>
+              </a:effectLst>
+            </a:endParaRPr>
           </a:p>
           <a:p>
             <a:pPr marL="903111" lvl="0" indent="-903111">
@@ -4150,10 +4290,136 @@
     <a:masterClrMapping/>
   </p:clrMapOvr>
   <p:transition xmlns:p14="http://schemas.microsoft.com/office/powerpoint/2010/main" spd="med"/>
+  <p:timing>
+    <p:tnLst>
+      <p:par>
+        <p:cTn xmlns:p14="http://schemas.microsoft.com/office/powerpoint/2010/main" id="1" dur="indefinite" restart="never" nodeType="tmRoot"/>
+      </p:par>
+    </p:tnLst>
+  </p:timing>
 </p:sld>
 </file>
 
 <file path=ppt/slides/slide2.xml><?xml version="1.0" encoding="utf-8"?>
+<p:sld xmlns:a="http://schemas.openxmlformats.org/drawingml/2006/main" xmlns:r="http://schemas.openxmlformats.org/officeDocument/2006/relationships" xmlns:p="http://schemas.openxmlformats.org/presentationml/2006/main">
+  <p:cSld>
+    <p:spTree>
+      <p:nvGrpSpPr>
+        <p:cNvPr id="1" name=""/>
+        <p:cNvGrpSpPr/>
+        <p:nvPr/>
+      </p:nvGrpSpPr>
+      <p:grpSpPr>
+        <a:xfrm>
+          <a:off x="0" y="0"/>
+          <a:ext cx="0" cy="0"/>
+          <a:chOff x="0" y="0"/>
+          <a:chExt cx="0" cy="0"/>
+        </a:xfrm>
+      </p:grpSpPr>
+      <p:sp>
+        <p:nvSpPr>
+          <p:cNvPr id="40" name="Shape 40"/>
+          <p:cNvSpPr>
+            <a:spLocks noGrp="1"/>
+          </p:cNvSpPr>
+          <p:nvPr>
+            <p:ph type="title"/>
+          </p:nvPr>
+        </p:nvSpPr>
+        <p:spPr>
+          <a:xfrm>
+            <a:off x="762000" y="203200"/>
+            <a:ext cx="11480800" cy="2146300"/>
+          </a:xfrm>
+          <a:prstGeom prst="rect">
+            <a:avLst/>
+          </a:prstGeom>
+        </p:spPr>
+        <p:txBody>
+          <a:bodyPr/>
+          <a:lstStyle/>
+          <a:p>
+            <a:pPr lvl="0"/>
+            <a:endParaRPr/>
+          </a:p>
+        </p:txBody>
+      </p:sp>
+      <p:sp>
+        <p:nvSpPr>
+          <p:cNvPr id="41" name="Shape 41"/>
+          <p:cNvSpPr>
+            <a:spLocks noGrp="1"/>
+          </p:cNvSpPr>
+          <p:nvPr>
+            <p:ph type="body" idx="1"/>
+          </p:nvPr>
+        </p:nvSpPr>
+        <p:spPr>
+          <a:xfrm>
+            <a:off x="762000" y="2413000"/>
+            <a:ext cx="11480800" cy="6362700"/>
+          </a:xfrm>
+          <a:prstGeom prst="rect">
+            <a:avLst/>
+          </a:prstGeom>
+        </p:spPr>
+        <p:txBody>
+          <a:bodyPr/>
+          <a:lstStyle/>
+          <a:p>
+            <a:pPr lvl="0"/>
+            <a:endParaRPr/>
+          </a:p>
+        </p:txBody>
+      </p:sp>
+      <p:pic>
+        <p:nvPicPr>
+          <p:cNvPr id="42" name="image4.png"/>
+          <p:cNvPicPr/>
+          <p:nvPr/>
+        </p:nvPicPr>
+        <p:blipFill>
+          <a:blip r:embed="rId2">
+            <a:extLst/>
+          </a:blip>
+          <a:stretch>
+            <a:fillRect/>
+          </a:stretch>
+        </p:blipFill>
+        <p:spPr>
+          <a:xfrm>
+            <a:off x="0" y="-45197"/>
+            <a:ext cx="13004800" cy="8675594"/>
+          </a:xfrm>
+          <a:prstGeom prst="rect">
+            <a:avLst/>
+          </a:prstGeom>
+          <a:ln w="12700">
+            <a:miter lim="400000"/>
+          </a:ln>
+          <a:effectLst>
+            <a:reflection stA="50000" endPos="40000" dir="5400000" sy="-100000" algn="bl" rotWithShape="0"/>
+          </a:effectLst>
+        </p:spPr>
+      </p:pic>
+    </p:spTree>
+  </p:cSld>
+  <p:clrMapOvr>
+    <a:masterClrMapping/>
+  </p:clrMapOvr>
+  <p:transition xmlns:p14="http://schemas.microsoft.com/office/powerpoint/2010/main" spd="med"/>
+  <p:timing>
+    <p:tnLst>
+      <p:par>
+        <p:cTn xmlns:p14="http://schemas.microsoft.com/office/powerpoint/2010/main" id="1" dur="indefinite" restart="never" nodeType="tmRoot"/>
+      </p:par>
+    </p:tnLst>
+  </p:timing>
+</p:sld>
+</file>
+
+<file path=ppt/slides/slide3.xml><?xml version="1.0" encoding="utf-8"?>
 <p:sld xmlns:a="http://schemas.openxmlformats.org/drawingml/2006/main" xmlns:r="http://schemas.openxmlformats.org/officeDocument/2006/relationships" xmlns:p="http://schemas.openxmlformats.org/presentationml/2006/main">
   <p:cSld>
     <p:spTree>
@@ -4306,7 +4572,7 @@
         <p:spPr>
           <a:xfrm>
             <a:off x="611858" y="5740398"/>
-            <a:ext cx="11836403" cy="3448797"/>
+            <a:ext cx="12392942" cy="3448797"/>
           </a:xfrm>
           <a:prstGeom prst="rect">
             <a:avLst/>
@@ -4335,7 +4601,7 @@
               </a:defRPr>
             </a:pPr>
             <a:r>
-              <a:rPr sz="5800" b="1">
+              <a:rPr sz="5800" b="1" dirty="0">
                 <a:solidFill>
                   <a:srgbClr val="FFFFFF"/>
                 </a:solidFill>
@@ -4367,7 +4633,7 @@
               </a:defRPr>
             </a:pPr>
             <a:r>
-              <a:rPr sz="3400">
+              <a:rPr sz="3400" dirty="0">
                 <a:solidFill>
                   <a:srgbClr val="EBEBEB"/>
                 </a:solidFill>
@@ -4381,8 +4647,124 @@
                 <a:cs typeface="Helvetica Neue Medium"/>
                 <a:sym typeface="Helvetica Neue Medium"/>
               </a:rPr>
-              <a:t>Build visualization that captures sentiments and content discussed about candidates</a:t>
-            </a:r>
+              <a:t>Build visualization that captures sentiments and content </a:t>
+            </a:r>
+            <a:r>
+              <a:rPr lang="en-US" sz="3400" dirty="0" smtClean="0">
+                <a:solidFill>
+                  <a:srgbClr val="EBEBEB"/>
+                </a:solidFill>
+                <a:effectLst>
+                  <a:outerShdw blurRad="50800" dist="25400" dir="5400000" rotWithShape="0">
+                    <a:srgbClr val="000000"/>
+                  </a:outerShdw>
+                </a:effectLst>
+                <a:latin typeface="Helvetica Neue Medium"/>
+                <a:ea typeface="Helvetica Neue Medium"/>
+                <a:cs typeface="Helvetica Neue Medium"/>
+                <a:sym typeface="Helvetica Neue Medium"/>
+              </a:rPr>
+              <a:t>in the discussions</a:t>
+            </a:r>
+            <a:r>
+              <a:rPr sz="3400" dirty="0" smtClean="0">
+                <a:solidFill>
+                  <a:srgbClr val="EBEBEB"/>
+                </a:solidFill>
+                <a:effectLst>
+                  <a:outerShdw blurRad="50800" dist="25400" dir="5400000" rotWithShape="0">
+                    <a:srgbClr val="000000"/>
+                  </a:outerShdw>
+                </a:effectLst>
+                <a:latin typeface="Helvetica Neue Medium"/>
+                <a:ea typeface="Helvetica Neue Medium"/>
+                <a:cs typeface="Helvetica Neue Medium"/>
+                <a:sym typeface="Helvetica Neue Medium"/>
+              </a:rPr>
+              <a:t> </a:t>
+            </a:r>
+            <a:r>
+              <a:rPr lang="en-US" sz="3400" dirty="0" smtClean="0">
+                <a:solidFill>
+                  <a:srgbClr val="EBEBEB"/>
+                </a:solidFill>
+                <a:effectLst>
+                  <a:outerShdw blurRad="50800" dist="25400" dir="5400000" rotWithShape="0">
+                    <a:srgbClr val="000000"/>
+                  </a:outerShdw>
+                </a:effectLst>
+                <a:latin typeface="Helvetica Neue Medium"/>
+                <a:ea typeface="Helvetica Neue Medium"/>
+                <a:cs typeface="Helvetica Neue Medium"/>
+                <a:sym typeface="Helvetica Neue Medium"/>
+              </a:rPr>
+              <a:t>of</a:t>
+            </a:r>
+            <a:r>
+              <a:rPr sz="3400" dirty="0" smtClean="0">
+                <a:solidFill>
+                  <a:srgbClr val="EBEBEB"/>
+                </a:solidFill>
+                <a:effectLst>
+                  <a:outerShdw blurRad="50800" dist="25400" dir="5400000" rotWithShape="0">
+                    <a:srgbClr val="000000"/>
+                  </a:outerShdw>
+                </a:effectLst>
+                <a:latin typeface="Helvetica Neue Medium"/>
+                <a:ea typeface="Helvetica Neue Medium"/>
+                <a:cs typeface="Helvetica Neue Medium"/>
+                <a:sym typeface="Helvetica Neue Medium"/>
+              </a:rPr>
+              <a:t> </a:t>
+            </a:r>
+            <a:r>
+              <a:rPr lang="en-US" sz="3400" dirty="0" smtClean="0">
+                <a:solidFill>
+                  <a:srgbClr val="EBEBEB"/>
+                </a:solidFill>
+                <a:effectLst>
+                  <a:outerShdw blurRad="50800" dist="25400" dir="5400000" rotWithShape="0">
+                    <a:srgbClr val="000000"/>
+                  </a:outerShdw>
+                </a:effectLst>
+                <a:latin typeface="Helvetica Neue Medium"/>
+                <a:ea typeface="Helvetica Neue Medium"/>
+                <a:cs typeface="Helvetica Neue Medium"/>
+                <a:sym typeface="Helvetica Neue Medium"/>
+              </a:rPr>
+              <a:t>the </a:t>
+            </a:r>
+            <a:r>
+              <a:rPr sz="3400" dirty="0" smtClean="0">
+                <a:solidFill>
+                  <a:srgbClr val="EBEBEB"/>
+                </a:solidFill>
+                <a:effectLst>
+                  <a:outerShdw blurRad="50800" dist="25400" dir="5400000" rotWithShape="0">
+                    <a:srgbClr val="000000"/>
+                  </a:outerShdw>
+                </a:effectLst>
+                <a:latin typeface="Helvetica Neue Medium"/>
+                <a:ea typeface="Helvetica Neue Medium"/>
+                <a:cs typeface="Helvetica Neue Medium"/>
+                <a:sym typeface="Helvetica Neue Medium"/>
+              </a:rPr>
+              <a:t>candidates</a:t>
+            </a:r>
+            <a:endParaRPr sz="3400" dirty="0">
+              <a:solidFill>
+                <a:srgbClr val="EBEBEB"/>
+              </a:solidFill>
+              <a:effectLst>
+                <a:outerShdw blurRad="50800" dist="25400" dir="5400000" rotWithShape="0">
+                  <a:srgbClr val="000000"/>
+                </a:outerShdw>
+              </a:effectLst>
+              <a:latin typeface="Helvetica Neue Medium"/>
+              <a:ea typeface="Helvetica Neue Medium"/>
+              <a:cs typeface="Helvetica Neue Medium"/>
+              <a:sym typeface="Helvetica Neue Medium"/>
+            </a:endParaRPr>
           </a:p>
         </p:txBody>
       </p:sp>
@@ -4472,125 +4854,6 @@
 </p:sld>
 </file>
 
-<file path=ppt/slides/slide3.xml><?xml version="1.0" encoding="utf-8"?>
-<p:sld xmlns:a="http://schemas.openxmlformats.org/drawingml/2006/main" xmlns:r="http://schemas.openxmlformats.org/officeDocument/2006/relationships" xmlns:p="http://schemas.openxmlformats.org/presentationml/2006/main">
-  <p:cSld>
-    <p:spTree>
-      <p:nvGrpSpPr>
-        <p:cNvPr id="1" name=""/>
-        <p:cNvGrpSpPr/>
-        <p:nvPr/>
-      </p:nvGrpSpPr>
-      <p:grpSpPr>
-        <a:xfrm>
-          <a:off x="0" y="0"/>
-          <a:ext cx="0" cy="0"/>
-          <a:chOff x="0" y="0"/>
-          <a:chExt cx="0" cy="0"/>
-        </a:xfrm>
-      </p:grpSpPr>
-      <p:sp>
-        <p:nvSpPr>
-          <p:cNvPr id="40" name="Shape 40"/>
-          <p:cNvSpPr>
-            <a:spLocks noGrp="1"/>
-          </p:cNvSpPr>
-          <p:nvPr>
-            <p:ph type="title"/>
-          </p:nvPr>
-        </p:nvSpPr>
-        <p:spPr>
-          <a:xfrm>
-            <a:off x="762000" y="203200"/>
-            <a:ext cx="11480800" cy="2146300"/>
-          </a:xfrm>
-          <a:prstGeom prst="rect">
-            <a:avLst/>
-          </a:prstGeom>
-        </p:spPr>
-        <p:txBody>
-          <a:bodyPr/>
-          <a:lstStyle/>
-          <a:p>
-            <a:pPr lvl="0"/>
-            <a:endParaRPr/>
-          </a:p>
-        </p:txBody>
-      </p:sp>
-      <p:sp>
-        <p:nvSpPr>
-          <p:cNvPr id="41" name="Shape 41"/>
-          <p:cNvSpPr>
-            <a:spLocks noGrp="1"/>
-          </p:cNvSpPr>
-          <p:nvPr>
-            <p:ph type="body" idx="1"/>
-          </p:nvPr>
-        </p:nvSpPr>
-        <p:spPr>
-          <a:xfrm>
-            <a:off x="762000" y="2413000"/>
-            <a:ext cx="11480800" cy="6362700"/>
-          </a:xfrm>
-          <a:prstGeom prst="rect">
-            <a:avLst/>
-          </a:prstGeom>
-        </p:spPr>
-        <p:txBody>
-          <a:bodyPr/>
-          <a:lstStyle/>
-          <a:p>
-            <a:pPr lvl="0"/>
-            <a:endParaRPr/>
-          </a:p>
-        </p:txBody>
-      </p:sp>
-      <p:pic>
-        <p:nvPicPr>
-          <p:cNvPr id="42" name="image4.png"/>
-          <p:cNvPicPr/>
-          <p:nvPr/>
-        </p:nvPicPr>
-        <p:blipFill>
-          <a:blip r:embed="rId2">
-            <a:extLst/>
-          </a:blip>
-          <a:stretch>
-            <a:fillRect/>
-          </a:stretch>
-        </p:blipFill>
-        <p:spPr>
-          <a:xfrm>
-            <a:off x="0" y="-45197"/>
-            <a:ext cx="13004800" cy="8675594"/>
-          </a:xfrm>
-          <a:prstGeom prst="rect">
-            <a:avLst/>
-          </a:prstGeom>
-          <a:ln w="12700">
-            <a:miter lim="400000"/>
-          </a:ln>
-          <a:effectLst>
-            <a:reflection stA="50000" endPos="40000" dir="5400000" sy="-100000" algn="bl" rotWithShape="0"/>
-          </a:effectLst>
-        </p:spPr>
-      </p:pic>
-    </p:spTree>
-  </p:cSld>
-  <p:clrMapOvr>
-    <a:masterClrMapping/>
-  </p:clrMapOvr>
-  <p:transition xmlns:p14="http://schemas.microsoft.com/office/powerpoint/2010/main" spd="med"/>
-  <p:timing>
-    <p:tnLst>
-      <p:par>
-        <p:cTn xmlns:p14="http://schemas.microsoft.com/office/powerpoint/2010/main" id="1" dur="indefinite" restart="never" nodeType="tmRoot"/>
-      </p:par>
-    </p:tnLst>
-  </p:timing>
-</p:sld>
-</file>
-
 <file path=ppt/slides/slide4.xml><?xml version="1.0" encoding="utf-8"?>
 <p:sld xmlns:a="http://schemas.openxmlformats.org/drawingml/2006/main" xmlns:r="http://schemas.openxmlformats.org/officeDocument/2006/relationships" xmlns:p="http://schemas.openxmlformats.org/presentationml/2006/main">
   <p:cSld>
@@ -4737,7 +5000,7 @@
         </p:nvSpPr>
         <p:spPr>
           <a:xfrm>
-            <a:off x="967500" y="184572"/>
+            <a:off x="819063" y="184572"/>
             <a:ext cx="11531605" cy="941934"/>
           </a:xfrm>
           <a:prstGeom prst="rect">
@@ -4767,7 +5030,7 @@
               </a:defRPr>
             </a:pPr>
             <a:r>
-              <a:rPr sz="5400" b="1">
+              <a:rPr sz="5400" b="1" dirty="0">
                 <a:solidFill>
                   <a:srgbClr val="FFFFFF"/>
                 </a:solidFill>

--- a/data/nyt_summarizer_10_09_1.pptx
+++ b/data/nyt_summarizer_10_09_1.pptx
@@ -2,186 +2,158 @@
 <file path=ppt/presentation.xml><?xml version="1.0" encoding="utf-8"?>
 <p:presentation xmlns:a="http://schemas.openxmlformats.org/drawingml/2006/main" xmlns:r="http://schemas.openxmlformats.org/officeDocument/2006/relationships" xmlns:p="http://schemas.openxmlformats.org/presentationml/2006/main">
   <p:sldMasterIdLst>
-    <p:sldMasterId id="2147483648" r:id="rId1"/>
+    <p:sldMasterId id="2147483648" r:id="rId5"/>
   </p:sldMasterIdLst>
   <p:notesMasterIdLst>
-    <p:notesMasterId r:id="rId16"/>
+    <p:notesMasterId r:id="rId7"/>
   </p:notesMasterIdLst>
   <p:sldIdLst>
-    <p:sldId id="256" r:id="rId2"/>
-    <p:sldId id="257" r:id="rId3"/>
-    <p:sldId id="258" r:id="rId4"/>
-    <p:sldId id="259" r:id="rId5"/>
-    <p:sldId id="260" r:id="rId6"/>
-    <p:sldId id="261" r:id="rId7"/>
-    <p:sldId id="262" r:id="rId8"/>
-    <p:sldId id="263" r:id="rId9"/>
-    <p:sldId id="264" r:id="rId10"/>
-    <p:sldId id="265" r:id="rId11"/>
-    <p:sldId id="266" r:id="rId12"/>
-    <p:sldId id="267" r:id="rId13"/>
-    <p:sldId id="268" r:id="rId14"/>
-    <p:sldId id="269" r:id="rId15"/>
+    <p:sldId id="256" r:id="rId8"/>
+    <p:sldId id="257" r:id="rId9"/>
+    <p:sldId id="258" r:id="rId10"/>
+    <p:sldId id="259" r:id="rId11"/>
+    <p:sldId id="260" r:id="rId12"/>
+    <p:sldId id="261" r:id="rId13"/>
+    <p:sldId id="262" r:id="rId14"/>
+    <p:sldId id="263" r:id="rId15"/>
+    <p:sldId id="264" r:id="rId16"/>
+    <p:sldId id="265" r:id="rId17"/>
+    <p:sldId id="266" r:id="rId18"/>
+    <p:sldId id="267" r:id="rId19"/>
+    <p:sldId id="268" r:id="rId20"/>
+    <p:sldId id="269" r:id="rId21"/>
   </p:sldIdLst>
   <p:sldSz cx="13004800" cy="9753600"/>
   <p:notesSz cx="6858000" cy="9144000"/>
   <p:defaultTextStyle>
     <a:lvl1pPr algn="ctr" defTabSz="584200">
       <a:defRPr sz="3800">
-        <a:solidFill>
-          <a:srgbClr val="EBEBEB"/>
-        </a:solidFill>
         <a:effectLst>
-          <a:outerShdw blurRad="50800" dist="25400" dir="5400000" rotWithShape="0">
+          <a:outerShdw sx="100000" sy="100000" kx="0" ky="0" algn="b" rotWithShape="0" blurRad="50800" dist="25400" dir="5400000">
             <a:srgbClr val="000000"/>
           </a:outerShdw>
         </a:effectLst>
-        <a:latin typeface="+mj-lt"/>
-        <a:ea typeface="+mj-ea"/>
-        <a:cs typeface="+mj-cs"/>
-        <a:sym typeface="Helvetica Neue"/>
+        <a:latin typeface="+mn-lt"/>
+        <a:ea typeface="+mn-ea"/>
+        <a:cs typeface="+mn-cs"/>
+        <a:sym typeface="Helvetica"/>
       </a:defRPr>
     </a:lvl1pPr>
     <a:lvl2pPr algn="ctr" defTabSz="584200">
       <a:defRPr sz="3800">
-        <a:solidFill>
-          <a:srgbClr val="EBEBEB"/>
-        </a:solidFill>
         <a:effectLst>
-          <a:outerShdw blurRad="50800" dist="25400" dir="5400000" rotWithShape="0">
+          <a:outerShdw sx="100000" sy="100000" kx="0" ky="0" algn="b" rotWithShape="0" blurRad="50800" dist="25400" dir="5400000">
             <a:srgbClr val="000000"/>
           </a:outerShdw>
         </a:effectLst>
-        <a:latin typeface="+mj-lt"/>
-        <a:ea typeface="+mj-ea"/>
-        <a:cs typeface="+mj-cs"/>
-        <a:sym typeface="Helvetica Neue"/>
+        <a:latin typeface="+mn-lt"/>
+        <a:ea typeface="+mn-ea"/>
+        <a:cs typeface="+mn-cs"/>
+        <a:sym typeface="Helvetica"/>
       </a:defRPr>
     </a:lvl2pPr>
     <a:lvl3pPr algn="ctr" defTabSz="584200">
       <a:defRPr sz="3800">
-        <a:solidFill>
-          <a:srgbClr val="EBEBEB"/>
-        </a:solidFill>
         <a:effectLst>
-          <a:outerShdw blurRad="50800" dist="25400" dir="5400000" rotWithShape="0">
+          <a:outerShdw sx="100000" sy="100000" kx="0" ky="0" algn="b" rotWithShape="0" blurRad="50800" dist="25400" dir="5400000">
             <a:srgbClr val="000000"/>
           </a:outerShdw>
         </a:effectLst>
-        <a:latin typeface="+mj-lt"/>
-        <a:ea typeface="+mj-ea"/>
-        <a:cs typeface="+mj-cs"/>
-        <a:sym typeface="Helvetica Neue"/>
+        <a:latin typeface="+mn-lt"/>
+        <a:ea typeface="+mn-ea"/>
+        <a:cs typeface="+mn-cs"/>
+        <a:sym typeface="Helvetica"/>
       </a:defRPr>
     </a:lvl3pPr>
     <a:lvl4pPr algn="ctr" defTabSz="584200">
       <a:defRPr sz="3800">
-        <a:solidFill>
-          <a:srgbClr val="EBEBEB"/>
-        </a:solidFill>
         <a:effectLst>
-          <a:outerShdw blurRad="50800" dist="25400" dir="5400000" rotWithShape="0">
+          <a:outerShdw sx="100000" sy="100000" kx="0" ky="0" algn="b" rotWithShape="0" blurRad="50800" dist="25400" dir="5400000">
             <a:srgbClr val="000000"/>
           </a:outerShdw>
         </a:effectLst>
-        <a:latin typeface="+mj-lt"/>
-        <a:ea typeface="+mj-ea"/>
-        <a:cs typeface="+mj-cs"/>
-        <a:sym typeface="Helvetica Neue"/>
+        <a:latin typeface="+mn-lt"/>
+        <a:ea typeface="+mn-ea"/>
+        <a:cs typeface="+mn-cs"/>
+        <a:sym typeface="Helvetica"/>
       </a:defRPr>
     </a:lvl4pPr>
     <a:lvl5pPr algn="ctr" defTabSz="584200">
       <a:defRPr sz="3800">
-        <a:solidFill>
-          <a:srgbClr val="EBEBEB"/>
-        </a:solidFill>
         <a:effectLst>
-          <a:outerShdw blurRad="50800" dist="25400" dir="5400000" rotWithShape="0">
+          <a:outerShdw sx="100000" sy="100000" kx="0" ky="0" algn="b" rotWithShape="0" blurRad="50800" dist="25400" dir="5400000">
             <a:srgbClr val="000000"/>
           </a:outerShdw>
         </a:effectLst>
-        <a:latin typeface="+mj-lt"/>
-        <a:ea typeface="+mj-ea"/>
-        <a:cs typeface="+mj-cs"/>
-        <a:sym typeface="Helvetica Neue"/>
+        <a:latin typeface="+mn-lt"/>
+        <a:ea typeface="+mn-ea"/>
+        <a:cs typeface="+mn-cs"/>
+        <a:sym typeface="Helvetica"/>
       </a:defRPr>
     </a:lvl5pPr>
     <a:lvl6pPr algn="ctr" defTabSz="584200">
       <a:defRPr sz="3800">
-        <a:solidFill>
-          <a:srgbClr val="EBEBEB"/>
-        </a:solidFill>
         <a:effectLst>
-          <a:outerShdw blurRad="50800" dist="25400" dir="5400000" rotWithShape="0">
+          <a:outerShdw sx="100000" sy="100000" kx="0" ky="0" algn="b" rotWithShape="0" blurRad="50800" dist="25400" dir="5400000">
             <a:srgbClr val="000000"/>
           </a:outerShdw>
         </a:effectLst>
-        <a:latin typeface="+mj-lt"/>
-        <a:ea typeface="+mj-ea"/>
-        <a:cs typeface="+mj-cs"/>
-        <a:sym typeface="Helvetica Neue"/>
+        <a:latin typeface="+mn-lt"/>
+        <a:ea typeface="+mn-ea"/>
+        <a:cs typeface="+mn-cs"/>
+        <a:sym typeface="Helvetica"/>
       </a:defRPr>
     </a:lvl6pPr>
     <a:lvl7pPr algn="ctr" defTabSz="584200">
       <a:defRPr sz="3800">
-        <a:solidFill>
-          <a:srgbClr val="EBEBEB"/>
-        </a:solidFill>
         <a:effectLst>
-          <a:outerShdw blurRad="50800" dist="25400" dir="5400000" rotWithShape="0">
+          <a:outerShdw sx="100000" sy="100000" kx="0" ky="0" algn="b" rotWithShape="0" blurRad="50800" dist="25400" dir="5400000">
             <a:srgbClr val="000000"/>
           </a:outerShdw>
         </a:effectLst>
-        <a:latin typeface="+mj-lt"/>
-        <a:ea typeface="+mj-ea"/>
-        <a:cs typeface="+mj-cs"/>
-        <a:sym typeface="Helvetica Neue"/>
+        <a:latin typeface="+mn-lt"/>
+        <a:ea typeface="+mn-ea"/>
+        <a:cs typeface="+mn-cs"/>
+        <a:sym typeface="Helvetica"/>
       </a:defRPr>
     </a:lvl7pPr>
     <a:lvl8pPr algn="ctr" defTabSz="584200">
       <a:defRPr sz="3800">
-        <a:solidFill>
-          <a:srgbClr val="EBEBEB"/>
-        </a:solidFill>
         <a:effectLst>
-          <a:outerShdw blurRad="50800" dist="25400" dir="5400000" rotWithShape="0">
+          <a:outerShdw sx="100000" sy="100000" kx="0" ky="0" algn="b" rotWithShape="0" blurRad="50800" dist="25400" dir="5400000">
             <a:srgbClr val="000000"/>
           </a:outerShdw>
         </a:effectLst>
-        <a:latin typeface="+mj-lt"/>
-        <a:ea typeface="+mj-ea"/>
-        <a:cs typeface="+mj-cs"/>
-        <a:sym typeface="Helvetica Neue"/>
+        <a:latin typeface="+mn-lt"/>
+        <a:ea typeface="+mn-ea"/>
+        <a:cs typeface="+mn-cs"/>
+        <a:sym typeface="Helvetica"/>
       </a:defRPr>
     </a:lvl8pPr>
     <a:lvl9pPr algn="ctr" defTabSz="584200">
       <a:defRPr sz="3800">
-        <a:solidFill>
-          <a:srgbClr val="EBEBEB"/>
-        </a:solidFill>
         <a:effectLst>
-          <a:outerShdw blurRad="50800" dist="25400" dir="5400000" rotWithShape="0">
+          <a:outerShdw sx="100000" sy="100000" kx="0" ky="0" algn="b" rotWithShape="0" blurRad="50800" dist="25400" dir="5400000">
             <a:srgbClr val="000000"/>
           </a:outerShdw>
         </a:effectLst>
-        <a:latin typeface="+mj-lt"/>
-        <a:ea typeface="+mj-ea"/>
-        <a:cs typeface="+mj-cs"/>
-        <a:sym typeface="Helvetica Neue"/>
+        <a:latin typeface="+mn-lt"/>
+        <a:ea typeface="+mn-ea"/>
+        <a:cs typeface="+mn-cs"/>
+        <a:sym typeface="Helvetica"/>
       </a:defRPr>
     </a:lvl9pPr>
   </p:defaultTextStyle>
 </p:presentation>
 </file>
 
+<file path=ppt/commentAuthors.xml><?xml version="1.0" encoding="utf-8"?>
+<p:cmAuthorLst xmlns:a="http://schemas.openxmlformats.org/drawingml/2006/main" xmlns:r="http://schemas.openxmlformats.org/officeDocument/2006/relationships" xmlns:p="http://schemas.openxmlformats.org/presentationml/2006/main"/>
+</file>
+
 <file path=ppt/notesMasters/notesMaster1.xml><?xml version="1.0" encoding="utf-8"?>
 <p:notesMaster xmlns:a="http://schemas.openxmlformats.org/drawingml/2006/main" xmlns:r="http://schemas.openxmlformats.org/officeDocument/2006/relationships" xmlns:p="http://schemas.openxmlformats.org/presentationml/2006/main">
   <p:cSld>
-    <p:bg>
-      <p:bgRef idx="1001">
-        <a:schemeClr val="bg1"/>
-      </p:bgRef>
-    </p:bg>
     <p:spTree>
       <p:nvGrpSpPr>
         <p:cNvPr id="1" name=""/>
@@ -199,9 +171,7 @@
       <p:sp>
         <p:nvSpPr>
           <p:cNvPr id="28" name="Shape 28"/>
-          <p:cNvSpPr>
-            <a:spLocks noGrp="1" noRot="1" noChangeAspect="1"/>
-          </p:cNvSpPr>
+          <p:cNvSpPr/>
           <p:nvPr>
             <p:ph type="sldImg"/>
           </p:nvPr>
@@ -220,16 +190,13 @@
           <a:lstStyle/>
           <a:p>
             <a:pPr lvl="0"/>
-            <a:endParaRPr/>
           </a:p>
         </p:txBody>
       </p:sp>
       <p:sp>
         <p:nvSpPr>
           <p:cNvPr id="29" name="Shape 29"/>
-          <p:cNvSpPr>
-            <a:spLocks noGrp="1"/>
-          </p:cNvSpPr>
+          <p:cNvSpPr/>
           <p:nvPr>
             <p:ph type="body" sz="quarter" idx="1"/>
           </p:nvPr>
@@ -248,16 +215,10 @@
           <a:lstStyle/>
           <a:p>
             <a:pPr lvl="0"/>
-            <a:endParaRPr/>
           </a:p>
         </p:txBody>
       </p:sp>
     </p:spTree>
-    <p:extLst>
-      <p:ext uri="{BB962C8B-B14F-4D97-AF65-F5344CB8AC3E}">
-        <p14:creationId xmlns:p14="http://schemas.microsoft.com/office/powerpoint/2010/main" val="1571226755"/>
-      </p:ext>
-    </p:extLst>
   </p:cSld>
   <p:clrMap bg1="lt1" tx1="dk1" bg2="lt2" tx2="dk2" accent1="accent1" accent2="accent2" accent3="accent3" accent4="accent4" accent5="accent5" accent6="accent6" hlink="hlink" folHlink="folHlink"/>
   <p:notesStyle>
@@ -365,7 +326,7 @@
 </file>
 
 <file path=ppt/notesSlides/notesSlide1.xml><?xml version="1.0" encoding="utf-8"?>
-<p:notes xmlns:a="http://schemas.openxmlformats.org/drawingml/2006/main" xmlns:r="http://schemas.openxmlformats.org/officeDocument/2006/relationships" xmlns:p="http://schemas.openxmlformats.org/presentationml/2006/main">
+<p:notes xmlns:a="http://schemas.openxmlformats.org/drawingml/2006/main" xmlns:r="http://schemas.openxmlformats.org/officeDocument/2006/relationships" xmlns:p="http://schemas.openxmlformats.org/presentationml/2006/main" showMasterSp="1" showMasterPhAnim="1">
   <p:cSld>
     <p:spTree>
       <p:nvGrpSpPr>
@@ -383,10 +344,8 @@
       </p:grpSpPr>
       <p:sp>
         <p:nvSpPr>
-          <p:cNvPr id="92" name="Shape 92"/>
-          <p:cNvSpPr>
-            <a:spLocks noGrp="1" noRot="1" noChangeAspect="1"/>
-          </p:cNvSpPr>
+          <p:cNvPr id="94" name="Shape 94"/>
+          <p:cNvSpPr/>
           <p:nvPr>
             <p:ph type="sldImg"/>
           </p:nvPr>
@@ -401,16 +360,13 @@
           <a:lstStyle/>
           <a:p>
             <a:pPr lvl="0"/>
-            <a:endParaRPr/>
           </a:p>
         </p:txBody>
       </p:sp>
       <p:sp>
         <p:nvSpPr>
-          <p:cNvPr id="93" name="Shape 93"/>
-          <p:cNvSpPr>
-            <a:spLocks noGrp="1"/>
-          </p:cNvSpPr>
+          <p:cNvPr id="95" name="Shape 95"/>
+          <p:cNvSpPr/>
           <p:nvPr>
             <p:ph type="body" sz="quarter" idx="1"/>
           </p:nvPr>
@@ -449,7 +405,7 @@
 </file>
 
 <file path=ppt/notesSlides/notesSlide2.xml><?xml version="1.0" encoding="utf-8"?>
-<p:notes xmlns:a="http://schemas.openxmlformats.org/drawingml/2006/main" xmlns:r="http://schemas.openxmlformats.org/officeDocument/2006/relationships" xmlns:p="http://schemas.openxmlformats.org/presentationml/2006/main">
+<p:notes xmlns:a="http://schemas.openxmlformats.org/drawingml/2006/main" xmlns:r="http://schemas.openxmlformats.org/officeDocument/2006/relationships" xmlns:p="http://schemas.openxmlformats.org/presentationml/2006/main" showMasterSp="1" showMasterPhAnim="1">
   <p:cSld>
     <p:spTree>
       <p:nvGrpSpPr>
@@ -467,10 +423,8 @@
       </p:grpSpPr>
       <p:sp>
         <p:nvSpPr>
-          <p:cNvPr id="97" name="Shape 97"/>
-          <p:cNvSpPr>
-            <a:spLocks noGrp="1" noRot="1" noChangeAspect="1"/>
-          </p:cNvSpPr>
+          <p:cNvPr id="99" name="Shape 99"/>
+          <p:cNvSpPr/>
           <p:nvPr>
             <p:ph type="sldImg"/>
           </p:nvPr>
@@ -485,16 +439,13 @@
           <a:lstStyle/>
           <a:p>
             <a:pPr lvl="0"/>
-            <a:endParaRPr/>
           </a:p>
         </p:txBody>
       </p:sp>
       <p:sp>
         <p:nvSpPr>
-          <p:cNvPr id="98" name="Shape 98"/>
-          <p:cNvSpPr>
-            <a:spLocks noGrp="1"/>
-          </p:cNvSpPr>
+          <p:cNvPr id="100" name="Shape 100"/>
+          <p:cNvSpPr/>
           <p:nvPr>
             <p:ph type="body" sz="quarter" idx="1"/>
           </p:nvPr>
@@ -533,7 +484,7 @@
 </file>
 
 <file path=ppt/slideLayouts/slideLayout1.xml><?xml version="1.0" encoding="utf-8"?>
-<p:sldLayout xmlns:a="http://schemas.openxmlformats.org/drawingml/2006/main" xmlns:r="http://schemas.openxmlformats.org/officeDocument/2006/relationships" xmlns:p="http://schemas.openxmlformats.org/presentationml/2006/main" showMasterSp="0" type="tx">
+<p:sldLayout xmlns:a="http://schemas.openxmlformats.org/drawingml/2006/main" xmlns:r="http://schemas.openxmlformats.org/officeDocument/2006/relationships" xmlns:p="http://schemas.openxmlformats.org/presentationml/2006/main" type="tx" showMasterSp="0" showMasterPhAnim="1">
   <p:cSld name="Title &amp; Subtitle">
     <p:spTree>
       <p:nvGrpSpPr>
@@ -552,9 +503,7 @@
       <p:sp>
         <p:nvSpPr>
           <p:cNvPr id="6" name="Shape 6"/>
-          <p:cNvSpPr>
-            <a:spLocks noGrp="1"/>
-          </p:cNvSpPr>
+          <p:cNvSpPr/>
           <p:nvPr>
             <p:ph type="title"/>
           </p:nvPr>
@@ -573,7 +522,7 @@
           <a:lstStyle/>
           <a:p>
             <a:pPr lvl="0">
-              <a:defRPr sz="1800" b="0">
+              <a:defRPr b="0" sz="1800">
                 <a:solidFill>
                   <a:srgbClr val="000000"/>
                 </a:solidFill>
@@ -581,12 +530,12 @@
               </a:defRPr>
             </a:pPr>
             <a:r>
-              <a:rPr sz="6400" b="1">
+              <a:rPr b="1" sz="6400">
                 <a:solidFill>
                   <a:srgbClr val="FFFFFF"/>
                 </a:solidFill>
                 <a:effectLst>
-                  <a:outerShdw blurRad="50800" dist="25400" dir="5400000" rotWithShape="0">
+                  <a:outerShdw sx="100000" sy="100000" kx="0" ky="0" algn="b" rotWithShape="0" blurRad="50800" dist="25400" dir="5400000">
                     <a:srgbClr val="000000"/>
                   </a:outerShdw>
                 </a:effectLst>
@@ -599,9 +548,7 @@
       <p:sp>
         <p:nvSpPr>
           <p:cNvPr id="7" name="Shape 7"/>
-          <p:cNvSpPr>
-            <a:spLocks noGrp="1"/>
-          </p:cNvSpPr>
+          <p:cNvSpPr/>
           <p:nvPr>
             <p:ph type="body" idx="1"/>
           </p:nvPr>
@@ -694,13 +641,23 @@
                   <a:srgbClr val="FFFFFF"/>
                 </a:solidFill>
                 <a:effectLst>
-                  <a:outerShdw blurRad="50800" dist="25400" dir="5400000" rotWithShape="0">
+                  <a:outerShdw sx="100000" sy="100000" kx="0" ky="0" algn="b" rotWithShape="0" blurRad="50800" dist="25400" dir="5400000">
                     <a:srgbClr val="000000"/>
                   </a:outerShdw>
                 </a:effectLst>
               </a:rPr>
               <a:t>Body Level One</a:t>
             </a:r>
+            <a:endParaRPr sz="2400">
+              <a:solidFill>
+                <a:srgbClr val="FFFFFF"/>
+              </a:solidFill>
+              <a:effectLst>
+                <a:outerShdw sx="100000" sy="100000" kx="0" ky="0" algn="b" rotWithShape="0" blurRad="50800" dist="25400" dir="5400000">
+                  <a:srgbClr val="000000"/>
+                </a:outerShdw>
+              </a:effectLst>
+            </a:endParaRPr>
           </a:p>
           <a:p>
             <a:pPr lvl="1">
@@ -717,13 +674,23 @@
                   <a:srgbClr val="FFFFFF"/>
                 </a:solidFill>
                 <a:effectLst>
-                  <a:outerShdw blurRad="50800" dist="25400" dir="5400000" rotWithShape="0">
+                  <a:outerShdw sx="100000" sy="100000" kx="0" ky="0" algn="b" rotWithShape="0" blurRad="50800" dist="25400" dir="5400000">
                     <a:srgbClr val="000000"/>
                   </a:outerShdw>
                 </a:effectLst>
               </a:rPr>
               <a:t>Body Level Two</a:t>
             </a:r>
+            <a:endParaRPr sz="2400">
+              <a:solidFill>
+                <a:srgbClr val="FFFFFF"/>
+              </a:solidFill>
+              <a:effectLst>
+                <a:outerShdw sx="100000" sy="100000" kx="0" ky="0" algn="b" rotWithShape="0" blurRad="50800" dist="25400" dir="5400000">
+                  <a:srgbClr val="000000"/>
+                </a:outerShdw>
+              </a:effectLst>
+            </a:endParaRPr>
           </a:p>
           <a:p>
             <a:pPr lvl="2">
@@ -740,13 +707,23 @@
                   <a:srgbClr val="FFFFFF"/>
                 </a:solidFill>
                 <a:effectLst>
-                  <a:outerShdw blurRad="50800" dist="25400" dir="5400000" rotWithShape="0">
+                  <a:outerShdw sx="100000" sy="100000" kx="0" ky="0" algn="b" rotWithShape="0" blurRad="50800" dist="25400" dir="5400000">
                     <a:srgbClr val="000000"/>
                   </a:outerShdw>
                 </a:effectLst>
               </a:rPr>
               <a:t>Body Level Three</a:t>
             </a:r>
+            <a:endParaRPr sz="2400">
+              <a:solidFill>
+                <a:srgbClr val="FFFFFF"/>
+              </a:solidFill>
+              <a:effectLst>
+                <a:outerShdw sx="100000" sy="100000" kx="0" ky="0" algn="b" rotWithShape="0" blurRad="50800" dist="25400" dir="5400000">
+                  <a:srgbClr val="000000"/>
+                </a:outerShdw>
+              </a:effectLst>
+            </a:endParaRPr>
           </a:p>
           <a:p>
             <a:pPr lvl="3">
@@ -763,13 +740,23 @@
                   <a:srgbClr val="FFFFFF"/>
                 </a:solidFill>
                 <a:effectLst>
-                  <a:outerShdw blurRad="50800" dist="25400" dir="5400000" rotWithShape="0">
+                  <a:outerShdw sx="100000" sy="100000" kx="0" ky="0" algn="b" rotWithShape="0" blurRad="50800" dist="25400" dir="5400000">
                     <a:srgbClr val="000000"/>
                   </a:outerShdw>
                 </a:effectLst>
               </a:rPr>
               <a:t>Body Level Four</a:t>
             </a:r>
+            <a:endParaRPr sz="2400">
+              <a:solidFill>
+                <a:srgbClr val="FFFFFF"/>
+              </a:solidFill>
+              <a:effectLst>
+                <a:outerShdw sx="100000" sy="100000" kx="0" ky="0" algn="b" rotWithShape="0" blurRad="50800" dist="25400" dir="5400000">
+                  <a:srgbClr val="000000"/>
+                </a:outerShdw>
+              </a:effectLst>
+            </a:endParaRPr>
           </a:p>
           <a:p>
             <a:pPr lvl="4">
@@ -786,7 +773,7 @@
                   <a:srgbClr val="FFFFFF"/>
                 </a:solidFill>
                 <a:effectLst>
-                  <a:outerShdw blurRad="50800" dist="25400" dir="5400000" rotWithShape="0">
+                  <a:outerShdw sx="100000" sy="100000" kx="0" ky="0" algn="b" rotWithShape="0" blurRad="50800" dist="25400" dir="5400000">
                     <a:srgbClr val="000000"/>
                   </a:outerShdw>
                 </a:effectLst>
@@ -828,12 +815,12 @@
   <p:clrMapOvr>
     <a:masterClrMapping/>
   </p:clrMapOvr>
-  <p:transition xmlns:p14="http://schemas.microsoft.com/office/powerpoint/2010/main" spd="med"/>
+  <p:transition spd="med" advClick="1"/>
 </p:sldLayout>
 </file>
 
 <file path=ppt/slideLayouts/slideLayout10.xml><?xml version="1.0" encoding="utf-8"?>
-<p:sldLayout xmlns:a="http://schemas.openxmlformats.org/drawingml/2006/main" xmlns:r="http://schemas.openxmlformats.org/officeDocument/2006/relationships" xmlns:p="http://schemas.openxmlformats.org/presentationml/2006/main" showMasterSp="0" type="tx">
+<p:sldLayout xmlns:a="http://schemas.openxmlformats.org/drawingml/2006/main" xmlns:r="http://schemas.openxmlformats.org/officeDocument/2006/relationships" xmlns:p="http://schemas.openxmlformats.org/presentationml/2006/main" type="tx" showMasterSp="0" showMasterPhAnim="1">
   <p:cSld name="Photo">
     <p:spTree>
       <p:nvGrpSpPr>
@@ -854,12 +841,12 @@
   <p:clrMapOvr>
     <a:masterClrMapping/>
   </p:clrMapOvr>
-  <p:transition xmlns:p14="http://schemas.microsoft.com/office/powerpoint/2010/main" spd="med"/>
+  <p:transition spd="med" advClick="1"/>
 </p:sldLayout>
 </file>
 
 <file path=ppt/slideLayouts/slideLayout11.xml><?xml version="1.0" encoding="utf-8"?>
-<p:sldLayout xmlns:a="http://schemas.openxmlformats.org/drawingml/2006/main" xmlns:r="http://schemas.openxmlformats.org/officeDocument/2006/relationships" xmlns:p="http://schemas.openxmlformats.org/presentationml/2006/main" showMasterSp="0" type="tx">
+<p:sldLayout xmlns:a="http://schemas.openxmlformats.org/drawingml/2006/main" xmlns:r="http://schemas.openxmlformats.org/officeDocument/2006/relationships" xmlns:p="http://schemas.openxmlformats.org/presentationml/2006/main" type="tx" showMasterSp="0" showMasterPhAnim="1">
   <p:cSld name="Blank">
     <p:spTree>
       <p:nvGrpSpPr>
@@ -880,12 +867,12 @@
   <p:clrMapOvr>
     <a:masterClrMapping/>
   </p:clrMapOvr>
-  <p:transition xmlns:p14="http://schemas.microsoft.com/office/powerpoint/2010/main" spd="med"/>
+  <p:transition spd="med" advClick="1"/>
 </p:sldLayout>
 </file>
 
 <file path=ppt/slideLayouts/slideLayout2.xml><?xml version="1.0" encoding="utf-8"?>
-<p:sldLayout xmlns:a="http://schemas.openxmlformats.org/drawingml/2006/main" xmlns:r="http://schemas.openxmlformats.org/officeDocument/2006/relationships" xmlns:p="http://schemas.openxmlformats.org/presentationml/2006/main" showMasterSp="0" type="tx">
+<p:sldLayout xmlns:a="http://schemas.openxmlformats.org/drawingml/2006/main" xmlns:r="http://schemas.openxmlformats.org/officeDocument/2006/relationships" xmlns:p="http://schemas.openxmlformats.org/presentationml/2006/main" type="tx" showMasterSp="0" showMasterPhAnim="1">
   <p:cSld name="Title - Center">
     <p:spTree>
       <p:nvGrpSpPr>
@@ -904,9 +891,7 @@
       <p:sp>
         <p:nvSpPr>
           <p:cNvPr id="10" name="Shape 10"/>
-          <p:cNvSpPr>
-            <a:spLocks noGrp="1"/>
-          </p:cNvSpPr>
+          <p:cNvSpPr/>
           <p:nvPr>
             <p:ph type="title"/>
           </p:nvPr>
@@ -925,7 +910,7 @@
           <a:lstStyle/>
           <a:p>
             <a:pPr lvl="0">
-              <a:defRPr sz="1800" b="0">
+              <a:defRPr b="0" sz="1800">
                 <a:solidFill>
                   <a:srgbClr val="000000"/>
                 </a:solidFill>
@@ -933,12 +918,12 @@
               </a:defRPr>
             </a:pPr>
             <a:r>
-              <a:rPr sz="6400" b="1">
+              <a:rPr b="1" sz="6400">
                 <a:solidFill>
                   <a:srgbClr val="FFFFFF"/>
                 </a:solidFill>
                 <a:effectLst>
-                  <a:outerShdw blurRad="50800" dist="25400" dir="5400000" rotWithShape="0">
+                  <a:outerShdw sx="100000" sy="100000" kx="0" ky="0" algn="b" rotWithShape="0" blurRad="50800" dist="25400" dir="5400000">
                     <a:srgbClr val="000000"/>
                   </a:outerShdw>
                 </a:effectLst>
@@ -953,12 +938,12 @@
   <p:clrMapOvr>
     <a:masterClrMapping/>
   </p:clrMapOvr>
-  <p:transition xmlns:p14="http://schemas.microsoft.com/office/powerpoint/2010/main" spd="med"/>
+  <p:transition spd="med" advClick="1"/>
 </p:sldLayout>
 </file>
 
 <file path=ppt/slideLayouts/slideLayout3.xml><?xml version="1.0" encoding="utf-8"?>
-<p:sldLayout xmlns:a="http://schemas.openxmlformats.org/drawingml/2006/main" xmlns:r="http://schemas.openxmlformats.org/officeDocument/2006/relationships" xmlns:p="http://schemas.openxmlformats.org/presentationml/2006/main" showMasterSp="0" type="tx">
+<p:sldLayout xmlns:a="http://schemas.openxmlformats.org/drawingml/2006/main" xmlns:r="http://schemas.openxmlformats.org/officeDocument/2006/relationships" xmlns:p="http://schemas.openxmlformats.org/presentationml/2006/main" type="tx" showMasterSp="0" showMasterPhAnim="1">
   <p:cSld name="Photo - Vertical">
     <p:spTree>
       <p:nvGrpSpPr>
@@ -977,9 +962,7 @@
       <p:sp>
         <p:nvSpPr>
           <p:cNvPr id="12" name="Shape 12"/>
-          <p:cNvSpPr>
-            <a:spLocks noGrp="1"/>
-          </p:cNvSpPr>
+          <p:cNvSpPr/>
           <p:nvPr>
             <p:ph type="title"/>
           </p:nvPr>
@@ -1002,7 +985,7 @@
           </a:lstStyle>
           <a:p>
             <a:pPr lvl="0">
-              <a:defRPr sz="1800" b="0">
+              <a:defRPr b="0" sz="1800">
                 <a:solidFill>
                   <a:srgbClr val="000000"/>
                 </a:solidFill>
@@ -1010,12 +993,12 @@
               </a:defRPr>
             </a:pPr>
             <a:r>
-              <a:rPr sz="5200" b="1">
+              <a:rPr b="1" sz="5200">
                 <a:solidFill>
                   <a:srgbClr val="FFFFFF"/>
                 </a:solidFill>
                 <a:effectLst>
-                  <a:outerShdw blurRad="50800" dist="25400" dir="5400000" rotWithShape="0">
+                  <a:outerShdw sx="100000" sy="100000" kx="0" ky="0" algn="b" rotWithShape="0" blurRad="50800" dist="25400" dir="5400000">
                     <a:srgbClr val="000000"/>
                   </a:outerShdw>
                 </a:effectLst>
@@ -1028,9 +1011,7 @@
       <p:sp>
         <p:nvSpPr>
           <p:cNvPr id="13" name="Shape 13"/>
-          <p:cNvSpPr>
-            <a:spLocks noGrp="1"/>
-          </p:cNvSpPr>
+          <p:cNvSpPr/>
           <p:nvPr>
             <p:ph type="body" idx="1"/>
           </p:nvPr>
@@ -1123,13 +1104,23 @@
                   <a:srgbClr val="FFFFFF"/>
                 </a:solidFill>
                 <a:effectLst>
-                  <a:outerShdw blurRad="50800" dist="25400" dir="5400000" rotWithShape="0">
+                  <a:outerShdw sx="100000" sy="100000" kx="0" ky="0" algn="b" rotWithShape="0" blurRad="50800" dist="25400" dir="5400000">
                     <a:srgbClr val="000000"/>
                   </a:outerShdw>
                 </a:effectLst>
               </a:rPr>
               <a:t>Body Level One</a:t>
             </a:r>
+            <a:endParaRPr sz="2400">
+              <a:solidFill>
+                <a:srgbClr val="FFFFFF"/>
+              </a:solidFill>
+              <a:effectLst>
+                <a:outerShdw sx="100000" sy="100000" kx="0" ky="0" algn="b" rotWithShape="0" blurRad="50800" dist="25400" dir="5400000">
+                  <a:srgbClr val="000000"/>
+                </a:outerShdw>
+              </a:effectLst>
+            </a:endParaRPr>
           </a:p>
           <a:p>
             <a:pPr lvl="1">
@@ -1146,13 +1137,23 @@
                   <a:srgbClr val="FFFFFF"/>
                 </a:solidFill>
                 <a:effectLst>
-                  <a:outerShdw blurRad="50800" dist="25400" dir="5400000" rotWithShape="0">
+                  <a:outerShdw sx="100000" sy="100000" kx="0" ky="0" algn="b" rotWithShape="0" blurRad="50800" dist="25400" dir="5400000">
                     <a:srgbClr val="000000"/>
                   </a:outerShdw>
                 </a:effectLst>
               </a:rPr>
               <a:t>Body Level Two</a:t>
             </a:r>
+            <a:endParaRPr sz="2400">
+              <a:solidFill>
+                <a:srgbClr val="FFFFFF"/>
+              </a:solidFill>
+              <a:effectLst>
+                <a:outerShdw sx="100000" sy="100000" kx="0" ky="0" algn="b" rotWithShape="0" blurRad="50800" dist="25400" dir="5400000">
+                  <a:srgbClr val="000000"/>
+                </a:outerShdw>
+              </a:effectLst>
+            </a:endParaRPr>
           </a:p>
           <a:p>
             <a:pPr lvl="2">
@@ -1169,13 +1170,23 @@
                   <a:srgbClr val="FFFFFF"/>
                 </a:solidFill>
                 <a:effectLst>
-                  <a:outerShdw blurRad="50800" dist="25400" dir="5400000" rotWithShape="0">
+                  <a:outerShdw sx="100000" sy="100000" kx="0" ky="0" algn="b" rotWithShape="0" blurRad="50800" dist="25400" dir="5400000">
                     <a:srgbClr val="000000"/>
                   </a:outerShdw>
                 </a:effectLst>
               </a:rPr>
               <a:t>Body Level Three</a:t>
             </a:r>
+            <a:endParaRPr sz="2400">
+              <a:solidFill>
+                <a:srgbClr val="FFFFFF"/>
+              </a:solidFill>
+              <a:effectLst>
+                <a:outerShdw sx="100000" sy="100000" kx="0" ky="0" algn="b" rotWithShape="0" blurRad="50800" dist="25400" dir="5400000">
+                  <a:srgbClr val="000000"/>
+                </a:outerShdw>
+              </a:effectLst>
+            </a:endParaRPr>
           </a:p>
           <a:p>
             <a:pPr lvl="3">
@@ -1192,13 +1203,23 @@
                   <a:srgbClr val="FFFFFF"/>
                 </a:solidFill>
                 <a:effectLst>
-                  <a:outerShdw blurRad="50800" dist="25400" dir="5400000" rotWithShape="0">
+                  <a:outerShdw sx="100000" sy="100000" kx="0" ky="0" algn="b" rotWithShape="0" blurRad="50800" dist="25400" dir="5400000">
                     <a:srgbClr val="000000"/>
                   </a:outerShdw>
                 </a:effectLst>
               </a:rPr>
               <a:t>Body Level Four</a:t>
             </a:r>
+            <a:endParaRPr sz="2400">
+              <a:solidFill>
+                <a:srgbClr val="FFFFFF"/>
+              </a:solidFill>
+              <a:effectLst>
+                <a:outerShdw sx="100000" sy="100000" kx="0" ky="0" algn="b" rotWithShape="0" blurRad="50800" dist="25400" dir="5400000">
+                  <a:srgbClr val="000000"/>
+                </a:outerShdw>
+              </a:effectLst>
+            </a:endParaRPr>
           </a:p>
           <a:p>
             <a:pPr lvl="4">
@@ -1215,7 +1236,7 @@
                   <a:srgbClr val="FFFFFF"/>
                 </a:solidFill>
                 <a:effectLst>
-                  <a:outerShdw blurRad="50800" dist="25400" dir="5400000" rotWithShape="0">
+                  <a:outerShdw sx="100000" sy="100000" kx="0" ky="0" algn="b" rotWithShape="0" blurRad="50800" dist="25400" dir="5400000">
                     <a:srgbClr val="000000"/>
                   </a:outerShdw>
                 </a:effectLst>
@@ -1230,12 +1251,12 @@
   <p:clrMapOvr>
     <a:masterClrMapping/>
   </p:clrMapOvr>
-  <p:transition xmlns:p14="http://schemas.microsoft.com/office/powerpoint/2010/main" spd="med"/>
+  <p:transition spd="med" advClick="1"/>
 </p:sldLayout>
 </file>
 
 <file path=ppt/slideLayouts/slideLayout4.xml><?xml version="1.0" encoding="utf-8"?>
-<p:sldLayout xmlns:a="http://schemas.openxmlformats.org/drawingml/2006/main" xmlns:r="http://schemas.openxmlformats.org/officeDocument/2006/relationships" xmlns:p="http://schemas.openxmlformats.org/presentationml/2006/main" showMasterSp="0" type="tx">
+<p:sldLayout xmlns:a="http://schemas.openxmlformats.org/drawingml/2006/main" xmlns:r="http://schemas.openxmlformats.org/officeDocument/2006/relationships" xmlns:p="http://schemas.openxmlformats.org/presentationml/2006/main" type="tx" showMasterSp="0" showMasterPhAnim="1">
   <p:cSld name="Title - Top">
     <p:spTree>
       <p:nvGrpSpPr>
@@ -1254,9 +1275,7 @@
       <p:sp>
         <p:nvSpPr>
           <p:cNvPr id="15" name="Shape 15"/>
-          <p:cNvSpPr>
-            <a:spLocks noGrp="1"/>
-          </p:cNvSpPr>
+          <p:cNvSpPr/>
           <p:nvPr>
             <p:ph type="title"/>
           </p:nvPr>
@@ -1275,7 +1294,7 @@
           <a:lstStyle/>
           <a:p>
             <a:pPr lvl="0">
-              <a:defRPr sz="1800" b="0">
+              <a:defRPr b="0" sz="1800">
                 <a:solidFill>
                   <a:srgbClr val="000000"/>
                 </a:solidFill>
@@ -1283,12 +1302,12 @@
               </a:defRPr>
             </a:pPr>
             <a:r>
-              <a:rPr sz="6400" b="1">
+              <a:rPr b="1" sz="6400">
                 <a:solidFill>
                   <a:srgbClr val="FFFFFF"/>
                 </a:solidFill>
                 <a:effectLst>
-                  <a:outerShdw blurRad="50800" dist="25400" dir="5400000" rotWithShape="0">
+                  <a:outerShdw sx="100000" sy="100000" kx="0" ky="0" algn="b" rotWithShape="0" blurRad="50800" dist="25400" dir="5400000">
                     <a:srgbClr val="000000"/>
                   </a:outerShdw>
                 </a:effectLst>
@@ -1303,12 +1322,12 @@
   <p:clrMapOvr>
     <a:masterClrMapping/>
   </p:clrMapOvr>
-  <p:transition xmlns:p14="http://schemas.microsoft.com/office/powerpoint/2010/main" spd="med"/>
+  <p:transition spd="med" advClick="1"/>
 </p:sldLayout>
 </file>
 
 <file path=ppt/slideLayouts/slideLayout5.xml><?xml version="1.0" encoding="utf-8"?>
-<p:sldLayout xmlns:a="http://schemas.openxmlformats.org/drawingml/2006/main" xmlns:r="http://schemas.openxmlformats.org/officeDocument/2006/relationships" xmlns:p="http://schemas.openxmlformats.org/presentationml/2006/main" type="tx">
+<p:sldLayout xmlns:a="http://schemas.openxmlformats.org/drawingml/2006/main" xmlns:r="http://schemas.openxmlformats.org/officeDocument/2006/relationships" xmlns:p="http://schemas.openxmlformats.org/presentationml/2006/main" type="tx" showMasterSp="1" showMasterPhAnim="1">
   <p:cSld name="Title &amp; Bullets">
     <p:spTree>
       <p:nvGrpSpPr>
@@ -1327,9 +1346,7 @@
       <p:sp>
         <p:nvSpPr>
           <p:cNvPr id="17" name="Shape 17"/>
-          <p:cNvSpPr>
-            <a:spLocks noGrp="1"/>
-          </p:cNvSpPr>
+          <p:cNvSpPr/>
           <p:nvPr>
             <p:ph type="title"/>
           </p:nvPr>
@@ -1344,7 +1361,7 @@
           <a:lstStyle/>
           <a:p>
             <a:pPr lvl="0">
-              <a:defRPr sz="1800" b="0">
+              <a:defRPr b="0" sz="1800">
                 <a:solidFill>
                   <a:srgbClr val="000000"/>
                 </a:solidFill>
@@ -1352,12 +1369,12 @@
               </a:defRPr>
             </a:pPr>
             <a:r>
-              <a:rPr sz="6400" b="1">
+              <a:rPr b="1" sz="6400">
                 <a:solidFill>
                   <a:srgbClr val="FFFFFF"/>
                 </a:solidFill>
                 <a:effectLst>
-                  <a:outerShdw blurRad="50800" dist="25400" dir="5400000" rotWithShape="0">
+                  <a:outerShdw sx="100000" sy="100000" kx="0" ky="0" algn="b" rotWithShape="0" blurRad="50800" dist="25400" dir="5400000">
                     <a:srgbClr val="000000"/>
                   </a:outerShdw>
                 </a:effectLst>
@@ -1370,9 +1387,7 @@
       <p:sp>
         <p:nvSpPr>
           <p:cNvPr id="18" name="Shape 18"/>
-          <p:cNvSpPr>
-            <a:spLocks noGrp="1"/>
-          </p:cNvSpPr>
+          <p:cNvSpPr/>
           <p:nvPr>
             <p:ph type="body" idx="1"/>
           </p:nvPr>
@@ -1400,13 +1415,23 @@
                   <a:srgbClr val="EBEBEB"/>
                 </a:solidFill>
                 <a:effectLst>
-                  <a:outerShdw blurRad="50800" dist="25400" dir="5400000" rotWithShape="0">
+                  <a:outerShdw sx="100000" sy="100000" kx="0" ky="0" algn="b" rotWithShape="0" blurRad="50800" dist="25400" dir="5400000">
                     <a:srgbClr val="000000"/>
                   </a:outerShdw>
                 </a:effectLst>
               </a:rPr>
               <a:t>Body Level One</a:t>
             </a:r>
+            <a:endParaRPr sz="3400">
+              <a:solidFill>
+                <a:srgbClr val="EBEBEB"/>
+              </a:solidFill>
+              <a:effectLst>
+                <a:outerShdw sx="100000" sy="100000" kx="0" ky="0" algn="b" rotWithShape="0" blurRad="50800" dist="25400" dir="5400000">
+                  <a:srgbClr val="000000"/>
+                </a:outerShdw>
+              </a:effectLst>
+            </a:endParaRPr>
           </a:p>
           <a:p>
             <a:pPr lvl="1">
@@ -1423,13 +1448,23 @@
                   <a:srgbClr val="EBEBEB"/>
                 </a:solidFill>
                 <a:effectLst>
-                  <a:outerShdw blurRad="50800" dist="25400" dir="5400000" rotWithShape="0">
+                  <a:outerShdw sx="100000" sy="100000" kx="0" ky="0" algn="b" rotWithShape="0" blurRad="50800" dist="25400" dir="5400000">
                     <a:srgbClr val="000000"/>
                   </a:outerShdw>
                 </a:effectLst>
               </a:rPr>
               <a:t>Body Level Two</a:t>
             </a:r>
+            <a:endParaRPr sz="3400">
+              <a:solidFill>
+                <a:srgbClr val="EBEBEB"/>
+              </a:solidFill>
+              <a:effectLst>
+                <a:outerShdw sx="100000" sy="100000" kx="0" ky="0" algn="b" rotWithShape="0" blurRad="50800" dist="25400" dir="5400000">
+                  <a:srgbClr val="000000"/>
+                </a:outerShdw>
+              </a:effectLst>
+            </a:endParaRPr>
           </a:p>
           <a:p>
             <a:pPr lvl="2">
@@ -1446,13 +1481,23 @@
                   <a:srgbClr val="EBEBEB"/>
                 </a:solidFill>
                 <a:effectLst>
-                  <a:outerShdw blurRad="50800" dist="25400" dir="5400000" rotWithShape="0">
+                  <a:outerShdw sx="100000" sy="100000" kx="0" ky="0" algn="b" rotWithShape="0" blurRad="50800" dist="25400" dir="5400000">
                     <a:srgbClr val="000000"/>
                   </a:outerShdw>
                 </a:effectLst>
               </a:rPr>
               <a:t>Body Level Three</a:t>
             </a:r>
+            <a:endParaRPr sz="3400">
+              <a:solidFill>
+                <a:srgbClr val="EBEBEB"/>
+              </a:solidFill>
+              <a:effectLst>
+                <a:outerShdw sx="100000" sy="100000" kx="0" ky="0" algn="b" rotWithShape="0" blurRad="50800" dist="25400" dir="5400000">
+                  <a:srgbClr val="000000"/>
+                </a:outerShdw>
+              </a:effectLst>
+            </a:endParaRPr>
           </a:p>
           <a:p>
             <a:pPr lvl="3">
@@ -1469,13 +1514,23 @@
                   <a:srgbClr val="EBEBEB"/>
                 </a:solidFill>
                 <a:effectLst>
-                  <a:outerShdw blurRad="50800" dist="25400" dir="5400000" rotWithShape="0">
+                  <a:outerShdw sx="100000" sy="100000" kx="0" ky="0" algn="b" rotWithShape="0" blurRad="50800" dist="25400" dir="5400000">
                     <a:srgbClr val="000000"/>
                   </a:outerShdw>
                 </a:effectLst>
               </a:rPr>
               <a:t>Body Level Four</a:t>
             </a:r>
+            <a:endParaRPr sz="3400">
+              <a:solidFill>
+                <a:srgbClr val="EBEBEB"/>
+              </a:solidFill>
+              <a:effectLst>
+                <a:outerShdw sx="100000" sy="100000" kx="0" ky="0" algn="b" rotWithShape="0" blurRad="50800" dist="25400" dir="5400000">
+                  <a:srgbClr val="000000"/>
+                </a:outerShdw>
+              </a:effectLst>
+            </a:endParaRPr>
           </a:p>
           <a:p>
             <a:pPr lvl="4">
@@ -1492,7 +1547,7 @@
                   <a:srgbClr val="EBEBEB"/>
                 </a:solidFill>
                 <a:effectLst>
-                  <a:outerShdw blurRad="50800" dist="25400" dir="5400000" rotWithShape="0">
+                  <a:outerShdw sx="100000" sy="100000" kx="0" ky="0" algn="b" rotWithShape="0" blurRad="50800" dist="25400" dir="5400000">
                     <a:srgbClr val="000000"/>
                   </a:outerShdw>
                 </a:effectLst>
@@ -1507,12 +1562,12 @@
   <p:clrMapOvr>
     <a:masterClrMapping/>
   </p:clrMapOvr>
-  <p:transition xmlns:p14="http://schemas.microsoft.com/office/powerpoint/2010/main" spd="med"/>
+  <p:transition spd="med" advClick="1"/>
 </p:sldLayout>
 </file>
 
 <file path=ppt/slideLayouts/slideLayout6.xml><?xml version="1.0" encoding="utf-8"?>
-<p:sldLayout xmlns:a="http://schemas.openxmlformats.org/drawingml/2006/main" xmlns:r="http://schemas.openxmlformats.org/officeDocument/2006/relationships" xmlns:p="http://schemas.openxmlformats.org/presentationml/2006/main" showMasterSp="0" type="tx">
+<p:sldLayout xmlns:a="http://schemas.openxmlformats.org/drawingml/2006/main" xmlns:r="http://schemas.openxmlformats.org/officeDocument/2006/relationships" xmlns:p="http://schemas.openxmlformats.org/presentationml/2006/main" type="tx" showMasterSp="0" showMasterPhAnim="1">
   <p:cSld name="Title, Bullets &amp; Photo">
     <p:spTree>
       <p:nvGrpSpPr>
@@ -1531,9 +1586,7 @@
       <p:sp>
         <p:nvSpPr>
           <p:cNvPr id="20" name="Shape 20"/>
-          <p:cNvSpPr>
-            <a:spLocks noGrp="1"/>
-          </p:cNvSpPr>
+          <p:cNvSpPr/>
           <p:nvPr>
             <p:ph type="title"/>
           </p:nvPr>
@@ -1541,7 +1594,7 @@
         <p:spPr>
           <a:xfrm>
             <a:off x="762000" y="196536"/>
-            <a:ext cx="11480800" cy="2159627"/>
+            <a:ext cx="11480800" cy="2159628"/>
           </a:xfrm>
           <a:prstGeom prst="rect">
             <a:avLst/>
@@ -1552,7 +1605,7 @@
           <a:lstStyle/>
           <a:p>
             <a:pPr lvl="0">
-              <a:defRPr sz="1800" b="0">
+              <a:defRPr b="0" sz="1800">
                 <a:solidFill>
                   <a:srgbClr val="000000"/>
                 </a:solidFill>
@@ -1560,12 +1613,12 @@
               </a:defRPr>
             </a:pPr>
             <a:r>
-              <a:rPr sz="6400" b="1">
+              <a:rPr b="1" sz="6400">
                 <a:solidFill>
                   <a:srgbClr val="FFFFFF"/>
                 </a:solidFill>
                 <a:effectLst>
-                  <a:outerShdw blurRad="50800" dist="25400" dir="5400000" rotWithShape="0">
+                  <a:outerShdw sx="100000" sy="100000" kx="0" ky="0" algn="b" rotWithShape="0" blurRad="50800" dist="25400" dir="5400000">
                     <a:srgbClr val="000000"/>
                   </a:outerShdw>
                 </a:effectLst>
@@ -1578,9 +1631,7 @@
       <p:sp>
         <p:nvSpPr>
           <p:cNvPr id="21" name="Shape 21"/>
-          <p:cNvSpPr>
-            <a:spLocks noGrp="1"/>
-          </p:cNvSpPr>
+          <p:cNvSpPr/>
           <p:nvPr>
             <p:ph type="body" idx="1"/>
           </p:nvPr>
@@ -1588,7 +1639,7 @@
         <p:spPr>
           <a:xfrm>
             <a:off x="762000" y="2356161"/>
-            <a:ext cx="5384800" cy="6844678"/>
+            <a:ext cx="5384800" cy="6844679"/>
           </a:xfrm>
           <a:prstGeom prst="rect">
             <a:avLst/>
@@ -1658,13 +1709,23 @@
                   <a:srgbClr val="EBEBEB"/>
                 </a:solidFill>
                 <a:effectLst>
-                  <a:outerShdw blurRad="50800" dist="25400" dir="5400000" rotWithShape="0">
+                  <a:outerShdw sx="100000" sy="100000" kx="0" ky="0" algn="b" rotWithShape="0" blurRad="50800" dist="25400" dir="5400000">
                     <a:srgbClr val="000000"/>
                   </a:outerShdw>
                 </a:effectLst>
               </a:rPr>
               <a:t>Body Level One</a:t>
             </a:r>
+            <a:endParaRPr sz="2800">
+              <a:solidFill>
+                <a:srgbClr val="EBEBEB"/>
+              </a:solidFill>
+              <a:effectLst>
+                <a:outerShdw sx="100000" sy="100000" kx="0" ky="0" algn="b" rotWithShape="0" blurRad="50800" dist="25400" dir="5400000">
+                  <a:srgbClr val="000000"/>
+                </a:outerShdw>
+              </a:effectLst>
+            </a:endParaRPr>
           </a:p>
           <a:p>
             <a:pPr lvl="1">
@@ -1681,13 +1742,23 @@
                   <a:srgbClr val="EBEBEB"/>
                 </a:solidFill>
                 <a:effectLst>
-                  <a:outerShdw blurRad="50800" dist="25400" dir="5400000" rotWithShape="0">
+                  <a:outerShdw sx="100000" sy="100000" kx="0" ky="0" algn="b" rotWithShape="0" blurRad="50800" dist="25400" dir="5400000">
                     <a:srgbClr val="000000"/>
                   </a:outerShdw>
                 </a:effectLst>
               </a:rPr>
               <a:t>Body Level Two</a:t>
             </a:r>
+            <a:endParaRPr sz="2800">
+              <a:solidFill>
+                <a:srgbClr val="EBEBEB"/>
+              </a:solidFill>
+              <a:effectLst>
+                <a:outerShdw sx="100000" sy="100000" kx="0" ky="0" algn="b" rotWithShape="0" blurRad="50800" dist="25400" dir="5400000">
+                  <a:srgbClr val="000000"/>
+                </a:outerShdw>
+              </a:effectLst>
+            </a:endParaRPr>
           </a:p>
           <a:p>
             <a:pPr lvl="2">
@@ -1704,13 +1775,23 @@
                   <a:srgbClr val="EBEBEB"/>
                 </a:solidFill>
                 <a:effectLst>
-                  <a:outerShdw blurRad="50800" dist="25400" dir="5400000" rotWithShape="0">
+                  <a:outerShdw sx="100000" sy="100000" kx="0" ky="0" algn="b" rotWithShape="0" blurRad="50800" dist="25400" dir="5400000">
                     <a:srgbClr val="000000"/>
                   </a:outerShdw>
                 </a:effectLst>
               </a:rPr>
               <a:t>Body Level Three</a:t>
             </a:r>
+            <a:endParaRPr sz="2800">
+              <a:solidFill>
+                <a:srgbClr val="EBEBEB"/>
+              </a:solidFill>
+              <a:effectLst>
+                <a:outerShdw sx="100000" sy="100000" kx="0" ky="0" algn="b" rotWithShape="0" blurRad="50800" dist="25400" dir="5400000">
+                  <a:srgbClr val="000000"/>
+                </a:outerShdw>
+              </a:effectLst>
+            </a:endParaRPr>
           </a:p>
           <a:p>
             <a:pPr lvl="3">
@@ -1727,13 +1808,23 @@
                   <a:srgbClr val="EBEBEB"/>
                 </a:solidFill>
                 <a:effectLst>
-                  <a:outerShdw blurRad="50800" dist="25400" dir="5400000" rotWithShape="0">
+                  <a:outerShdw sx="100000" sy="100000" kx="0" ky="0" algn="b" rotWithShape="0" blurRad="50800" dist="25400" dir="5400000">
                     <a:srgbClr val="000000"/>
                   </a:outerShdw>
                 </a:effectLst>
               </a:rPr>
               <a:t>Body Level Four</a:t>
             </a:r>
+            <a:endParaRPr sz="2800">
+              <a:solidFill>
+                <a:srgbClr val="EBEBEB"/>
+              </a:solidFill>
+              <a:effectLst>
+                <a:outerShdw sx="100000" sy="100000" kx="0" ky="0" algn="b" rotWithShape="0" blurRad="50800" dist="25400" dir="5400000">
+                  <a:srgbClr val="000000"/>
+                </a:outerShdw>
+              </a:effectLst>
+            </a:endParaRPr>
           </a:p>
           <a:p>
             <a:pPr lvl="4">
@@ -1750,7 +1841,7 @@
                   <a:srgbClr val="EBEBEB"/>
                 </a:solidFill>
                 <a:effectLst>
-                  <a:outerShdw blurRad="50800" dist="25400" dir="5400000" rotWithShape="0">
+                  <a:outerShdw sx="100000" sy="100000" kx="0" ky="0" algn="b" rotWithShape="0" blurRad="50800" dist="25400" dir="5400000">
                     <a:srgbClr val="000000"/>
                   </a:outerShdw>
                 </a:effectLst>
@@ -1765,12 +1856,12 @@
   <p:clrMapOvr>
     <a:masterClrMapping/>
   </p:clrMapOvr>
-  <p:transition xmlns:p14="http://schemas.microsoft.com/office/powerpoint/2010/main" spd="med"/>
+  <p:transition spd="med" advClick="1"/>
 </p:sldLayout>
 </file>
 
 <file path=ppt/slideLayouts/slideLayout7.xml><?xml version="1.0" encoding="utf-8"?>
-<p:sldLayout xmlns:a="http://schemas.openxmlformats.org/drawingml/2006/main" xmlns:r="http://schemas.openxmlformats.org/officeDocument/2006/relationships" xmlns:p="http://schemas.openxmlformats.org/presentationml/2006/main" showMasterSp="0" type="tx">
+<p:sldLayout xmlns:a="http://schemas.openxmlformats.org/drawingml/2006/main" xmlns:r="http://schemas.openxmlformats.org/officeDocument/2006/relationships" xmlns:p="http://schemas.openxmlformats.org/presentationml/2006/main" type="tx" showMasterSp="0" showMasterPhAnim="1">
   <p:cSld name="Bullets">
     <p:spTree>
       <p:nvGrpSpPr>
@@ -1789,9 +1880,7 @@
       <p:sp>
         <p:nvSpPr>
           <p:cNvPr id="23" name="Shape 23"/>
-          <p:cNvSpPr>
-            <a:spLocks noGrp="1"/>
-          </p:cNvSpPr>
+          <p:cNvSpPr/>
           <p:nvPr>
             <p:ph type="body" idx="1"/>
           </p:nvPr>
@@ -1823,13 +1912,23 @@
                   <a:srgbClr val="EBEBEB"/>
                 </a:solidFill>
                 <a:effectLst>
-                  <a:outerShdw blurRad="50800" dist="25400" dir="5400000" rotWithShape="0">
+                  <a:outerShdw sx="100000" sy="100000" kx="0" ky="0" algn="b" rotWithShape="0" blurRad="50800" dist="25400" dir="5400000">
                     <a:srgbClr val="000000"/>
                   </a:outerShdw>
                 </a:effectLst>
               </a:rPr>
               <a:t>Body Level One</a:t>
             </a:r>
+            <a:endParaRPr sz="3400">
+              <a:solidFill>
+                <a:srgbClr val="EBEBEB"/>
+              </a:solidFill>
+              <a:effectLst>
+                <a:outerShdw sx="100000" sy="100000" kx="0" ky="0" algn="b" rotWithShape="0" blurRad="50800" dist="25400" dir="5400000">
+                  <a:srgbClr val="000000"/>
+                </a:outerShdw>
+              </a:effectLst>
+            </a:endParaRPr>
           </a:p>
           <a:p>
             <a:pPr lvl="1">
@@ -1846,13 +1945,23 @@
                   <a:srgbClr val="EBEBEB"/>
                 </a:solidFill>
                 <a:effectLst>
-                  <a:outerShdw blurRad="50800" dist="25400" dir="5400000" rotWithShape="0">
+                  <a:outerShdw sx="100000" sy="100000" kx="0" ky="0" algn="b" rotWithShape="0" blurRad="50800" dist="25400" dir="5400000">
                     <a:srgbClr val="000000"/>
                   </a:outerShdw>
                 </a:effectLst>
               </a:rPr>
               <a:t>Body Level Two</a:t>
             </a:r>
+            <a:endParaRPr sz="3400">
+              <a:solidFill>
+                <a:srgbClr val="EBEBEB"/>
+              </a:solidFill>
+              <a:effectLst>
+                <a:outerShdw sx="100000" sy="100000" kx="0" ky="0" algn="b" rotWithShape="0" blurRad="50800" dist="25400" dir="5400000">
+                  <a:srgbClr val="000000"/>
+                </a:outerShdw>
+              </a:effectLst>
+            </a:endParaRPr>
           </a:p>
           <a:p>
             <a:pPr lvl="2">
@@ -1869,13 +1978,23 @@
                   <a:srgbClr val="EBEBEB"/>
                 </a:solidFill>
                 <a:effectLst>
-                  <a:outerShdw blurRad="50800" dist="25400" dir="5400000" rotWithShape="0">
+                  <a:outerShdw sx="100000" sy="100000" kx="0" ky="0" algn="b" rotWithShape="0" blurRad="50800" dist="25400" dir="5400000">
                     <a:srgbClr val="000000"/>
                   </a:outerShdw>
                 </a:effectLst>
               </a:rPr>
               <a:t>Body Level Three</a:t>
             </a:r>
+            <a:endParaRPr sz="3400">
+              <a:solidFill>
+                <a:srgbClr val="EBEBEB"/>
+              </a:solidFill>
+              <a:effectLst>
+                <a:outerShdw sx="100000" sy="100000" kx="0" ky="0" algn="b" rotWithShape="0" blurRad="50800" dist="25400" dir="5400000">
+                  <a:srgbClr val="000000"/>
+                </a:outerShdw>
+              </a:effectLst>
+            </a:endParaRPr>
           </a:p>
           <a:p>
             <a:pPr lvl="3">
@@ -1892,13 +2011,23 @@
                   <a:srgbClr val="EBEBEB"/>
                 </a:solidFill>
                 <a:effectLst>
-                  <a:outerShdw blurRad="50800" dist="25400" dir="5400000" rotWithShape="0">
+                  <a:outerShdw sx="100000" sy="100000" kx="0" ky="0" algn="b" rotWithShape="0" blurRad="50800" dist="25400" dir="5400000">
                     <a:srgbClr val="000000"/>
                   </a:outerShdw>
                 </a:effectLst>
               </a:rPr>
               <a:t>Body Level Four</a:t>
             </a:r>
+            <a:endParaRPr sz="3400">
+              <a:solidFill>
+                <a:srgbClr val="EBEBEB"/>
+              </a:solidFill>
+              <a:effectLst>
+                <a:outerShdw sx="100000" sy="100000" kx="0" ky="0" algn="b" rotWithShape="0" blurRad="50800" dist="25400" dir="5400000">
+                  <a:srgbClr val="000000"/>
+                </a:outerShdw>
+              </a:effectLst>
+            </a:endParaRPr>
           </a:p>
           <a:p>
             <a:pPr lvl="4">
@@ -1915,7 +2044,7 @@
                   <a:srgbClr val="EBEBEB"/>
                 </a:solidFill>
                 <a:effectLst>
-                  <a:outerShdw blurRad="50800" dist="25400" dir="5400000" rotWithShape="0">
+                  <a:outerShdw sx="100000" sy="100000" kx="0" ky="0" algn="b" rotWithShape="0" blurRad="50800" dist="25400" dir="5400000">
                     <a:srgbClr val="000000"/>
                   </a:outerShdw>
                 </a:effectLst>
@@ -1930,12 +2059,12 @@
   <p:clrMapOvr>
     <a:masterClrMapping/>
   </p:clrMapOvr>
-  <p:transition xmlns:p14="http://schemas.microsoft.com/office/powerpoint/2010/main" spd="med"/>
+  <p:transition spd="med" advClick="1"/>
 </p:sldLayout>
 </file>
 
 <file path=ppt/slideLayouts/slideLayout8.xml><?xml version="1.0" encoding="utf-8"?>
-<p:sldLayout xmlns:a="http://schemas.openxmlformats.org/drawingml/2006/main" xmlns:r="http://schemas.openxmlformats.org/officeDocument/2006/relationships" xmlns:p="http://schemas.openxmlformats.org/presentationml/2006/main" showMasterSp="0" type="tx">
+<p:sldLayout xmlns:a="http://schemas.openxmlformats.org/drawingml/2006/main" xmlns:r="http://schemas.openxmlformats.org/officeDocument/2006/relationships" xmlns:p="http://schemas.openxmlformats.org/presentationml/2006/main" type="tx" showMasterSp="0" showMasterPhAnim="1">
   <p:cSld name="Photo - 3 Up">
     <p:spTree>
       <p:nvGrpSpPr>
@@ -1956,12 +2085,12 @@
   <p:clrMapOvr>
     <a:masterClrMapping/>
   </p:clrMapOvr>
-  <p:transition xmlns:p14="http://schemas.microsoft.com/office/powerpoint/2010/main" spd="med"/>
+  <p:transition spd="med" advClick="1"/>
 </p:sldLayout>
 </file>
 
 <file path=ppt/slideLayouts/slideLayout9.xml><?xml version="1.0" encoding="utf-8"?>
-<p:sldLayout xmlns:a="http://schemas.openxmlformats.org/drawingml/2006/main" xmlns:r="http://schemas.openxmlformats.org/officeDocument/2006/relationships" xmlns:p="http://schemas.openxmlformats.org/presentationml/2006/main" showMasterSp="0" type="tx">
+<p:sldLayout xmlns:a="http://schemas.openxmlformats.org/drawingml/2006/main" xmlns:r="http://schemas.openxmlformats.org/officeDocument/2006/relationships" xmlns:p="http://schemas.openxmlformats.org/presentationml/2006/main" type="tx" showMasterSp="0" showMasterPhAnim="1">
   <p:cSld name="Quote">
     <p:spTree>
       <p:nvGrpSpPr>
@@ -1982,7 +2111,7 @@
   <p:clrMapOvr>
     <a:masterClrMapping/>
   </p:clrMapOvr>
-  <p:transition xmlns:p14="http://schemas.microsoft.com/office/powerpoint/2010/main" spd="med"/>
+  <p:transition spd="med" advClick="1"/>
 </p:sldLayout>
 </file>
 
@@ -1992,13 +2121,12 @@
     <p:bg>
       <p:bgPr>
         <a:blipFill rotWithShape="1">
-          <a:blip r:embed="rId13"/>
-          <a:srcRect/>
+          <a:blip r:embed="rId2"/>
+          <a:srcRect l="0" t="0" r="0" b="0"/>
           <a:stretch>
             <a:fillRect/>
           </a:stretch>
         </a:blipFill>
-        <a:effectLst/>
       </p:bgPr>
     </p:bg>
     <p:spTree>
@@ -2022,7 +2150,7 @@
           <p:nvPr/>
         </p:nvPicPr>
         <p:blipFill>
-          <a:blip r:embed="rId14">
+          <a:blip r:embed="rId3">
             <a:extLst/>
           </a:blip>
           <a:stretch>
@@ -2045,9 +2173,7 @@
       <p:sp>
         <p:nvSpPr>
           <p:cNvPr id="3" name="Shape 3"/>
-          <p:cNvSpPr>
-            <a:spLocks noGrp="1"/>
-          </p:cNvSpPr>
+          <p:cNvSpPr/>
           <p:nvPr>
             <p:ph type="title"/>
           </p:nvPr>
@@ -2071,12 +2197,12 @@
         </p:spPr>
         <p:txBody>
           <a:bodyPr lIns="0" tIns="0" rIns="0" bIns="0" anchor="ctr">
-            <a:normAutofit/>
+            <a:normAutofit fontScale="100000" lnSpcReduction="0"/>
           </a:bodyPr>
           <a:lstStyle/>
           <a:p>
             <a:pPr lvl="0">
-              <a:defRPr sz="1800" b="0">
+              <a:defRPr b="0" sz="1800">
                 <a:solidFill>
                   <a:srgbClr val="000000"/>
                 </a:solidFill>
@@ -2084,12 +2210,12 @@
               </a:defRPr>
             </a:pPr>
             <a:r>
-              <a:rPr sz="6400" b="1">
+              <a:rPr b="1" sz="6400">
                 <a:solidFill>
                   <a:srgbClr val="FFFFFF"/>
                 </a:solidFill>
                 <a:effectLst>
-                  <a:outerShdw blurRad="50800" dist="25400" dir="5400000" rotWithShape="0">
+                  <a:outerShdw sx="100000" sy="100000" kx="0" ky="0" algn="b" rotWithShape="0" blurRad="50800" dist="25400" dir="5400000">
                     <a:srgbClr val="000000"/>
                   </a:outerShdw>
                 </a:effectLst>
@@ -2102,17 +2228,15 @@
       <p:sp>
         <p:nvSpPr>
           <p:cNvPr id="4" name="Shape 4"/>
-          <p:cNvSpPr>
-            <a:spLocks noGrp="1"/>
-          </p:cNvSpPr>
+          <p:cNvSpPr/>
           <p:nvPr>
             <p:ph type="body" idx="1"/>
           </p:nvPr>
         </p:nvSpPr>
         <p:spPr>
           <a:xfrm>
-            <a:off x="762000" y="2360423"/>
-            <a:ext cx="11480800" cy="6467854"/>
+            <a:off x="762000" y="2360422"/>
+            <a:ext cx="11480800" cy="6467856"/>
           </a:xfrm>
           <a:prstGeom prst="rect">
             <a:avLst/>
@@ -2128,7 +2252,7 @@
         </p:spPr>
         <p:txBody>
           <a:bodyPr lIns="0" tIns="0" rIns="0" bIns="0" anchor="ctr">
-            <a:normAutofit/>
+            <a:normAutofit fontScale="100000" lnSpcReduction="0"/>
           </a:bodyPr>
           <a:lstStyle/>
           <a:p>
@@ -2146,13 +2270,23 @@
                   <a:srgbClr val="EBEBEB"/>
                 </a:solidFill>
                 <a:effectLst>
-                  <a:outerShdw blurRad="50800" dist="25400" dir="5400000" rotWithShape="0">
+                  <a:outerShdw sx="100000" sy="100000" kx="0" ky="0" algn="b" rotWithShape="0" blurRad="50800" dist="25400" dir="5400000">
                     <a:srgbClr val="000000"/>
                   </a:outerShdw>
                 </a:effectLst>
               </a:rPr>
               <a:t>Body Level One</a:t>
             </a:r>
+            <a:endParaRPr sz="3400">
+              <a:solidFill>
+                <a:srgbClr val="EBEBEB"/>
+              </a:solidFill>
+              <a:effectLst>
+                <a:outerShdw sx="100000" sy="100000" kx="0" ky="0" algn="b" rotWithShape="0" blurRad="50800" dist="25400" dir="5400000">
+                  <a:srgbClr val="000000"/>
+                </a:outerShdw>
+              </a:effectLst>
+            </a:endParaRPr>
           </a:p>
           <a:p>
             <a:pPr lvl="1">
@@ -2169,13 +2303,23 @@
                   <a:srgbClr val="EBEBEB"/>
                 </a:solidFill>
                 <a:effectLst>
-                  <a:outerShdw blurRad="50800" dist="25400" dir="5400000" rotWithShape="0">
+                  <a:outerShdw sx="100000" sy="100000" kx="0" ky="0" algn="b" rotWithShape="0" blurRad="50800" dist="25400" dir="5400000">
                     <a:srgbClr val="000000"/>
                   </a:outerShdw>
                 </a:effectLst>
               </a:rPr>
               <a:t>Body Level Two</a:t>
             </a:r>
+            <a:endParaRPr sz="3400">
+              <a:solidFill>
+                <a:srgbClr val="EBEBEB"/>
+              </a:solidFill>
+              <a:effectLst>
+                <a:outerShdw sx="100000" sy="100000" kx="0" ky="0" algn="b" rotWithShape="0" blurRad="50800" dist="25400" dir="5400000">
+                  <a:srgbClr val="000000"/>
+                </a:outerShdw>
+              </a:effectLst>
+            </a:endParaRPr>
           </a:p>
           <a:p>
             <a:pPr lvl="2">
@@ -2192,13 +2336,23 @@
                   <a:srgbClr val="EBEBEB"/>
                 </a:solidFill>
                 <a:effectLst>
-                  <a:outerShdw blurRad="50800" dist="25400" dir="5400000" rotWithShape="0">
+                  <a:outerShdw sx="100000" sy="100000" kx="0" ky="0" algn="b" rotWithShape="0" blurRad="50800" dist="25400" dir="5400000">
                     <a:srgbClr val="000000"/>
                   </a:outerShdw>
                 </a:effectLst>
               </a:rPr>
               <a:t>Body Level Three</a:t>
             </a:r>
+            <a:endParaRPr sz="3400">
+              <a:solidFill>
+                <a:srgbClr val="EBEBEB"/>
+              </a:solidFill>
+              <a:effectLst>
+                <a:outerShdw sx="100000" sy="100000" kx="0" ky="0" algn="b" rotWithShape="0" blurRad="50800" dist="25400" dir="5400000">
+                  <a:srgbClr val="000000"/>
+                </a:outerShdw>
+              </a:effectLst>
+            </a:endParaRPr>
           </a:p>
           <a:p>
             <a:pPr lvl="3">
@@ -2215,13 +2369,23 @@
                   <a:srgbClr val="EBEBEB"/>
                 </a:solidFill>
                 <a:effectLst>
-                  <a:outerShdw blurRad="50800" dist="25400" dir="5400000" rotWithShape="0">
+                  <a:outerShdw sx="100000" sy="100000" kx="0" ky="0" algn="b" rotWithShape="0" blurRad="50800" dist="25400" dir="5400000">
                     <a:srgbClr val="000000"/>
                   </a:outerShdw>
                 </a:effectLst>
               </a:rPr>
               <a:t>Body Level Four</a:t>
             </a:r>
+            <a:endParaRPr sz="3400">
+              <a:solidFill>
+                <a:srgbClr val="EBEBEB"/>
+              </a:solidFill>
+              <a:effectLst>
+                <a:outerShdw sx="100000" sy="100000" kx="0" ky="0" algn="b" rotWithShape="0" blurRad="50800" dist="25400" dir="5400000">
+                  <a:srgbClr val="000000"/>
+                </a:outerShdw>
+              </a:effectLst>
+            </a:endParaRPr>
           </a:p>
           <a:p>
             <a:pPr lvl="4">
@@ -2238,7 +2402,7 @@
                   <a:srgbClr val="EBEBEB"/>
                 </a:solidFill>
                 <a:effectLst>
-                  <a:outerShdw blurRad="50800" dist="25400" dir="5400000" rotWithShape="0">
+                  <a:outerShdw sx="100000" sy="100000" kx="0" ky="0" algn="b" rotWithShape="0" blurRad="50800" dist="25400" dir="5400000">
                     <a:srgbClr val="000000"/>
                   </a:outerShdw>
                 </a:effectLst>
@@ -2250,30 +2414,30 @@
       </p:sp>
     </p:spTree>
   </p:cSld>
-  <p:clrMap bg1="dk1" tx1="lt1" bg2="dk2" tx2="lt2" accent1="accent1" accent2="accent2" accent3="accent3" accent4="accent4" accent5="accent5" accent6="accent6" hlink="hlink" folHlink="folHlink"/>
+  <p:clrMap bg1="lt1" tx1="dk1" bg2="lt2" tx2="dk2" accent1="accent1" accent2="accent2" accent3="accent3" accent4="accent4" accent5="accent5" accent6="accent6" hlink="hlink" folHlink="folHlink"/>
   <p:sldLayoutIdLst>
-    <p:sldLayoutId id="2147483649" r:id="rId1"/>
-    <p:sldLayoutId id="2147483650" r:id="rId2"/>
-    <p:sldLayoutId id="2147483651" r:id="rId3"/>
-    <p:sldLayoutId id="2147483652" r:id="rId4"/>
-    <p:sldLayoutId id="2147483653" r:id="rId5"/>
-    <p:sldLayoutId id="2147483654" r:id="rId6"/>
-    <p:sldLayoutId id="2147483655" r:id="rId7"/>
-    <p:sldLayoutId id="2147483656" r:id="rId8"/>
-    <p:sldLayoutId id="2147483657" r:id="rId9"/>
-    <p:sldLayoutId id="2147483658" r:id="rId10"/>
-    <p:sldLayoutId id="2147483659" r:id="rId11"/>
+    <p:sldLayoutId id="2147483649" r:id="rId4"/>
+    <p:sldLayoutId id="2147483650" r:id="rId5"/>
+    <p:sldLayoutId id="2147483651" r:id="rId6"/>
+    <p:sldLayoutId id="2147483652" r:id="rId7"/>
+    <p:sldLayoutId id="2147483653" r:id="rId8"/>
+    <p:sldLayoutId id="2147483654" r:id="rId9"/>
+    <p:sldLayoutId id="2147483655" r:id="rId10"/>
+    <p:sldLayoutId id="2147483656" r:id="rId11"/>
+    <p:sldLayoutId id="2147483657" r:id="rId12"/>
+    <p:sldLayoutId id="2147483658" r:id="rId13"/>
+    <p:sldLayoutId id="2147483659" r:id="rId14"/>
   </p:sldLayoutIdLst>
-  <p:transition xmlns:p14="http://schemas.microsoft.com/office/powerpoint/2010/main" spd="med"/>
+  <p:transition spd="med" advClick="1"/>
   <p:txStyles>
     <p:titleStyle>
       <a:lvl1pPr algn="ctr" defTabSz="584200">
-        <a:defRPr sz="6400" b="1">
+        <a:defRPr b="1" sz="6400">
           <a:solidFill>
             <a:srgbClr val="FFFFFF"/>
           </a:solidFill>
           <a:effectLst>
-            <a:outerShdw blurRad="50800" dist="25400" dir="5400000" rotWithShape="0">
+            <a:outerShdw sx="100000" sy="100000" kx="0" ky="0" algn="b" rotWithShape="0" blurRad="50800" dist="25400" dir="5400000">
               <a:srgbClr val="000000"/>
             </a:outerShdw>
           </a:effectLst>
@@ -2284,12 +2448,12 @@
         </a:defRPr>
       </a:lvl1pPr>
       <a:lvl2pPr algn="ctr" defTabSz="584200">
-        <a:defRPr sz="6400" b="1">
+        <a:defRPr b="1" sz="6400">
           <a:solidFill>
             <a:srgbClr val="FFFFFF"/>
           </a:solidFill>
           <a:effectLst>
-            <a:outerShdw blurRad="50800" dist="25400" dir="5400000" rotWithShape="0">
+            <a:outerShdw sx="100000" sy="100000" kx="0" ky="0" algn="b" rotWithShape="0" blurRad="50800" dist="25400" dir="5400000">
               <a:srgbClr val="000000"/>
             </a:outerShdw>
           </a:effectLst>
@@ -2300,12 +2464,12 @@
         </a:defRPr>
       </a:lvl2pPr>
       <a:lvl3pPr algn="ctr" defTabSz="584200">
-        <a:defRPr sz="6400" b="1">
+        <a:defRPr b="1" sz="6400">
           <a:solidFill>
             <a:srgbClr val="FFFFFF"/>
           </a:solidFill>
           <a:effectLst>
-            <a:outerShdw blurRad="50800" dist="25400" dir="5400000" rotWithShape="0">
+            <a:outerShdw sx="100000" sy="100000" kx="0" ky="0" algn="b" rotWithShape="0" blurRad="50800" dist="25400" dir="5400000">
               <a:srgbClr val="000000"/>
             </a:outerShdw>
           </a:effectLst>
@@ -2316,12 +2480,12 @@
         </a:defRPr>
       </a:lvl3pPr>
       <a:lvl4pPr algn="ctr" defTabSz="584200">
-        <a:defRPr sz="6400" b="1">
+        <a:defRPr b="1" sz="6400">
           <a:solidFill>
             <a:srgbClr val="FFFFFF"/>
           </a:solidFill>
           <a:effectLst>
-            <a:outerShdw blurRad="50800" dist="25400" dir="5400000" rotWithShape="0">
+            <a:outerShdw sx="100000" sy="100000" kx="0" ky="0" algn="b" rotWithShape="0" blurRad="50800" dist="25400" dir="5400000">
               <a:srgbClr val="000000"/>
             </a:outerShdw>
           </a:effectLst>
@@ -2332,12 +2496,12 @@
         </a:defRPr>
       </a:lvl4pPr>
       <a:lvl5pPr algn="ctr" defTabSz="584200">
-        <a:defRPr sz="6400" b="1">
+        <a:defRPr b="1" sz="6400">
           <a:solidFill>
             <a:srgbClr val="FFFFFF"/>
           </a:solidFill>
           <a:effectLst>
-            <a:outerShdw blurRad="50800" dist="25400" dir="5400000" rotWithShape="0">
+            <a:outerShdw sx="100000" sy="100000" kx="0" ky="0" algn="b" rotWithShape="0" blurRad="50800" dist="25400" dir="5400000">
               <a:srgbClr val="000000"/>
             </a:outerShdw>
           </a:effectLst>
@@ -2348,12 +2512,12 @@
         </a:defRPr>
       </a:lvl5pPr>
       <a:lvl6pPr algn="ctr" defTabSz="584200">
-        <a:defRPr sz="6400" b="1">
+        <a:defRPr b="1" sz="6400">
           <a:solidFill>
             <a:srgbClr val="FFFFFF"/>
           </a:solidFill>
           <a:effectLst>
-            <a:outerShdw blurRad="50800" dist="25400" dir="5400000" rotWithShape="0">
+            <a:outerShdw sx="100000" sy="100000" kx="0" ky="0" algn="b" rotWithShape="0" blurRad="50800" dist="25400" dir="5400000">
               <a:srgbClr val="000000"/>
             </a:outerShdw>
           </a:effectLst>
@@ -2364,12 +2528,12 @@
         </a:defRPr>
       </a:lvl6pPr>
       <a:lvl7pPr algn="ctr" defTabSz="584200">
-        <a:defRPr sz="6400" b="1">
+        <a:defRPr b="1" sz="6400">
           <a:solidFill>
             <a:srgbClr val="FFFFFF"/>
           </a:solidFill>
           <a:effectLst>
-            <a:outerShdw blurRad="50800" dist="25400" dir="5400000" rotWithShape="0">
+            <a:outerShdw sx="100000" sy="100000" kx="0" ky="0" algn="b" rotWithShape="0" blurRad="50800" dist="25400" dir="5400000">
               <a:srgbClr val="000000"/>
             </a:outerShdw>
           </a:effectLst>
@@ -2380,12 +2544,12 @@
         </a:defRPr>
       </a:lvl7pPr>
       <a:lvl8pPr algn="ctr" defTabSz="584200">
-        <a:defRPr sz="6400" b="1">
+        <a:defRPr b="1" sz="6400">
           <a:solidFill>
             <a:srgbClr val="FFFFFF"/>
           </a:solidFill>
           <a:effectLst>
-            <a:outerShdw blurRad="50800" dist="25400" dir="5400000" rotWithShape="0">
+            <a:outerShdw sx="100000" sy="100000" kx="0" ky="0" algn="b" rotWithShape="0" blurRad="50800" dist="25400" dir="5400000">
               <a:srgbClr val="000000"/>
             </a:outerShdw>
           </a:effectLst>
@@ -2396,12 +2560,12 @@
         </a:defRPr>
       </a:lvl8pPr>
       <a:lvl9pPr algn="ctr" defTabSz="584200">
-        <a:defRPr sz="6400" b="1">
+        <a:defRPr b="1" sz="6400">
           <a:solidFill>
             <a:srgbClr val="FFFFFF"/>
           </a:solidFill>
           <a:effectLst>
-            <a:outerShdw blurRad="50800" dist="25400" dir="5400000" rotWithShape="0">
+            <a:outerShdw sx="100000" sy="100000" kx="0" ky="0" algn="b" rotWithShape="0" blurRad="50800" dist="25400" dir="5400000">
               <a:srgbClr val="000000"/>
             </a:outerShdw>
           </a:effectLst>
@@ -2424,7 +2588,7 @@
             <a:srgbClr val="EBEBEB"/>
           </a:solidFill>
           <a:effectLst>
-            <a:outerShdw blurRad="50800" dist="25400" dir="5400000" rotWithShape="0">
+            <a:outerShdw sx="100000" sy="100000" kx="0" ky="0" algn="b" rotWithShape="0" blurRad="50800" dist="25400" dir="5400000">
               <a:srgbClr val="000000"/>
             </a:outerShdw>
           </a:effectLst>
@@ -2445,7 +2609,7 @@
             <a:srgbClr val="EBEBEB"/>
           </a:solidFill>
           <a:effectLst>
-            <a:outerShdw blurRad="50800" dist="25400" dir="5400000" rotWithShape="0">
+            <a:outerShdw sx="100000" sy="100000" kx="0" ky="0" algn="b" rotWithShape="0" blurRad="50800" dist="25400" dir="5400000">
               <a:srgbClr val="000000"/>
             </a:outerShdw>
           </a:effectLst>
@@ -2466,7 +2630,7 @@
             <a:srgbClr val="EBEBEB"/>
           </a:solidFill>
           <a:effectLst>
-            <a:outerShdw blurRad="50800" dist="25400" dir="5400000" rotWithShape="0">
+            <a:outerShdw sx="100000" sy="100000" kx="0" ky="0" algn="b" rotWithShape="0" blurRad="50800" dist="25400" dir="5400000">
               <a:srgbClr val="000000"/>
             </a:outerShdw>
           </a:effectLst>
@@ -2487,7 +2651,7 @@
             <a:srgbClr val="EBEBEB"/>
           </a:solidFill>
           <a:effectLst>
-            <a:outerShdw blurRad="50800" dist="25400" dir="5400000" rotWithShape="0">
+            <a:outerShdw sx="100000" sy="100000" kx="0" ky="0" algn="b" rotWithShape="0" blurRad="50800" dist="25400" dir="5400000">
               <a:srgbClr val="000000"/>
             </a:outerShdw>
           </a:effectLst>
@@ -2508,7 +2672,7 @@
             <a:srgbClr val="EBEBEB"/>
           </a:solidFill>
           <a:effectLst>
-            <a:outerShdw blurRad="50800" dist="25400" dir="5400000" rotWithShape="0">
+            <a:outerShdw sx="100000" sy="100000" kx="0" ky="0" algn="b" rotWithShape="0" blurRad="50800" dist="25400" dir="5400000">
               <a:srgbClr val="000000"/>
             </a:outerShdw>
           </a:effectLst>
@@ -2529,7 +2693,7 @@
             <a:srgbClr val="EBEBEB"/>
           </a:solidFill>
           <a:effectLst>
-            <a:outerShdw blurRad="50800" dist="25400" dir="5400000" rotWithShape="0">
+            <a:outerShdw sx="100000" sy="100000" kx="0" ky="0" algn="b" rotWithShape="0" blurRad="50800" dist="25400" dir="5400000">
               <a:srgbClr val="000000"/>
             </a:outerShdw>
           </a:effectLst>
@@ -2550,7 +2714,7 @@
             <a:srgbClr val="EBEBEB"/>
           </a:solidFill>
           <a:effectLst>
-            <a:outerShdw blurRad="50800" dist="25400" dir="5400000" rotWithShape="0">
+            <a:outerShdw sx="100000" sy="100000" kx="0" ky="0" algn="b" rotWithShape="0" blurRad="50800" dist="25400" dir="5400000">
               <a:srgbClr val="000000"/>
             </a:outerShdw>
           </a:effectLst>
@@ -2571,7 +2735,7 @@
             <a:srgbClr val="EBEBEB"/>
           </a:solidFill>
           <a:effectLst>
-            <a:outerShdw blurRad="50800" dist="25400" dir="5400000" rotWithShape="0">
+            <a:outerShdw sx="100000" sy="100000" kx="0" ky="0" algn="b" rotWithShape="0" blurRad="50800" dist="25400" dir="5400000">
               <a:srgbClr val="000000"/>
             </a:outerShdw>
           </a:effectLst>
@@ -2592,7 +2756,7 @@
             <a:srgbClr val="EBEBEB"/>
           </a:solidFill>
           <a:effectLst>
-            <a:outerShdw blurRad="50800" dist="25400" dir="5400000" rotWithShape="0">
+            <a:outerShdw sx="100000" sy="100000" kx="0" ky="0" algn="b" rotWithShape="0" blurRad="50800" dist="25400" dir="5400000">
               <a:srgbClr val="000000"/>
             </a:outerShdw>
           </a:effectLst>
@@ -2610,7 +2774,7 @@
             <a:schemeClr val="tx1"/>
           </a:solidFill>
           <a:effectLst>
-            <a:outerShdw blurRad="50800" dist="25400" dir="5400000" rotWithShape="0">
+            <a:outerShdw sx="100000" sy="100000" kx="0" ky="0" algn="b" rotWithShape="0" blurRad="50800" dist="25400" dir="5400000">
               <a:srgbClr val="000000"/>
             </a:outerShdw>
           </a:effectLst>
@@ -2626,7 +2790,7 @@
             <a:schemeClr val="tx1"/>
           </a:solidFill>
           <a:effectLst>
-            <a:outerShdw blurRad="50800" dist="25400" dir="5400000" rotWithShape="0">
+            <a:outerShdw sx="100000" sy="100000" kx="0" ky="0" algn="b" rotWithShape="0" blurRad="50800" dist="25400" dir="5400000">
               <a:srgbClr val="000000"/>
             </a:outerShdw>
           </a:effectLst>
@@ -2642,7 +2806,7 @@
             <a:schemeClr val="tx1"/>
           </a:solidFill>
           <a:effectLst>
-            <a:outerShdw blurRad="50800" dist="25400" dir="5400000" rotWithShape="0">
+            <a:outerShdw sx="100000" sy="100000" kx="0" ky="0" algn="b" rotWithShape="0" blurRad="50800" dist="25400" dir="5400000">
               <a:srgbClr val="000000"/>
             </a:outerShdw>
           </a:effectLst>
@@ -2658,7 +2822,7 @@
             <a:schemeClr val="tx1"/>
           </a:solidFill>
           <a:effectLst>
-            <a:outerShdw blurRad="50800" dist="25400" dir="5400000" rotWithShape="0">
+            <a:outerShdw sx="100000" sy="100000" kx="0" ky="0" algn="b" rotWithShape="0" blurRad="50800" dist="25400" dir="5400000">
               <a:srgbClr val="000000"/>
             </a:outerShdw>
           </a:effectLst>
@@ -2674,7 +2838,7 @@
             <a:schemeClr val="tx1"/>
           </a:solidFill>
           <a:effectLst>
-            <a:outerShdw blurRad="50800" dist="25400" dir="5400000" rotWithShape="0">
+            <a:outerShdw sx="100000" sy="100000" kx="0" ky="0" algn="b" rotWithShape="0" blurRad="50800" dist="25400" dir="5400000">
               <a:srgbClr val="000000"/>
             </a:outerShdw>
           </a:effectLst>
@@ -2690,7 +2854,7 @@
             <a:schemeClr val="tx1"/>
           </a:solidFill>
           <a:effectLst>
-            <a:outerShdw blurRad="50800" dist="25400" dir="5400000" rotWithShape="0">
+            <a:outerShdw sx="100000" sy="100000" kx="0" ky="0" algn="b" rotWithShape="0" blurRad="50800" dist="25400" dir="5400000">
               <a:srgbClr val="000000"/>
             </a:outerShdw>
           </a:effectLst>
@@ -2706,7 +2870,7 @@
             <a:schemeClr val="tx1"/>
           </a:solidFill>
           <a:effectLst>
-            <a:outerShdw blurRad="50800" dist="25400" dir="5400000" rotWithShape="0">
+            <a:outerShdw sx="100000" sy="100000" kx="0" ky="0" algn="b" rotWithShape="0" blurRad="50800" dist="25400" dir="5400000">
               <a:srgbClr val="000000"/>
             </a:outerShdw>
           </a:effectLst>
@@ -2722,7 +2886,7 @@
             <a:schemeClr val="tx1"/>
           </a:solidFill>
           <a:effectLst>
-            <a:outerShdw blurRad="50800" dist="25400" dir="5400000" rotWithShape="0">
+            <a:outerShdw sx="100000" sy="100000" kx="0" ky="0" algn="b" rotWithShape="0" blurRad="50800" dist="25400" dir="5400000">
               <a:srgbClr val="000000"/>
             </a:outerShdw>
           </a:effectLst>
@@ -2738,7 +2902,7 @@
             <a:schemeClr val="tx1"/>
           </a:solidFill>
           <a:effectLst>
-            <a:outerShdw blurRad="50800" dist="25400" dir="5400000" rotWithShape="0">
+            <a:outerShdw sx="100000" sy="100000" kx="0" ky="0" algn="b" rotWithShape="0" blurRad="50800" dist="25400" dir="5400000">
               <a:srgbClr val="000000"/>
             </a:outerShdw>
           </a:effectLst>
@@ -2754,7 +2918,7 @@
 </file>
 
 <file path=ppt/slides/slide1.xml><?xml version="1.0" encoding="utf-8"?>
-<p:sld xmlns:a="http://schemas.openxmlformats.org/drawingml/2006/main" xmlns:r="http://schemas.openxmlformats.org/officeDocument/2006/relationships" xmlns:p="http://schemas.openxmlformats.org/presentationml/2006/main">
+<p:sld xmlns:a="http://schemas.openxmlformats.org/drawingml/2006/main" xmlns:r="http://schemas.openxmlformats.org/officeDocument/2006/relationships" xmlns:p="http://schemas.openxmlformats.org/presentationml/2006/main" showMasterSp="1" showMasterPhAnim="1">
   <p:cSld>
     <p:spTree>
       <p:nvGrpSpPr>
@@ -2773,9 +2937,7 @@
       <p:sp>
         <p:nvSpPr>
           <p:cNvPr id="31" name="Shape 31"/>
-          <p:cNvSpPr>
-            <a:spLocks noGrp="1"/>
-          </p:cNvSpPr>
+          <p:cNvSpPr/>
           <p:nvPr>
             <p:ph type="title"/>
           </p:nvPr>
@@ -2795,7 +2957,7 @@
             <a:lvl1pPr defTabSz="479044">
               <a:defRPr sz="3900">
                 <a:effectLst>
-                  <a:outerShdw blurRad="38100" dist="20828" dir="5400000" rotWithShape="0">
+                  <a:outerShdw sx="100000" sy="100000" kx="0" ky="0" algn="b" rotWithShape="0" blurRad="38100" dist="20828" dir="5400000">
                     <a:srgbClr val="000000"/>
                   </a:outerShdw>
                 </a:effectLst>
@@ -2804,7 +2966,7 @@
           </a:lstStyle>
           <a:p>
             <a:pPr lvl="0">
-              <a:defRPr sz="1800" b="0">
+              <a:defRPr b="0" sz="1800">
                 <a:solidFill>
                   <a:srgbClr val="000000"/>
                 </a:solidFill>
@@ -2812,12 +2974,12 @@
               </a:defRPr>
             </a:pPr>
             <a:r>
-              <a:rPr sz="3900" b="1">
+              <a:rPr b="1" sz="3900">
                 <a:solidFill>
                   <a:srgbClr val="FFFFFF"/>
                 </a:solidFill>
                 <a:effectLst>
-                  <a:outerShdw blurRad="38100" dist="20828" dir="5400000" rotWithShape="0">
+                  <a:outerShdw sx="100000" sy="100000" kx="0" ky="0" algn="b" rotWithShape="0" blurRad="38100" dist="20828" dir="5400000">
                     <a:srgbClr val="000000"/>
                   </a:outerShdw>
                 </a:effectLst>
@@ -2830,9 +2992,7 @@
       <p:sp>
         <p:nvSpPr>
           <p:cNvPr id="32" name="Shape 32"/>
-          <p:cNvSpPr>
-            <a:spLocks noGrp="1"/>
-          </p:cNvSpPr>
+          <p:cNvSpPr/>
           <p:nvPr>
             <p:ph type="body" idx="1"/>
           </p:nvPr>
@@ -2864,7 +3024,7 @@
                   <a:srgbClr val="FFFFFF"/>
                 </a:solidFill>
                 <a:effectLst>
-                  <a:outerShdw blurRad="50800" dist="25400" dir="5400000" rotWithShape="0">
+                  <a:outerShdw sx="100000" sy="100000" kx="0" ky="0" algn="b" rotWithShape="0" blurRad="50800" dist="25400" dir="5400000">
                     <a:srgbClr val="000000"/>
                   </a:outerShdw>
                 </a:effectLst>
@@ -2891,7 +3051,7 @@
         <p:spPr>
           <a:xfrm>
             <a:off x="16049" y="1997273"/>
-            <a:ext cx="13589000" cy="7785973"/>
+            <a:ext cx="13589001" cy="7785973"/>
           </a:xfrm>
           <a:prstGeom prst="rect">
             <a:avLst/>
@@ -2909,7 +3069,7 @@
         </p:nvSpPr>
         <p:spPr>
           <a:xfrm>
-            <a:off x="3947108" y="1029129"/>
+            <a:off x="3947107" y="1029129"/>
             <a:ext cx="5110583" cy="647139"/>
           </a:xfrm>
           <a:prstGeom prst="rect">
@@ -2966,19 +3126,12 @@
   <p:clrMapOvr>
     <a:masterClrMapping/>
   </p:clrMapOvr>
-  <p:transition xmlns:p14="http://schemas.microsoft.com/office/powerpoint/2010/main" spd="med"/>
-  <p:timing>
-    <p:tnLst>
-      <p:par>
-        <p:cTn xmlns:p14="http://schemas.microsoft.com/office/powerpoint/2010/main" id="1" dur="indefinite" restart="never" nodeType="tmRoot"/>
-      </p:par>
-    </p:tnLst>
-  </p:timing>
+  <p:transition spd="med" advClick="1"/>
 </p:sld>
 </file>
 
 <file path=ppt/slides/slide10.xml><?xml version="1.0" encoding="utf-8"?>
-<p:sld xmlns:a="http://schemas.openxmlformats.org/drawingml/2006/main" xmlns:r="http://schemas.openxmlformats.org/officeDocument/2006/relationships" xmlns:p="http://schemas.openxmlformats.org/presentationml/2006/main">
+<p:sld xmlns:a="http://schemas.openxmlformats.org/drawingml/2006/main" xmlns:r="http://schemas.openxmlformats.org/officeDocument/2006/relationships" xmlns:p="http://schemas.openxmlformats.org/presentationml/2006/main" showMasterSp="1" showMasterPhAnim="1">
   <p:cSld>
     <p:spTree>
       <p:nvGrpSpPr>
@@ -2996,10 +3149,8 @@
       </p:grpSpPr>
       <p:sp>
         <p:nvSpPr>
-          <p:cNvPr id="90" name="Shape 90"/>
-          <p:cNvSpPr>
-            <a:spLocks noGrp="1"/>
-          </p:cNvSpPr>
+          <p:cNvPr id="92" name="Shape 92"/>
+          <p:cNvSpPr/>
           <p:nvPr>
             <p:ph type="title"/>
           </p:nvPr>
@@ -3022,7 +3173,7 @@
           </a:lstStyle>
           <a:p>
             <a:pPr lvl="0">
-              <a:defRPr sz="1800" b="0">
+              <a:defRPr b="0" sz="1800">
                 <a:solidFill>
                   <a:srgbClr val="000000"/>
                 </a:solidFill>
@@ -3030,12 +3181,12 @@
               </a:defRPr>
             </a:pPr>
             <a:r>
-              <a:rPr sz="5800" b="1">
+              <a:rPr b="1" sz="5800">
                 <a:solidFill>
                   <a:srgbClr val="FFFFFF"/>
                 </a:solidFill>
                 <a:effectLst>
-                  <a:outerShdw blurRad="50800" dist="25400" dir="5400000" rotWithShape="0">
+                  <a:outerShdw sx="100000" sy="100000" kx="0" ky="0" algn="b" rotWithShape="0" blurRad="50800" dist="25400" dir="5400000">
                     <a:srgbClr val="000000"/>
                   </a:outerShdw>
                 </a:effectLst>
@@ -3047,10 +3198,8 @@
       </p:sp>
       <p:sp>
         <p:nvSpPr>
-          <p:cNvPr id="91" name="Shape 91"/>
-          <p:cNvSpPr>
-            <a:spLocks noGrp="1"/>
-          </p:cNvSpPr>
+          <p:cNvPr id="93" name="Shape 93"/>
+          <p:cNvSpPr/>
           <p:nvPr>
             <p:ph type="body" idx="1"/>
           </p:nvPr>
@@ -3058,19 +3207,17 @@
         <p:spPr>
           <a:xfrm>
             <a:off x="521225" y="1601984"/>
-            <a:ext cx="12479870" cy="7135615"/>
+            <a:ext cx="12479871" cy="7135615"/>
           </a:xfrm>
           <a:prstGeom prst="rect">
             <a:avLst/>
           </a:prstGeom>
         </p:spPr>
         <p:txBody>
-          <a:bodyPr>
-            <a:normAutofit/>
-          </a:bodyPr>
+          <a:bodyPr/>
           <a:lstStyle/>
           <a:p>
-            <a:pPr marL="903111" lvl="0" indent="-903111">
+            <a:pPr lvl="0" marL="2207604" indent="-2207604">
               <a:buClr>
                 <a:srgbClr val="EBEBEB"/>
               </a:buClr>
@@ -3082,12 +3229,12 @@
               </a:defRPr>
             </a:pPr>
             <a:r>
-              <a:rPr sz="4400" dirty="0">
+              <a:rPr sz="4400">
                 <a:solidFill>
                   <a:srgbClr val="EBEBEB"/>
                 </a:solidFill>
                 <a:effectLst>
-                  <a:outerShdw blurRad="50800" dist="25400" dir="5400000" rotWithShape="0">
+                  <a:outerShdw sx="100000" sy="100000" kx="0" ky="0" algn="b" rotWithShape="0" blurRad="50800" dist="25400" dir="5400000">
                     <a:srgbClr val="000000"/>
                   </a:outerShdw>
                 </a:effectLst>
@@ -3095,22 +3242,22 @@
               <a:t>Topics in recent news detected. </a:t>
             </a:r>
             <a:r>
-              <a:rPr lang="en-US" sz="4400" dirty="0" smtClean="0">
+              <a:rPr sz="4400">
                 <a:solidFill>
                   <a:srgbClr val="EBEBEB"/>
                 </a:solidFill>
                 <a:effectLst>
-                  <a:outerShdw blurRad="50800" dist="25400" dir="5400000" rotWithShape="0">
+                  <a:outerShdw sx="100000" sy="100000" kx="0" ky="0" algn="b" rotWithShape="0" blurRad="50800" dist="25400" dir="5400000">
                     <a:srgbClr val="000000"/>
                   </a:outerShdw>
                 </a:effectLst>
               </a:rPr>
               <a:t>                           </a:t>
             </a:r>
-            <a:endParaRPr sz="4400" dirty="0"/>
-          </a:p>
-          <a:p>
-            <a:pPr marL="903111" lvl="0" indent="-903111">
+            <a:endParaRPr sz="4400"/>
+          </a:p>
+          <a:p>
+            <a:pPr lvl="0" marL="2207604" indent="-2207604">
               <a:buClr>
                 <a:srgbClr val="EBEBEB"/>
               </a:buClr>
@@ -3122,12 +3269,12 @@
               </a:defRPr>
             </a:pPr>
             <a:r>
-              <a:rPr sz="4400" dirty="0">
+              <a:rPr sz="4400">
                 <a:solidFill>
                   <a:srgbClr val="EBEBEB"/>
                 </a:solidFill>
                 <a:effectLst>
-                  <a:outerShdw blurRad="50800" dist="25400" dir="5400000" rotWithShape="0">
+                  <a:outerShdw sx="100000" sy="100000" kx="0" ky="0" algn="b" rotWithShape="0" blurRad="50800" dist="25400" dir="5400000">
                     <a:srgbClr val="000000"/>
                   </a:outerShdw>
                 </a:effectLst>
@@ -3142,19 +3289,12 @@
   <p:clrMapOvr>
     <a:masterClrMapping/>
   </p:clrMapOvr>
-  <p:transition xmlns:p14="http://schemas.microsoft.com/office/powerpoint/2010/main" spd="med"/>
-  <p:timing>
-    <p:tnLst>
-      <p:par>
-        <p:cTn xmlns:p14="http://schemas.microsoft.com/office/powerpoint/2010/main" id="1" dur="indefinite" restart="never" nodeType="tmRoot"/>
-      </p:par>
-    </p:tnLst>
-  </p:timing>
+  <p:transition spd="med" advClick="1"/>
 </p:sld>
 </file>
 
 <file path=ppt/slides/slide11.xml><?xml version="1.0" encoding="utf-8"?>
-<p:sld xmlns:a="http://schemas.openxmlformats.org/drawingml/2006/main" xmlns:r="http://schemas.openxmlformats.org/officeDocument/2006/relationships" xmlns:p="http://schemas.openxmlformats.org/presentationml/2006/main">
+<p:sld xmlns:a="http://schemas.openxmlformats.org/drawingml/2006/main" xmlns:r="http://schemas.openxmlformats.org/officeDocument/2006/relationships" xmlns:p="http://schemas.openxmlformats.org/presentationml/2006/main" showMasterSp="1" showMasterPhAnim="1">
   <p:cSld>
     <p:spTree>
       <p:nvGrpSpPr>
@@ -3172,10 +3312,8 @@
       </p:grpSpPr>
       <p:sp>
         <p:nvSpPr>
-          <p:cNvPr id="95" name="Shape 95"/>
-          <p:cNvSpPr>
-            <a:spLocks noGrp="1"/>
-          </p:cNvSpPr>
+          <p:cNvPr id="97" name="Shape 97"/>
+          <p:cNvSpPr/>
           <p:nvPr>
             <p:ph type="title"/>
           </p:nvPr>
@@ -3198,7 +3336,7 @@
           </a:lstStyle>
           <a:p>
             <a:pPr lvl="0">
-              <a:defRPr sz="1800" b="0">
+              <a:defRPr b="0" sz="1800">
                 <a:solidFill>
                   <a:srgbClr val="000000"/>
                 </a:solidFill>
@@ -3206,12 +3344,12 @@
               </a:defRPr>
             </a:pPr>
             <a:r>
-              <a:rPr sz="5800" b="1" dirty="0">
+              <a:rPr b="1" sz="5800">
                 <a:solidFill>
                   <a:srgbClr val="FFFFFF"/>
                 </a:solidFill>
                 <a:effectLst>
-                  <a:outerShdw blurRad="50800" dist="25400" dir="5400000" rotWithShape="0">
+                  <a:outerShdw sx="100000" sy="100000" kx="0" ky="0" algn="b" rotWithShape="0" blurRad="50800" dist="25400" dir="5400000">
                     <a:srgbClr val="000000"/>
                   </a:outerShdw>
                 </a:effectLst>
@@ -3223,30 +3361,26 @@
       </p:sp>
       <p:sp>
         <p:nvSpPr>
-          <p:cNvPr id="96" name="Shape 96"/>
-          <p:cNvSpPr>
-            <a:spLocks noGrp="1"/>
-          </p:cNvSpPr>
+          <p:cNvPr id="98" name="Shape 98"/>
+          <p:cNvSpPr/>
           <p:nvPr>
             <p:ph type="body" idx="1"/>
           </p:nvPr>
         </p:nvSpPr>
         <p:spPr>
           <a:xfrm>
-            <a:off x="556143" y="1712837"/>
-            <a:ext cx="12242803" cy="7071784"/>
+            <a:off x="556142" y="1712836"/>
+            <a:ext cx="12242805" cy="7071785"/>
           </a:xfrm>
           <a:prstGeom prst="rect">
             <a:avLst/>
           </a:prstGeom>
         </p:spPr>
         <p:txBody>
-          <a:bodyPr>
-            <a:normAutofit/>
-          </a:bodyPr>
+          <a:bodyPr/>
           <a:lstStyle/>
           <a:p>
-            <a:pPr marL="903111" lvl="0" indent="-903111">
+            <a:pPr lvl="0" marL="2207604" indent="-2207604">
               <a:buClr>
                 <a:srgbClr val="EBEBEB"/>
               </a:buClr>
@@ -3258,12 +3392,12 @@
               </a:defRPr>
             </a:pPr>
             <a:r>
-              <a:rPr sz="4400" dirty="0">
+              <a:rPr sz="4400">
                 <a:solidFill>
                   <a:srgbClr val="EBEBEB"/>
                 </a:solidFill>
                 <a:effectLst>
-                  <a:outerShdw blurRad="50800" dist="25400" dir="5400000" rotWithShape="0">
+                  <a:outerShdw sx="100000" sy="100000" kx="0" ky="0" algn="b" rotWithShape="0" blurRad="50800" dist="25400" dir="5400000">
                     <a:srgbClr val="000000"/>
                   </a:outerShdw>
                 </a:effectLst>
@@ -3272,7 +3406,7 @@
             </a:r>
           </a:p>
           <a:p>
-            <a:pPr marL="903111" lvl="0" indent="-903111">
+            <a:pPr lvl="0" marL="2207604" indent="-2207604">
               <a:buClr>
                 <a:srgbClr val="EBEBEB"/>
               </a:buClr>
@@ -3284,12 +3418,12 @@
               </a:defRPr>
             </a:pPr>
             <a:r>
-              <a:rPr sz="4400" dirty="0">
+              <a:rPr sz="4400">
                 <a:solidFill>
                   <a:srgbClr val="EBEBEB"/>
                 </a:solidFill>
                 <a:effectLst>
-                  <a:outerShdw blurRad="50800" dist="25400" dir="5400000" rotWithShape="0">
+                  <a:outerShdw sx="100000" sy="100000" kx="0" ky="0" algn="b" rotWithShape="0" blurRad="50800" dist="25400" dir="5400000">
                     <a:srgbClr val="000000"/>
                   </a:outerShdw>
                 </a:effectLst>
@@ -3304,19 +3438,12 @@
   <p:clrMapOvr>
     <a:masterClrMapping/>
   </p:clrMapOvr>
-  <p:transition xmlns:p14="http://schemas.microsoft.com/office/powerpoint/2010/main" spd="med"/>
-  <p:timing>
-    <p:tnLst>
-      <p:par>
-        <p:cTn xmlns:p14="http://schemas.microsoft.com/office/powerpoint/2010/main" id="1" dur="indefinite" restart="never" nodeType="tmRoot"/>
-      </p:par>
-    </p:tnLst>
-  </p:timing>
+  <p:transition spd="med" advClick="1"/>
 </p:sld>
 </file>
 
 <file path=ppt/slides/slide12.xml><?xml version="1.0" encoding="utf-8"?>
-<p:sld xmlns:a="http://schemas.openxmlformats.org/drawingml/2006/main" xmlns:r="http://schemas.openxmlformats.org/officeDocument/2006/relationships" xmlns:p="http://schemas.openxmlformats.org/presentationml/2006/main">
+<p:sld xmlns:a="http://schemas.openxmlformats.org/drawingml/2006/main" xmlns:r="http://schemas.openxmlformats.org/officeDocument/2006/relationships" xmlns:p="http://schemas.openxmlformats.org/presentationml/2006/main" showMasterSp="1" showMasterPhAnim="1">
   <p:cSld>
     <p:spTree>
       <p:nvGrpSpPr>
@@ -3334,18 +3461,16 @@
       </p:grpSpPr>
       <p:sp>
         <p:nvSpPr>
-          <p:cNvPr id="100" name="Shape 100"/>
-          <p:cNvSpPr>
-            <a:spLocks noGrp="1"/>
-          </p:cNvSpPr>
+          <p:cNvPr id="102" name="Shape 102"/>
+          <p:cNvSpPr/>
           <p:nvPr>
             <p:ph type="title"/>
           </p:nvPr>
         </p:nvSpPr>
         <p:spPr>
           <a:xfrm>
-            <a:off x="1100664" y="1626491"/>
-            <a:ext cx="11480803" cy="3072509"/>
+            <a:off x="1100663" y="1626491"/>
+            <a:ext cx="11480805" cy="3072510"/>
           </a:xfrm>
           <a:prstGeom prst="rect">
             <a:avLst/>
@@ -3356,7 +3481,7 @@
           <a:lstStyle/>
           <a:p>
             <a:pPr lvl="0">
-              <a:defRPr sz="1800" b="0">
+              <a:defRPr b="0" sz="1800">
                 <a:solidFill>
                   <a:srgbClr val="000000"/>
                 </a:solidFill>
@@ -3364,12 +3489,12 @@
               </a:defRPr>
             </a:pPr>
             <a:r>
-              <a:rPr sz="6400" b="1">
+              <a:rPr b="1" sz="6400">
                 <a:solidFill>
                   <a:srgbClr val="FFFFFF"/>
                 </a:solidFill>
                 <a:effectLst>
-                  <a:outerShdw blurRad="50800" dist="25400" dir="5400000" rotWithShape="0">
+                  <a:outerShdw sx="100000" sy="100000" kx="0" ky="0" algn="b" rotWithShape="0" blurRad="50800" dist="25400" dir="5400000">
                     <a:srgbClr val="000000"/>
                   </a:outerShdw>
                 </a:effectLst>
@@ -3379,16 +3504,13 @@
           </a:p>
           <a:p>
             <a:pPr lvl="0">
-              <a:defRPr sz="1800" b="0">
-                <a:solidFill>
-                  <a:srgbClr val="000000"/>
-                </a:solidFill>
-                <a:effectLst/>
-              </a:defRPr>
-            </a:pPr>
-            <a:r>
-              <a:t/>
-            </a:r>
+              <a:defRPr b="0" sz="1800">
+                <a:solidFill>
+                  <a:srgbClr val="000000"/>
+                </a:solidFill>
+                <a:effectLst/>
+              </a:defRPr>
+            </a:pPr>
             <a:br/>
             <a:r>
               <a:rPr sz="3600">
@@ -3403,10 +3525,8 @@
       </p:sp>
       <p:sp>
         <p:nvSpPr>
-          <p:cNvPr id="101" name="Shape 101"/>
-          <p:cNvSpPr>
-            <a:spLocks noGrp="1"/>
-          </p:cNvSpPr>
+          <p:cNvPr id="103" name="Shape 103"/>
+          <p:cNvSpPr/>
           <p:nvPr>
             <p:ph type="body" idx="1"/>
           </p:nvPr>
@@ -3414,7 +3534,7 @@
         <p:spPr>
           <a:xfrm>
             <a:off x="596899" y="5452533"/>
-            <a:ext cx="12327467" cy="3962403"/>
+            <a:ext cx="12327467" cy="3962404"/>
           </a:xfrm>
           <a:prstGeom prst="rect">
             <a:avLst/>
@@ -3449,7 +3569,7 @@
                   <a:srgbClr val="FFFFFF"/>
                 </a:solidFill>
                 <a:effectLst>
-                  <a:outerShdw blurRad="50800" dist="25400" dir="5400000" rotWithShape="0">
+                  <a:outerShdw sx="100000" sy="100000" kx="0" ky="0" algn="b" rotWithShape="0" blurRad="50800" dist="25400" dir="5400000">
                     <a:srgbClr val="000000"/>
                   </a:outerShdw>
                 </a:effectLst>
@@ -3495,7 +3615,7 @@
                   <a:srgbClr val="FFFFFF"/>
                 </a:solidFill>
                 <a:effectLst>
-                  <a:outerShdw blurRad="50800" dist="25400" dir="5400000" rotWithShape="0">
+                  <a:outerShdw sx="100000" sy="100000" kx="0" ky="0" algn="b" rotWithShape="0" blurRad="50800" dist="25400" dir="5400000">
                     <a:srgbClr val="000000"/>
                   </a:outerShdw>
                 </a:effectLst>
@@ -3507,7 +3627,7 @@
       </p:sp>
       <p:pic>
         <p:nvPicPr>
-          <p:cNvPr id="102" name="image14.png" descr="linkedIn-icon-logo-vector.png"/>
+          <p:cNvPr id="104" name="image14.png" descr="linkedIn-icon-logo-vector.png"/>
           <p:cNvPicPr/>
           <p:nvPr/>
         </p:nvPicPr>
@@ -3522,7 +3642,7 @@
         <p:spPr>
           <a:xfrm>
             <a:off x="6595533" y="5465233"/>
-            <a:ext cx="668869" cy="668869"/>
+            <a:ext cx="668870" cy="668870"/>
           </a:xfrm>
           <a:prstGeom prst="rect">
             <a:avLst/>
@@ -3534,7 +3654,7 @@
       </p:pic>
       <p:pic>
         <p:nvPicPr>
-          <p:cNvPr id="103" name="image15.png"/>
+          <p:cNvPr id="105" name="image15.png"/>
           <p:cNvPicPr/>
           <p:nvPr/>
         </p:nvPicPr>
@@ -3549,7 +3669,7 @@
         <p:spPr>
           <a:xfrm>
             <a:off x="6493928" y="7205125"/>
-            <a:ext cx="872076" cy="872076"/>
+            <a:ext cx="872077" cy="872077"/>
           </a:xfrm>
           <a:prstGeom prst="rect">
             <a:avLst/>
@@ -3564,19 +3684,12 @@
   <p:clrMapOvr>
     <a:masterClrMapping/>
   </p:clrMapOvr>
-  <p:transition xmlns:p14="http://schemas.microsoft.com/office/powerpoint/2010/main" spd="med"/>
-  <p:timing>
-    <p:tnLst>
-      <p:par>
-        <p:cTn xmlns:p14="http://schemas.microsoft.com/office/powerpoint/2010/main" id="1" dur="indefinite" restart="never" nodeType="tmRoot"/>
-      </p:par>
-    </p:tnLst>
-  </p:timing>
+  <p:transition spd="med" advClick="1"/>
 </p:sld>
 </file>
 
 <file path=ppt/slides/slide13.xml><?xml version="1.0" encoding="utf-8"?>
-<p:sld xmlns:a="http://schemas.openxmlformats.org/drawingml/2006/main" xmlns:r="http://schemas.openxmlformats.org/officeDocument/2006/relationships" xmlns:p="http://schemas.openxmlformats.org/presentationml/2006/main">
+<p:sld xmlns:a="http://schemas.openxmlformats.org/drawingml/2006/main" xmlns:r="http://schemas.openxmlformats.org/officeDocument/2006/relationships" xmlns:p="http://schemas.openxmlformats.org/presentationml/2006/main" showMasterSp="1" showMasterPhAnim="1">
   <p:cSld>
     <p:spTree>
       <p:nvGrpSpPr>
@@ -3594,10 +3707,8 @@
       </p:grpSpPr>
       <p:sp>
         <p:nvSpPr>
-          <p:cNvPr id="105" name="Shape 105"/>
-          <p:cNvSpPr>
-            <a:spLocks noGrp="1"/>
-          </p:cNvSpPr>
+          <p:cNvPr id="107" name="Shape 107"/>
+          <p:cNvSpPr/>
           <p:nvPr>
             <p:ph type="title"/>
           </p:nvPr>
@@ -3617,7 +3728,7 @@
             <a:lvl1pPr defTabSz="479044">
               <a:defRPr sz="4700">
                 <a:effectLst>
-                  <a:outerShdw blurRad="38100" dist="20828" dir="5400000" rotWithShape="0">
+                  <a:outerShdw sx="100000" sy="100000" kx="0" ky="0" algn="b" rotWithShape="0" blurRad="38100" dist="20828" dir="5400000">
                     <a:srgbClr val="000000"/>
                   </a:outerShdw>
                 </a:effectLst>
@@ -3626,7 +3737,7 @@
           </a:lstStyle>
           <a:p>
             <a:pPr lvl="0">
-              <a:defRPr sz="1800" b="0">
+              <a:defRPr b="0" sz="1800">
                 <a:solidFill>
                   <a:srgbClr val="000000"/>
                 </a:solidFill>
@@ -3634,12 +3745,12 @@
               </a:defRPr>
             </a:pPr>
             <a:r>
-              <a:rPr sz="4700" b="1">
+              <a:rPr b="1" sz="4700">
                 <a:solidFill>
                   <a:srgbClr val="FFFFFF"/>
                 </a:solidFill>
                 <a:effectLst>
-                  <a:outerShdw blurRad="38100" dist="20828" dir="5400000" rotWithShape="0">
+                  <a:outerShdw sx="100000" sy="100000" kx="0" ky="0" algn="b" rotWithShape="0" blurRad="38100" dist="20828" dir="5400000">
                     <a:srgbClr val="000000"/>
                   </a:outerShdw>
                 </a:effectLst>
@@ -3651,14 +3762,14 @@
       </p:sp>
       <p:sp>
         <p:nvSpPr>
-          <p:cNvPr id="106" name="Shape 106"/>
+          <p:cNvPr id="108" name="Shape 108"/>
           <p:cNvSpPr/>
           <p:nvPr/>
         </p:nvSpPr>
         <p:spPr>
           <a:xfrm>
-            <a:off x="332126" y="1093387"/>
-            <a:ext cx="10825328" cy="1818487"/>
+            <a:off x="332125" y="1093387"/>
+            <a:ext cx="10825330" cy="1818486"/>
           </a:xfrm>
           <a:prstGeom prst="rect">
             <a:avLst/>
@@ -3680,9 +3791,6 @@
           <a:p>
             <a:pPr lvl="0" algn="l">
               <a:defRPr sz="1800">
-                <a:solidFill>
-                  <a:srgbClr val="000000"/>
-                </a:solidFill>
                 <a:effectLst/>
               </a:defRPr>
             </a:pPr>
@@ -3692,7 +3800,7 @@
                   <a:srgbClr val="EBEBEB"/>
                 </a:solidFill>
                 <a:effectLst>
-                  <a:outerShdw blurRad="50800" dist="25400" dir="5400000" rotWithShape="0">
+                  <a:outerShdw sx="100000" sy="100000" kx="0" ky="0" algn="b" rotWithShape="0" blurRad="50800" dist="25400" dir="5400000">
                     <a:srgbClr val="000000"/>
                   </a:outerShdw>
                 </a:effectLst>
@@ -3713,9 +3821,6 @@
           <a:p>
             <a:pPr lvl="0" algn="l">
               <a:defRPr sz="1800">
-                <a:solidFill>
-                  <a:srgbClr val="000000"/>
-                </a:solidFill>
                 <a:effectLst/>
               </a:defRPr>
             </a:pPr>
@@ -3725,7 +3830,7 @@
                   <a:srgbClr val="EBEBEB"/>
                 </a:solidFill>
                 <a:effectLst>
-                  <a:outerShdw blurRad="50800" dist="25400" dir="5400000" rotWithShape="0">
+                  <a:outerShdw sx="100000" sy="100000" kx="0" ky="0" algn="b" rotWithShape="0" blurRad="50800" dist="25400" dir="5400000">
                     <a:srgbClr val="000000"/>
                   </a:outerShdw>
                 </a:effectLst>
@@ -3746,9 +3851,6 @@
           <a:p>
             <a:pPr lvl="0" algn="l">
               <a:defRPr sz="1800">
-                <a:solidFill>
-                  <a:srgbClr val="000000"/>
-                </a:solidFill>
                 <a:effectLst/>
               </a:defRPr>
             </a:pPr>
@@ -3758,7 +3860,7 @@
                   <a:srgbClr val="EBEBEB"/>
                 </a:solidFill>
                 <a:effectLst>
-                  <a:outerShdw blurRad="50800" dist="25400" dir="5400000" rotWithShape="0">
+                  <a:outerShdw sx="100000" sy="100000" kx="0" ky="0" algn="b" rotWithShape="0" blurRad="50800" dist="25400" dir="5400000">
                     <a:srgbClr val="000000"/>
                   </a:outerShdw>
                 </a:effectLst>
@@ -3779,9 +3881,6 @@
           <a:p>
             <a:pPr lvl="0" algn="l">
               <a:defRPr sz="1800">
-                <a:solidFill>
-                  <a:srgbClr val="000000"/>
-                </a:solidFill>
                 <a:effectLst/>
               </a:defRPr>
             </a:pPr>
@@ -3791,7 +3890,7 @@
                   <a:srgbClr val="EBEBEB"/>
                 </a:solidFill>
                 <a:effectLst>
-                  <a:outerShdw blurRad="50800" dist="25400" dir="5400000" rotWithShape="0">
+                  <a:outerShdw sx="100000" sy="100000" kx="0" ky="0" algn="b" rotWithShape="0" blurRad="50800" dist="25400" dir="5400000">
                     <a:srgbClr val="000000"/>
                   </a:outerShdw>
                 </a:effectLst>
@@ -3807,7 +3906,7 @@
       </p:sp>
       <p:pic>
         <p:nvPicPr>
-          <p:cNvPr id="107" name="image16.png"/>
+          <p:cNvPr id="109" name="image16.png"/>
           <p:cNvPicPr/>
           <p:nvPr/>
         </p:nvPicPr>
@@ -3837,19 +3936,12 @@
   <p:clrMapOvr>
     <a:masterClrMapping/>
   </p:clrMapOvr>
-  <p:transition xmlns:p14="http://schemas.microsoft.com/office/powerpoint/2010/main" spd="med"/>
-  <p:timing>
-    <p:tnLst>
-      <p:par>
-        <p:cTn xmlns:p14="http://schemas.microsoft.com/office/powerpoint/2010/main" id="1" dur="indefinite" restart="never" nodeType="tmRoot"/>
-      </p:par>
-    </p:tnLst>
-  </p:timing>
+  <p:transition spd="med" advClick="1"/>
 </p:sld>
 </file>
 
 <file path=ppt/slides/slide14.xml><?xml version="1.0" encoding="utf-8"?>
-<p:sld xmlns:a="http://schemas.openxmlformats.org/drawingml/2006/main" xmlns:r="http://schemas.openxmlformats.org/officeDocument/2006/relationships" xmlns:p="http://schemas.openxmlformats.org/presentationml/2006/main">
+<p:sld xmlns:a="http://schemas.openxmlformats.org/drawingml/2006/main" xmlns:r="http://schemas.openxmlformats.org/officeDocument/2006/relationships" xmlns:p="http://schemas.openxmlformats.org/presentationml/2006/main" showMasterSp="1" showMasterPhAnim="1">
   <p:cSld>
     <p:spTree>
       <p:nvGrpSpPr>
@@ -3867,10 +3959,8 @@
       </p:grpSpPr>
       <p:sp>
         <p:nvSpPr>
-          <p:cNvPr id="109" name="Shape 109"/>
-          <p:cNvSpPr>
-            <a:spLocks noGrp="1"/>
-          </p:cNvSpPr>
+          <p:cNvPr id="111" name="Shape 111"/>
+          <p:cNvSpPr/>
           <p:nvPr>
             <p:ph type="title"/>
           </p:nvPr>
@@ -3890,7 +3980,7 @@
             <a:lvl1pPr defTabSz="508254">
               <a:defRPr sz="5000">
                 <a:effectLst>
-                  <a:outerShdw blurRad="38100" dist="22098" dir="5400000" rotWithShape="0">
+                  <a:outerShdw sx="100000" sy="100000" kx="0" ky="0" algn="b" rotWithShape="0" blurRad="38100" dist="22098" dir="5400000">
                     <a:srgbClr val="000000"/>
                   </a:outerShdw>
                 </a:effectLst>
@@ -3899,7 +3989,7 @@
           </a:lstStyle>
           <a:p>
             <a:pPr lvl="0">
-              <a:defRPr sz="1800" b="0">
+              <a:defRPr b="0" sz="1800">
                 <a:solidFill>
                   <a:srgbClr val="000000"/>
                 </a:solidFill>
@@ -3907,12 +3997,12 @@
               </a:defRPr>
             </a:pPr>
             <a:r>
-              <a:rPr sz="5000" b="1">
+              <a:rPr b="1" sz="5000">
                 <a:solidFill>
                   <a:srgbClr val="FFFFFF"/>
                 </a:solidFill>
                 <a:effectLst>
-                  <a:outerShdw blurRad="38100" dist="22098" dir="5400000" rotWithShape="0">
+                  <a:outerShdw sx="100000" sy="100000" kx="0" ky="0" algn="b" rotWithShape="0" blurRad="38100" dist="22098" dir="5400000">
                     <a:srgbClr val="000000"/>
                   </a:outerShdw>
                 </a:effectLst>
@@ -3924,18 +4014,16 @@
       </p:sp>
       <p:sp>
         <p:nvSpPr>
-          <p:cNvPr id="110" name="Shape 110"/>
-          <p:cNvSpPr>
-            <a:spLocks noGrp="1"/>
-          </p:cNvSpPr>
+          <p:cNvPr id="112" name="Shape 112"/>
+          <p:cNvSpPr/>
           <p:nvPr>
             <p:ph type="body" idx="1"/>
           </p:nvPr>
         </p:nvSpPr>
         <p:spPr>
           <a:xfrm>
-            <a:off x="457198" y="1104900"/>
-            <a:ext cx="12202967" cy="8345835"/>
+            <a:off x="457197" y="1104900"/>
+            <a:ext cx="12202969" cy="8345835"/>
           </a:xfrm>
           <a:prstGeom prst="rect">
             <a:avLst/>
@@ -3974,7 +4062,7 @@
                   <a:srgbClr val="EBEBEB"/>
                 </a:solidFill>
                 <a:effectLst>
-                  <a:outerShdw blurRad="50800" dist="25400" dir="5400000" rotWithShape="0">
+                  <a:outerShdw sx="100000" sy="100000" kx="0" ky="0" algn="b" rotWithShape="0" blurRad="50800" dist="25400" dir="5400000">
                     <a:srgbClr val="000000"/>
                   </a:outerShdw>
                 </a:effectLst>
@@ -4012,7 +4100,7 @@
                   <a:srgbClr val="EBEBEB"/>
                 </a:solidFill>
                 <a:effectLst>
-                  <a:outerShdw blurRad="50800" dist="25400" dir="5400000" rotWithShape="0">
+                  <a:outerShdw sx="100000" sy="100000" kx="0" ky="0" algn="b" rotWithShape="0" blurRad="50800" dist="25400" dir="5400000">
                     <a:srgbClr val="000000"/>
                   </a:outerShdw>
                 </a:effectLst>
@@ -4035,7 +4123,7 @@
                   <a:srgbClr val="EBEBEB"/>
                 </a:solidFill>
                 <a:effectLst>
-                  <a:outerShdw blurRad="50800" dist="25400" dir="5400000" rotWithShape="0">
+                  <a:outerShdw sx="100000" sy="100000" kx="0" ky="0" algn="b" rotWithShape="0" blurRad="50800" dist="25400" dir="5400000">
                     <a:srgbClr val="000000"/>
                   </a:outerShdw>
                 </a:effectLst>
@@ -4073,7 +4161,7 @@
                   <a:srgbClr val="EBEBEB"/>
                 </a:solidFill>
                 <a:effectLst>
-                  <a:outerShdw blurRad="50800" dist="25400" dir="5400000" rotWithShape="0">
+                  <a:outerShdw sx="100000" sy="100000" kx="0" ky="0" algn="b" rotWithShape="0" blurRad="50800" dist="25400" dir="5400000">
                     <a:srgbClr val="000000"/>
                   </a:outerShdw>
                 </a:effectLst>
@@ -4111,7 +4199,7 @@
                   <a:srgbClr val="EBEBEB"/>
                 </a:solidFill>
                 <a:effectLst>
-                  <a:outerShdw blurRad="50800" dist="25400" dir="5400000" rotWithShape="0">
+                  <a:outerShdw sx="100000" sy="100000" kx="0" ky="0" algn="b" rotWithShape="0" blurRad="50800" dist="25400" dir="5400000">
                     <a:srgbClr val="000000"/>
                   </a:outerShdw>
                 </a:effectLst>
@@ -4134,7 +4222,7 @@
                   <a:srgbClr val="EBEBEB"/>
                 </a:solidFill>
                 <a:effectLst>
-                  <a:outerShdw blurRad="50800" dist="25400" dir="5400000" rotWithShape="0">
+                  <a:outerShdw sx="100000" sy="100000" kx="0" ky="0" algn="b" rotWithShape="0" blurRad="50800" dist="25400" dir="5400000">
                     <a:srgbClr val="000000"/>
                   </a:outerShdw>
                 </a:effectLst>
@@ -4149,12 +4237,12 @@
   <p:clrMapOvr>
     <a:masterClrMapping/>
   </p:clrMapOvr>
-  <p:transition xmlns:p14="http://schemas.microsoft.com/office/powerpoint/2010/main" spd="med"/>
+  <p:transition spd="med" advClick="1"/>
 </p:sld>
 </file>
 
 <file path=ppt/slides/slide2.xml><?xml version="1.0" encoding="utf-8"?>
-<p:sld xmlns:a="http://schemas.openxmlformats.org/drawingml/2006/main" xmlns:r="http://schemas.openxmlformats.org/officeDocument/2006/relationships" xmlns:p="http://schemas.openxmlformats.org/presentationml/2006/main">
+<p:sld xmlns:a="http://schemas.openxmlformats.org/drawingml/2006/main" xmlns:r="http://schemas.openxmlformats.org/officeDocument/2006/relationships" xmlns:p="http://schemas.openxmlformats.org/presentationml/2006/main" showMasterSp="1" showMasterPhAnim="1">
   <p:cSld>
     <p:spTree>
       <p:nvGrpSpPr>
@@ -4173,17 +4261,15 @@
       <p:sp>
         <p:nvSpPr>
           <p:cNvPr id="36" name="Shape 36"/>
-          <p:cNvSpPr>
-            <a:spLocks noGrp="1"/>
-          </p:cNvSpPr>
+          <p:cNvSpPr/>
           <p:nvPr>
             <p:ph type="title"/>
           </p:nvPr>
         </p:nvSpPr>
         <p:spPr>
           <a:xfrm>
-            <a:off x="1303858" y="101598"/>
-            <a:ext cx="10397084" cy="1112692"/>
+            <a:off x="1303858" y="101597"/>
+            <a:ext cx="10397084" cy="1112694"/>
           </a:xfrm>
           <a:prstGeom prst="rect">
             <a:avLst/>
@@ -4198,7 +4284,7 @@
           </a:lstStyle>
           <a:p>
             <a:pPr lvl="0">
-              <a:defRPr sz="1800" b="0">
+              <a:defRPr b="0" sz="1800">
                 <a:solidFill>
                   <a:srgbClr val="000000"/>
                 </a:solidFill>
@@ -4206,12 +4292,12 @@
               </a:defRPr>
             </a:pPr>
             <a:r>
-              <a:rPr sz="5800" b="1">
+              <a:rPr b="1" sz="5800">
                 <a:solidFill>
                   <a:srgbClr val="FFFFFF"/>
                 </a:solidFill>
                 <a:effectLst>
-                  <a:outerShdw blurRad="50800" dist="25400" dir="5400000" rotWithShape="0">
+                  <a:outerShdw sx="100000" sy="100000" kx="0" ky="0" algn="b" rotWithShape="0" blurRad="50800" dist="25400" dir="5400000">
                     <a:srgbClr val="000000"/>
                   </a:outerShdw>
                 </a:effectLst>
@@ -4224,17 +4310,15 @@
       <p:sp>
         <p:nvSpPr>
           <p:cNvPr id="37" name="Shape 37"/>
-          <p:cNvSpPr>
-            <a:spLocks noGrp="1"/>
-          </p:cNvSpPr>
+          <p:cNvSpPr/>
           <p:nvPr>
             <p:ph type="body" idx="1"/>
           </p:nvPr>
         </p:nvSpPr>
         <p:spPr>
           <a:xfrm>
-            <a:off x="673100" y="1172267"/>
-            <a:ext cx="11836400" cy="3843144"/>
+            <a:off x="673100" y="1172266"/>
+            <a:ext cx="11836400" cy="3843146"/>
           </a:xfrm>
           <a:prstGeom prst="rect">
             <a:avLst/>
@@ -4244,7 +4328,7 @@
           <a:bodyPr/>
           <a:lstStyle/>
           <a:p>
-            <a:pPr marL="1449994" lvl="0" indent="-1449994">
+            <a:pPr lvl="0" marL="2738877" indent="-2738877">
               <a:buClr>
                 <a:srgbClr val="EBEBEB"/>
               </a:buClr>
@@ -4261,7 +4345,7 @@
                   <a:srgbClr val="EBEBEB"/>
                 </a:solidFill>
                 <a:effectLst>
-                  <a:outerShdw blurRad="50800" dist="25400" dir="5400000" rotWithShape="0">
+                  <a:outerShdw sx="100000" sy="100000" kx="0" ky="0" algn="b" rotWithShape="0" blurRad="50800" dist="25400" dir="5400000">
                     <a:srgbClr val="000000"/>
                   </a:outerShdw>
                 </a:effectLst>
@@ -4270,7 +4354,7 @@
             </a:r>
           </a:p>
           <a:p>
-            <a:pPr marL="1449994" lvl="0" indent="-1449994">
+            <a:pPr lvl="0" marL="2738877" indent="-2738877">
               <a:buClr>
                 <a:srgbClr val="EBEBEB"/>
               </a:buClr>
@@ -4287,7 +4371,7 @@
                   <a:srgbClr val="EBEBEB"/>
                 </a:solidFill>
                 <a:effectLst>
-                  <a:outerShdw blurRad="50800" dist="25400" dir="5400000" rotWithShape="0">
+                  <a:outerShdw sx="100000" sy="100000" kx="0" ky="0" algn="b" rotWithShape="0" blurRad="50800" dist="25400" dir="5400000">
                     <a:srgbClr val="000000"/>
                   </a:outerShdw>
                 </a:effectLst>
@@ -4305,8 +4389,8 @@
         </p:nvSpPr>
         <p:spPr>
           <a:xfrm>
-            <a:off x="611858" y="5740398"/>
-            <a:ext cx="11836403" cy="3448797"/>
+            <a:off x="611857" y="5740398"/>
+            <a:ext cx="11836405" cy="3448797"/>
           </a:xfrm>
           <a:prstGeom prst="rect">
             <a:avLst/>
@@ -4322,34 +4406,41 @@
         </p:spPr>
         <p:txBody>
           <a:bodyPr lIns="0" tIns="0" rIns="0" bIns="0" anchor="ctr">
-            <a:normAutofit/>
+            <a:normAutofit fontScale="100000" lnSpcReduction="0"/>
           </a:bodyPr>
           <a:lstStyle/>
           <a:p>
             <a:pPr lvl="0">
               <a:defRPr sz="1800">
-                <a:solidFill>
-                  <a:srgbClr val="000000"/>
-                </a:solidFill>
                 <a:effectLst/>
               </a:defRPr>
             </a:pPr>
             <a:r>
-              <a:rPr sz="5800" b="1">
+              <a:rPr b="1" sz="5800">
                 <a:solidFill>
                   <a:srgbClr val="FFFFFF"/>
                 </a:solidFill>
                 <a:effectLst>
-                  <a:outerShdw blurRad="50800" dist="25400" dir="5400000" rotWithShape="0">
+                  <a:outerShdw sx="100000" sy="100000" kx="0" ky="0" algn="b" rotWithShape="0" blurRad="50800" dist="25400" dir="5400000">
                     <a:srgbClr val="000000"/>
                   </a:outerShdw>
                 </a:effectLst>
+                <a:latin typeface="+mj-lt"/>
+                <a:ea typeface="+mj-ea"/>
+                <a:cs typeface="+mj-cs"/>
+                <a:sym typeface="Helvetica Neue"/>
               </a:rPr>
               <a:t>Objective</a:t>
             </a:r>
-          </a:p>
-          <a:p>
-            <a:pPr marL="1449994" lvl="0" indent="-1449994" algn="l">
+            <a:endParaRPr>
+              <a:latin typeface="+mj-lt"/>
+              <a:ea typeface="+mj-ea"/>
+              <a:cs typeface="+mj-cs"/>
+              <a:sym typeface="Helvetica Neue"/>
+            </a:endParaRPr>
+          </a:p>
+          <a:p>
+            <a:pPr lvl="0" marL="2738877" indent="-2738877" algn="l">
               <a:spcBef>
                 <a:spcPts val="4200"/>
               </a:spcBef>
@@ -4360,9 +4451,6 @@
               <a:buFont typeface="Helvetica Neue Medium"/>
               <a:buChar char="•"/>
               <a:defRPr sz="1800">
-                <a:solidFill>
-                  <a:srgbClr val="000000"/>
-                </a:solidFill>
                 <a:effectLst/>
               </a:defRPr>
             </a:pPr>
@@ -4372,7 +4460,7 @@
                   <a:srgbClr val="EBEBEB"/>
                 </a:solidFill>
                 <a:effectLst>
-                  <a:outerShdw blurRad="50800" dist="25400" dir="5400000" rotWithShape="0">
+                  <a:outerShdw sx="100000" sy="100000" kx="0" ky="0" algn="b" rotWithShape="0" blurRad="50800" dist="25400" dir="5400000">
                     <a:srgbClr val="000000"/>
                   </a:outerShdw>
                 </a:effectLst>
@@ -4391,14 +4479,14 @@
   <p:clrMapOvr>
     <a:masterClrMapping/>
   </p:clrMapOvr>
-  <p:transition xmlns:p14="http://schemas.microsoft.com/office/powerpoint/2010/main" spd="med"/>
+  <p:transition spd="med" advClick="1"/>
   <p:timing>
     <p:tnLst>
       <p:par>
-        <p:cTn xmlns:p14="http://schemas.microsoft.com/office/powerpoint/2010/main" id="1" dur="indefinite" restart="never" fill="hold" nodeType="tmRoot">
+        <p:cTn id="1" nodeType="tmRoot" restart="never" dur="indefinite" fill="hold">
           <p:childTnLst>
             <p:seq concurrent="1" prevAc="none" nextAc="seek">
-              <p:cTn id="2" dur="indefinite" fill="hold" nodeType="mainSeq">
+              <p:cTn id="2" nodeType="mainSeq" dur="indefinite" fill="hold">
                 <p:childTnLst>
                   <p:par>
                     <p:cTn id="3" fill="hold">
@@ -4413,11 +4501,11 @@
                             </p:stCondLst>
                             <p:childTnLst>
                               <p:par>
-                                <p:cTn id="5" presetID="1" presetClass="entr" presetSubtype="0" fill="hold" grpId="1" nodeType="clickEffect">
+                                <p:cTn id="5" nodeType="clickEffect" presetClass="entr" presetSubtype="0" presetID="1" grpId="1" fill="hold">
                                   <p:stCondLst>
                                     <p:cond delay="0"/>
                                   </p:stCondLst>
-                                  <p:iterate>
+                                  <p:iterate type="el" backwards="0">
                                     <p:tmAbs val="0"/>
                                   </p:iterate>
                                   <p:childTnLst>
@@ -4447,14 +4535,14 @@
                 </p:childTnLst>
               </p:cTn>
               <p:prevCondLst>
-                <p:cond evt="onPrev" delay="0">
+                <p:cond evt="onPrev">
                   <p:tgtEl>
                     <p:sldTgt/>
                   </p:tgtEl>
                 </p:cond>
               </p:prevCondLst>
               <p:nextCondLst>
-                <p:cond evt="onNext" delay="0">
+                <p:cond evt="onNext">
                   <p:tgtEl>
                     <p:sldTgt/>
                   </p:tgtEl>
@@ -4466,14 +4554,14 @@
       </p:par>
     </p:tnLst>
     <p:bldLst>
-      <p:bldP spid="38" grpId="1" animBg="1" advAuto="0"/>
+      <p:bldP build="whole" bldLvl="1" animBg="1" rev="0" advAuto="0" spid="38" grpId="1"/>
     </p:bldLst>
   </p:timing>
 </p:sld>
 </file>
 
 <file path=ppt/slides/slide3.xml><?xml version="1.0" encoding="utf-8"?>
-<p:sld xmlns:a="http://schemas.openxmlformats.org/drawingml/2006/main" xmlns:r="http://schemas.openxmlformats.org/officeDocument/2006/relationships" xmlns:p="http://schemas.openxmlformats.org/presentationml/2006/main">
+<p:sld xmlns:a="http://schemas.openxmlformats.org/drawingml/2006/main" xmlns:r="http://schemas.openxmlformats.org/officeDocument/2006/relationships" xmlns:p="http://schemas.openxmlformats.org/presentationml/2006/main" showMasterSp="1" showMasterPhAnim="1">
   <p:cSld>
     <p:spTree>
       <p:nvGrpSpPr>
@@ -4492,9 +4580,7 @@
       <p:sp>
         <p:nvSpPr>
           <p:cNvPr id="40" name="Shape 40"/>
-          <p:cNvSpPr>
-            <a:spLocks noGrp="1"/>
-          </p:cNvSpPr>
+          <p:cNvSpPr/>
           <p:nvPr>
             <p:ph type="title"/>
           </p:nvPr>
@@ -4513,16 +4599,13 @@
           <a:lstStyle/>
           <a:p>
             <a:pPr lvl="0"/>
-            <a:endParaRPr/>
           </a:p>
         </p:txBody>
       </p:sp>
       <p:sp>
         <p:nvSpPr>
           <p:cNvPr id="41" name="Shape 41"/>
-          <p:cNvSpPr>
-            <a:spLocks noGrp="1"/>
-          </p:cNvSpPr>
+          <p:cNvSpPr/>
           <p:nvPr>
             <p:ph type="body" idx="1"/>
           </p:nvPr>
@@ -4541,7 +4624,6 @@
           <a:lstStyle/>
           <a:p>
             <a:pPr lvl="0"/>
-            <a:endParaRPr/>
           </a:p>
         </p:txBody>
       </p:sp>
@@ -4571,7 +4653,7 @@
             <a:miter lim="400000"/>
           </a:ln>
           <a:effectLst>
-            <a:reflection stA="50000" endPos="40000" dir="5400000" sy="-100000" algn="bl" rotWithShape="0"/>
+            <a:reflection blurRad="0" stA="50000" stPos="0" endA="0" endPos="40000" dist="0" dir="5400000" fadeDir="5400000" sx="100000" sy="-100000" kx="0" ky="0" algn="bl" rotWithShape="0"/>
           </a:effectLst>
         </p:spPr>
       </p:pic>
@@ -4580,19 +4662,12 @@
   <p:clrMapOvr>
     <a:masterClrMapping/>
   </p:clrMapOvr>
-  <p:transition xmlns:p14="http://schemas.microsoft.com/office/powerpoint/2010/main" spd="med"/>
-  <p:timing>
-    <p:tnLst>
-      <p:par>
-        <p:cTn xmlns:p14="http://schemas.microsoft.com/office/powerpoint/2010/main" id="1" dur="indefinite" restart="never" nodeType="tmRoot"/>
-      </p:par>
-    </p:tnLst>
-  </p:timing>
+  <p:transition spd="med" advClick="1"/>
 </p:sld>
 </file>
 
 <file path=ppt/slides/slide4.xml><?xml version="1.0" encoding="utf-8"?>
-<p:sld xmlns:a="http://schemas.openxmlformats.org/drawingml/2006/main" xmlns:r="http://schemas.openxmlformats.org/officeDocument/2006/relationships" xmlns:p="http://schemas.openxmlformats.org/presentationml/2006/main">
+<p:sld xmlns:a="http://schemas.openxmlformats.org/drawingml/2006/main" xmlns:r="http://schemas.openxmlformats.org/officeDocument/2006/relationships" xmlns:p="http://schemas.openxmlformats.org/presentationml/2006/main" showMasterSp="1" showMasterPhAnim="1">
   <p:cSld>
     <p:spTree>
       <p:nvGrpSpPr>
@@ -4611,17 +4686,15 @@
       <p:sp>
         <p:nvSpPr>
           <p:cNvPr id="44" name="Shape 44"/>
-          <p:cNvSpPr>
-            <a:spLocks noGrp="1"/>
-          </p:cNvSpPr>
+          <p:cNvSpPr/>
           <p:nvPr>
             <p:ph type="title"/>
           </p:nvPr>
         </p:nvSpPr>
         <p:spPr>
           <a:xfrm>
-            <a:off x="852049" y="201066"/>
-            <a:ext cx="11531605" cy="941934"/>
+            <a:off x="852048" y="201066"/>
+            <a:ext cx="11531607" cy="941934"/>
           </a:xfrm>
           <a:prstGeom prst="rect">
             <a:avLst/>
@@ -4633,7 +4706,7 @@
             <a:lvl1pPr defTabSz="549148">
               <a:defRPr sz="5400">
                 <a:effectLst>
-                  <a:outerShdw blurRad="50800" dist="23876" dir="5400000" rotWithShape="0">
+                  <a:outerShdw sx="100000" sy="100000" kx="0" ky="0" algn="b" rotWithShape="0" blurRad="50800" dist="23876" dir="5400000">
                     <a:srgbClr val="000000"/>
                   </a:outerShdw>
                 </a:effectLst>
@@ -4642,7 +4715,7 @@
           </a:lstStyle>
           <a:p>
             <a:pPr lvl="0">
-              <a:defRPr sz="1800" b="0">
+              <a:defRPr b="0" sz="1800">
                 <a:solidFill>
                   <a:srgbClr val="000000"/>
                 </a:solidFill>
@@ -4650,12 +4723,12 @@
               </a:defRPr>
             </a:pPr>
             <a:r>
-              <a:rPr sz="5400" b="1">
+              <a:rPr b="1" sz="5400">
                 <a:solidFill>
                   <a:srgbClr val="FFFFFF"/>
                 </a:solidFill>
                 <a:effectLst>
-                  <a:outerShdw blurRad="50800" dist="23876" dir="5400000" rotWithShape="0">
+                  <a:outerShdw sx="100000" sy="100000" kx="0" ky="0" algn="b" rotWithShape="0" blurRad="50800" dist="23876" dir="5400000">
                     <a:srgbClr val="000000"/>
                   </a:outerShdw>
                 </a:effectLst>
@@ -4681,8 +4754,8 @@
         </p:blipFill>
         <p:spPr>
           <a:xfrm>
-            <a:off x="-2" y="2440703"/>
-            <a:ext cx="13004803" cy="5311980"/>
+            <a:off x="-3" y="2440702"/>
+            <a:ext cx="13004805" cy="5311981"/>
           </a:xfrm>
           <a:prstGeom prst="rect">
             <a:avLst/>
@@ -4697,19 +4770,12 @@
   <p:clrMapOvr>
     <a:masterClrMapping/>
   </p:clrMapOvr>
-  <p:transition xmlns:p14="http://schemas.microsoft.com/office/powerpoint/2010/main" spd="med"/>
-  <p:timing>
-    <p:tnLst>
-      <p:par>
-        <p:cTn xmlns:p14="http://schemas.microsoft.com/office/powerpoint/2010/main" id="1" dur="indefinite" restart="never" nodeType="tmRoot"/>
-      </p:par>
-    </p:tnLst>
-  </p:timing>
+  <p:transition spd="med" advClick="1"/>
 </p:sld>
 </file>
 
 <file path=ppt/slides/slide5.xml><?xml version="1.0" encoding="utf-8"?>
-<p:sld xmlns:a="http://schemas.openxmlformats.org/drawingml/2006/main" xmlns:r="http://schemas.openxmlformats.org/officeDocument/2006/relationships" xmlns:p="http://schemas.openxmlformats.org/presentationml/2006/main">
+<p:sld xmlns:a="http://schemas.openxmlformats.org/drawingml/2006/main" xmlns:r="http://schemas.openxmlformats.org/officeDocument/2006/relationships" xmlns:p="http://schemas.openxmlformats.org/presentationml/2006/main" showMasterSp="1" showMasterPhAnim="1">
   <p:cSld>
     <p:spTree>
       <p:nvGrpSpPr>
@@ -4728,17 +4794,15 @@
       <p:sp>
         <p:nvSpPr>
           <p:cNvPr id="47" name="Shape 47"/>
-          <p:cNvSpPr>
-            <a:spLocks noGrp="1"/>
-          </p:cNvSpPr>
+          <p:cNvSpPr/>
           <p:nvPr>
             <p:ph type="title"/>
           </p:nvPr>
         </p:nvSpPr>
         <p:spPr>
           <a:xfrm>
-            <a:off x="967500" y="184572"/>
-            <a:ext cx="11531605" cy="941934"/>
+            <a:off x="891299" y="171872"/>
+            <a:ext cx="11531607" cy="941934"/>
           </a:xfrm>
           <a:prstGeom prst="rect">
             <a:avLst/>
@@ -4750,7 +4814,7 @@
             <a:lvl1pPr defTabSz="549148">
               <a:defRPr sz="5400">
                 <a:effectLst>
-                  <a:outerShdw blurRad="50800" dist="23876" dir="5400000" rotWithShape="0">
+                  <a:outerShdw sx="100000" sy="100000" kx="0" ky="0" algn="b" rotWithShape="0" blurRad="50800" dist="23876" dir="5400000">
                     <a:srgbClr val="000000"/>
                   </a:outerShdw>
                 </a:effectLst>
@@ -4759,7 +4823,7 @@
           </a:lstStyle>
           <a:p>
             <a:pPr lvl="0">
-              <a:defRPr sz="1800" b="0">
+              <a:defRPr b="0" sz="1800">
                 <a:solidFill>
                   <a:srgbClr val="000000"/>
                 </a:solidFill>
@@ -4767,12 +4831,12 @@
               </a:defRPr>
             </a:pPr>
             <a:r>
-              <a:rPr sz="5400" b="1">
+              <a:rPr b="1" sz="5400">
                 <a:solidFill>
                   <a:srgbClr val="FFFFFF"/>
                 </a:solidFill>
                 <a:effectLst>
-                  <a:outerShdw blurRad="50800" dist="23876" dir="5400000" rotWithShape="0">
+                  <a:outerShdw sx="100000" sy="100000" kx="0" ky="0" algn="b" rotWithShape="0" blurRad="50800" dist="23876" dir="5400000">
                     <a:srgbClr val="000000"/>
                   </a:outerShdw>
                 </a:effectLst>
@@ -4798,8 +4862,8 @@
         </p:blipFill>
         <p:spPr>
           <a:xfrm>
-            <a:off x="-2012158" y="2411865"/>
-            <a:ext cx="15016958" cy="5444137"/>
+            <a:off x="-1885158" y="2275381"/>
+            <a:ext cx="15016958" cy="5444138"/>
           </a:xfrm>
           <a:prstGeom prst="rect">
             <a:avLst/>
@@ -4809,24 +4873,78 @@
           </a:ln>
         </p:spPr>
       </p:pic>
+      <p:sp>
+        <p:nvSpPr>
+          <p:cNvPr id="49" name="Shape 49"/>
+          <p:cNvSpPr/>
+          <p:nvPr/>
+        </p:nvSpPr>
+        <p:spPr>
+          <a:xfrm>
+            <a:off x="2109471" y="8178799"/>
+            <a:ext cx="8582658" cy="685801"/>
+          </a:xfrm>
+          <a:prstGeom prst="rect">
+            <a:avLst/>
+          </a:prstGeom>
+          <a:ln w="12700">
+            <a:miter lim="400000"/>
+          </a:ln>
+          <a:extLst>
+            <a:ext uri="{C572A759-6A51-4108-AA02-DFA0A04FC94B}">
+              <ma14:wrappingTextBoxFlag xmlns:ma14="http://schemas.microsoft.com/office/mac/drawingml/2011/main" val="1"/>
+            </a:ext>
+          </a:extLst>
+        </p:spPr>
+        <p:txBody>
+          <a:bodyPr wrap="none" lIns="50800" tIns="50800" rIns="50800" bIns="50800" anchor="ctr">
+            <a:spAutoFit/>
+          </a:bodyPr>
+          <a:lstStyle>
+            <a:lvl1pPr>
+              <a:defRPr>
+                <a:solidFill>
+                  <a:srgbClr val="FFFFFF"/>
+                </a:solidFill>
+              </a:defRPr>
+            </a:lvl1pPr>
+          </a:lstStyle>
+          <a:p>
+            <a:pPr lvl="0">
+              <a:defRPr sz="1800">
+                <a:solidFill>
+                  <a:srgbClr val="000000"/>
+                </a:solidFill>
+                <a:effectLst/>
+              </a:defRPr>
+            </a:pPr>
+            <a:r>
+              <a:rPr sz="3800">
+                <a:solidFill>
+                  <a:srgbClr val="FFFFFF"/>
+                </a:solidFill>
+                <a:effectLst>
+                  <a:outerShdw sx="100000" sy="100000" kx="0" ky="0" algn="b" rotWithShape="0" blurRad="50800" dist="25400" dir="5400000">
+                    <a:srgbClr val="000000"/>
+                  </a:outerShdw>
+                </a:effectLst>
+              </a:rPr>
+              <a:t>“He’s a person who gets things done…”</a:t>
+            </a:r>
+          </a:p>
+        </p:txBody>
+      </p:sp>
     </p:spTree>
   </p:cSld>
   <p:clrMapOvr>
     <a:masterClrMapping/>
   </p:clrMapOvr>
-  <p:transition xmlns:p14="http://schemas.microsoft.com/office/powerpoint/2010/main" spd="med"/>
-  <p:timing>
-    <p:tnLst>
-      <p:par>
-        <p:cTn xmlns:p14="http://schemas.microsoft.com/office/powerpoint/2010/main" id="1" dur="indefinite" restart="never" nodeType="tmRoot"/>
-      </p:par>
-    </p:tnLst>
-  </p:timing>
+  <p:transition spd="med" advClick="1"/>
 </p:sld>
 </file>
 
 <file path=ppt/slides/slide6.xml><?xml version="1.0" encoding="utf-8"?>
-<p:sld xmlns:a="http://schemas.openxmlformats.org/drawingml/2006/main" xmlns:r="http://schemas.openxmlformats.org/officeDocument/2006/relationships" xmlns:p="http://schemas.openxmlformats.org/presentationml/2006/main">
+<p:sld xmlns:a="http://schemas.openxmlformats.org/drawingml/2006/main" xmlns:r="http://schemas.openxmlformats.org/officeDocument/2006/relationships" xmlns:p="http://schemas.openxmlformats.org/presentationml/2006/main" showMasterSp="1" showMasterPhAnim="1">
   <p:cSld>
     <p:spTree>
       <p:nvGrpSpPr>
@@ -4844,18 +4962,16 @@
       </p:grpSpPr>
       <p:sp>
         <p:nvSpPr>
-          <p:cNvPr id="50" name="Shape 50"/>
-          <p:cNvSpPr>
-            <a:spLocks noGrp="1"/>
-          </p:cNvSpPr>
+          <p:cNvPr id="51" name="Shape 51"/>
+          <p:cNvSpPr/>
           <p:nvPr>
             <p:ph type="title"/>
           </p:nvPr>
         </p:nvSpPr>
         <p:spPr>
           <a:xfrm>
-            <a:off x="736597" y="223317"/>
-            <a:ext cx="11531605" cy="941934"/>
+            <a:off x="736596" y="223317"/>
+            <a:ext cx="11531607" cy="941934"/>
           </a:xfrm>
           <a:prstGeom prst="rect">
             <a:avLst/>
@@ -4867,7 +4983,7 @@
             <a:lvl1pPr defTabSz="549148">
               <a:defRPr sz="5400">
                 <a:effectLst>
-                  <a:outerShdw blurRad="50800" dist="23876" dir="5400000" rotWithShape="0">
+                  <a:outerShdw sx="100000" sy="100000" kx="0" ky="0" algn="b" rotWithShape="0" blurRad="50800" dist="23876" dir="5400000">
                     <a:srgbClr val="000000"/>
                   </a:outerShdw>
                 </a:effectLst>
@@ -4876,7 +4992,7 @@
           </a:lstStyle>
           <a:p>
             <a:pPr lvl="0">
-              <a:defRPr sz="1800" b="0">
+              <a:defRPr b="0" sz="1800">
                 <a:solidFill>
                   <a:srgbClr val="000000"/>
                 </a:solidFill>
@@ -4884,12 +5000,12 @@
               </a:defRPr>
             </a:pPr>
             <a:r>
-              <a:rPr sz="5400" b="1">
+              <a:rPr b="1" sz="5400">
                 <a:solidFill>
                   <a:srgbClr val="FFFFFF"/>
                 </a:solidFill>
                 <a:effectLst>
-                  <a:outerShdw blurRad="50800" dist="23876" dir="5400000" rotWithShape="0">
+                  <a:outerShdw sx="100000" sy="100000" kx="0" ky="0" algn="b" rotWithShape="0" blurRad="50800" dist="23876" dir="5400000">
                     <a:srgbClr val="000000"/>
                   </a:outerShdw>
                 </a:effectLst>
@@ -4901,7 +5017,7 @@
       </p:sp>
       <p:pic>
         <p:nvPicPr>
-          <p:cNvPr id="51" name="image7.png" descr="slide_neg.png"/>
+          <p:cNvPr id="52" name="image7.png" descr="slide_neg.png"/>
           <p:cNvPicPr/>
           <p:nvPr/>
         </p:nvPicPr>
@@ -4915,8 +5031,8 @@
         </p:blipFill>
         <p:spPr>
           <a:xfrm>
-            <a:off x="-2" y="2726368"/>
-            <a:ext cx="13004803" cy="4904926"/>
+            <a:off x="-2" y="2205668"/>
+            <a:ext cx="13004804" cy="4904927"/>
           </a:xfrm>
           <a:prstGeom prst="rect">
             <a:avLst/>
@@ -4931,19 +5047,12 @@
   <p:clrMapOvr>
     <a:masterClrMapping/>
   </p:clrMapOvr>
-  <p:transition xmlns:p14="http://schemas.microsoft.com/office/powerpoint/2010/main" spd="med"/>
-  <p:timing>
-    <p:tnLst>
-      <p:par>
-        <p:cTn xmlns:p14="http://schemas.microsoft.com/office/powerpoint/2010/main" id="1" dur="indefinite" restart="never" nodeType="tmRoot"/>
-      </p:par>
-    </p:tnLst>
-  </p:timing>
+  <p:transition spd="med" advClick="1"/>
 </p:sld>
 </file>
 
 <file path=ppt/slides/slide7.xml><?xml version="1.0" encoding="utf-8"?>
-<p:sld xmlns:a="http://schemas.openxmlformats.org/drawingml/2006/main" xmlns:r="http://schemas.openxmlformats.org/officeDocument/2006/relationships" xmlns:p="http://schemas.openxmlformats.org/presentationml/2006/main">
+<p:sld xmlns:a="http://schemas.openxmlformats.org/drawingml/2006/main" xmlns:r="http://schemas.openxmlformats.org/officeDocument/2006/relationships" xmlns:p="http://schemas.openxmlformats.org/presentationml/2006/main" showMasterSp="1" showMasterPhAnim="1">
   <p:cSld>
     <p:spTree>
       <p:nvGrpSpPr>
@@ -4961,18 +5070,16 @@
       </p:grpSpPr>
       <p:sp>
         <p:nvSpPr>
-          <p:cNvPr id="53" name="Shape 53"/>
-          <p:cNvSpPr>
-            <a:spLocks noGrp="1"/>
-          </p:cNvSpPr>
+          <p:cNvPr id="54" name="Shape 54"/>
+          <p:cNvSpPr/>
           <p:nvPr>
             <p:ph type="title"/>
           </p:nvPr>
         </p:nvSpPr>
         <p:spPr>
           <a:xfrm>
-            <a:off x="736597" y="234051"/>
-            <a:ext cx="11531605" cy="941934"/>
+            <a:off x="736596" y="234051"/>
+            <a:ext cx="11531607" cy="941934"/>
           </a:xfrm>
           <a:prstGeom prst="rect">
             <a:avLst/>
@@ -4984,7 +5091,7 @@
             <a:lvl1pPr defTabSz="549148">
               <a:defRPr sz="5400">
                 <a:effectLst>
-                  <a:outerShdw blurRad="50800" dist="23876" dir="5400000" rotWithShape="0">
+                  <a:outerShdw sx="100000" sy="100000" kx="0" ky="0" algn="b" rotWithShape="0" blurRad="50800" dist="23876" dir="5400000">
                     <a:srgbClr val="000000"/>
                   </a:outerShdw>
                 </a:effectLst>
@@ -4993,7 +5100,7 @@
           </a:lstStyle>
           <a:p>
             <a:pPr lvl="0">
-              <a:defRPr sz="1800" b="0">
+              <a:defRPr b="0" sz="1800">
                 <a:solidFill>
                   <a:srgbClr val="000000"/>
                 </a:solidFill>
@@ -5001,12 +5108,12 @@
               </a:defRPr>
             </a:pPr>
             <a:r>
-              <a:rPr sz="5400" b="1">
+              <a:rPr b="1" sz="5400">
                 <a:solidFill>
                   <a:srgbClr val="FFFFFF"/>
                 </a:solidFill>
                 <a:effectLst>
-                  <a:outerShdw blurRad="50800" dist="23876" dir="5400000" rotWithShape="0">
+                  <a:outerShdw sx="100000" sy="100000" kx="0" ky="0" algn="b" rotWithShape="0" blurRad="50800" dist="23876" dir="5400000">
                     <a:srgbClr val="000000"/>
                   </a:outerShdw>
                 </a:effectLst>
@@ -5018,7 +5125,7 @@
       </p:sp>
       <p:pic>
         <p:nvPicPr>
-          <p:cNvPr id="54" name="image8.png" descr="slide_neg1.png"/>
+          <p:cNvPr id="55" name="image8.png" descr="slide_neg1.png"/>
           <p:cNvPicPr/>
           <p:nvPr/>
         </p:nvPicPr>
@@ -5032,8 +5139,8 @@
         </p:blipFill>
         <p:spPr>
           <a:xfrm>
-            <a:off x="-1583337" y="2692400"/>
-            <a:ext cx="14588137" cy="4892208"/>
+            <a:off x="-1570637" y="2032000"/>
+            <a:ext cx="14588138" cy="4892208"/>
           </a:xfrm>
           <a:prstGeom prst="rect">
             <a:avLst/>
@@ -5043,24 +5150,78 @@
           </a:ln>
         </p:spPr>
       </p:pic>
+      <p:sp>
+        <p:nvSpPr>
+          <p:cNvPr id="56" name="Shape 56"/>
+          <p:cNvSpPr/>
+          <p:nvPr/>
+        </p:nvSpPr>
+        <p:spPr>
+          <a:xfrm>
+            <a:off x="250353" y="7556499"/>
+            <a:ext cx="12783494" cy="1854201"/>
+          </a:xfrm>
+          <a:prstGeom prst="rect">
+            <a:avLst/>
+          </a:prstGeom>
+          <a:ln w="12700">
+            <a:miter lim="400000"/>
+          </a:ln>
+          <a:extLst>
+            <a:ext uri="{C572A759-6A51-4108-AA02-DFA0A04FC94B}">
+              <ma14:wrappingTextBoxFlag xmlns:ma14="http://schemas.microsoft.com/office/mac/drawingml/2011/main" val="1"/>
+            </a:ext>
+          </a:extLst>
+        </p:spPr>
+        <p:txBody>
+          <a:bodyPr wrap="none" lIns="0" tIns="0" rIns="0" bIns="0" anchor="ctr">
+            <a:spAutoFit/>
+          </a:bodyPr>
+          <a:lstStyle>
+            <a:lvl1pPr>
+              <a:defRPr>
+                <a:solidFill>
+                  <a:srgbClr val="FFFFFF"/>
+                </a:solidFill>
+              </a:defRPr>
+            </a:lvl1pPr>
+          </a:lstStyle>
+          <a:p>
+            <a:pPr lvl="0">
+              <a:defRPr sz="1800">
+                <a:solidFill>
+                  <a:srgbClr val="000000"/>
+                </a:solidFill>
+                <a:effectLst/>
+              </a:defRPr>
+            </a:pPr>
+            <a:r>
+              <a:rPr sz="3800">
+                <a:solidFill>
+                  <a:srgbClr val="FFFFFF"/>
+                </a:solidFill>
+                <a:effectLst>
+                  <a:outerShdw sx="100000" sy="100000" kx="0" ky="0" algn="b" rotWithShape="0" blurRad="50800" dist="25400" dir="5400000">
+                    <a:srgbClr val="000000"/>
+                  </a:outerShdw>
+                </a:effectLst>
+              </a:rPr>
+              <a:t>“Trumps speaks for the lowest common denominator, most of whom who think of themselves as ‘Patriots’ or real Americans…”</a:t>
+            </a:r>
+          </a:p>
+        </p:txBody>
+      </p:sp>
     </p:spTree>
   </p:cSld>
   <p:clrMapOvr>
     <a:masterClrMapping/>
   </p:clrMapOvr>
-  <p:transition xmlns:p14="http://schemas.microsoft.com/office/powerpoint/2010/main" spd="med"/>
-  <p:timing>
-    <p:tnLst>
-      <p:par>
-        <p:cTn xmlns:p14="http://schemas.microsoft.com/office/powerpoint/2010/main" id="1" dur="indefinite" restart="never" nodeType="tmRoot"/>
-      </p:par>
-    </p:tnLst>
-  </p:timing>
+  <p:transition spd="med" advClick="1"/>
 </p:sld>
 </file>
 
 <file path=ppt/slides/slide8.xml><?xml version="1.0" encoding="utf-8"?>
-<p:sld xmlns:a="http://schemas.openxmlformats.org/drawingml/2006/main" xmlns:r="http://schemas.openxmlformats.org/officeDocument/2006/relationships" xmlns:p="http://schemas.openxmlformats.org/presentationml/2006/main">
+<p:sld xmlns:a="http://schemas.openxmlformats.org/drawingml/2006/main" xmlns:r="http://schemas.openxmlformats.org/officeDocument/2006/relationships" xmlns:p="http://schemas.openxmlformats.org/presentationml/2006/main" showMasterSp="1" showMasterPhAnim="1">
   <p:cSld>
     <p:spTree>
       <p:nvGrpSpPr>
@@ -5078,7 +5239,7 @@
       </p:grpSpPr>
       <p:pic>
         <p:nvPicPr>
-          <p:cNvPr id="56" name="image9.png" descr="slides_trend.png"/>
+          <p:cNvPr id="58" name="image9.png" descr="slides_trend.png"/>
           <p:cNvPicPr/>
           <p:nvPr/>
         </p:nvPicPr>
@@ -5092,8 +5253,8 @@
         </p:blipFill>
         <p:spPr>
           <a:xfrm>
-            <a:off x="1" y="1418405"/>
-            <a:ext cx="13004800" cy="6988822"/>
+            <a:off x="1" y="1418404"/>
+            <a:ext cx="13004801" cy="6988824"/>
           </a:xfrm>
           <a:prstGeom prst="rect">
             <a:avLst/>
@@ -5108,19 +5269,12 @@
   <p:clrMapOvr>
     <a:masterClrMapping/>
   </p:clrMapOvr>
-  <p:transition xmlns:p14="http://schemas.microsoft.com/office/powerpoint/2010/main" spd="med"/>
-  <p:timing>
-    <p:tnLst>
-      <p:par>
-        <p:cTn xmlns:p14="http://schemas.microsoft.com/office/powerpoint/2010/main" id="1" dur="indefinite" restart="never" nodeType="tmRoot"/>
-      </p:par>
-    </p:tnLst>
-  </p:timing>
+  <p:transition spd="med" advClick="1"/>
 </p:sld>
 </file>
 
 <file path=ppt/slides/slide9.xml><?xml version="1.0" encoding="utf-8"?>
-<p:sld xmlns:a="http://schemas.openxmlformats.org/drawingml/2006/main" xmlns:r="http://schemas.openxmlformats.org/officeDocument/2006/relationships" xmlns:p="http://schemas.openxmlformats.org/presentationml/2006/main">
+<p:sld xmlns:a="http://schemas.openxmlformats.org/drawingml/2006/main" xmlns:r="http://schemas.openxmlformats.org/officeDocument/2006/relationships" xmlns:p="http://schemas.openxmlformats.org/presentationml/2006/main" showMasterSp="1" showMasterPhAnim="1">
   <p:cSld>
     <p:spTree>
       <p:nvGrpSpPr>
@@ -5138,18 +5292,16 @@
       </p:grpSpPr>
       <p:sp>
         <p:nvSpPr>
-          <p:cNvPr id="58" name="Shape 58"/>
-          <p:cNvSpPr>
-            <a:spLocks noGrp="1"/>
-          </p:cNvSpPr>
+          <p:cNvPr id="60" name="Shape 60"/>
+          <p:cNvSpPr/>
           <p:nvPr>
             <p:ph type="title"/>
           </p:nvPr>
         </p:nvSpPr>
         <p:spPr>
           <a:xfrm>
-            <a:off x="891379" y="94036"/>
-            <a:ext cx="11480805" cy="1020071"/>
+            <a:off x="891378" y="94036"/>
+            <a:ext cx="11480807" cy="1020071"/>
           </a:xfrm>
           <a:prstGeom prst="rect">
             <a:avLst/>
@@ -5161,7 +5313,7 @@
             <a:lvl1pPr defTabSz="543305">
               <a:defRPr sz="5900">
                 <a:effectLst>
-                  <a:outerShdw blurRad="50800" dist="23622" dir="5400000" rotWithShape="0">
+                  <a:outerShdw sx="100000" sy="100000" kx="0" ky="0" algn="b" rotWithShape="0" blurRad="50800" dist="23622" dir="5400000">
                     <a:srgbClr val="000000"/>
                   </a:outerShdw>
                 </a:effectLst>
@@ -5170,7 +5322,7 @@
           </a:lstStyle>
           <a:p>
             <a:pPr lvl="0">
-              <a:defRPr sz="1800" b="0">
+              <a:defRPr b="0" sz="1800">
                 <a:solidFill>
                   <a:srgbClr val="000000"/>
                 </a:solidFill>
@@ -5178,12 +5330,12 @@
               </a:defRPr>
             </a:pPr>
             <a:r>
-              <a:rPr sz="5900" b="1">
+              <a:rPr b="1" sz="5900">
                 <a:solidFill>
                   <a:srgbClr val="FFFFFF"/>
                 </a:solidFill>
                 <a:effectLst>
-                  <a:outerShdw blurRad="50800" dist="23622" dir="5400000" rotWithShape="0">
+                  <a:outerShdw sx="100000" sy="100000" kx="0" ky="0" algn="b" rotWithShape="0" blurRad="50800" dist="23622" dir="5400000">
                     <a:srgbClr val="000000"/>
                   </a:outerShdw>
                 </a:effectLst>
@@ -5195,28 +5347,28 @@
       </p:sp>
       <p:grpSp>
         <p:nvGrpSpPr>
-          <p:cNvPr id="61" name="Group 61"/>
+          <p:cNvPr id="63" name="Group 63"/>
           <p:cNvGrpSpPr/>
           <p:nvPr/>
         </p:nvGrpSpPr>
         <p:grpSpPr>
           <a:xfrm>
             <a:off x="2423573" y="1353900"/>
-            <a:ext cx="1706567" cy="1270002"/>
+            <a:ext cx="1706568" cy="1270004"/>
             <a:chOff x="0" y="0"/>
-            <a:chExt cx="1706566" cy="1270000"/>
+            <a:chExt cx="1706567" cy="1270003"/>
           </a:xfrm>
         </p:grpSpPr>
         <p:sp>
           <p:nvSpPr>
-            <p:cNvPr id="59" name="Shape 59"/>
+            <p:cNvPr id="61" name="Shape 61"/>
             <p:cNvSpPr/>
             <p:nvPr/>
           </p:nvSpPr>
           <p:spPr>
             <a:xfrm>
               <a:off x="0" y="0"/>
-              <a:ext cx="1706567" cy="1270001"/>
+              <a:ext cx="1706568" cy="1270004"/>
             </a:xfrm>
             <a:prstGeom prst="roundRect">
               <a:avLst>
@@ -5231,7 +5383,7 @@
               <a:miter lim="400000"/>
             </a:ln>
             <a:effectLst>
-              <a:outerShdw blurRad="50800" dist="25400" dir="5400000" rotWithShape="0">
+              <a:outerShdw sx="100000" sy="100000" kx="0" ky="0" algn="b" rotWithShape="0" blurRad="50800" dist="25400" dir="5400000">
                 <a:srgbClr val="000000">
                   <a:alpha val="50000"/>
                 </a:srgbClr>
@@ -5246,26 +5398,26 @@
             <a:p>
               <a:pPr lvl="0">
                 <a:defRPr sz="1800">
-                  <a:solidFill>
-                    <a:srgbClr val="000000"/>
-                  </a:solidFill>
                   <a:effectLst/>
+                  <a:latin typeface="+mj-lt"/>
+                  <a:ea typeface="+mj-ea"/>
+                  <a:cs typeface="+mj-cs"/>
+                  <a:sym typeface="Helvetica Neue"/>
                 </a:defRPr>
               </a:pPr>
-              <a:endParaRPr/>
             </a:p>
           </p:txBody>
         </p:sp>
         <p:sp>
           <p:nvSpPr>
-            <p:cNvPr id="60" name="Shape 60"/>
+            <p:cNvPr id="62" name="Shape 62"/>
             <p:cNvSpPr/>
             <p:nvPr/>
           </p:nvSpPr>
           <p:spPr>
             <a:xfrm>
               <a:off x="55795" y="219100"/>
-              <a:ext cx="1594976" cy="831800"/>
+              <a:ext cx="1594977" cy="831800"/>
             </a:xfrm>
             <a:prstGeom prst="rect">
               <a:avLst/>
@@ -5293,12 +5445,16 @@
                     <a:srgbClr val="525252"/>
                   </a:solidFill>
                   <a:effectLst>
-                    <a:outerShdw blurRad="38100" dist="12700" dir="5400000" rotWithShape="0">
+                    <a:outerShdw sx="100000" sy="100000" kx="0" ky="0" algn="b" rotWithShape="0" blurRad="38100" dist="12700" dir="5400000">
                       <a:srgbClr val="000000">
                         <a:alpha val="80000"/>
                       </a:srgbClr>
                     </a:outerShdw>
                   </a:effectLst>
+                  <a:latin typeface="+mj-lt"/>
+                  <a:ea typeface="+mj-ea"/>
+                  <a:cs typeface="+mj-cs"/>
+                  <a:sym typeface="Helvetica Neue"/>
                 </a:defRPr>
               </a:lvl1pPr>
             </a:lstStyle>
@@ -5317,7 +5473,7 @@
                     <a:srgbClr val="525252"/>
                   </a:solidFill>
                   <a:effectLst>
-                    <a:outerShdw blurRad="38100" dist="12700" dir="5400000" rotWithShape="0">
+                    <a:outerShdw sx="100000" sy="100000" kx="0" ky="0" algn="b" rotWithShape="0" blurRad="38100" dist="12700" dir="5400000">
                       <a:srgbClr val="000000">
                         <a:alpha val="80000"/>
                       </a:srgbClr>
@@ -5332,28 +5488,28 @@
       </p:grpSp>
       <p:grpSp>
         <p:nvGrpSpPr>
-          <p:cNvPr id="64" name="Group 64"/>
+          <p:cNvPr id="66" name="Group 66"/>
           <p:cNvGrpSpPr/>
           <p:nvPr/>
         </p:nvGrpSpPr>
         <p:grpSpPr>
           <a:xfrm>
-            <a:off x="9126810" y="1308100"/>
-            <a:ext cx="1706566" cy="1270000"/>
+            <a:off x="9126809" y="1308100"/>
+            <a:ext cx="1706569" cy="1270000"/>
             <a:chOff x="0" y="0"/>
-            <a:chExt cx="1706565" cy="1270000"/>
+            <a:chExt cx="1706567" cy="1270000"/>
           </a:xfrm>
         </p:grpSpPr>
         <p:sp>
           <p:nvSpPr>
-            <p:cNvPr id="62" name="Shape 62"/>
+            <p:cNvPr id="64" name="Shape 64"/>
             <p:cNvSpPr/>
             <p:nvPr/>
           </p:nvSpPr>
           <p:spPr>
             <a:xfrm>
               <a:off x="-1" y="0"/>
-              <a:ext cx="1706567" cy="1270000"/>
+              <a:ext cx="1706568" cy="1270000"/>
             </a:xfrm>
             <a:prstGeom prst="roundRect">
               <a:avLst>
@@ -5368,7 +5524,7 @@
               <a:miter lim="400000"/>
             </a:ln>
             <a:effectLst>
-              <a:outerShdw blurRad="50800" dist="25400" dir="5400000" rotWithShape="0">
+              <a:outerShdw sx="100000" sy="100000" kx="0" ky="0" algn="b" rotWithShape="0" blurRad="50800" dist="25400" dir="5400000">
                 <a:srgbClr val="000000">
                   <a:alpha val="50000"/>
                 </a:srgbClr>
@@ -5383,26 +5539,26 @@
             <a:p>
               <a:pPr lvl="0">
                 <a:defRPr sz="1800">
-                  <a:solidFill>
-                    <a:srgbClr val="000000"/>
-                  </a:solidFill>
                   <a:effectLst/>
+                  <a:latin typeface="+mj-lt"/>
+                  <a:ea typeface="+mj-ea"/>
+                  <a:cs typeface="+mj-cs"/>
+                  <a:sym typeface="Helvetica Neue"/>
                 </a:defRPr>
               </a:pPr>
-              <a:endParaRPr/>
             </a:p>
           </p:txBody>
         </p:sp>
         <p:sp>
           <p:nvSpPr>
-            <p:cNvPr id="63" name="Shape 63"/>
+            <p:cNvPr id="65" name="Shape 65"/>
             <p:cNvSpPr/>
             <p:nvPr/>
           </p:nvSpPr>
           <p:spPr>
             <a:xfrm>
               <a:off x="55794" y="79399"/>
-              <a:ext cx="1594976" cy="1111201"/>
+              <a:ext cx="1594977" cy="1111200"/>
             </a:xfrm>
             <a:prstGeom prst="rect">
               <a:avLst/>
@@ -5430,12 +5586,16 @@
                     <a:srgbClr val="525252"/>
                   </a:solidFill>
                   <a:effectLst>
-                    <a:outerShdw blurRad="38100" dist="12700" dir="5400000" rotWithShape="0">
+                    <a:outerShdw sx="100000" sy="100000" kx="0" ky="0" algn="b" rotWithShape="0" blurRad="38100" dist="12700" dir="5400000">
                       <a:srgbClr val="000000">
                         <a:alpha val="80000"/>
                       </a:srgbClr>
                     </a:outerShdw>
                   </a:effectLst>
+                  <a:latin typeface="+mj-lt"/>
+                  <a:ea typeface="+mj-ea"/>
+                  <a:cs typeface="+mj-cs"/>
+                  <a:sym typeface="Helvetica Neue"/>
                 </a:defRPr>
               </a:lvl1pPr>
             </a:lstStyle>
@@ -5454,7 +5614,7 @@
                     <a:srgbClr val="525252"/>
                   </a:solidFill>
                   <a:effectLst>
-                    <a:outerShdw blurRad="38100" dist="12700" dir="5400000" rotWithShape="0">
+                    <a:outerShdw sx="100000" sy="100000" kx="0" ky="0" algn="b" rotWithShape="0" blurRad="38100" dist="12700" dir="5400000">
                       <a:srgbClr val="000000">
                         <a:alpha val="80000"/>
                       </a:srgbClr>
@@ -5469,28 +5629,28 @@
       </p:grpSp>
       <p:grpSp>
         <p:nvGrpSpPr>
-          <p:cNvPr id="67" name="Group 67"/>
+          <p:cNvPr id="69" name="Group 69"/>
           <p:cNvGrpSpPr/>
           <p:nvPr/>
         </p:nvGrpSpPr>
         <p:grpSpPr>
           <a:xfrm>
             <a:off x="5775192" y="3381709"/>
-            <a:ext cx="1706567" cy="1020072"/>
+            <a:ext cx="1706569" cy="1020074"/>
             <a:chOff x="0" y="0"/>
-            <a:chExt cx="1706565" cy="1020070"/>
+            <a:chExt cx="1706568" cy="1020073"/>
           </a:xfrm>
         </p:grpSpPr>
         <p:sp>
           <p:nvSpPr>
-            <p:cNvPr id="65" name="Shape 65"/>
+            <p:cNvPr id="67" name="Shape 67"/>
             <p:cNvSpPr/>
             <p:nvPr/>
           </p:nvSpPr>
           <p:spPr>
             <a:xfrm>
               <a:off x="0" y="0"/>
-              <a:ext cx="1706567" cy="1020071"/>
+              <a:ext cx="1706569" cy="1020074"/>
             </a:xfrm>
             <a:prstGeom prst="roundRect">
               <a:avLst>
@@ -5505,7 +5665,7 @@
               <a:miter lim="400000"/>
             </a:ln>
             <a:effectLst>
-              <a:outerShdw blurRad="50800" dist="25400" dir="5400000" rotWithShape="0">
+              <a:outerShdw sx="100000" sy="100000" kx="0" ky="0" algn="b" rotWithShape="0" blurRad="50800" dist="25400" dir="5400000">
                 <a:srgbClr val="000000">
                   <a:alpha val="50000"/>
                 </a:srgbClr>
@@ -5520,9 +5680,6 @@
             <a:p>
               <a:pPr lvl="0">
                 <a:defRPr sz="1800">
-                  <a:solidFill>
-                    <a:srgbClr val="000000"/>
-                  </a:solidFill>
                   <a:effectLst/>
                   <a:latin typeface="Helvetica Neue Medium"/>
                   <a:ea typeface="Helvetica Neue Medium"/>
@@ -5530,20 +5687,19 @@
                   <a:sym typeface="Helvetica Neue Medium"/>
                 </a:defRPr>
               </a:pPr>
-              <a:endParaRPr/>
             </a:p>
           </p:txBody>
         </p:sp>
         <p:sp>
           <p:nvSpPr>
-            <p:cNvPr id="66" name="Shape 66"/>
+            <p:cNvPr id="68" name="Shape 68"/>
             <p:cNvSpPr/>
             <p:nvPr/>
           </p:nvSpPr>
           <p:spPr>
             <a:xfrm>
               <a:off x="55794" y="221250"/>
-              <a:ext cx="1594977" cy="577570"/>
+              <a:ext cx="1594979" cy="577570"/>
             </a:xfrm>
             <a:prstGeom prst="rect">
               <a:avLst/>
@@ -5571,7 +5727,7 @@
                     <a:srgbClr val="525252"/>
                   </a:solidFill>
                   <a:effectLst>
-                    <a:outerShdw blurRad="38100" dist="12700" dir="5400000" rotWithShape="0">
+                    <a:outerShdw sx="100000" sy="100000" kx="0" ky="0" algn="b" rotWithShape="0" blurRad="38100" dist="12700" dir="5400000">
                       <a:srgbClr val="000000">
                         <a:alpha val="80000"/>
                       </a:srgbClr>
@@ -5599,7 +5755,7 @@
                     <a:srgbClr val="525252"/>
                   </a:solidFill>
                   <a:effectLst>
-                    <a:outerShdw blurRad="38100" dist="12700" dir="5400000" rotWithShape="0">
+                    <a:outerShdw sx="100000" sy="100000" kx="0" ky="0" algn="b" rotWithShape="0" blurRad="38100" dist="12700" dir="5400000">
                       <a:srgbClr val="000000">
                         <a:alpha val="80000"/>
                       </a:srgbClr>
@@ -5614,7 +5770,7 @@
       </p:grpSp>
       <p:pic>
         <p:nvPicPr>
-          <p:cNvPr id="68" name="image10.png"/>
+          <p:cNvPr id="70" name="image10.png"/>
           <p:cNvPicPr/>
           <p:nvPr/>
         </p:nvPicPr>
@@ -5629,7 +5785,7 @@
         <p:spPr>
           <a:xfrm>
             <a:off x="5256283" y="1308100"/>
-            <a:ext cx="2785809" cy="1270000"/>
+            <a:ext cx="2785810" cy="1270000"/>
           </a:xfrm>
           <a:prstGeom prst="rect">
             <a:avLst/>
@@ -5641,28 +5797,28 @@
       </p:pic>
       <p:grpSp>
         <p:nvGrpSpPr>
-          <p:cNvPr id="71" name="Group 71"/>
+          <p:cNvPr id="73" name="Group 73"/>
           <p:cNvGrpSpPr/>
           <p:nvPr/>
         </p:nvGrpSpPr>
         <p:grpSpPr>
           <a:xfrm>
-            <a:off x="5796981" y="5297556"/>
-            <a:ext cx="1706566" cy="1020072"/>
+            <a:off x="5796980" y="5297556"/>
+            <a:ext cx="1706568" cy="1020074"/>
             <a:chOff x="0" y="0"/>
-            <a:chExt cx="1706565" cy="1020070"/>
+            <a:chExt cx="1706567" cy="1020073"/>
           </a:xfrm>
         </p:grpSpPr>
         <p:sp>
           <p:nvSpPr>
-            <p:cNvPr id="69" name="Shape 69"/>
+            <p:cNvPr id="71" name="Shape 71"/>
             <p:cNvSpPr/>
             <p:nvPr/>
           </p:nvSpPr>
           <p:spPr>
             <a:xfrm>
               <a:off x="-1" y="0"/>
-              <a:ext cx="1706567" cy="1020071"/>
+              <a:ext cx="1706568" cy="1020074"/>
             </a:xfrm>
             <a:prstGeom prst="roundRect">
               <a:avLst>
@@ -5677,7 +5833,7 @@
               <a:miter lim="400000"/>
             </a:ln>
             <a:effectLst>
-              <a:outerShdw blurRad="50800" dist="25400" dir="5400000" rotWithShape="0">
+              <a:outerShdw sx="100000" sy="100000" kx="0" ky="0" algn="b" rotWithShape="0" blurRad="50800" dist="25400" dir="5400000">
                 <a:srgbClr val="000000">
                   <a:alpha val="50000"/>
                 </a:srgbClr>
@@ -5696,7 +5852,7 @@
                     <a:srgbClr val="525252"/>
                   </a:solidFill>
                   <a:effectLst>
-                    <a:outerShdw blurRad="38100" dist="12700" dir="5400000" rotWithShape="0">
+                    <a:outerShdw sx="100000" sy="100000" kx="0" ky="0" algn="b" rotWithShape="0" blurRad="38100" dist="12700" dir="5400000">
                       <a:srgbClr val="000000">
                         <a:alpha val="80000"/>
                       </a:srgbClr>
@@ -5708,20 +5864,19 @@
                   <a:sym typeface="Helvetica Neue Medium"/>
                 </a:defRPr>
               </a:pPr>
-              <a:endParaRPr/>
             </a:p>
           </p:txBody>
         </p:sp>
         <p:sp>
           <p:nvSpPr>
-            <p:cNvPr id="70" name="Shape 70"/>
+            <p:cNvPr id="72" name="Shape 72"/>
             <p:cNvSpPr/>
             <p:nvPr/>
           </p:nvSpPr>
           <p:spPr>
             <a:xfrm>
               <a:off x="55794" y="75200"/>
-              <a:ext cx="1594976" cy="869670"/>
+              <a:ext cx="1594977" cy="869670"/>
             </a:xfrm>
             <a:prstGeom prst="rect">
               <a:avLst/>
@@ -5749,7 +5904,7 @@
                     <a:srgbClr val="525252"/>
                   </a:solidFill>
                   <a:effectLst>
-                    <a:outerShdw blurRad="38100" dist="12700" dir="5400000" rotWithShape="0">
+                    <a:outerShdw sx="100000" sy="100000" kx="0" ky="0" algn="b" rotWithShape="0" blurRad="38100" dist="12700" dir="5400000">
                       <a:srgbClr val="000000">
                         <a:alpha val="80000"/>
                       </a:srgbClr>
@@ -5777,7 +5932,7 @@
                     <a:srgbClr val="525252"/>
                   </a:solidFill>
                   <a:effectLst>
-                    <a:outerShdw blurRad="38100" dist="12700" dir="5400000" rotWithShape="0">
+                    <a:outerShdw sx="100000" sy="100000" kx="0" ky="0" algn="b" rotWithShape="0" blurRad="38100" dist="12700" dir="5400000">
                       <a:srgbClr val="000000">
                         <a:alpha val="80000"/>
                       </a:srgbClr>
@@ -5792,28 +5947,28 @@
       </p:grpSp>
       <p:grpSp>
         <p:nvGrpSpPr>
-          <p:cNvPr id="74" name="Group 74"/>
+          <p:cNvPr id="76" name="Group 76"/>
           <p:cNvGrpSpPr/>
           <p:nvPr/>
         </p:nvGrpSpPr>
         <p:grpSpPr>
           <a:xfrm>
             <a:off x="2423573" y="5330352"/>
-            <a:ext cx="1706567" cy="1020072"/>
+            <a:ext cx="1706568" cy="1020074"/>
             <a:chOff x="0" y="0"/>
-            <a:chExt cx="1706566" cy="1020070"/>
+            <a:chExt cx="1706567" cy="1020073"/>
           </a:xfrm>
         </p:grpSpPr>
         <p:sp>
           <p:nvSpPr>
-            <p:cNvPr id="72" name="Shape 72"/>
+            <p:cNvPr id="74" name="Shape 74"/>
             <p:cNvSpPr/>
             <p:nvPr/>
           </p:nvSpPr>
           <p:spPr>
             <a:xfrm>
               <a:off x="0" y="0"/>
-              <a:ext cx="1706567" cy="1020071"/>
+              <a:ext cx="1706568" cy="1020074"/>
             </a:xfrm>
             <a:prstGeom prst="roundRect">
               <a:avLst>
@@ -5828,7 +5983,7 @@
               <a:miter lim="400000"/>
             </a:ln>
             <a:effectLst>
-              <a:outerShdw blurRad="50800" dist="25400" dir="5400000" rotWithShape="0">
+              <a:outerShdw sx="100000" sy="100000" kx="0" ky="0" algn="b" rotWithShape="0" blurRad="50800" dist="25400" dir="5400000">
                 <a:srgbClr val="000000">
                   <a:alpha val="50000"/>
                 </a:srgbClr>
@@ -5843,9 +5998,6 @@
             <a:p>
               <a:pPr lvl="0">
                 <a:defRPr sz="1800">
-                  <a:solidFill>
-                    <a:srgbClr val="000000"/>
-                  </a:solidFill>
                   <a:effectLst/>
                   <a:latin typeface="Helvetica Neue Medium"/>
                   <a:ea typeface="Helvetica Neue Medium"/>
@@ -5853,20 +6005,19 @@
                   <a:sym typeface="Helvetica Neue Medium"/>
                 </a:defRPr>
               </a:pPr>
-              <a:endParaRPr/>
             </a:p>
           </p:txBody>
         </p:sp>
         <p:sp>
           <p:nvSpPr>
-            <p:cNvPr id="73" name="Shape 73"/>
+            <p:cNvPr id="75" name="Shape 75"/>
             <p:cNvSpPr/>
             <p:nvPr/>
           </p:nvSpPr>
           <p:spPr>
             <a:xfrm>
               <a:off x="55794" y="367300"/>
-              <a:ext cx="1594978" cy="285470"/>
+              <a:ext cx="1594979" cy="285470"/>
             </a:xfrm>
             <a:prstGeom prst="rect">
               <a:avLst/>
@@ -5894,7 +6045,7 @@
                     <a:srgbClr val="525252"/>
                   </a:solidFill>
                   <a:effectLst>
-                    <a:outerShdw blurRad="38100" dist="12700" dir="5400000" rotWithShape="0">
+                    <a:outerShdw sx="100000" sy="100000" kx="0" ky="0" algn="b" rotWithShape="0" blurRad="38100" dist="12700" dir="5400000">
                       <a:srgbClr val="000000">
                         <a:alpha val="80000"/>
                       </a:srgbClr>
@@ -5922,7 +6073,7 @@
                     <a:srgbClr val="525252"/>
                   </a:solidFill>
                   <a:effectLst>
-                    <a:outerShdw blurRad="38100" dist="12700" dir="5400000" rotWithShape="0">
+                    <a:outerShdw sx="100000" sy="100000" kx="0" ky="0" algn="b" rotWithShape="0" blurRad="38100" dist="12700" dir="5400000">
                       <a:srgbClr val="000000">
                         <a:alpha val="80000"/>
                       </a:srgbClr>
@@ -5937,28 +6088,28 @@
       </p:grpSp>
       <p:grpSp>
         <p:nvGrpSpPr>
-          <p:cNvPr id="77" name="Group 77"/>
+          <p:cNvPr id="79" name="Group 79"/>
           <p:cNvGrpSpPr/>
           <p:nvPr/>
         </p:nvGrpSpPr>
         <p:grpSpPr>
           <a:xfrm>
-            <a:off x="9170389" y="5330352"/>
-            <a:ext cx="1706566" cy="1020072"/>
+            <a:off x="9170388" y="5330352"/>
+            <a:ext cx="1706569" cy="1020074"/>
             <a:chOff x="0" y="0"/>
-            <a:chExt cx="1706565" cy="1020070"/>
+            <a:chExt cx="1706567" cy="1020073"/>
           </a:xfrm>
         </p:grpSpPr>
         <p:sp>
           <p:nvSpPr>
-            <p:cNvPr id="75" name="Shape 75"/>
+            <p:cNvPr id="77" name="Shape 77"/>
             <p:cNvSpPr/>
             <p:nvPr/>
           </p:nvSpPr>
           <p:spPr>
             <a:xfrm>
               <a:off x="-1" y="0"/>
-              <a:ext cx="1706567" cy="1020071"/>
+              <a:ext cx="1706568" cy="1020074"/>
             </a:xfrm>
             <a:prstGeom prst="roundRect">
               <a:avLst>
@@ -5973,7 +6124,7 @@
               <a:miter lim="400000"/>
             </a:ln>
             <a:effectLst>
-              <a:outerShdw blurRad="50800" dist="25400" dir="5400000" rotWithShape="0">
+              <a:outerShdw sx="100000" sy="100000" kx="0" ky="0" algn="b" rotWithShape="0" blurRad="50800" dist="25400" dir="5400000">
                 <a:srgbClr val="000000">
                   <a:alpha val="50000"/>
                 </a:srgbClr>
@@ -5988,9 +6139,6 @@
             <a:p>
               <a:pPr lvl="0">
                 <a:defRPr sz="1800">
-                  <a:solidFill>
-                    <a:srgbClr val="000000"/>
-                  </a:solidFill>
                   <a:effectLst/>
                   <a:latin typeface="Helvetica Neue Medium"/>
                   <a:ea typeface="Helvetica Neue Medium"/>
@@ -5998,20 +6146,19 @@
                   <a:sym typeface="Helvetica Neue Medium"/>
                 </a:defRPr>
               </a:pPr>
-              <a:endParaRPr/>
             </a:p>
           </p:txBody>
         </p:sp>
         <p:sp>
           <p:nvSpPr>
-            <p:cNvPr id="76" name="Shape 76"/>
+            <p:cNvPr id="78" name="Shape 78"/>
             <p:cNvSpPr/>
             <p:nvPr/>
           </p:nvSpPr>
           <p:spPr>
             <a:xfrm>
               <a:off x="55794" y="367300"/>
-              <a:ext cx="1594976" cy="285470"/>
+              <a:ext cx="1594977" cy="285470"/>
             </a:xfrm>
             <a:prstGeom prst="rect">
               <a:avLst/>
@@ -6039,7 +6186,7 @@
                     <a:srgbClr val="525252"/>
                   </a:solidFill>
                   <a:effectLst>
-                    <a:outerShdw blurRad="38100" dist="12700" dir="5400000" rotWithShape="0">
+                    <a:outerShdw sx="100000" sy="100000" kx="0" ky="0" algn="b" rotWithShape="0" blurRad="38100" dist="12700" dir="5400000">
                       <a:srgbClr val="000000">
                         <a:alpha val="80000"/>
                       </a:srgbClr>
@@ -6067,7 +6214,7 @@
                     <a:srgbClr val="525252"/>
                   </a:solidFill>
                   <a:effectLst>
-                    <a:outerShdw blurRad="38100" dist="12700" dir="5400000" rotWithShape="0">
+                    <a:outerShdw sx="100000" sy="100000" kx="0" ky="0" algn="b" rotWithShape="0" blurRad="38100" dist="12700" dir="5400000">
                       <a:srgbClr val="000000">
                         <a:alpha val="80000"/>
                       </a:srgbClr>
@@ -6082,14 +6229,14 @@
       </p:grpSp>
       <p:sp>
         <p:nvSpPr>
-          <p:cNvPr id="78" name="Shape 78"/>
+          <p:cNvPr id="80" name="Shape 80"/>
           <p:cNvSpPr/>
           <p:nvPr/>
         </p:nvSpPr>
         <p:spPr>
           <a:xfrm flipH="1">
             <a:off x="7162679" y="6407306"/>
-            <a:ext cx="2817413" cy="2126588"/>
+            <a:ext cx="2817414" cy="2126589"/>
           </a:xfrm>
           <a:prstGeom prst="line">
             <a:avLst/>
@@ -6108,30 +6255,22 @@
           <a:p>
             <a:pPr lvl="0" algn="l" defTabSz="457200">
               <a:defRPr sz="1200">
-                <a:solidFill>
-                  <a:srgbClr val="000000"/>
-                </a:solidFill>
-                <a:effectLst/>
-                <a:latin typeface="+mn-lt"/>
-                <a:ea typeface="+mn-ea"/>
-                <a:cs typeface="+mn-cs"/>
-                <a:sym typeface="Helvetica"/>
-              </a:defRPr>
-            </a:pPr>
-            <a:endParaRPr/>
+                <a:effectLst/>
+              </a:defRPr>
+            </a:pPr>
           </a:p>
         </p:txBody>
       </p:sp>
       <p:sp>
         <p:nvSpPr>
-          <p:cNvPr id="79" name="Shape 79"/>
+          <p:cNvPr id="81" name="Shape 81"/>
           <p:cNvSpPr/>
           <p:nvPr/>
         </p:nvSpPr>
         <p:spPr>
           <a:xfrm>
-            <a:off x="4176073" y="1943100"/>
-            <a:ext cx="1080213" cy="0"/>
+            <a:off x="4176072" y="1943100"/>
+            <a:ext cx="1080215" cy="0"/>
           </a:xfrm>
           <a:prstGeom prst="line">
             <a:avLst/>
@@ -6150,30 +6289,22 @@
           <a:p>
             <a:pPr lvl="0" algn="l" defTabSz="457200">
               <a:defRPr sz="1200">
-                <a:solidFill>
-                  <a:srgbClr val="000000"/>
-                </a:solidFill>
-                <a:effectLst/>
-                <a:latin typeface="+mn-lt"/>
-                <a:ea typeface="+mn-ea"/>
-                <a:cs typeface="+mn-cs"/>
-                <a:sym typeface="Helvetica"/>
-              </a:defRPr>
-            </a:pPr>
-            <a:endParaRPr/>
+                <a:effectLst/>
+              </a:defRPr>
+            </a:pPr>
           </a:p>
         </p:txBody>
       </p:sp>
       <p:sp>
         <p:nvSpPr>
-          <p:cNvPr id="80" name="Shape 80"/>
+          <p:cNvPr id="82" name="Shape 82"/>
           <p:cNvSpPr/>
           <p:nvPr/>
         </p:nvSpPr>
         <p:spPr>
           <a:xfrm flipH="1">
             <a:off x="8042091" y="1943100"/>
-            <a:ext cx="1066190" cy="0"/>
+            <a:ext cx="1066191" cy="0"/>
           </a:xfrm>
           <a:prstGeom prst="line">
             <a:avLst/>
@@ -6192,30 +6323,22 @@
           <a:p>
             <a:pPr lvl="0" algn="l" defTabSz="457200">
               <a:defRPr sz="1200">
-                <a:solidFill>
-                  <a:srgbClr val="000000"/>
-                </a:solidFill>
-                <a:effectLst/>
-                <a:latin typeface="+mn-lt"/>
-                <a:ea typeface="+mn-ea"/>
-                <a:cs typeface="+mn-cs"/>
-                <a:sym typeface="Helvetica"/>
-              </a:defRPr>
-            </a:pPr>
-            <a:endParaRPr/>
+                <a:effectLst/>
+              </a:defRPr>
+            </a:pPr>
           </a:p>
         </p:txBody>
       </p:sp>
       <p:sp>
         <p:nvSpPr>
-          <p:cNvPr id="81" name="Shape 81"/>
+          <p:cNvPr id="83" name="Shape 83"/>
           <p:cNvSpPr/>
           <p:nvPr/>
         </p:nvSpPr>
         <p:spPr>
           <a:xfrm>
             <a:off x="6631781" y="2623902"/>
-            <a:ext cx="2" cy="729653"/>
+            <a:ext cx="3" cy="729654"/>
           </a:xfrm>
           <a:prstGeom prst="line">
             <a:avLst/>
@@ -6234,30 +6357,22 @@
           <a:p>
             <a:pPr lvl="0" algn="l" defTabSz="457200">
               <a:defRPr sz="1200">
-                <a:solidFill>
-                  <a:srgbClr val="000000"/>
-                </a:solidFill>
-                <a:effectLst/>
-                <a:latin typeface="+mn-lt"/>
-                <a:ea typeface="+mn-ea"/>
-                <a:cs typeface="+mn-cs"/>
-                <a:sym typeface="Helvetica"/>
-              </a:defRPr>
-            </a:pPr>
-            <a:endParaRPr/>
+                <a:effectLst/>
+              </a:defRPr>
+            </a:pPr>
           </a:p>
         </p:txBody>
       </p:sp>
       <p:sp>
         <p:nvSpPr>
-          <p:cNvPr id="82" name="Shape 82"/>
+          <p:cNvPr id="84" name="Shape 84"/>
           <p:cNvSpPr/>
           <p:nvPr/>
         </p:nvSpPr>
         <p:spPr>
           <a:xfrm flipH="1">
             <a:off x="4256189" y="5840386"/>
-            <a:ext cx="1414741" cy="2"/>
+            <a:ext cx="1414742" cy="3"/>
           </a:xfrm>
           <a:prstGeom prst="line">
             <a:avLst/>
@@ -6276,30 +6391,22 @@
           <a:p>
             <a:pPr lvl="0" algn="l" defTabSz="457200">
               <a:defRPr sz="1200">
-                <a:solidFill>
-                  <a:srgbClr val="000000"/>
-                </a:solidFill>
-                <a:effectLst/>
-                <a:latin typeface="+mn-lt"/>
-                <a:ea typeface="+mn-ea"/>
-                <a:cs typeface="+mn-cs"/>
-                <a:sym typeface="Helvetica"/>
-              </a:defRPr>
-            </a:pPr>
-            <a:endParaRPr/>
+                <a:effectLst/>
+              </a:defRPr>
+            </a:pPr>
           </a:p>
         </p:txBody>
       </p:sp>
       <p:sp>
         <p:nvSpPr>
-          <p:cNvPr id="83" name="Shape 83"/>
+          <p:cNvPr id="85" name="Shape 85"/>
           <p:cNvSpPr/>
           <p:nvPr/>
         </p:nvSpPr>
         <p:spPr>
           <a:xfrm flipV="1">
             <a:off x="7571944" y="5840386"/>
-            <a:ext cx="1508259" cy="2"/>
+            <a:ext cx="1508260" cy="3"/>
           </a:xfrm>
           <a:prstGeom prst="line">
             <a:avLst/>
@@ -6318,30 +6425,22 @@
           <a:p>
             <a:pPr lvl="0" algn="l" defTabSz="457200">
               <a:defRPr sz="1200">
-                <a:solidFill>
-                  <a:srgbClr val="000000"/>
-                </a:solidFill>
-                <a:effectLst/>
-                <a:latin typeface="+mn-lt"/>
-                <a:ea typeface="+mn-ea"/>
-                <a:cs typeface="+mn-cs"/>
-                <a:sym typeface="Helvetica"/>
-              </a:defRPr>
-            </a:pPr>
-            <a:endParaRPr/>
+                <a:effectLst/>
+              </a:defRPr>
+            </a:pPr>
           </a:p>
         </p:txBody>
       </p:sp>
       <p:sp>
         <p:nvSpPr>
-          <p:cNvPr id="84" name="Shape 84"/>
+          <p:cNvPr id="86" name="Shape 86"/>
           <p:cNvSpPr/>
           <p:nvPr/>
         </p:nvSpPr>
         <p:spPr>
           <a:xfrm>
             <a:off x="6631781" y="4419598"/>
-            <a:ext cx="2" cy="813589"/>
+            <a:ext cx="3" cy="813590"/>
           </a:xfrm>
           <a:prstGeom prst="line">
             <a:avLst/>
@@ -6360,23 +6459,15 @@
           <a:p>
             <a:pPr lvl="0" algn="l" defTabSz="457200">
               <a:defRPr sz="1200">
-                <a:solidFill>
-                  <a:srgbClr val="000000"/>
-                </a:solidFill>
-                <a:effectLst/>
-                <a:latin typeface="+mn-lt"/>
-                <a:ea typeface="+mn-ea"/>
-                <a:cs typeface="+mn-cs"/>
-                <a:sym typeface="Helvetica"/>
-              </a:defRPr>
-            </a:pPr>
-            <a:endParaRPr/>
+                <a:effectLst/>
+              </a:defRPr>
+            </a:pPr>
           </a:p>
         </p:txBody>
       </p:sp>
       <p:pic>
         <p:nvPicPr>
-          <p:cNvPr id="85" name="image11.png"/>
+          <p:cNvPr id="87" name="image11.png"/>
           <p:cNvPicPr/>
           <p:nvPr/>
         </p:nvPicPr>
@@ -6390,8 +6481,8 @@
         </p:blipFill>
         <p:spPr>
           <a:xfrm>
-            <a:off x="3380616" y="8626779"/>
-            <a:ext cx="1414741" cy="860187"/>
+            <a:off x="3380616" y="8626778"/>
+            <a:ext cx="1414742" cy="860188"/>
           </a:xfrm>
           <a:prstGeom prst="rect">
             <a:avLst/>
@@ -6403,14 +6494,14 @@
       </p:pic>
       <p:sp>
         <p:nvSpPr>
-          <p:cNvPr id="86" name="Shape 86"/>
+          <p:cNvPr id="88" name="Shape 88"/>
           <p:cNvSpPr/>
           <p:nvPr/>
         </p:nvSpPr>
         <p:spPr>
           <a:xfrm>
-            <a:off x="3276699" y="6434142"/>
-            <a:ext cx="2886276" cy="2102691"/>
+            <a:off x="3276698" y="6434142"/>
+            <a:ext cx="2886277" cy="2102692"/>
           </a:xfrm>
           <a:prstGeom prst="line">
             <a:avLst/>
@@ -6429,23 +6520,15 @@
           <a:p>
             <a:pPr lvl="0" algn="l" defTabSz="457200">
               <a:defRPr sz="1200">
-                <a:solidFill>
-                  <a:srgbClr val="000000"/>
-                </a:solidFill>
-                <a:effectLst/>
-                <a:latin typeface="+mn-lt"/>
-                <a:ea typeface="+mn-ea"/>
-                <a:cs typeface="+mn-cs"/>
-                <a:sym typeface="Helvetica"/>
-              </a:defRPr>
-            </a:pPr>
-            <a:endParaRPr/>
+                <a:effectLst/>
+              </a:defRPr>
+            </a:pPr>
           </a:p>
         </p:txBody>
       </p:sp>
       <p:pic>
         <p:nvPicPr>
-          <p:cNvPr id="87" name="image12.png"/>
+          <p:cNvPr id="89" name="image12.png"/>
           <p:cNvPicPr/>
           <p:nvPr/>
         </p:nvPicPr>
@@ -6460,7 +6543,7 @@
         <p:spPr>
           <a:xfrm>
             <a:off x="8390872" y="8636617"/>
-            <a:ext cx="1692075" cy="813587"/>
+            <a:ext cx="1692076" cy="813587"/>
           </a:xfrm>
           <a:prstGeom prst="rect">
             <a:avLst/>
@@ -6472,7 +6555,7 @@
       </p:pic>
       <p:pic>
         <p:nvPicPr>
-          <p:cNvPr id="88" name="image13.png"/>
+          <p:cNvPr id="90" name="image13.png"/>
           <p:cNvPicPr/>
           <p:nvPr/>
         </p:nvPicPr>
@@ -6487,7 +6570,7 @@
         <p:spPr>
           <a:xfrm>
             <a:off x="5706902" y="8642967"/>
-            <a:ext cx="1886725" cy="813589"/>
+            <a:ext cx="1886725" cy="813590"/>
           </a:xfrm>
           <a:prstGeom prst="rect">
             <a:avLst/>
@@ -6502,1127 +6585,12 @@
   <p:clrMapOvr>
     <a:masterClrMapping/>
   </p:clrMapOvr>
-  <p:transition xmlns:p14="http://schemas.microsoft.com/office/powerpoint/2010/main" spd="med"/>
-  <p:timing>
-    <p:tnLst>
-      <p:par>
-        <p:cTn xmlns:p14="http://schemas.microsoft.com/office/powerpoint/2010/main" id="1" dur="indefinite" restart="never" nodeType="tmRoot"/>
-      </p:par>
-    </p:tnLst>
-  </p:timing>
+  <p:transition spd="med" advClick="1"/>
 </p:sld>
 </file>
 
 <file path=ppt/theme/theme1.xml><?xml version="1.0" encoding="utf-8"?>
-<a:theme xmlns:a="http://schemas.openxmlformats.org/drawingml/2006/main" name="Default">
-  <a:themeElements>
-    <a:clrScheme name="Default">
-      <a:dk1>
-        <a:srgbClr val="000000"/>
-      </a:dk1>
-      <a:lt1>
-        <a:srgbClr val="EBEBEB"/>
-      </a:lt1>
-      <a:dk2>
-        <a:srgbClr val="A7A7A7"/>
-      </a:dk2>
-      <a:lt2>
-        <a:srgbClr val="535353"/>
-      </a:lt2>
-      <a:accent1>
-        <a:srgbClr val="619AE3"/>
-      </a:accent1>
-      <a:accent2>
-        <a:srgbClr val="54BFB9"/>
-      </a:accent2>
-      <a:accent3>
-        <a:srgbClr val="29C439"/>
-      </a:accent3>
-      <a:accent4>
-        <a:srgbClr val="EDAC0F"/>
-      </a:accent4>
-      <a:accent5>
-        <a:srgbClr val="D41D03"/>
-      </a:accent5>
-      <a:accent6>
-        <a:srgbClr val="B264DA"/>
-      </a:accent6>
-      <a:hlink>
-        <a:srgbClr val="0000FF"/>
-      </a:hlink>
-      <a:folHlink>
-        <a:srgbClr val="FF00FF"/>
-      </a:folHlink>
-    </a:clrScheme>
-    <a:fontScheme name="Default">
-      <a:majorFont>
-        <a:latin typeface="Helvetica Neue"/>
-        <a:ea typeface="Helvetica Neue"/>
-        <a:cs typeface="Helvetica Neue"/>
-      </a:majorFont>
-      <a:minorFont>
-        <a:latin typeface="Helvetica"/>
-        <a:ea typeface="Helvetica"/>
-        <a:cs typeface="Helvetica"/>
-      </a:minorFont>
-    </a:fontScheme>
-    <a:fmtScheme name="Default">
-      <a:fillStyleLst>
-        <a:solidFill>
-          <a:schemeClr val="phClr"/>
-        </a:solidFill>
-        <a:gradFill rotWithShape="1">
-          <a:gsLst>
-            <a:gs pos="0">
-              <a:schemeClr val="phClr">
-                <a:tint val="50000"/>
-                <a:satMod val="300000"/>
-              </a:schemeClr>
-            </a:gs>
-            <a:gs pos="35000">
-              <a:schemeClr val="phClr">
-                <a:tint val="37000"/>
-                <a:satMod val="300000"/>
-              </a:schemeClr>
-            </a:gs>
-            <a:gs pos="100000">
-              <a:schemeClr val="phClr">
-                <a:tint val="15000"/>
-                <a:satMod val="350000"/>
-              </a:schemeClr>
-            </a:gs>
-          </a:gsLst>
-          <a:lin ang="16200000" scaled="1"/>
-        </a:gradFill>
-        <a:gradFill rotWithShape="1">
-          <a:gsLst>
-            <a:gs pos="0">
-              <a:schemeClr val="phClr">
-                <a:tint val="100000"/>
-                <a:shade val="100000"/>
-                <a:satMod val="129999"/>
-              </a:schemeClr>
-            </a:gs>
-            <a:gs pos="100000">
-              <a:schemeClr val="phClr">
-                <a:tint val="50000"/>
-                <a:shade val="100000"/>
-                <a:satMod val="350000"/>
-              </a:schemeClr>
-            </a:gs>
-          </a:gsLst>
-          <a:lin ang="16200000" scaled="0"/>
-        </a:gradFill>
-      </a:fillStyleLst>
-      <a:lnStyleLst>
-        <a:ln w="9525" cap="flat" cmpd="sng" algn="ctr">
-          <a:solidFill>
-            <a:schemeClr val="phClr">
-              <a:shade val="95000"/>
-              <a:satMod val="104999"/>
-            </a:schemeClr>
-          </a:solidFill>
-          <a:prstDash val="solid"/>
-        </a:ln>
-        <a:ln w="25400" cap="flat" cmpd="sng" algn="ctr">
-          <a:solidFill>
-            <a:schemeClr val="phClr"/>
-          </a:solidFill>
-          <a:prstDash val="solid"/>
-        </a:ln>
-        <a:ln w="38100" cap="flat" cmpd="sng" algn="ctr">
-          <a:solidFill>
-            <a:schemeClr val="phClr"/>
-          </a:solidFill>
-          <a:prstDash val="solid"/>
-        </a:ln>
-      </a:lnStyleLst>
-      <a:effectStyleLst>
-        <a:effectStyle>
-          <a:effectLst>
-            <a:outerShdw blurRad="50800" dist="25400" dir="5400000" rotWithShape="0">
-              <a:srgbClr val="000000">
-                <a:alpha val="50000"/>
-              </a:srgbClr>
-            </a:outerShdw>
-          </a:effectLst>
-        </a:effectStyle>
-        <a:effectStyle>
-          <a:effectLst>
-            <a:outerShdw blurRad="50800" dist="25400" dir="5400000" rotWithShape="0">
-              <a:srgbClr val="000000">
-                <a:alpha val="50000"/>
-              </a:srgbClr>
-            </a:outerShdw>
-          </a:effectLst>
-        </a:effectStyle>
-        <a:effectStyle>
-          <a:effectLst>
-            <a:outerShdw blurRad="50800" dist="25400" dir="5400000" rotWithShape="0">
-              <a:srgbClr val="000000">
-                <a:alpha val="50000"/>
-              </a:srgbClr>
-            </a:outerShdw>
-          </a:effectLst>
-        </a:effectStyle>
-      </a:effectStyleLst>
-      <a:bgFillStyleLst>
-        <a:solidFill>
-          <a:schemeClr val="phClr"/>
-        </a:solidFill>
-        <a:gradFill rotWithShape="1">
-          <a:gsLst>
-            <a:gs pos="0">
-              <a:schemeClr val="phClr">
-                <a:tint val="40000"/>
-                <a:satMod val="350000"/>
-              </a:schemeClr>
-            </a:gs>
-            <a:gs pos="40000">
-              <a:schemeClr val="phClr">
-                <a:tint val="45000"/>
-                <a:shade val="99000"/>
-                <a:satMod val="350000"/>
-              </a:schemeClr>
-            </a:gs>
-            <a:gs pos="100000">
-              <a:schemeClr val="phClr">
-                <a:shade val="20000"/>
-                <a:satMod val="255000"/>
-              </a:schemeClr>
-            </a:gs>
-          </a:gsLst>
-          <a:path path="circle">
-            <a:fillToRect l="50000" t="-80000" r="50000" b="180000"/>
-          </a:path>
-        </a:gradFill>
-        <a:gradFill rotWithShape="1">
-          <a:gsLst>
-            <a:gs pos="0">
-              <a:schemeClr val="phClr">
-                <a:tint val="80000"/>
-                <a:satMod val="300000"/>
-              </a:schemeClr>
-            </a:gs>
-            <a:gs pos="100000">
-              <a:schemeClr val="phClr">
-                <a:shade val="30000"/>
-                <a:satMod val="200000"/>
-              </a:schemeClr>
-            </a:gs>
-          </a:gsLst>
-          <a:path path="circle">
-            <a:fillToRect l="50000" t="50000" r="50000" b="50000"/>
-          </a:path>
-        </a:gradFill>
-      </a:bgFillStyleLst>
-    </a:fmtScheme>
-  </a:themeElements>
-  <a:objectDefaults>
-    <a:spDef>
-      <a:spPr>
-        <a:solidFill>
-          <a:srgbClr val="C000EB"/>
-        </a:solidFill>
-        <a:ln w="25400" cap="flat">
-          <a:solidFill>
-            <a:srgbClr val="619AE3"/>
-          </a:solidFill>
-          <a:prstDash val="solid"/>
-          <a:bevel/>
-        </a:ln>
-        <a:effectLst>
-          <a:outerShdw blurRad="50800" dist="25400" dir="5400000" rotWithShape="0">
-            <a:srgbClr val="000000">
-              <a:alpha val="50000"/>
-            </a:srgbClr>
-          </a:outerShdw>
-        </a:effectLst>
-      </a:spPr>
-      <a:bodyPr rot="0" spcFirstLastPara="1" vertOverflow="overflow" horzOverflow="overflow" vert="horz" wrap="square" lIns="50800" tIns="50800" rIns="50800" bIns="50800" numCol="1" spcCol="38100" rtlCol="0" anchor="ctr">
-        <a:spAutoFit/>
-      </a:bodyPr>
-      <a:lstStyle>
-        <a:defPPr marL="0" marR="0" indent="0" algn="ctr" defTabSz="584200" rtl="0" fontAlgn="auto" latinLnBrk="1" hangingPunct="0">
-          <a:lnSpc>
-            <a:spcPct val="100000"/>
-          </a:lnSpc>
-          <a:spcBef>
-            <a:spcPts val="0"/>
-          </a:spcBef>
-          <a:spcAft>
-            <a:spcPts val="0"/>
-          </a:spcAft>
-          <a:buClrTx/>
-          <a:buSzTx/>
-          <a:buFontTx/>
-          <a:buNone/>
-          <a:tabLst/>
-          <a:defRPr kumimoji="0" sz="3800" b="0" i="0" u="none" strike="noStrike" cap="none" spc="0" normalizeH="0" baseline="0">
-            <a:ln>
-              <a:noFill/>
-            </a:ln>
-            <a:solidFill>
-              <a:srgbClr val="EBEBEB"/>
-            </a:solidFill>
-            <a:effectLst>
-              <a:outerShdw blurRad="50800" dist="25400" dir="5400000" rotWithShape="0">
-                <a:srgbClr val="000000"/>
-              </a:outerShdw>
-            </a:effectLst>
-            <a:uFillTx/>
-            <a:latin typeface="+mj-lt"/>
-            <a:ea typeface="+mj-ea"/>
-            <a:cs typeface="+mj-cs"/>
-            <a:sym typeface="Helvetica Neue"/>
-          </a:defRPr>
-        </a:defPPr>
-        <a:lvl1pPr marL="0" marR="0" indent="0" algn="l" defTabSz="914400" rtl="0" fontAlgn="auto" latinLnBrk="1" hangingPunct="0">
-          <a:lnSpc>
-            <a:spcPct val="100000"/>
-          </a:lnSpc>
-          <a:spcBef>
-            <a:spcPts val="0"/>
-          </a:spcBef>
-          <a:spcAft>
-            <a:spcPts val="0"/>
-          </a:spcAft>
-          <a:buClrTx/>
-          <a:buSzTx/>
-          <a:buFontTx/>
-          <a:buNone/>
-          <a:tabLst/>
-          <a:defRPr kumimoji="0" sz="1800" b="0" i="0" u="none" strike="noStrike" cap="none" spc="0" normalizeH="0" baseline="0">
-            <a:ln>
-              <a:noFill/>
-            </a:ln>
-            <a:solidFill>
-              <a:srgbClr val="000000"/>
-            </a:solidFill>
-            <a:effectLst/>
-            <a:uFillTx/>
-          </a:defRPr>
-        </a:lvl1pPr>
-        <a:lvl2pPr marL="0" marR="0" indent="0" algn="l" defTabSz="914400" rtl="0" fontAlgn="auto" latinLnBrk="1" hangingPunct="0">
-          <a:lnSpc>
-            <a:spcPct val="100000"/>
-          </a:lnSpc>
-          <a:spcBef>
-            <a:spcPts val="0"/>
-          </a:spcBef>
-          <a:spcAft>
-            <a:spcPts val="0"/>
-          </a:spcAft>
-          <a:buClrTx/>
-          <a:buSzTx/>
-          <a:buFontTx/>
-          <a:buNone/>
-          <a:tabLst/>
-          <a:defRPr kumimoji="0" sz="1800" b="0" i="0" u="none" strike="noStrike" cap="none" spc="0" normalizeH="0" baseline="0">
-            <a:ln>
-              <a:noFill/>
-            </a:ln>
-            <a:solidFill>
-              <a:srgbClr val="000000"/>
-            </a:solidFill>
-            <a:effectLst/>
-            <a:uFillTx/>
-          </a:defRPr>
-        </a:lvl2pPr>
-        <a:lvl3pPr marL="0" marR="0" indent="0" algn="l" defTabSz="914400" rtl="0" fontAlgn="auto" latinLnBrk="1" hangingPunct="0">
-          <a:lnSpc>
-            <a:spcPct val="100000"/>
-          </a:lnSpc>
-          <a:spcBef>
-            <a:spcPts val="0"/>
-          </a:spcBef>
-          <a:spcAft>
-            <a:spcPts val="0"/>
-          </a:spcAft>
-          <a:buClrTx/>
-          <a:buSzTx/>
-          <a:buFontTx/>
-          <a:buNone/>
-          <a:tabLst/>
-          <a:defRPr kumimoji="0" sz="1800" b="0" i="0" u="none" strike="noStrike" cap="none" spc="0" normalizeH="0" baseline="0">
-            <a:ln>
-              <a:noFill/>
-            </a:ln>
-            <a:solidFill>
-              <a:srgbClr val="000000"/>
-            </a:solidFill>
-            <a:effectLst/>
-            <a:uFillTx/>
-          </a:defRPr>
-        </a:lvl3pPr>
-        <a:lvl4pPr marL="0" marR="0" indent="0" algn="l" defTabSz="914400" rtl="0" fontAlgn="auto" latinLnBrk="1" hangingPunct="0">
-          <a:lnSpc>
-            <a:spcPct val="100000"/>
-          </a:lnSpc>
-          <a:spcBef>
-            <a:spcPts val="0"/>
-          </a:spcBef>
-          <a:spcAft>
-            <a:spcPts val="0"/>
-          </a:spcAft>
-          <a:buClrTx/>
-          <a:buSzTx/>
-          <a:buFontTx/>
-          <a:buNone/>
-          <a:tabLst/>
-          <a:defRPr kumimoji="0" sz="1800" b="0" i="0" u="none" strike="noStrike" cap="none" spc="0" normalizeH="0" baseline="0">
-            <a:ln>
-              <a:noFill/>
-            </a:ln>
-            <a:solidFill>
-              <a:srgbClr val="000000"/>
-            </a:solidFill>
-            <a:effectLst/>
-            <a:uFillTx/>
-          </a:defRPr>
-        </a:lvl4pPr>
-        <a:lvl5pPr marL="0" marR="0" indent="0" algn="l" defTabSz="914400" rtl="0" fontAlgn="auto" latinLnBrk="1" hangingPunct="0">
-          <a:lnSpc>
-            <a:spcPct val="100000"/>
-          </a:lnSpc>
-          <a:spcBef>
-            <a:spcPts val="0"/>
-          </a:spcBef>
-          <a:spcAft>
-            <a:spcPts val="0"/>
-          </a:spcAft>
-          <a:buClrTx/>
-          <a:buSzTx/>
-          <a:buFontTx/>
-          <a:buNone/>
-          <a:tabLst/>
-          <a:defRPr kumimoji="0" sz="1800" b="0" i="0" u="none" strike="noStrike" cap="none" spc="0" normalizeH="0" baseline="0">
-            <a:ln>
-              <a:noFill/>
-            </a:ln>
-            <a:solidFill>
-              <a:srgbClr val="000000"/>
-            </a:solidFill>
-            <a:effectLst/>
-            <a:uFillTx/>
-          </a:defRPr>
-        </a:lvl5pPr>
-        <a:lvl6pPr marL="0" marR="0" indent="0" algn="l" defTabSz="914400" rtl="0" fontAlgn="auto" latinLnBrk="1" hangingPunct="0">
-          <a:lnSpc>
-            <a:spcPct val="100000"/>
-          </a:lnSpc>
-          <a:spcBef>
-            <a:spcPts val="0"/>
-          </a:spcBef>
-          <a:spcAft>
-            <a:spcPts val="0"/>
-          </a:spcAft>
-          <a:buClrTx/>
-          <a:buSzTx/>
-          <a:buFontTx/>
-          <a:buNone/>
-          <a:tabLst/>
-          <a:defRPr kumimoji="0" sz="1800" b="0" i="0" u="none" strike="noStrike" cap="none" spc="0" normalizeH="0" baseline="0">
-            <a:ln>
-              <a:noFill/>
-            </a:ln>
-            <a:solidFill>
-              <a:srgbClr val="000000"/>
-            </a:solidFill>
-            <a:effectLst/>
-            <a:uFillTx/>
-          </a:defRPr>
-        </a:lvl6pPr>
-        <a:lvl7pPr marL="0" marR="0" indent="0" algn="l" defTabSz="914400" rtl="0" fontAlgn="auto" latinLnBrk="1" hangingPunct="0">
-          <a:lnSpc>
-            <a:spcPct val="100000"/>
-          </a:lnSpc>
-          <a:spcBef>
-            <a:spcPts val="0"/>
-          </a:spcBef>
-          <a:spcAft>
-            <a:spcPts val="0"/>
-          </a:spcAft>
-          <a:buClrTx/>
-          <a:buSzTx/>
-          <a:buFontTx/>
-          <a:buNone/>
-          <a:tabLst/>
-          <a:defRPr kumimoji="0" sz="1800" b="0" i="0" u="none" strike="noStrike" cap="none" spc="0" normalizeH="0" baseline="0">
-            <a:ln>
-              <a:noFill/>
-            </a:ln>
-            <a:solidFill>
-              <a:srgbClr val="000000"/>
-            </a:solidFill>
-            <a:effectLst/>
-            <a:uFillTx/>
-          </a:defRPr>
-        </a:lvl7pPr>
-        <a:lvl8pPr marL="0" marR="0" indent="0" algn="l" defTabSz="914400" rtl="0" fontAlgn="auto" latinLnBrk="1" hangingPunct="0">
-          <a:lnSpc>
-            <a:spcPct val="100000"/>
-          </a:lnSpc>
-          <a:spcBef>
-            <a:spcPts val="0"/>
-          </a:spcBef>
-          <a:spcAft>
-            <a:spcPts val="0"/>
-          </a:spcAft>
-          <a:buClrTx/>
-          <a:buSzTx/>
-          <a:buFontTx/>
-          <a:buNone/>
-          <a:tabLst/>
-          <a:defRPr kumimoji="0" sz="1800" b="0" i="0" u="none" strike="noStrike" cap="none" spc="0" normalizeH="0" baseline="0">
-            <a:ln>
-              <a:noFill/>
-            </a:ln>
-            <a:solidFill>
-              <a:srgbClr val="000000"/>
-            </a:solidFill>
-            <a:effectLst/>
-            <a:uFillTx/>
-          </a:defRPr>
-        </a:lvl8pPr>
-        <a:lvl9pPr marL="0" marR="0" indent="0" algn="l" defTabSz="914400" rtl="0" fontAlgn="auto" latinLnBrk="1" hangingPunct="0">
-          <a:lnSpc>
-            <a:spcPct val="100000"/>
-          </a:lnSpc>
-          <a:spcBef>
-            <a:spcPts val="0"/>
-          </a:spcBef>
-          <a:spcAft>
-            <a:spcPts val="0"/>
-          </a:spcAft>
-          <a:buClrTx/>
-          <a:buSzTx/>
-          <a:buFontTx/>
-          <a:buNone/>
-          <a:tabLst/>
-          <a:defRPr kumimoji="0" sz="1800" b="0" i="0" u="none" strike="noStrike" cap="none" spc="0" normalizeH="0" baseline="0">
-            <a:ln>
-              <a:noFill/>
-            </a:ln>
-            <a:solidFill>
-              <a:srgbClr val="000000"/>
-            </a:solidFill>
-            <a:effectLst/>
-            <a:uFillTx/>
-          </a:defRPr>
-        </a:lvl9pPr>
-      </a:lstStyle>
-      <a:style>
-        <a:lnRef idx="0">
-          <a:scrgbClr r="0" g="0" b="0"/>
-        </a:lnRef>
-        <a:fillRef idx="0">
-          <a:scrgbClr r="0" g="0" b="0"/>
-        </a:fillRef>
-        <a:effectRef idx="0">
-          <a:scrgbClr r="0" g="0" b="0"/>
-        </a:effectRef>
-        <a:fontRef idx="none"/>
-      </a:style>
-    </a:spDef>
-    <a:lnDef>
-      <a:spPr>
-        <a:noFill/>
-        <a:ln w="25400" cap="flat">
-          <a:solidFill>
-            <a:srgbClr val="619AE3"/>
-          </a:solidFill>
-          <a:prstDash val="solid"/>
-          <a:bevel/>
-        </a:ln>
-        <a:effectLst>
-          <a:outerShdw blurRad="50800" dist="25400" dir="5400000" rotWithShape="0">
-            <a:srgbClr val="000000">
-              <a:alpha val="50000"/>
-            </a:srgbClr>
-          </a:outerShdw>
-        </a:effectLst>
-      </a:spPr>
-      <a:bodyPr rot="0" spcFirstLastPara="1" vertOverflow="overflow" horzOverflow="overflow" vert="horz" wrap="square" lIns="91439" tIns="45719" rIns="91439" bIns="45719" numCol="1" spcCol="38100" rtlCol="0" anchor="t">
-        <a:noAutofit/>
-      </a:bodyPr>
-      <a:lstStyle>
-        <a:defPPr marL="0" marR="0" indent="0" algn="l" defTabSz="914400" rtl="0" fontAlgn="auto" latinLnBrk="1" hangingPunct="0">
-          <a:lnSpc>
-            <a:spcPct val="100000"/>
-          </a:lnSpc>
-          <a:spcBef>
-            <a:spcPts val="0"/>
-          </a:spcBef>
-          <a:spcAft>
-            <a:spcPts val="0"/>
-          </a:spcAft>
-          <a:buClrTx/>
-          <a:buSzTx/>
-          <a:buFontTx/>
-          <a:buNone/>
-          <a:tabLst/>
-          <a:defRPr kumimoji="0" sz="1800" b="0" i="0" u="none" strike="noStrike" cap="none" spc="0" normalizeH="0" baseline="0">
-            <a:ln>
-              <a:noFill/>
-            </a:ln>
-            <a:solidFill>
-              <a:srgbClr val="000000"/>
-            </a:solidFill>
-            <a:effectLst/>
-            <a:uFillTx/>
-          </a:defRPr>
-        </a:defPPr>
-        <a:lvl1pPr marL="0" marR="0" indent="0" algn="l" defTabSz="914400" rtl="0" fontAlgn="auto" latinLnBrk="1" hangingPunct="0">
-          <a:lnSpc>
-            <a:spcPct val="100000"/>
-          </a:lnSpc>
-          <a:spcBef>
-            <a:spcPts val="0"/>
-          </a:spcBef>
-          <a:spcAft>
-            <a:spcPts val="0"/>
-          </a:spcAft>
-          <a:buClrTx/>
-          <a:buSzTx/>
-          <a:buFontTx/>
-          <a:buNone/>
-          <a:tabLst/>
-          <a:defRPr kumimoji="0" sz="1800" b="0" i="0" u="none" strike="noStrike" cap="none" spc="0" normalizeH="0" baseline="0">
-            <a:ln>
-              <a:noFill/>
-            </a:ln>
-            <a:solidFill>
-              <a:srgbClr val="000000"/>
-            </a:solidFill>
-            <a:effectLst/>
-            <a:uFillTx/>
-          </a:defRPr>
-        </a:lvl1pPr>
-        <a:lvl2pPr marL="0" marR="0" indent="0" algn="l" defTabSz="914400" rtl="0" fontAlgn="auto" latinLnBrk="1" hangingPunct="0">
-          <a:lnSpc>
-            <a:spcPct val="100000"/>
-          </a:lnSpc>
-          <a:spcBef>
-            <a:spcPts val="0"/>
-          </a:spcBef>
-          <a:spcAft>
-            <a:spcPts val="0"/>
-          </a:spcAft>
-          <a:buClrTx/>
-          <a:buSzTx/>
-          <a:buFontTx/>
-          <a:buNone/>
-          <a:tabLst/>
-          <a:defRPr kumimoji="0" sz="1800" b="0" i="0" u="none" strike="noStrike" cap="none" spc="0" normalizeH="0" baseline="0">
-            <a:ln>
-              <a:noFill/>
-            </a:ln>
-            <a:solidFill>
-              <a:srgbClr val="000000"/>
-            </a:solidFill>
-            <a:effectLst/>
-            <a:uFillTx/>
-          </a:defRPr>
-        </a:lvl2pPr>
-        <a:lvl3pPr marL="0" marR="0" indent="0" algn="l" defTabSz="914400" rtl="0" fontAlgn="auto" latinLnBrk="1" hangingPunct="0">
-          <a:lnSpc>
-            <a:spcPct val="100000"/>
-          </a:lnSpc>
-          <a:spcBef>
-            <a:spcPts val="0"/>
-          </a:spcBef>
-          <a:spcAft>
-            <a:spcPts val="0"/>
-          </a:spcAft>
-          <a:buClrTx/>
-          <a:buSzTx/>
-          <a:buFontTx/>
-          <a:buNone/>
-          <a:tabLst/>
-          <a:defRPr kumimoji="0" sz="1800" b="0" i="0" u="none" strike="noStrike" cap="none" spc="0" normalizeH="0" baseline="0">
-            <a:ln>
-              <a:noFill/>
-            </a:ln>
-            <a:solidFill>
-              <a:srgbClr val="000000"/>
-            </a:solidFill>
-            <a:effectLst/>
-            <a:uFillTx/>
-          </a:defRPr>
-        </a:lvl3pPr>
-        <a:lvl4pPr marL="0" marR="0" indent="0" algn="l" defTabSz="914400" rtl="0" fontAlgn="auto" latinLnBrk="1" hangingPunct="0">
-          <a:lnSpc>
-            <a:spcPct val="100000"/>
-          </a:lnSpc>
-          <a:spcBef>
-            <a:spcPts val="0"/>
-          </a:spcBef>
-          <a:spcAft>
-            <a:spcPts val="0"/>
-          </a:spcAft>
-          <a:buClrTx/>
-          <a:buSzTx/>
-          <a:buFontTx/>
-          <a:buNone/>
-          <a:tabLst/>
-          <a:defRPr kumimoji="0" sz="1800" b="0" i="0" u="none" strike="noStrike" cap="none" spc="0" normalizeH="0" baseline="0">
-            <a:ln>
-              <a:noFill/>
-            </a:ln>
-            <a:solidFill>
-              <a:srgbClr val="000000"/>
-            </a:solidFill>
-            <a:effectLst/>
-            <a:uFillTx/>
-          </a:defRPr>
-        </a:lvl4pPr>
-        <a:lvl5pPr marL="0" marR="0" indent="0" algn="l" defTabSz="914400" rtl="0" fontAlgn="auto" latinLnBrk="1" hangingPunct="0">
-          <a:lnSpc>
-            <a:spcPct val="100000"/>
-          </a:lnSpc>
-          <a:spcBef>
-            <a:spcPts val="0"/>
-          </a:spcBef>
-          <a:spcAft>
-            <a:spcPts val="0"/>
-          </a:spcAft>
-          <a:buClrTx/>
-          <a:buSzTx/>
-          <a:buFontTx/>
-          <a:buNone/>
-          <a:tabLst/>
-          <a:defRPr kumimoji="0" sz="1800" b="0" i="0" u="none" strike="noStrike" cap="none" spc="0" normalizeH="0" baseline="0">
-            <a:ln>
-              <a:noFill/>
-            </a:ln>
-            <a:solidFill>
-              <a:srgbClr val="000000"/>
-            </a:solidFill>
-            <a:effectLst/>
-            <a:uFillTx/>
-          </a:defRPr>
-        </a:lvl5pPr>
-        <a:lvl6pPr marL="0" marR="0" indent="0" algn="l" defTabSz="914400" rtl="0" fontAlgn="auto" latinLnBrk="1" hangingPunct="0">
-          <a:lnSpc>
-            <a:spcPct val="100000"/>
-          </a:lnSpc>
-          <a:spcBef>
-            <a:spcPts val="0"/>
-          </a:spcBef>
-          <a:spcAft>
-            <a:spcPts val="0"/>
-          </a:spcAft>
-          <a:buClrTx/>
-          <a:buSzTx/>
-          <a:buFontTx/>
-          <a:buNone/>
-          <a:tabLst/>
-          <a:defRPr kumimoji="0" sz="1800" b="0" i="0" u="none" strike="noStrike" cap="none" spc="0" normalizeH="0" baseline="0">
-            <a:ln>
-              <a:noFill/>
-            </a:ln>
-            <a:solidFill>
-              <a:srgbClr val="000000"/>
-            </a:solidFill>
-            <a:effectLst/>
-            <a:uFillTx/>
-          </a:defRPr>
-        </a:lvl6pPr>
-        <a:lvl7pPr marL="0" marR="0" indent="0" algn="l" defTabSz="914400" rtl="0" fontAlgn="auto" latinLnBrk="1" hangingPunct="0">
-          <a:lnSpc>
-            <a:spcPct val="100000"/>
-          </a:lnSpc>
-          <a:spcBef>
-            <a:spcPts val="0"/>
-          </a:spcBef>
-          <a:spcAft>
-            <a:spcPts val="0"/>
-          </a:spcAft>
-          <a:buClrTx/>
-          <a:buSzTx/>
-          <a:buFontTx/>
-          <a:buNone/>
-          <a:tabLst/>
-          <a:defRPr kumimoji="0" sz="1800" b="0" i="0" u="none" strike="noStrike" cap="none" spc="0" normalizeH="0" baseline="0">
-            <a:ln>
-              <a:noFill/>
-            </a:ln>
-            <a:solidFill>
-              <a:srgbClr val="000000"/>
-            </a:solidFill>
-            <a:effectLst/>
-            <a:uFillTx/>
-          </a:defRPr>
-        </a:lvl7pPr>
-        <a:lvl8pPr marL="0" marR="0" indent="0" algn="l" defTabSz="914400" rtl="0" fontAlgn="auto" latinLnBrk="1" hangingPunct="0">
-          <a:lnSpc>
-            <a:spcPct val="100000"/>
-          </a:lnSpc>
-          <a:spcBef>
-            <a:spcPts val="0"/>
-          </a:spcBef>
-          <a:spcAft>
-            <a:spcPts val="0"/>
-          </a:spcAft>
-          <a:buClrTx/>
-          <a:buSzTx/>
-          <a:buFontTx/>
-          <a:buNone/>
-          <a:tabLst/>
-          <a:defRPr kumimoji="0" sz="1800" b="0" i="0" u="none" strike="noStrike" cap="none" spc="0" normalizeH="0" baseline="0">
-            <a:ln>
-              <a:noFill/>
-            </a:ln>
-            <a:solidFill>
-              <a:srgbClr val="000000"/>
-            </a:solidFill>
-            <a:effectLst/>
-            <a:uFillTx/>
-          </a:defRPr>
-        </a:lvl8pPr>
-        <a:lvl9pPr marL="0" marR="0" indent="0" algn="l" defTabSz="914400" rtl="0" fontAlgn="auto" latinLnBrk="1" hangingPunct="0">
-          <a:lnSpc>
-            <a:spcPct val="100000"/>
-          </a:lnSpc>
-          <a:spcBef>
-            <a:spcPts val="0"/>
-          </a:spcBef>
-          <a:spcAft>
-            <a:spcPts val="0"/>
-          </a:spcAft>
-          <a:buClrTx/>
-          <a:buSzTx/>
-          <a:buFontTx/>
-          <a:buNone/>
-          <a:tabLst/>
-          <a:defRPr kumimoji="0" sz="1800" b="0" i="0" u="none" strike="noStrike" cap="none" spc="0" normalizeH="0" baseline="0">
-            <a:ln>
-              <a:noFill/>
-            </a:ln>
-            <a:solidFill>
-              <a:srgbClr val="000000"/>
-            </a:solidFill>
-            <a:effectLst/>
-            <a:uFillTx/>
-          </a:defRPr>
-        </a:lvl9pPr>
-      </a:lstStyle>
-      <a:style>
-        <a:lnRef idx="0">
-          <a:scrgbClr r="0" g="0" b="0"/>
-        </a:lnRef>
-        <a:fillRef idx="0">
-          <a:scrgbClr r="0" g="0" b="0"/>
-        </a:fillRef>
-        <a:effectRef idx="0">
-          <a:scrgbClr r="0" g="0" b="0"/>
-        </a:effectRef>
-        <a:fontRef idx="none"/>
-      </a:style>
-    </a:lnDef>
-    <a:txDef>
-      <a:spPr>
-        <a:noFill/>
-        <a:ln w="12700" cap="flat">
-          <a:noFill/>
-          <a:miter lim="400000"/>
-        </a:ln>
-        <a:effectLst/>
-      </a:spPr>
-      <a:bodyPr rot="0" spcFirstLastPara="1" vertOverflow="overflow" horzOverflow="overflow" vert="horz" wrap="square" lIns="50800" tIns="50800" rIns="50800" bIns="50800" numCol="1" spcCol="38100" rtlCol="0" anchor="ctr">
-        <a:spAutoFit/>
-      </a:bodyPr>
-      <a:lstStyle>
-        <a:defPPr marL="0" marR="0" indent="0" algn="ctr" defTabSz="584200" rtl="0" fontAlgn="auto" latinLnBrk="1" hangingPunct="0">
-          <a:lnSpc>
-            <a:spcPct val="100000"/>
-          </a:lnSpc>
-          <a:spcBef>
-            <a:spcPts val="0"/>
-          </a:spcBef>
-          <a:spcAft>
-            <a:spcPts val="0"/>
-          </a:spcAft>
-          <a:buClrTx/>
-          <a:buSzTx/>
-          <a:buFontTx/>
-          <a:buNone/>
-          <a:tabLst/>
-          <a:defRPr kumimoji="0" sz="3800" b="0" i="0" u="none" strike="noStrike" cap="none" spc="0" normalizeH="0" baseline="0">
-            <a:ln>
-              <a:noFill/>
-            </a:ln>
-            <a:solidFill>
-              <a:srgbClr val="EBEBEB"/>
-            </a:solidFill>
-            <a:effectLst>
-              <a:outerShdw blurRad="50800" dist="25400" dir="5400000" rotWithShape="0">
-                <a:srgbClr val="000000"/>
-              </a:outerShdw>
-            </a:effectLst>
-            <a:uFillTx/>
-            <a:latin typeface="+mj-lt"/>
-            <a:ea typeface="+mj-ea"/>
-            <a:cs typeface="+mj-cs"/>
-            <a:sym typeface="Helvetica Neue"/>
-          </a:defRPr>
-        </a:defPPr>
-        <a:lvl1pPr marL="0" marR="0" indent="0" algn="l" defTabSz="914400" rtl="0" fontAlgn="auto" latinLnBrk="1" hangingPunct="0">
-          <a:lnSpc>
-            <a:spcPct val="100000"/>
-          </a:lnSpc>
-          <a:spcBef>
-            <a:spcPts val="0"/>
-          </a:spcBef>
-          <a:spcAft>
-            <a:spcPts val="0"/>
-          </a:spcAft>
-          <a:buClrTx/>
-          <a:buSzTx/>
-          <a:buFontTx/>
-          <a:buNone/>
-          <a:tabLst/>
-          <a:defRPr kumimoji="0" sz="1800" b="0" i="0" u="none" strike="noStrike" cap="none" spc="0" normalizeH="0" baseline="0">
-            <a:ln>
-              <a:noFill/>
-            </a:ln>
-            <a:solidFill>
-              <a:srgbClr val="000000"/>
-            </a:solidFill>
-            <a:effectLst/>
-            <a:uFillTx/>
-          </a:defRPr>
-        </a:lvl1pPr>
-        <a:lvl2pPr marL="0" marR="0" indent="0" algn="l" defTabSz="914400" rtl="0" fontAlgn="auto" latinLnBrk="1" hangingPunct="0">
-          <a:lnSpc>
-            <a:spcPct val="100000"/>
-          </a:lnSpc>
-          <a:spcBef>
-            <a:spcPts val="0"/>
-          </a:spcBef>
-          <a:spcAft>
-            <a:spcPts val="0"/>
-          </a:spcAft>
-          <a:buClrTx/>
-          <a:buSzTx/>
-          <a:buFontTx/>
-          <a:buNone/>
-          <a:tabLst/>
-          <a:defRPr kumimoji="0" sz="1800" b="0" i="0" u="none" strike="noStrike" cap="none" spc="0" normalizeH="0" baseline="0">
-            <a:ln>
-              <a:noFill/>
-            </a:ln>
-            <a:solidFill>
-              <a:srgbClr val="000000"/>
-            </a:solidFill>
-            <a:effectLst/>
-            <a:uFillTx/>
-          </a:defRPr>
-        </a:lvl2pPr>
-        <a:lvl3pPr marL="0" marR="0" indent="0" algn="l" defTabSz="914400" rtl="0" fontAlgn="auto" latinLnBrk="1" hangingPunct="0">
-          <a:lnSpc>
-            <a:spcPct val="100000"/>
-          </a:lnSpc>
-          <a:spcBef>
-            <a:spcPts val="0"/>
-          </a:spcBef>
-          <a:spcAft>
-            <a:spcPts val="0"/>
-          </a:spcAft>
-          <a:buClrTx/>
-          <a:buSzTx/>
-          <a:buFontTx/>
-          <a:buNone/>
-          <a:tabLst/>
-          <a:defRPr kumimoji="0" sz="1800" b="0" i="0" u="none" strike="noStrike" cap="none" spc="0" normalizeH="0" baseline="0">
-            <a:ln>
-              <a:noFill/>
-            </a:ln>
-            <a:solidFill>
-              <a:srgbClr val="000000"/>
-            </a:solidFill>
-            <a:effectLst/>
-            <a:uFillTx/>
-          </a:defRPr>
-        </a:lvl3pPr>
-        <a:lvl4pPr marL="0" marR="0" indent="0" algn="l" defTabSz="914400" rtl="0" fontAlgn="auto" latinLnBrk="1" hangingPunct="0">
-          <a:lnSpc>
-            <a:spcPct val="100000"/>
-          </a:lnSpc>
-          <a:spcBef>
-            <a:spcPts val="0"/>
-          </a:spcBef>
-          <a:spcAft>
-            <a:spcPts val="0"/>
-          </a:spcAft>
-          <a:buClrTx/>
-          <a:buSzTx/>
-          <a:buFontTx/>
-          <a:buNone/>
-          <a:tabLst/>
-          <a:defRPr kumimoji="0" sz="1800" b="0" i="0" u="none" strike="noStrike" cap="none" spc="0" normalizeH="0" baseline="0">
-            <a:ln>
-              <a:noFill/>
-            </a:ln>
-            <a:solidFill>
-              <a:srgbClr val="000000"/>
-            </a:solidFill>
-            <a:effectLst/>
-            <a:uFillTx/>
-          </a:defRPr>
-        </a:lvl4pPr>
-        <a:lvl5pPr marL="0" marR="0" indent="0" algn="l" defTabSz="914400" rtl="0" fontAlgn="auto" latinLnBrk="1" hangingPunct="0">
-          <a:lnSpc>
-            <a:spcPct val="100000"/>
-          </a:lnSpc>
-          <a:spcBef>
-            <a:spcPts val="0"/>
-          </a:spcBef>
-          <a:spcAft>
-            <a:spcPts val="0"/>
-          </a:spcAft>
-          <a:buClrTx/>
-          <a:buSzTx/>
-          <a:buFontTx/>
-          <a:buNone/>
-          <a:tabLst/>
-          <a:defRPr kumimoji="0" sz="1800" b="0" i="0" u="none" strike="noStrike" cap="none" spc="0" normalizeH="0" baseline="0">
-            <a:ln>
-              <a:noFill/>
-            </a:ln>
-            <a:solidFill>
-              <a:srgbClr val="000000"/>
-            </a:solidFill>
-            <a:effectLst/>
-            <a:uFillTx/>
-          </a:defRPr>
-        </a:lvl5pPr>
-        <a:lvl6pPr marL="0" marR="0" indent="0" algn="l" defTabSz="914400" rtl="0" fontAlgn="auto" latinLnBrk="1" hangingPunct="0">
-          <a:lnSpc>
-            <a:spcPct val="100000"/>
-          </a:lnSpc>
-          <a:spcBef>
-            <a:spcPts val="0"/>
-          </a:spcBef>
-          <a:spcAft>
-            <a:spcPts val="0"/>
-          </a:spcAft>
-          <a:buClrTx/>
-          <a:buSzTx/>
-          <a:buFontTx/>
-          <a:buNone/>
-          <a:tabLst/>
-          <a:defRPr kumimoji="0" sz="1800" b="0" i="0" u="none" strike="noStrike" cap="none" spc="0" normalizeH="0" baseline="0">
-            <a:ln>
-              <a:noFill/>
-            </a:ln>
-            <a:solidFill>
-              <a:srgbClr val="000000"/>
-            </a:solidFill>
-            <a:effectLst/>
-            <a:uFillTx/>
-          </a:defRPr>
-        </a:lvl6pPr>
-        <a:lvl7pPr marL="0" marR="0" indent="0" algn="l" defTabSz="914400" rtl="0" fontAlgn="auto" latinLnBrk="1" hangingPunct="0">
-          <a:lnSpc>
-            <a:spcPct val="100000"/>
-          </a:lnSpc>
-          <a:spcBef>
-            <a:spcPts val="0"/>
-          </a:spcBef>
-          <a:spcAft>
-            <a:spcPts val="0"/>
-          </a:spcAft>
-          <a:buClrTx/>
-          <a:buSzTx/>
-          <a:buFontTx/>
-          <a:buNone/>
-          <a:tabLst/>
-          <a:defRPr kumimoji="0" sz="1800" b="0" i="0" u="none" strike="noStrike" cap="none" spc="0" normalizeH="0" baseline="0">
-            <a:ln>
-              <a:noFill/>
-            </a:ln>
-            <a:solidFill>
-              <a:srgbClr val="000000"/>
-            </a:solidFill>
-            <a:effectLst/>
-            <a:uFillTx/>
-          </a:defRPr>
-        </a:lvl7pPr>
-        <a:lvl8pPr marL="0" marR="0" indent="0" algn="l" defTabSz="914400" rtl="0" fontAlgn="auto" latinLnBrk="1" hangingPunct="0">
-          <a:lnSpc>
-            <a:spcPct val="100000"/>
-          </a:lnSpc>
-          <a:spcBef>
-            <a:spcPts val="0"/>
-          </a:spcBef>
-          <a:spcAft>
-            <a:spcPts val="0"/>
-          </a:spcAft>
-          <a:buClrTx/>
-          <a:buSzTx/>
-          <a:buFontTx/>
-          <a:buNone/>
-          <a:tabLst/>
-          <a:defRPr kumimoji="0" sz="1800" b="0" i="0" u="none" strike="noStrike" cap="none" spc="0" normalizeH="0" baseline="0">
-            <a:ln>
-              <a:noFill/>
-            </a:ln>
-            <a:solidFill>
-              <a:srgbClr val="000000"/>
-            </a:solidFill>
-            <a:effectLst/>
-            <a:uFillTx/>
-          </a:defRPr>
-        </a:lvl8pPr>
-        <a:lvl9pPr marL="0" marR="0" indent="0" algn="l" defTabSz="914400" rtl="0" fontAlgn="auto" latinLnBrk="1" hangingPunct="0">
-          <a:lnSpc>
-            <a:spcPct val="100000"/>
-          </a:lnSpc>
-          <a:spcBef>
-            <a:spcPts val="0"/>
-          </a:spcBef>
-          <a:spcAft>
-            <a:spcPts val="0"/>
-          </a:spcAft>
-          <a:buClrTx/>
-          <a:buSzTx/>
-          <a:buFontTx/>
-          <a:buNone/>
-          <a:tabLst/>
-          <a:defRPr kumimoji="0" sz="1800" b="0" i="0" u="none" strike="noStrike" cap="none" spc="0" normalizeH="0" baseline="0">
-            <a:ln>
-              <a:noFill/>
-            </a:ln>
-            <a:solidFill>
-              <a:srgbClr val="000000"/>
-            </a:solidFill>
-            <a:effectLst/>
-            <a:uFillTx/>
-          </a:defRPr>
-        </a:lvl9pPr>
-      </a:lstStyle>
-      <a:style>
-        <a:lnRef idx="0">
-          <a:scrgbClr r="0" g="0" b="0"/>
-        </a:lnRef>
-        <a:fillRef idx="0">
-          <a:scrgbClr r="0" g="0" b="0"/>
-        </a:fillRef>
-        <a:effectRef idx="0">
-          <a:scrgbClr r="0" g="0" b="0"/>
-        </a:effectRef>
-        <a:fontRef idx="none"/>
-      </a:style>
-    </a:txDef>
-  </a:objectDefaults>
-  <a:extraClrSchemeLst/>
-</a:theme>
-</file>
-
-<file path=ppt/theme/theme2.xml><?xml version="1.0" encoding="utf-8"?>
-<a:theme xmlns:a="http://schemas.openxmlformats.org/drawingml/2006/main" name="Default">
+<a:theme xmlns:a="http://schemas.openxmlformats.org/drawingml/2006/main" xmlns:r="http://schemas.openxmlformats.org/officeDocument/2006/relationships" name="Default">
   <a:themeElements>
     <a:clrScheme name="Default">
       <a:dk1>
@@ -7748,7 +6716,7 @@
       <a:effectStyleLst>
         <a:effectStyle>
           <a:effectLst>
-            <a:outerShdw blurRad="50800" dist="25400" dir="5400000" rotWithShape="0">
+            <a:outerShdw sx="100000" sy="100000" kx="0" ky="0" algn="b" rotWithShape="0" blurRad="50800" dist="25400" dir="5400000">
               <a:srgbClr val="000000">
                 <a:alpha val="50000"/>
               </a:srgbClr>
@@ -7757,7 +6725,7 @@
         </a:effectStyle>
         <a:effectStyle>
           <a:effectLst>
-            <a:outerShdw blurRad="50800" dist="25400" dir="5400000" rotWithShape="0">
+            <a:outerShdw sx="100000" sy="100000" kx="0" ky="0" algn="b" rotWithShape="0" blurRad="50800" dist="25400" dir="5400000">
               <a:srgbClr val="000000">
                 <a:alpha val="50000"/>
               </a:srgbClr>
@@ -7766,7 +6734,7 @@
         </a:effectStyle>
         <a:effectStyle>
           <a:effectLst>
-            <a:outerShdw blurRad="50800" dist="25400" dir="5400000" rotWithShape="0">
+            <a:outerShdw sx="100000" sy="100000" kx="0" ky="0" algn="b" rotWithShape="0" blurRad="50800" dist="25400" dir="5400000">
               <a:srgbClr val="000000">
                 <a:alpha val="50000"/>
               </a:srgbClr>
@@ -7830,7 +6798,7 @@
     <a:spDef>
       <a:spPr>
         <a:solidFill>
-          <a:srgbClr val="C000EB"/>
+          <a:srgbClr val="EBEBEB"/>
         </a:solidFill>
         <a:ln w="25400" cap="flat">
           <a:solidFill>
@@ -7840,14 +6808,14 @@
           <a:bevel/>
         </a:ln>
         <a:effectLst>
-          <a:outerShdw blurRad="50800" dist="25400" dir="5400000" rotWithShape="0">
+          <a:outerShdw sx="100000" sy="100000" kx="0" ky="0" algn="b" rotWithShape="0" blurRad="50800" dist="25400" dir="5400000">
             <a:srgbClr val="000000">
               <a:alpha val="50000"/>
             </a:srgbClr>
           </a:outerShdw>
         </a:effectLst>
       </a:spPr>
-      <a:bodyPr rot="0" spcFirstLastPara="1" vertOverflow="overflow" horzOverflow="overflow" vert="horz" wrap="square" lIns="50800" tIns="50800" rIns="50800" bIns="50800" numCol="1" spcCol="38100" rtlCol="0" anchor="ctr">
+      <a:bodyPr rot="0" spcFirstLastPara="1" vertOverflow="overflow" horzOverflow="overflow" vert="horz" wrap="square" lIns="50800" tIns="50800" rIns="50800" bIns="50800" numCol="1" spcCol="38100" rtlCol="0" anchor="ctr" upright="0">
         <a:spAutoFit/>
       </a:bodyPr>
       <a:lstStyle>
@@ -7866,23 +6834,23 @@
           <a:buFontTx/>
           <a:buNone/>
           <a:tabLst/>
-          <a:defRPr kumimoji="0" sz="3800" b="0" i="0" u="none" strike="noStrike" cap="none" spc="0" normalizeH="0" baseline="0">
+          <a:defRPr b="0" baseline="0" cap="none" i="0" spc="0" strike="noStrike" sz="3800" u="none" kumimoji="0" normalizeH="0">
             <a:ln>
               <a:noFill/>
             </a:ln>
             <a:solidFill>
-              <a:srgbClr val="EBEBEB"/>
+              <a:srgbClr val="000000"/>
             </a:solidFill>
             <a:effectLst>
-              <a:outerShdw blurRad="50800" dist="25400" dir="5400000" rotWithShape="0">
+              <a:outerShdw sx="100000" sy="100000" kx="0" ky="0" algn="b" rotWithShape="0" blurRad="50800" dist="25400" dir="5400000">
                 <a:srgbClr val="000000"/>
               </a:outerShdw>
             </a:effectLst>
             <a:uFillTx/>
-            <a:latin typeface="+mj-lt"/>
-            <a:ea typeface="+mj-ea"/>
-            <a:cs typeface="+mj-cs"/>
-            <a:sym typeface="Helvetica Neue"/>
+            <a:latin typeface="+mn-lt"/>
+            <a:ea typeface="+mn-ea"/>
+            <a:cs typeface="+mn-cs"/>
+            <a:sym typeface="Helvetica"/>
           </a:defRPr>
         </a:defPPr>
         <a:lvl1pPr marL="0" marR="0" indent="0" algn="l" defTabSz="914400" rtl="0" fontAlgn="auto" latinLnBrk="1" hangingPunct="0">
@@ -7900,7 +6868,7 @@
           <a:buFontTx/>
           <a:buNone/>
           <a:tabLst/>
-          <a:defRPr kumimoji="0" sz="1800" b="0" i="0" u="none" strike="noStrike" cap="none" spc="0" normalizeH="0" baseline="0">
+          <a:defRPr b="0" baseline="0" cap="none" i="0" spc="0" strike="noStrike" sz="1800" u="none" kumimoji="0" normalizeH="0">
             <a:ln>
               <a:noFill/>
             </a:ln>
@@ -7926,7 +6894,7 @@
           <a:buFontTx/>
           <a:buNone/>
           <a:tabLst/>
-          <a:defRPr kumimoji="0" sz="1800" b="0" i="0" u="none" strike="noStrike" cap="none" spc="0" normalizeH="0" baseline="0">
+          <a:defRPr b="0" baseline="0" cap="none" i="0" spc="0" strike="noStrike" sz="1800" u="none" kumimoji="0" normalizeH="0">
             <a:ln>
               <a:noFill/>
             </a:ln>
@@ -7952,7 +6920,7 @@
           <a:buFontTx/>
           <a:buNone/>
           <a:tabLst/>
-          <a:defRPr kumimoji="0" sz="1800" b="0" i="0" u="none" strike="noStrike" cap="none" spc="0" normalizeH="0" baseline="0">
+          <a:defRPr b="0" baseline="0" cap="none" i="0" spc="0" strike="noStrike" sz="1800" u="none" kumimoji="0" normalizeH="0">
             <a:ln>
               <a:noFill/>
             </a:ln>
@@ -7978,7 +6946,7 @@
           <a:buFontTx/>
           <a:buNone/>
           <a:tabLst/>
-          <a:defRPr kumimoji="0" sz="1800" b="0" i="0" u="none" strike="noStrike" cap="none" spc="0" normalizeH="0" baseline="0">
+          <a:defRPr b="0" baseline="0" cap="none" i="0" spc="0" strike="noStrike" sz="1800" u="none" kumimoji="0" normalizeH="0">
             <a:ln>
               <a:noFill/>
             </a:ln>
@@ -8004,7 +6972,7 @@
           <a:buFontTx/>
           <a:buNone/>
           <a:tabLst/>
-          <a:defRPr kumimoji="0" sz="1800" b="0" i="0" u="none" strike="noStrike" cap="none" spc="0" normalizeH="0" baseline="0">
+          <a:defRPr b="0" baseline="0" cap="none" i="0" spc="0" strike="noStrike" sz="1800" u="none" kumimoji="0" normalizeH="0">
             <a:ln>
               <a:noFill/>
             </a:ln>
@@ -8030,7 +6998,7 @@
           <a:buFontTx/>
           <a:buNone/>
           <a:tabLst/>
-          <a:defRPr kumimoji="0" sz="1800" b="0" i="0" u="none" strike="noStrike" cap="none" spc="0" normalizeH="0" baseline="0">
+          <a:defRPr b="0" baseline="0" cap="none" i="0" spc="0" strike="noStrike" sz="1800" u="none" kumimoji="0" normalizeH="0">
             <a:ln>
               <a:noFill/>
             </a:ln>
@@ -8056,7 +7024,7 @@
           <a:buFontTx/>
           <a:buNone/>
           <a:tabLst/>
-          <a:defRPr kumimoji="0" sz="1800" b="0" i="0" u="none" strike="noStrike" cap="none" spc="0" normalizeH="0" baseline="0">
+          <a:defRPr b="0" baseline="0" cap="none" i="0" spc="0" strike="noStrike" sz="1800" u="none" kumimoji="0" normalizeH="0">
             <a:ln>
               <a:noFill/>
             </a:ln>
@@ -8082,7 +7050,7 @@
           <a:buFontTx/>
           <a:buNone/>
           <a:tabLst/>
-          <a:defRPr kumimoji="0" sz="1800" b="0" i="0" u="none" strike="noStrike" cap="none" spc="0" normalizeH="0" baseline="0">
+          <a:defRPr b="0" baseline="0" cap="none" i="0" spc="0" strike="noStrike" sz="1800" u="none" kumimoji="0" normalizeH="0">
             <a:ln>
               <a:noFill/>
             </a:ln>
@@ -8108,7 +7076,7 @@
           <a:buFontTx/>
           <a:buNone/>
           <a:tabLst/>
-          <a:defRPr kumimoji="0" sz="1800" b="0" i="0" u="none" strike="noStrike" cap="none" spc="0" normalizeH="0" baseline="0">
+          <a:defRPr b="0" baseline="0" cap="none" i="0" spc="0" strike="noStrike" sz="1800" u="none" kumimoji="0" normalizeH="0">
             <a:ln>
               <a:noFill/>
             </a:ln>
@@ -8121,15 +7089,9 @@
         </a:lvl9pPr>
       </a:lstStyle>
       <a:style>
-        <a:lnRef idx="0">
-          <a:scrgbClr r="0" g="0" b="0"/>
-        </a:lnRef>
-        <a:fillRef idx="0">
-          <a:scrgbClr r="0" g="0" b="0"/>
-        </a:fillRef>
-        <a:effectRef idx="0">
-          <a:scrgbClr r="0" g="0" b="0"/>
-        </a:effectRef>
+        <a:lnRef idx="0"/>
+        <a:fillRef idx="0"/>
+        <a:effectRef idx="0"/>
         <a:fontRef idx="none"/>
       </a:style>
     </a:spDef>
@@ -8144,14 +7106,14 @@
           <a:bevel/>
         </a:ln>
         <a:effectLst>
-          <a:outerShdw blurRad="50800" dist="25400" dir="5400000" rotWithShape="0">
+          <a:outerShdw sx="100000" sy="100000" kx="0" ky="0" algn="b" rotWithShape="0" blurRad="50800" dist="25400" dir="5400000">
             <a:srgbClr val="000000">
               <a:alpha val="50000"/>
             </a:srgbClr>
           </a:outerShdw>
         </a:effectLst>
       </a:spPr>
-      <a:bodyPr rot="0" spcFirstLastPara="1" vertOverflow="overflow" horzOverflow="overflow" vert="horz" wrap="square" lIns="91439" tIns="45719" rIns="91439" bIns="45719" numCol="1" spcCol="38100" rtlCol="0" anchor="t">
+      <a:bodyPr rot="0" spcFirstLastPara="1" vertOverflow="overflow" horzOverflow="overflow" vert="horz" wrap="square" lIns="91439" tIns="45719" rIns="91439" bIns="45719" numCol="1" spcCol="38100" rtlCol="0" anchor="t" upright="0">
         <a:noAutofit/>
       </a:bodyPr>
       <a:lstStyle>
@@ -8170,7 +7132,7 @@
           <a:buFontTx/>
           <a:buNone/>
           <a:tabLst/>
-          <a:defRPr kumimoji="0" sz="1800" b="0" i="0" u="none" strike="noStrike" cap="none" spc="0" normalizeH="0" baseline="0">
+          <a:defRPr b="0" baseline="0" cap="none" i="0" spc="0" strike="noStrike" sz="1800" u="none" kumimoji="0" normalizeH="0">
             <a:ln>
               <a:noFill/>
             </a:ln>
@@ -8196,7 +7158,7 @@
           <a:buFontTx/>
           <a:buNone/>
           <a:tabLst/>
-          <a:defRPr kumimoji="0" sz="1800" b="0" i="0" u="none" strike="noStrike" cap="none" spc="0" normalizeH="0" baseline="0">
+          <a:defRPr b="0" baseline="0" cap="none" i="0" spc="0" strike="noStrike" sz="1800" u="none" kumimoji="0" normalizeH="0">
             <a:ln>
               <a:noFill/>
             </a:ln>
@@ -8222,7 +7184,7 @@
           <a:buFontTx/>
           <a:buNone/>
           <a:tabLst/>
-          <a:defRPr kumimoji="0" sz="1800" b="0" i="0" u="none" strike="noStrike" cap="none" spc="0" normalizeH="0" baseline="0">
+          <a:defRPr b="0" baseline="0" cap="none" i="0" spc="0" strike="noStrike" sz="1800" u="none" kumimoji="0" normalizeH="0">
             <a:ln>
               <a:noFill/>
             </a:ln>
@@ -8248,7 +7210,7 @@
           <a:buFontTx/>
           <a:buNone/>
           <a:tabLst/>
-          <a:defRPr kumimoji="0" sz="1800" b="0" i="0" u="none" strike="noStrike" cap="none" spc="0" normalizeH="0" baseline="0">
+          <a:defRPr b="0" baseline="0" cap="none" i="0" spc="0" strike="noStrike" sz="1800" u="none" kumimoji="0" normalizeH="0">
             <a:ln>
               <a:noFill/>
             </a:ln>
@@ -8274,7 +7236,7 @@
           <a:buFontTx/>
           <a:buNone/>
           <a:tabLst/>
-          <a:defRPr kumimoji="0" sz="1800" b="0" i="0" u="none" strike="noStrike" cap="none" spc="0" normalizeH="0" baseline="0">
+          <a:defRPr b="0" baseline="0" cap="none" i="0" spc="0" strike="noStrike" sz="1800" u="none" kumimoji="0" normalizeH="0">
             <a:ln>
               <a:noFill/>
             </a:ln>
@@ -8300,7 +7262,7 @@
           <a:buFontTx/>
           <a:buNone/>
           <a:tabLst/>
-          <a:defRPr kumimoji="0" sz="1800" b="0" i="0" u="none" strike="noStrike" cap="none" spc="0" normalizeH="0" baseline="0">
+          <a:defRPr b="0" baseline="0" cap="none" i="0" spc="0" strike="noStrike" sz="1800" u="none" kumimoji="0" normalizeH="0">
             <a:ln>
               <a:noFill/>
             </a:ln>
@@ -8326,7 +7288,7 @@
           <a:buFontTx/>
           <a:buNone/>
           <a:tabLst/>
-          <a:defRPr kumimoji="0" sz="1800" b="0" i="0" u="none" strike="noStrike" cap="none" spc="0" normalizeH="0" baseline="0">
+          <a:defRPr b="0" baseline="0" cap="none" i="0" spc="0" strike="noStrike" sz="1800" u="none" kumimoji="0" normalizeH="0">
             <a:ln>
               <a:noFill/>
             </a:ln>
@@ -8352,7 +7314,7 @@
           <a:buFontTx/>
           <a:buNone/>
           <a:tabLst/>
-          <a:defRPr kumimoji="0" sz="1800" b="0" i="0" u="none" strike="noStrike" cap="none" spc="0" normalizeH="0" baseline="0">
+          <a:defRPr b="0" baseline="0" cap="none" i="0" spc="0" strike="noStrike" sz="1800" u="none" kumimoji="0" normalizeH="0">
             <a:ln>
               <a:noFill/>
             </a:ln>
@@ -8378,7 +7340,7 @@
           <a:buFontTx/>
           <a:buNone/>
           <a:tabLst/>
-          <a:defRPr kumimoji="0" sz="1800" b="0" i="0" u="none" strike="noStrike" cap="none" spc="0" normalizeH="0" baseline="0">
+          <a:defRPr b="0" baseline="0" cap="none" i="0" spc="0" strike="noStrike" sz="1800" u="none" kumimoji="0" normalizeH="0">
             <a:ln>
               <a:noFill/>
             </a:ln>
@@ -8404,7 +7366,7 @@
           <a:buFontTx/>
           <a:buNone/>
           <a:tabLst/>
-          <a:defRPr kumimoji="0" sz="1800" b="0" i="0" u="none" strike="noStrike" cap="none" spc="0" normalizeH="0" baseline="0">
+          <a:defRPr b="0" baseline="0" cap="none" i="0" spc="0" strike="noStrike" sz="1800" u="none" kumimoji="0" normalizeH="0">
             <a:ln>
               <a:noFill/>
             </a:ln>
@@ -8417,15 +7379,9 @@
         </a:lvl9pPr>
       </a:lstStyle>
       <a:style>
-        <a:lnRef idx="0">
-          <a:scrgbClr r="0" g="0" b="0"/>
-        </a:lnRef>
-        <a:fillRef idx="0">
-          <a:scrgbClr r="0" g="0" b="0"/>
-        </a:fillRef>
-        <a:effectRef idx="0">
-          <a:scrgbClr r="0" g="0" b="0"/>
-        </a:effectRef>
+        <a:lnRef idx="0"/>
+        <a:fillRef idx="0"/>
+        <a:effectRef idx="0"/>
         <a:fontRef idx="none"/>
       </a:style>
     </a:lnDef>
@@ -8438,7 +7394,7 @@
         </a:ln>
         <a:effectLst/>
       </a:spPr>
-      <a:bodyPr rot="0" spcFirstLastPara="1" vertOverflow="overflow" horzOverflow="overflow" vert="horz" wrap="square" lIns="50800" tIns="50800" rIns="50800" bIns="50800" numCol="1" spcCol="38100" rtlCol="0" anchor="ctr">
+      <a:bodyPr rot="0" spcFirstLastPara="1" vertOverflow="overflow" horzOverflow="overflow" vert="horz" wrap="square" lIns="50800" tIns="50800" rIns="50800" bIns="50800" numCol="1" spcCol="38100" rtlCol="0" anchor="ctr" upright="0">
         <a:spAutoFit/>
       </a:bodyPr>
       <a:lstStyle>
@@ -8457,23 +7413,23 @@
           <a:buFontTx/>
           <a:buNone/>
           <a:tabLst/>
-          <a:defRPr kumimoji="0" sz="3800" b="0" i="0" u="none" strike="noStrike" cap="none" spc="0" normalizeH="0" baseline="0">
+          <a:defRPr b="0" baseline="0" cap="none" i="0" spc="0" strike="noStrike" sz="3800" u="none" kumimoji="0" normalizeH="0">
             <a:ln>
               <a:noFill/>
             </a:ln>
             <a:solidFill>
-              <a:srgbClr val="EBEBEB"/>
+              <a:srgbClr val="000000"/>
             </a:solidFill>
             <a:effectLst>
-              <a:outerShdw blurRad="50800" dist="25400" dir="5400000" rotWithShape="0">
+              <a:outerShdw sx="100000" sy="100000" kx="0" ky="0" algn="b" rotWithShape="0" blurRad="50800" dist="25400" dir="5400000">
                 <a:srgbClr val="000000"/>
               </a:outerShdw>
             </a:effectLst>
             <a:uFillTx/>
-            <a:latin typeface="+mj-lt"/>
-            <a:ea typeface="+mj-ea"/>
-            <a:cs typeface="+mj-cs"/>
-            <a:sym typeface="Helvetica Neue"/>
+            <a:latin typeface="+mn-lt"/>
+            <a:ea typeface="+mn-ea"/>
+            <a:cs typeface="+mn-cs"/>
+            <a:sym typeface="Helvetica"/>
           </a:defRPr>
         </a:defPPr>
         <a:lvl1pPr marL="0" marR="0" indent="0" algn="l" defTabSz="914400" rtl="0" fontAlgn="auto" latinLnBrk="1" hangingPunct="0">
@@ -8491,7 +7447,7 @@
           <a:buFontTx/>
           <a:buNone/>
           <a:tabLst/>
-          <a:defRPr kumimoji="0" sz="1800" b="0" i="0" u="none" strike="noStrike" cap="none" spc="0" normalizeH="0" baseline="0">
+          <a:defRPr b="0" baseline="0" cap="none" i="0" spc="0" strike="noStrike" sz="1800" u="none" kumimoji="0" normalizeH="0">
             <a:ln>
               <a:noFill/>
             </a:ln>
@@ -8517,7 +7473,7 @@
           <a:buFontTx/>
           <a:buNone/>
           <a:tabLst/>
-          <a:defRPr kumimoji="0" sz="1800" b="0" i="0" u="none" strike="noStrike" cap="none" spc="0" normalizeH="0" baseline="0">
+          <a:defRPr b="0" baseline="0" cap="none" i="0" spc="0" strike="noStrike" sz="1800" u="none" kumimoji="0" normalizeH="0">
             <a:ln>
               <a:noFill/>
             </a:ln>
@@ -8543,7 +7499,7 @@
           <a:buFontTx/>
           <a:buNone/>
           <a:tabLst/>
-          <a:defRPr kumimoji="0" sz="1800" b="0" i="0" u="none" strike="noStrike" cap="none" spc="0" normalizeH="0" baseline="0">
+          <a:defRPr b="0" baseline="0" cap="none" i="0" spc="0" strike="noStrike" sz="1800" u="none" kumimoji="0" normalizeH="0">
             <a:ln>
               <a:noFill/>
             </a:ln>
@@ -8569,7 +7525,7 @@
           <a:buFontTx/>
           <a:buNone/>
           <a:tabLst/>
-          <a:defRPr kumimoji="0" sz="1800" b="0" i="0" u="none" strike="noStrike" cap="none" spc="0" normalizeH="0" baseline="0">
+          <a:defRPr b="0" baseline="0" cap="none" i="0" spc="0" strike="noStrike" sz="1800" u="none" kumimoji="0" normalizeH="0">
             <a:ln>
               <a:noFill/>
             </a:ln>
@@ -8595,7 +7551,7 @@
           <a:buFontTx/>
           <a:buNone/>
           <a:tabLst/>
-          <a:defRPr kumimoji="0" sz="1800" b="0" i="0" u="none" strike="noStrike" cap="none" spc="0" normalizeH="0" baseline="0">
+          <a:defRPr b="0" baseline="0" cap="none" i="0" spc="0" strike="noStrike" sz="1800" u="none" kumimoji="0" normalizeH="0">
             <a:ln>
               <a:noFill/>
             </a:ln>
@@ -8621,7 +7577,7 @@
           <a:buFontTx/>
           <a:buNone/>
           <a:tabLst/>
-          <a:defRPr kumimoji="0" sz="1800" b="0" i="0" u="none" strike="noStrike" cap="none" spc="0" normalizeH="0" baseline="0">
+          <a:defRPr b="0" baseline="0" cap="none" i="0" spc="0" strike="noStrike" sz="1800" u="none" kumimoji="0" normalizeH="0">
             <a:ln>
               <a:noFill/>
             </a:ln>
@@ -8647,7 +7603,7 @@
           <a:buFontTx/>
           <a:buNone/>
           <a:tabLst/>
-          <a:defRPr kumimoji="0" sz="1800" b="0" i="0" u="none" strike="noStrike" cap="none" spc="0" normalizeH="0" baseline="0">
+          <a:defRPr b="0" baseline="0" cap="none" i="0" spc="0" strike="noStrike" sz="1800" u="none" kumimoji="0" normalizeH="0">
             <a:ln>
               <a:noFill/>
             </a:ln>
@@ -8673,7 +7629,7 @@
           <a:buFontTx/>
           <a:buNone/>
           <a:tabLst/>
-          <a:defRPr kumimoji="0" sz="1800" b="0" i="0" u="none" strike="noStrike" cap="none" spc="0" normalizeH="0" baseline="0">
+          <a:defRPr b="0" baseline="0" cap="none" i="0" spc="0" strike="noStrike" sz="1800" u="none" kumimoji="0" normalizeH="0">
             <a:ln>
               <a:noFill/>
             </a:ln>
@@ -8699,7 +7655,7 @@
           <a:buFontTx/>
           <a:buNone/>
           <a:tabLst/>
-          <a:defRPr kumimoji="0" sz="1800" b="0" i="0" u="none" strike="noStrike" cap="none" spc="0" normalizeH="0" baseline="0">
+          <a:defRPr b="0" baseline="0" cap="none" i="0" spc="0" strike="noStrike" sz="1800" u="none" kumimoji="0" normalizeH="0">
             <a:ln>
               <a:noFill/>
             </a:ln>
@@ -8712,19 +7668,1101 @@
         </a:lvl9pPr>
       </a:lstStyle>
       <a:style>
-        <a:lnRef idx="0">
-          <a:scrgbClr r="0" g="0" b="0"/>
-        </a:lnRef>
-        <a:fillRef idx="0">
-          <a:scrgbClr r="0" g="0" b="0"/>
-        </a:fillRef>
-        <a:effectRef idx="0">
-          <a:scrgbClr r="0" g="0" b="0"/>
-        </a:effectRef>
+        <a:lnRef idx="0"/>
+        <a:fillRef idx="0"/>
+        <a:effectRef idx="0"/>
         <a:fontRef idx="none"/>
       </a:style>
     </a:txDef>
   </a:objectDefaults>
-  <a:extraClrSchemeLst/>
+</a:theme>
+</file>
+
+<file path=ppt/theme/theme2.xml><?xml version="1.0" encoding="utf-8"?>
+<a:theme xmlns:a="http://schemas.openxmlformats.org/drawingml/2006/main" xmlns:r="http://schemas.openxmlformats.org/officeDocument/2006/relationships" name="Default">
+  <a:themeElements>
+    <a:clrScheme name="Default">
+      <a:dk1>
+        <a:srgbClr val="000000"/>
+      </a:dk1>
+      <a:lt1>
+        <a:srgbClr val="FFFFFF"/>
+      </a:lt1>
+      <a:dk2>
+        <a:srgbClr val="A7A7A7"/>
+      </a:dk2>
+      <a:lt2>
+        <a:srgbClr val="535353"/>
+      </a:lt2>
+      <a:accent1>
+        <a:srgbClr val="619AE3"/>
+      </a:accent1>
+      <a:accent2>
+        <a:srgbClr val="54BFB9"/>
+      </a:accent2>
+      <a:accent3>
+        <a:srgbClr val="29C439"/>
+      </a:accent3>
+      <a:accent4>
+        <a:srgbClr val="EDAC0F"/>
+      </a:accent4>
+      <a:accent5>
+        <a:srgbClr val="D41D03"/>
+      </a:accent5>
+      <a:accent6>
+        <a:srgbClr val="B264DA"/>
+      </a:accent6>
+      <a:hlink>
+        <a:srgbClr val="0000FF"/>
+      </a:hlink>
+      <a:folHlink>
+        <a:srgbClr val="FF00FF"/>
+      </a:folHlink>
+    </a:clrScheme>
+    <a:fontScheme name="Default">
+      <a:majorFont>
+        <a:latin typeface="Helvetica Neue"/>
+        <a:ea typeface="Helvetica Neue"/>
+        <a:cs typeface="Helvetica Neue"/>
+      </a:majorFont>
+      <a:minorFont>
+        <a:latin typeface="Helvetica"/>
+        <a:ea typeface="Helvetica"/>
+        <a:cs typeface="Helvetica"/>
+      </a:minorFont>
+    </a:fontScheme>
+    <a:fmtScheme name="Default">
+      <a:fillStyleLst>
+        <a:solidFill>
+          <a:schemeClr val="phClr"/>
+        </a:solidFill>
+        <a:gradFill rotWithShape="1">
+          <a:gsLst>
+            <a:gs pos="0">
+              <a:schemeClr val="phClr">
+                <a:tint val="50000"/>
+                <a:satMod val="300000"/>
+              </a:schemeClr>
+            </a:gs>
+            <a:gs pos="35000">
+              <a:schemeClr val="phClr">
+                <a:tint val="37000"/>
+                <a:satMod val="300000"/>
+              </a:schemeClr>
+            </a:gs>
+            <a:gs pos="100000">
+              <a:schemeClr val="phClr">
+                <a:tint val="15000"/>
+                <a:satMod val="350000"/>
+              </a:schemeClr>
+            </a:gs>
+          </a:gsLst>
+          <a:lin ang="16200000" scaled="1"/>
+        </a:gradFill>
+        <a:gradFill rotWithShape="1">
+          <a:gsLst>
+            <a:gs pos="0">
+              <a:schemeClr val="phClr">
+                <a:tint val="100000"/>
+                <a:shade val="100000"/>
+                <a:satMod val="129999"/>
+              </a:schemeClr>
+            </a:gs>
+            <a:gs pos="100000">
+              <a:schemeClr val="phClr">
+                <a:tint val="50000"/>
+                <a:shade val="100000"/>
+                <a:satMod val="350000"/>
+              </a:schemeClr>
+            </a:gs>
+          </a:gsLst>
+          <a:lin ang="16200000" scaled="0"/>
+        </a:gradFill>
+      </a:fillStyleLst>
+      <a:lnStyleLst>
+        <a:ln w="9525" cap="flat" cmpd="sng" algn="ctr">
+          <a:solidFill>
+            <a:schemeClr val="phClr">
+              <a:shade val="95000"/>
+              <a:satMod val="104999"/>
+            </a:schemeClr>
+          </a:solidFill>
+          <a:prstDash val="solid"/>
+        </a:ln>
+        <a:ln w="25400" cap="flat" cmpd="sng" algn="ctr">
+          <a:solidFill>
+            <a:schemeClr val="phClr"/>
+          </a:solidFill>
+          <a:prstDash val="solid"/>
+        </a:ln>
+        <a:ln w="38100" cap="flat" cmpd="sng" algn="ctr">
+          <a:solidFill>
+            <a:schemeClr val="phClr"/>
+          </a:solidFill>
+          <a:prstDash val="solid"/>
+        </a:ln>
+      </a:lnStyleLst>
+      <a:effectStyleLst>
+        <a:effectStyle>
+          <a:effectLst>
+            <a:outerShdw sx="100000" sy="100000" kx="0" ky="0" algn="b" rotWithShape="0" blurRad="50800" dist="25400" dir="5400000">
+              <a:srgbClr val="000000">
+                <a:alpha val="50000"/>
+              </a:srgbClr>
+            </a:outerShdw>
+          </a:effectLst>
+        </a:effectStyle>
+        <a:effectStyle>
+          <a:effectLst>
+            <a:outerShdw sx="100000" sy="100000" kx="0" ky="0" algn="b" rotWithShape="0" blurRad="50800" dist="25400" dir="5400000">
+              <a:srgbClr val="000000">
+                <a:alpha val="50000"/>
+              </a:srgbClr>
+            </a:outerShdw>
+          </a:effectLst>
+        </a:effectStyle>
+        <a:effectStyle>
+          <a:effectLst>
+            <a:outerShdw sx="100000" sy="100000" kx="0" ky="0" algn="b" rotWithShape="0" blurRad="50800" dist="25400" dir="5400000">
+              <a:srgbClr val="000000">
+                <a:alpha val="50000"/>
+              </a:srgbClr>
+            </a:outerShdw>
+          </a:effectLst>
+        </a:effectStyle>
+      </a:effectStyleLst>
+      <a:bgFillStyleLst>
+        <a:solidFill>
+          <a:schemeClr val="phClr"/>
+        </a:solidFill>
+        <a:gradFill rotWithShape="1">
+          <a:gsLst>
+            <a:gs pos="0">
+              <a:schemeClr val="phClr">
+                <a:tint val="40000"/>
+                <a:satMod val="350000"/>
+              </a:schemeClr>
+            </a:gs>
+            <a:gs pos="40000">
+              <a:schemeClr val="phClr">
+                <a:tint val="45000"/>
+                <a:shade val="99000"/>
+                <a:satMod val="350000"/>
+              </a:schemeClr>
+            </a:gs>
+            <a:gs pos="100000">
+              <a:schemeClr val="phClr">
+                <a:shade val="20000"/>
+                <a:satMod val="255000"/>
+              </a:schemeClr>
+            </a:gs>
+          </a:gsLst>
+          <a:path path="circle">
+            <a:fillToRect l="50000" t="-80000" r="50000" b="180000"/>
+          </a:path>
+        </a:gradFill>
+        <a:gradFill rotWithShape="1">
+          <a:gsLst>
+            <a:gs pos="0">
+              <a:schemeClr val="phClr">
+                <a:tint val="80000"/>
+                <a:satMod val="300000"/>
+              </a:schemeClr>
+            </a:gs>
+            <a:gs pos="100000">
+              <a:schemeClr val="phClr">
+                <a:shade val="30000"/>
+                <a:satMod val="200000"/>
+              </a:schemeClr>
+            </a:gs>
+          </a:gsLst>
+          <a:path path="circle">
+            <a:fillToRect l="50000" t="50000" r="50000" b="50000"/>
+          </a:path>
+        </a:gradFill>
+      </a:bgFillStyleLst>
+    </a:fmtScheme>
+  </a:themeElements>
+  <a:objectDefaults>
+    <a:spDef>
+      <a:spPr>
+        <a:solidFill>
+          <a:srgbClr val="EBEBEB"/>
+        </a:solidFill>
+        <a:ln w="25400" cap="flat">
+          <a:solidFill>
+            <a:srgbClr val="619AE3"/>
+          </a:solidFill>
+          <a:prstDash val="solid"/>
+          <a:bevel/>
+        </a:ln>
+        <a:effectLst>
+          <a:outerShdw sx="100000" sy="100000" kx="0" ky="0" algn="b" rotWithShape="0" blurRad="50800" dist="25400" dir="5400000">
+            <a:srgbClr val="000000">
+              <a:alpha val="50000"/>
+            </a:srgbClr>
+          </a:outerShdw>
+        </a:effectLst>
+      </a:spPr>
+      <a:bodyPr rot="0" spcFirstLastPara="1" vertOverflow="overflow" horzOverflow="overflow" vert="horz" wrap="square" lIns="50800" tIns="50800" rIns="50800" bIns="50800" numCol="1" spcCol="38100" rtlCol="0" anchor="ctr" upright="0">
+        <a:spAutoFit/>
+      </a:bodyPr>
+      <a:lstStyle>
+        <a:defPPr marL="0" marR="0" indent="0" algn="ctr" defTabSz="584200" rtl="0" fontAlgn="auto" latinLnBrk="1" hangingPunct="0">
+          <a:lnSpc>
+            <a:spcPct val="100000"/>
+          </a:lnSpc>
+          <a:spcBef>
+            <a:spcPts val="0"/>
+          </a:spcBef>
+          <a:spcAft>
+            <a:spcPts val="0"/>
+          </a:spcAft>
+          <a:buClrTx/>
+          <a:buSzTx/>
+          <a:buFontTx/>
+          <a:buNone/>
+          <a:tabLst/>
+          <a:defRPr b="0" baseline="0" cap="none" i="0" spc="0" strike="noStrike" sz="3800" u="none" kumimoji="0" normalizeH="0">
+            <a:ln>
+              <a:noFill/>
+            </a:ln>
+            <a:solidFill>
+              <a:srgbClr val="000000"/>
+            </a:solidFill>
+            <a:effectLst>
+              <a:outerShdw sx="100000" sy="100000" kx="0" ky="0" algn="b" rotWithShape="0" blurRad="50800" dist="25400" dir="5400000">
+                <a:srgbClr val="000000"/>
+              </a:outerShdw>
+            </a:effectLst>
+            <a:uFillTx/>
+            <a:latin typeface="+mn-lt"/>
+            <a:ea typeface="+mn-ea"/>
+            <a:cs typeface="+mn-cs"/>
+            <a:sym typeface="Helvetica"/>
+          </a:defRPr>
+        </a:defPPr>
+        <a:lvl1pPr marL="0" marR="0" indent="0" algn="l" defTabSz="914400" rtl="0" fontAlgn="auto" latinLnBrk="1" hangingPunct="0">
+          <a:lnSpc>
+            <a:spcPct val="100000"/>
+          </a:lnSpc>
+          <a:spcBef>
+            <a:spcPts val="0"/>
+          </a:spcBef>
+          <a:spcAft>
+            <a:spcPts val="0"/>
+          </a:spcAft>
+          <a:buClrTx/>
+          <a:buSzTx/>
+          <a:buFontTx/>
+          <a:buNone/>
+          <a:tabLst/>
+          <a:defRPr b="0" baseline="0" cap="none" i="0" spc="0" strike="noStrike" sz="1800" u="none" kumimoji="0" normalizeH="0">
+            <a:ln>
+              <a:noFill/>
+            </a:ln>
+            <a:solidFill>
+              <a:srgbClr val="000000"/>
+            </a:solidFill>
+            <a:effectLst/>
+            <a:uFillTx/>
+          </a:defRPr>
+        </a:lvl1pPr>
+        <a:lvl2pPr marL="0" marR="0" indent="0" algn="l" defTabSz="914400" rtl="0" fontAlgn="auto" latinLnBrk="1" hangingPunct="0">
+          <a:lnSpc>
+            <a:spcPct val="100000"/>
+          </a:lnSpc>
+          <a:spcBef>
+            <a:spcPts val="0"/>
+          </a:spcBef>
+          <a:spcAft>
+            <a:spcPts val="0"/>
+          </a:spcAft>
+          <a:buClrTx/>
+          <a:buSzTx/>
+          <a:buFontTx/>
+          <a:buNone/>
+          <a:tabLst/>
+          <a:defRPr b="0" baseline="0" cap="none" i="0" spc="0" strike="noStrike" sz="1800" u="none" kumimoji="0" normalizeH="0">
+            <a:ln>
+              <a:noFill/>
+            </a:ln>
+            <a:solidFill>
+              <a:srgbClr val="000000"/>
+            </a:solidFill>
+            <a:effectLst/>
+            <a:uFillTx/>
+          </a:defRPr>
+        </a:lvl2pPr>
+        <a:lvl3pPr marL="0" marR="0" indent="0" algn="l" defTabSz="914400" rtl="0" fontAlgn="auto" latinLnBrk="1" hangingPunct="0">
+          <a:lnSpc>
+            <a:spcPct val="100000"/>
+          </a:lnSpc>
+          <a:spcBef>
+            <a:spcPts val="0"/>
+          </a:spcBef>
+          <a:spcAft>
+            <a:spcPts val="0"/>
+          </a:spcAft>
+          <a:buClrTx/>
+          <a:buSzTx/>
+          <a:buFontTx/>
+          <a:buNone/>
+          <a:tabLst/>
+          <a:defRPr b="0" baseline="0" cap="none" i="0" spc="0" strike="noStrike" sz="1800" u="none" kumimoji="0" normalizeH="0">
+            <a:ln>
+              <a:noFill/>
+            </a:ln>
+            <a:solidFill>
+              <a:srgbClr val="000000"/>
+            </a:solidFill>
+            <a:effectLst/>
+            <a:uFillTx/>
+          </a:defRPr>
+        </a:lvl3pPr>
+        <a:lvl4pPr marL="0" marR="0" indent="0" algn="l" defTabSz="914400" rtl="0" fontAlgn="auto" latinLnBrk="1" hangingPunct="0">
+          <a:lnSpc>
+            <a:spcPct val="100000"/>
+          </a:lnSpc>
+          <a:spcBef>
+            <a:spcPts val="0"/>
+          </a:spcBef>
+          <a:spcAft>
+            <a:spcPts val="0"/>
+          </a:spcAft>
+          <a:buClrTx/>
+          <a:buSzTx/>
+          <a:buFontTx/>
+          <a:buNone/>
+          <a:tabLst/>
+          <a:defRPr b="0" baseline="0" cap="none" i="0" spc="0" strike="noStrike" sz="1800" u="none" kumimoji="0" normalizeH="0">
+            <a:ln>
+              <a:noFill/>
+            </a:ln>
+            <a:solidFill>
+              <a:srgbClr val="000000"/>
+            </a:solidFill>
+            <a:effectLst/>
+            <a:uFillTx/>
+          </a:defRPr>
+        </a:lvl4pPr>
+        <a:lvl5pPr marL="0" marR="0" indent="0" algn="l" defTabSz="914400" rtl="0" fontAlgn="auto" latinLnBrk="1" hangingPunct="0">
+          <a:lnSpc>
+            <a:spcPct val="100000"/>
+          </a:lnSpc>
+          <a:spcBef>
+            <a:spcPts val="0"/>
+          </a:spcBef>
+          <a:spcAft>
+            <a:spcPts val="0"/>
+          </a:spcAft>
+          <a:buClrTx/>
+          <a:buSzTx/>
+          <a:buFontTx/>
+          <a:buNone/>
+          <a:tabLst/>
+          <a:defRPr b="0" baseline="0" cap="none" i="0" spc="0" strike="noStrike" sz="1800" u="none" kumimoji="0" normalizeH="0">
+            <a:ln>
+              <a:noFill/>
+            </a:ln>
+            <a:solidFill>
+              <a:srgbClr val="000000"/>
+            </a:solidFill>
+            <a:effectLst/>
+            <a:uFillTx/>
+          </a:defRPr>
+        </a:lvl5pPr>
+        <a:lvl6pPr marL="0" marR="0" indent="0" algn="l" defTabSz="914400" rtl="0" fontAlgn="auto" latinLnBrk="1" hangingPunct="0">
+          <a:lnSpc>
+            <a:spcPct val="100000"/>
+          </a:lnSpc>
+          <a:spcBef>
+            <a:spcPts val="0"/>
+          </a:spcBef>
+          <a:spcAft>
+            <a:spcPts val="0"/>
+          </a:spcAft>
+          <a:buClrTx/>
+          <a:buSzTx/>
+          <a:buFontTx/>
+          <a:buNone/>
+          <a:tabLst/>
+          <a:defRPr b="0" baseline="0" cap="none" i="0" spc="0" strike="noStrike" sz="1800" u="none" kumimoji="0" normalizeH="0">
+            <a:ln>
+              <a:noFill/>
+            </a:ln>
+            <a:solidFill>
+              <a:srgbClr val="000000"/>
+            </a:solidFill>
+            <a:effectLst/>
+            <a:uFillTx/>
+          </a:defRPr>
+        </a:lvl6pPr>
+        <a:lvl7pPr marL="0" marR="0" indent="0" algn="l" defTabSz="914400" rtl="0" fontAlgn="auto" latinLnBrk="1" hangingPunct="0">
+          <a:lnSpc>
+            <a:spcPct val="100000"/>
+          </a:lnSpc>
+          <a:spcBef>
+            <a:spcPts val="0"/>
+          </a:spcBef>
+          <a:spcAft>
+            <a:spcPts val="0"/>
+          </a:spcAft>
+          <a:buClrTx/>
+          <a:buSzTx/>
+          <a:buFontTx/>
+          <a:buNone/>
+          <a:tabLst/>
+          <a:defRPr b="0" baseline="0" cap="none" i="0" spc="0" strike="noStrike" sz="1800" u="none" kumimoji="0" normalizeH="0">
+            <a:ln>
+              <a:noFill/>
+            </a:ln>
+            <a:solidFill>
+              <a:srgbClr val="000000"/>
+            </a:solidFill>
+            <a:effectLst/>
+            <a:uFillTx/>
+          </a:defRPr>
+        </a:lvl7pPr>
+        <a:lvl8pPr marL="0" marR="0" indent="0" algn="l" defTabSz="914400" rtl="0" fontAlgn="auto" latinLnBrk="1" hangingPunct="0">
+          <a:lnSpc>
+            <a:spcPct val="100000"/>
+          </a:lnSpc>
+          <a:spcBef>
+            <a:spcPts val="0"/>
+          </a:spcBef>
+          <a:spcAft>
+            <a:spcPts val="0"/>
+          </a:spcAft>
+          <a:buClrTx/>
+          <a:buSzTx/>
+          <a:buFontTx/>
+          <a:buNone/>
+          <a:tabLst/>
+          <a:defRPr b="0" baseline="0" cap="none" i="0" spc="0" strike="noStrike" sz="1800" u="none" kumimoji="0" normalizeH="0">
+            <a:ln>
+              <a:noFill/>
+            </a:ln>
+            <a:solidFill>
+              <a:srgbClr val="000000"/>
+            </a:solidFill>
+            <a:effectLst/>
+            <a:uFillTx/>
+          </a:defRPr>
+        </a:lvl8pPr>
+        <a:lvl9pPr marL="0" marR="0" indent="0" algn="l" defTabSz="914400" rtl="0" fontAlgn="auto" latinLnBrk="1" hangingPunct="0">
+          <a:lnSpc>
+            <a:spcPct val="100000"/>
+          </a:lnSpc>
+          <a:spcBef>
+            <a:spcPts val="0"/>
+          </a:spcBef>
+          <a:spcAft>
+            <a:spcPts val="0"/>
+          </a:spcAft>
+          <a:buClrTx/>
+          <a:buSzTx/>
+          <a:buFontTx/>
+          <a:buNone/>
+          <a:tabLst/>
+          <a:defRPr b="0" baseline="0" cap="none" i="0" spc="0" strike="noStrike" sz="1800" u="none" kumimoji="0" normalizeH="0">
+            <a:ln>
+              <a:noFill/>
+            </a:ln>
+            <a:solidFill>
+              <a:srgbClr val="000000"/>
+            </a:solidFill>
+            <a:effectLst/>
+            <a:uFillTx/>
+          </a:defRPr>
+        </a:lvl9pPr>
+      </a:lstStyle>
+      <a:style>
+        <a:lnRef idx="0"/>
+        <a:fillRef idx="0"/>
+        <a:effectRef idx="0"/>
+        <a:fontRef idx="none"/>
+      </a:style>
+    </a:spDef>
+    <a:lnDef>
+      <a:spPr>
+        <a:noFill/>
+        <a:ln w="25400" cap="flat">
+          <a:solidFill>
+            <a:srgbClr val="619AE3"/>
+          </a:solidFill>
+          <a:prstDash val="solid"/>
+          <a:bevel/>
+        </a:ln>
+        <a:effectLst>
+          <a:outerShdw sx="100000" sy="100000" kx="0" ky="0" algn="b" rotWithShape="0" blurRad="50800" dist="25400" dir="5400000">
+            <a:srgbClr val="000000">
+              <a:alpha val="50000"/>
+            </a:srgbClr>
+          </a:outerShdw>
+        </a:effectLst>
+      </a:spPr>
+      <a:bodyPr rot="0" spcFirstLastPara="1" vertOverflow="overflow" horzOverflow="overflow" vert="horz" wrap="square" lIns="91439" tIns="45719" rIns="91439" bIns="45719" numCol="1" spcCol="38100" rtlCol="0" anchor="t" upright="0">
+        <a:noAutofit/>
+      </a:bodyPr>
+      <a:lstStyle>
+        <a:defPPr marL="0" marR="0" indent="0" algn="l" defTabSz="914400" rtl="0" fontAlgn="auto" latinLnBrk="1" hangingPunct="0">
+          <a:lnSpc>
+            <a:spcPct val="100000"/>
+          </a:lnSpc>
+          <a:spcBef>
+            <a:spcPts val="0"/>
+          </a:spcBef>
+          <a:spcAft>
+            <a:spcPts val="0"/>
+          </a:spcAft>
+          <a:buClrTx/>
+          <a:buSzTx/>
+          <a:buFontTx/>
+          <a:buNone/>
+          <a:tabLst/>
+          <a:defRPr b="0" baseline="0" cap="none" i="0" spc="0" strike="noStrike" sz="1800" u="none" kumimoji="0" normalizeH="0">
+            <a:ln>
+              <a:noFill/>
+            </a:ln>
+            <a:solidFill>
+              <a:srgbClr val="000000"/>
+            </a:solidFill>
+            <a:effectLst/>
+            <a:uFillTx/>
+          </a:defRPr>
+        </a:defPPr>
+        <a:lvl1pPr marL="0" marR="0" indent="0" algn="l" defTabSz="914400" rtl="0" fontAlgn="auto" latinLnBrk="1" hangingPunct="0">
+          <a:lnSpc>
+            <a:spcPct val="100000"/>
+          </a:lnSpc>
+          <a:spcBef>
+            <a:spcPts val="0"/>
+          </a:spcBef>
+          <a:spcAft>
+            <a:spcPts val="0"/>
+          </a:spcAft>
+          <a:buClrTx/>
+          <a:buSzTx/>
+          <a:buFontTx/>
+          <a:buNone/>
+          <a:tabLst/>
+          <a:defRPr b="0" baseline="0" cap="none" i="0" spc="0" strike="noStrike" sz="1800" u="none" kumimoji="0" normalizeH="0">
+            <a:ln>
+              <a:noFill/>
+            </a:ln>
+            <a:solidFill>
+              <a:srgbClr val="000000"/>
+            </a:solidFill>
+            <a:effectLst/>
+            <a:uFillTx/>
+          </a:defRPr>
+        </a:lvl1pPr>
+        <a:lvl2pPr marL="0" marR="0" indent="0" algn="l" defTabSz="914400" rtl="0" fontAlgn="auto" latinLnBrk="1" hangingPunct="0">
+          <a:lnSpc>
+            <a:spcPct val="100000"/>
+          </a:lnSpc>
+          <a:spcBef>
+            <a:spcPts val="0"/>
+          </a:spcBef>
+          <a:spcAft>
+            <a:spcPts val="0"/>
+          </a:spcAft>
+          <a:buClrTx/>
+          <a:buSzTx/>
+          <a:buFontTx/>
+          <a:buNone/>
+          <a:tabLst/>
+          <a:defRPr b="0" baseline="0" cap="none" i="0" spc="0" strike="noStrike" sz="1800" u="none" kumimoji="0" normalizeH="0">
+            <a:ln>
+              <a:noFill/>
+            </a:ln>
+            <a:solidFill>
+              <a:srgbClr val="000000"/>
+            </a:solidFill>
+            <a:effectLst/>
+            <a:uFillTx/>
+          </a:defRPr>
+        </a:lvl2pPr>
+        <a:lvl3pPr marL="0" marR="0" indent="0" algn="l" defTabSz="914400" rtl="0" fontAlgn="auto" latinLnBrk="1" hangingPunct="0">
+          <a:lnSpc>
+            <a:spcPct val="100000"/>
+          </a:lnSpc>
+          <a:spcBef>
+            <a:spcPts val="0"/>
+          </a:spcBef>
+          <a:spcAft>
+            <a:spcPts val="0"/>
+          </a:spcAft>
+          <a:buClrTx/>
+          <a:buSzTx/>
+          <a:buFontTx/>
+          <a:buNone/>
+          <a:tabLst/>
+          <a:defRPr b="0" baseline="0" cap="none" i="0" spc="0" strike="noStrike" sz="1800" u="none" kumimoji="0" normalizeH="0">
+            <a:ln>
+              <a:noFill/>
+            </a:ln>
+            <a:solidFill>
+              <a:srgbClr val="000000"/>
+            </a:solidFill>
+            <a:effectLst/>
+            <a:uFillTx/>
+          </a:defRPr>
+        </a:lvl3pPr>
+        <a:lvl4pPr marL="0" marR="0" indent="0" algn="l" defTabSz="914400" rtl="0" fontAlgn="auto" latinLnBrk="1" hangingPunct="0">
+          <a:lnSpc>
+            <a:spcPct val="100000"/>
+          </a:lnSpc>
+          <a:spcBef>
+            <a:spcPts val="0"/>
+          </a:spcBef>
+          <a:spcAft>
+            <a:spcPts val="0"/>
+          </a:spcAft>
+          <a:buClrTx/>
+          <a:buSzTx/>
+          <a:buFontTx/>
+          <a:buNone/>
+          <a:tabLst/>
+          <a:defRPr b="0" baseline="0" cap="none" i="0" spc="0" strike="noStrike" sz="1800" u="none" kumimoji="0" normalizeH="0">
+            <a:ln>
+              <a:noFill/>
+            </a:ln>
+            <a:solidFill>
+              <a:srgbClr val="000000"/>
+            </a:solidFill>
+            <a:effectLst/>
+            <a:uFillTx/>
+          </a:defRPr>
+        </a:lvl4pPr>
+        <a:lvl5pPr marL="0" marR="0" indent="0" algn="l" defTabSz="914400" rtl="0" fontAlgn="auto" latinLnBrk="1" hangingPunct="0">
+          <a:lnSpc>
+            <a:spcPct val="100000"/>
+          </a:lnSpc>
+          <a:spcBef>
+            <a:spcPts val="0"/>
+          </a:spcBef>
+          <a:spcAft>
+            <a:spcPts val="0"/>
+          </a:spcAft>
+          <a:buClrTx/>
+          <a:buSzTx/>
+          <a:buFontTx/>
+          <a:buNone/>
+          <a:tabLst/>
+          <a:defRPr b="0" baseline="0" cap="none" i="0" spc="0" strike="noStrike" sz="1800" u="none" kumimoji="0" normalizeH="0">
+            <a:ln>
+              <a:noFill/>
+            </a:ln>
+            <a:solidFill>
+              <a:srgbClr val="000000"/>
+            </a:solidFill>
+            <a:effectLst/>
+            <a:uFillTx/>
+          </a:defRPr>
+        </a:lvl5pPr>
+        <a:lvl6pPr marL="0" marR="0" indent="0" algn="l" defTabSz="914400" rtl="0" fontAlgn="auto" latinLnBrk="1" hangingPunct="0">
+          <a:lnSpc>
+            <a:spcPct val="100000"/>
+          </a:lnSpc>
+          <a:spcBef>
+            <a:spcPts val="0"/>
+          </a:spcBef>
+          <a:spcAft>
+            <a:spcPts val="0"/>
+          </a:spcAft>
+          <a:buClrTx/>
+          <a:buSzTx/>
+          <a:buFontTx/>
+          <a:buNone/>
+          <a:tabLst/>
+          <a:defRPr b="0" baseline="0" cap="none" i="0" spc="0" strike="noStrike" sz="1800" u="none" kumimoji="0" normalizeH="0">
+            <a:ln>
+              <a:noFill/>
+            </a:ln>
+            <a:solidFill>
+              <a:srgbClr val="000000"/>
+            </a:solidFill>
+            <a:effectLst/>
+            <a:uFillTx/>
+          </a:defRPr>
+        </a:lvl6pPr>
+        <a:lvl7pPr marL="0" marR="0" indent="0" algn="l" defTabSz="914400" rtl="0" fontAlgn="auto" latinLnBrk="1" hangingPunct="0">
+          <a:lnSpc>
+            <a:spcPct val="100000"/>
+          </a:lnSpc>
+          <a:spcBef>
+            <a:spcPts val="0"/>
+          </a:spcBef>
+          <a:spcAft>
+            <a:spcPts val="0"/>
+          </a:spcAft>
+          <a:buClrTx/>
+          <a:buSzTx/>
+          <a:buFontTx/>
+          <a:buNone/>
+          <a:tabLst/>
+          <a:defRPr b="0" baseline="0" cap="none" i="0" spc="0" strike="noStrike" sz="1800" u="none" kumimoji="0" normalizeH="0">
+            <a:ln>
+              <a:noFill/>
+            </a:ln>
+            <a:solidFill>
+              <a:srgbClr val="000000"/>
+            </a:solidFill>
+            <a:effectLst/>
+            <a:uFillTx/>
+          </a:defRPr>
+        </a:lvl7pPr>
+        <a:lvl8pPr marL="0" marR="0" indent="0" algn="l" defTabSz="914400" rtl="0" fontAlgn="auto" latinLnBrk="1" hangingPunct="0">
+          <a:lnSpc>
+            <a:spcPct val="100000"/>
+          </a:lnSpc>
+          <a:spcBef>
+            <a:spcPts val="0"/>
+          </a:spcBef>
+          <a:spcAft>
+            <a:spcPts val="0"/>
+          </a:spcAft>
+          <a:buClrTx/>
+          <a:buSzTx/>
+          <a:buFontTx/>
+          <a:buNone/>
+          <a:tabLst/>
+          <a:defRPr b="0" baseline="0" cap="none" i="0" spc="0" strike="noStrike" sz="1800" u="none" kumimoji="0" normalizeH="0">
+            <a:ln>
+              <a:noFill/>
+            </a:ln>
+            <a:solidFill>
+              <a:srgbClr val="000000"/>
+            </a:solidFill>
+            <a:effectLst/>
+            <a:uFillTx/>
+          </a:defRPr>
+        </a:lvl8pPr>
+        <a:lvl9pPr marL="0" marR="0" indent="0" algn="l" defTabSz="914400" rtl="0" fontAlgn="auto" latinLnBrk="1" hangingPunct="0">
+          <a:lnSpc>
+            <a:spcPct val="100000"/>
+          </a:lnSpc>
+          <a:spcBef>
+            <a:spcPts val="0"/>
+          </a:spcBef>
+          <a:spcAft>
+            <a:spcPts val="0"/>
+          </a:spcAft>
+          <a:buClrTx/>
+          <a:buSzTx/>
+          <a:buFontTx/>
+          <a:buNone/>
+          <a:tabLst/>
+          <a:defRPr b="0" baseline="0" cap="none" i="0" spc="0" strike="noStrike" sz="1800" u="none" kumimoji="0" normalizeH="0">
+            <a:ln>
+              <a:noFill/>
+            </a:ln>
+            <a:solidFill>
+              <a:srgbClr val="000000"/>
+            </a:solidFill>
+            <a:effectLst/>
+            <a:uFillTx/>
+          </a:defRPr>
+        </a:lvl9pPr>
+      </a:lstStyle>
+      <a:style>
+        <a:lnRef idx="0"/>
+        <a:fillRef idx="0"/>
+        <a:effectRef idx="0"/>
+        <a:fontRef idx="none"/>
+      </a:style>
+    </a:lnDef>
+    <a:txDef>
+      <a:spPr>
+        <a:noFill/>
+        <a:ln w="12700" cap="flat">
+          <a:noFill/>
+          <a:miter lim="400000"/>
+        </a:ln>
+        <a:effectLst/>
+      </a:spPr>
+      <a:bodyPr rot="0" spcFirstLastPara="1" vertOverflow="overflow" horzOverflow="overflow" vert="horz" wrap="square" lIns="50800" tIns="50800" rIns="50800" bIns="50800" numCol="1" spcCol="38100" rtlCol="0" anchor="ctr" upright="0">
+        <a:spAutoFit/>
+      </a:bodyPr>
+      <a:lstStyle>
+        <a:defPPr marL="0" marR="0" indent="0" algn="ctr" defTabSz="584200" rtl="0" fontAlgn="auto" latinLnBrk="1" hangingPunct="0">
+          <a:lnSpc>
+            <a:spcPct val="100000"/>
+          </a:lnSpc>
+          <a:spcBef>
+            <a:spcPts val="0"/>
+          </a:spcBef>
+          <a:spcAft>
+            <a:spcPts val="0"/>
+          </a:spcAft>
+          <a:buClrTx/>
+          <a:buSzTx/>
+          <a:buFontTx/>
+          <a:buNone/>
+          <a:tabLst/>
+          <a:defRPr b="0" baseline="0" cap="none" i="0" spc="0" strike="noStrike" sz="3800" u="none" kumimoji="0" normalizeH="0">
+            <a:ln>
+              <a:noFill/>
+            </a:ln>
+            <a:solidFill>
+              <a:srgbClr val="000000"/>
+            </a:solidFill>
+            <a:effectLst>
+              <a:outerShdw sx="100000" sy="100000" kx="0" ky="0" algn="b" rotWithShape="0" blurRad="50800" dist="25400" dir="5400000">
+                <a:srgbClr val="000000"/>
+              </a:outerShdw>
+            </a:effectLst>
+            <a:uFillTx/>
+            <a:latin typeface="+mn-lt"/>
+            <a:ea typeface="+mn-ea"/>
+            <a:cs typeface="+mn-cs"/>
+            <a:sym typeface="Helvetica"/>
+          </a:defRPr>
+        </a:defPPr>
+        <a:lvl1pPr marL="0" marR="0" indent="0" algn="l" defTabSz="914400" rtl="0" fontAlgn="auto" latinLnBrk="1" hangingPunct="0">
+          <a:lnSpc>
+            <a:spcPct val="100000"/>
+          </a:lnSpc>
+          <a:spcBef>
+            <a:spcPts val="0"/>
+          </a:spcBef>
+          <a:spcAft>
+            <a:spcPts val="0"/>
+          </a:spcAft>
+          <a:buClrTx/>
+          <a:buSzTx/>
+          <a:buFontTx/>
+          <a:buNone/>
+          <a:tabLst/>
+          <a:defRPr b="0" baseline="0" cap="none" i="0" spc="0" strike="noStrike" sz="1800" u="none" kumimoji="0" normalizeH="0">
+            <a:ln>
+              <a:noFill/>
+            </a:ln>
+            <a:solidFill>
+              <a:srgbClr val="000000"/>
+            </a:solidFill>
+            <a:effectLst/>
+            <a:uFillTx/>
+          </a:defRPr>
+        </a:lvl1pPr>
+        <a:lvl2pPr marL="0" marR="0" indent="0" algn="l" defTabSz="914400" rtl="0" fontAlgn="auto" latinLnBrk="1" hangingPunct="0">
+          <a:lnSpc>
+            <a:spcPct val="100000"/>
+          </a:lnSpc>
+          <a:spcBef>
+            <a:spcPts val="0"/>
+          </a:spcBef>
+          <a:spcAft>
+            <a:spcPts val="0"/>
+          </a:spcAft>
+          <a:buClrTx/>
+          <a:buSzTx/>
+          <a:buFontTx/>
+          <a:buNone/>
+          <a:tabLst/>
+          <a:defRPr b="0" baseline="0" cap="none" i="0" spc="0" strike="noStrike" sz="1800" u="none" kumimoji="0" normalizeH="0">
+            <a:ln>
+              <a:noFill/>
+            </a:ln>
+            <a:solidFill>
+              <a:srgbClr val="000000"/>
+            </a:solidFill>
+            <a:effectLst/>
+            <a:uFillTx/>
+          </a:defRPr>
+        </a:lvl2pPr>
+        <a:lvl3pPr marL="0" marR="0" indent="0" algn="l" defTabSz="914400" rtl="0" fontAlgn="auto" latinLnBrk="1" hangingPunct="0">
+          <a:lnSpc>
+            <a:spcPct val="100000"/>
+          </a:lnSpc>
+          <a:spcBef>
+            <a:spcPts val="0"/>
+          </a:spcBef>
+          <a:spcAft>
+            <a:spcPts val="0"/>
+          </a:spcAft>
+          <a:buClrTx/>
+          <a:buSzTx/>
+          <a:buFontTx/>
+          <a:buNone/>
+          <a:tabLst/>
+          <a:defRPr b="0" baseline="0" cap="none" i="0" spc="0" strike="noStrike" sz="1800" u="none" kumimoji="0" normalizeH="0">
+            <a:ln>
+              <a:noFill/>
+            </a:ln>
+            <a:solidFill>
+              <a:srgbClr val="000000"/>
+            </a:solidFill>
+            <a:effectLst/>
+            <a:uFillTx/>
+          </a:defRPr>
+        </a:lvl3pPr>
+        <a:lvl4pPr marL="0" marR="0" indent="0" algn="l" defTabSz="914400" rtl="0" fontAlgn="auto" latinLnBrk="1" hangingPunct="0">
+          <a:lnSpc>
+            <a:spcPct val="100000"/>
+          </a:lnSpc>
+          <a:spcBef>
+            <a:spcPts val="0"/>
+          </a:spcBef>
+          <a:spcAft>
+            <a:spcPts val="0"/>
+          </a:spcAft>
+          <a:buClrTx/>
+          <a:buSzTx/>
+          <a:buFontTx/>
+          <a:buNone/>
+          <a:tabLst/>
+          <a:defRPr b="0" baseline="0" cap="none" i="0" spc="0" strike="noStrike" sz="1800" u="none" kumimoji="0" normalizeH="0">
+            <a:ln>
+              <a:noFill/>
+            </a:ln>
+            <a:solidFill>
+              <a:srgbClr val="000000"/>
+            </a:solidFill>
+            <a:effectLst/>
+            <a:uFillTx/>
+          </a:defRPr>
+        </a:lvl4pPr>
+        <a:lvl5pPr marL="0" marR="0" indent="0" algn="l" defTabSz="914400" rtl="0" fontAlgn="auto" latinLnBrk="1" hangingPunct="0">
+          <a:lnSpc>
+            <a:spcPct val="100000"/>
+          </a:lnSpc>
+          <a:spcBef>
+            <a:spcPts val="0"/>
+          </a:spcBef>
+          <a:spcAft>
+            <a:spcPts val="0"/>
+          </a:spcAft>
+          <a:buClrTx/>
+          <a:buSzTx/>
+          <a:buFontTx/>
+          <a:buNone/>
+          <a:tabLst/>
+          <a:defRPr b="0" baseline="0" cap="none" i="0" spc="0" strike="noStrike" sz="1800" u="none" kumimoji="0" normalizeH="0">
+            <a:ln>
+              <a:noFill/>
+            </a:ln>
+            <a:solidFill>
+              <a:srgbClr val="000000"/>
+            </a:solidFill>
+            <a:effectLst/>
+            <a:uFillTx/>
+          </a:defRPr>
+        </a:lvl5pPr>
+        <a:lvl6pPr marL="0" marR="0" indent="0" algn="l" defTabSz="914400" rtl="0" fontAlgn="auto" latinLnBrk="1" hangingPunct="0">
+          <a:lnSpc>
+            <a:spcPct val="100000"/>
+          </a:lnSpc>
+          <a:spcBef>
+            <a:spcPts val="0"/>
+          </a:spcBef>
+          <a:spcAft>
+            <a:spcPts val="0"/>
+          </a:spcAft>
+          <a:buClrTx/>
+          <a:buSzTx/>
+          <a:buFontTx/>
+          <a:buNone/>
+          <a:tabLst/>
+          <a:defRPr b="0" baseline="0" cap="none" i="0" spc="0" strike="noStrike" sz="1800" u="none" kumimoji="0" normalizeH="0">
+            <a:ln>
+              <a:noFill/>
+            </a:ln>
+            <a:solidFill>
+              <a:srgbClr val="000000"/>
+            </a:solidFill>
+            <a:effectLst/>
+            <a:uFillTx/>
+          </a:defRPr>
+        </a:lvl6pPr>
+        <a:lvl7pPr marL="0" marR="0" indent="0" algn="l" defTabSz="914400" rtl="0" fontAlgn="auto" latinLnBrk="1" hangingPunct="0">
+          <a:lnSpc>
+            <a:spcPct val="100000"/>
+          </a:lnSpc>
+          <a:spcBef>
+            <a:spcPts val="0"/>
+          </a:spcBef>
+          <a:spcAft>
+            <a:spcPts val="0"/>
+          </a:spcAft>
+          <a:buClrTx/>
+          <a:buSzTx/>
+          <a:buFontTx/>
+          <a:buNone/>
+          <a:tabLst/>
+          <a:defRPr b="0" baseline="0" cap="none" i="0" spc="0" strike="noStrike" sz="1800" u="none" kumimoji="0" normalizeH="0">
+            <a:ln>
+              <a:noFill/>
+            </a:ln>
+            <a:solidFill>
+              <a:srgbClr val="000000"/>
+            </a:solidFill>
+            <a:effectLst/>
+            <a:uFillTx/>
+          </a:defRPr>
+        </a:lvl7pPr>
+        <a:lvl8pPr marL="0" marR="0" indent="0" algn="l" defTabSz="914400" rtl="0" fontAlgn="auto" latinLnBrk="1" hangingPunct="0">
+          <a:lnSpc>
+            <a:spcPct val="100000"/>
+          </a:lnSpc>
+          <a:spcBef>
+            <a:spcPts val="0"/>
+          </a:spcBef>
+          <a:spcAft>
+            <a:spcPts val="0"/>
+          </a:spcAft>
+          <a:buClrTx/>
+          <a:buSzTx/>
+          <a:buFontTx/>
+          <a:buNone/>
+          <a:tabLst/>
+          <a:defRPr b="0" baseline="0" cap="none" i="0" spc="0" strike="noStrike" sz="1800" u="none" kumimoji="0" normalizeH="0">
+            <a:ln>
+              <a:noFill/>
+            </a:ln>
+            <a:solidFill>
+              <a:srgbClr val="000000"/>
+            </a:solidFill>
+            <a:effectLst/>
+            <a:uFillTx/>
+          </a:defRPr>
+        </a:lvl8pPr>
+        <a:lvl9pPr marL="0" marR="0" indent="0" algn="l" defTabSz="914400" rtl="0" fontAlgn="auto" latinLnBrk="1" hangingPunct="0">
+          <a:lnSpc>
+            <a:spcPct val="100000"/>
+          </a:lnSpc>
+          <a:spcBef>
+            <a:spcPts val="0"/>
+          </a:spcBef>
+          <a:spcAft>
+            <a:spcPts val="0"/>
+          </a:spcAft>
+          <a:buClrTx/>
+          <a:buSzTx/>
+          <a:buFontTx/>
+          <a:buNone/>
+          <a:tabLst/>
+          <a:defRPr b="0" baseline="0" cap="none" i="0" spc="0" strike="noStrike" sz="1800" u="none" kumimoji="0" normalizeH="0">
+            <a:ln>
+              <a:noFill/>
+            </a:ln>
+            <a:solidFill>
+              <a:srgbClr val="000000"/>
+            </a:solidFill>
+            <a:effectLst/>
+            <a:uFillTx/>
+          </a:defRPr>
+        </a:lvl9pPr>
+      </a:lstStyle>
+      <a:style>
+        <a:lnRef idx="0"/>
+        <a:fillRef idx="0"/>
+        <a:effectRef idx="0"/>
+        <a:fontRef idx="none"/>
+      </a:style>
+    </a:txDef>
+  </a:objectDefaults>
 </a:theme>
 </file>